--- a/GIT.pptx
+++ b/GIT.pptx
@@ -34,7 +34,8 @@
     <p:sldId id="289" r:id="rId28"/>
     <p:sldId id="284" r:id="rId29"/>
     <p:sldId id="282" r:id="rId30"/>
-    <p:sldId id="283" r:id="rId31"/>
+    <p:sldId id="292" r:id="rId31"/>
+    <p:sldId id="283" r:id="rId32"/>
   </p:sldIdLst>
   <p:sldSz cx="9144000" cy="6858000" type="screen4x3"/>
   <p:notesSz cx="6858000" cy="9144000"/>
@@ -331,7 +332,7 @@
           <a:p>
             <a:fld id="{346C9E4B-661A-4012-86D4-6E0B650EA033}" type="datetimeFigureOut">
               <a:rPr lang="de-DE" smtClean="0"/>
-              <a:t>07.01.19</a:t>
+              <a:t>09.01.19</a:t>
             </a:fld>
             <a:endParaRPr lang="de-DE"/>
           </a:p>
@@ -499,7 +500,7 @@
           <a:p>
             <a:fld id="{346C9E4B-661A-4012-86D4-6E0B650EA033}" type="datetimeFigureOut">
               <a:rPr lang="de-DE" smtClean="0"/>
-              <a:t>07.01.19</a:t>
+              <a:t>09.01.19</a:t>
             </a:fld>
             <a:endParaRPr lang="de-DE"/>
           </a:p>
@@ -677,7 +678,7 @@
           <a:p>
             <a:fld id="{346C9E4B-661A-4012-86D4-6E0B650EA033}" type="datetimeFigureOut">
               <a:rPr lang="de-DE" smtClean="0"/>
-              <a:t>07.01.19</a:t>
+              <a:t>09.01.19</a:t>
             </a:fld>
             <a:endParaRPr lang="de-DE"/>
           </a:p>
@@ -845,7 +846,7 @@
           <a:p>
             <a:fld id="{346C9E4B-661A-4012-86D4-6E0B650EA033}" type="datetimeFigureOut">
               <a:rPr lang="de-DE" smtClean="0"/>
-              <a:t>07.01.19</a:t>
+              <a:t>09.01.19</a:t>
             </a:fld>
             <a:endParaRPr lang="de-DE"/>
           </a:p>
@@ -1090,7 +1091,7 @@
           <a:p>
             <a:fld id="{346C9E4B-661A-4012-86D4-6E0B650EA033}" type="datetimeFigureOut">
               <a:rPr lang="de-DE" smtClean="0"/>
-              <a:t>07.01.19</a:t>
+              <a:t>09.01.19</a:t>
             </a:fld>
             <a:endParaRPr lang="de-DE"/>
           </a:p>
@@ -1375,7 +1376,7 @@
           <a:p>
             <a:fld id="{346C9E4B-661A-4012-86D4-6E0B650EA033}" type="datetimeFigureOut">
               <a:rPr lang="de-DE" smtClean="0"/>
-              <a:t>07.01.19</a:t>
+              <a:t>09.01.19</a:t>
             </a:fld>
             <a:endParaRPr lang="de-DE"/>
           </a:p>
@@ -1794,7 +1795,7 @@
           <a:p>
             <a:fld id="{346C9E4B-661A-4012-86D4-6E0B650EA033}" type="datetimeFigureOut">
               <a:rPr lang="de-DE" smtClean="0"/>
-              <a:t>07.01.19</a:t>
+              <a:t>09.01.19</a:t>
             </a:fld>
             <a:endParaRPr lang="de-DE"/>
           </a:p>
@@ -1911,7 +1912,7 @@
           <a:p>
             <a:fld id="{346C9E4B-661A-4012-86D4-6E0B650EA033}" type="datetimeFigureOut">
               <a:rPr lang="de-DE" smtClean="0"/>
-              <a:t>07.01.19</a:t>
+              <a:t>09.01.19</a:t>
             </a:fld>
             <a:endParaRPr lang="de-DE"/>
           </a:p>
@@ -2006,7 +2007,7 @@
           <a:p>
             <a:fld id="{346C9E4B-661A-4012-86D4-6E0B650EA033}" type="datetimeFigureOut">
               <a:rPr lang="de-DE" smtClean="0"/>
-              <a:t>07.01.19</a:t>
+              <a:t>09.01.19</a:t>
             </a:fld>
             <a:endParaRPr lang="de-DE"/>
           </a:p>
@@ -2281,7 +2282,7 @@
           <a:p>
             <a:fld id="{346C9E4B-661A-4012-86D4-6E0B650EA033}" type="datetimeFigureOut">
               <a:rPr lang="de-DE" smtClean="0"/>
-              <a:t>07.01.19</a:t>
+              <a:t>09.01.19</a:t>
             </a:fld>
             <a:endParaRPr lang="de-DE"/>
           </a:p>
@@ -2533,7 +2534,7 @@
           <a:p>
             <a:fld id="{346C9E4B-661A-4012-86D4-6E0B650EA033}" type="datetimeFigureOut">
               <a:rPr lang="de-DE" smtClean="0"/>
-              <a:t>07.01.19</a:t>
+              <a:t>09.01.19</a:t>
             </a:fld>
             <a:endParaRPr lang="de-DE"/>
           </a:p>
@@ -2744,7 +2745,7 @@
           <a:p>
             <a:fld id="{346C9E4B-661A-4012-86D4-6E0B650EA033}" type="datetimeFigureOut">
               <a:rPr lang="de-DE" smtClean="0"/>
-              <a:t>07.01.19</a:t>
+              <a:t>09.01.19</a:t>
             </a:fld>
             <a:endParaRPr lang="de-DE"/>
           </a:p>
@@ -32090,6 +32091,185 @@
       </p:grpSpPr>
       <p:sp>
         <p:nvSpPr>
+          <p:cNvPr id="2" name="Titel 1">
+            <a:extLst>
+              <a:ext uri="{FF2B5EF4-FFF2-40B4-BE49-F238E27FC236}">
+                <a16:creationId xmlns:a16="http://schemas.microsoft.com/office/drawing/2014/main" id="{5E808E18-698B-6B4E-B493-06DD4843C52A}"/>
+              </a:ext>
+            </a:extLst>
+          </p:cNvPr>
+          <p:cNvSpPr>
+            <a:spLocks noGrp="1"/>
+          </p:cNvSpPr>
+          <p:nvPr>
+            <p:ph type="title"/>
+          </p:nvPr>
+        </p:nvSpPr>
+        <p:spPr/>
+        <p:txBody>
+          <a:bodyPr>
+            <a:normAutofit fontScale="90000"/>
+          </a:bodyPr>
+          <a:lstStyle/>
+          <a:p>
+            <a:r>
+              <a:rPr lang="de-DE" dirty="0"/>
+              <a:t>Lokales </a:t>
+            </a:r>
+            <a:r>
+              <a:rPr lang="de-DE" dirty="0" err="1"/>
+              <a:t>Repo</a:t>
+            </a:r>
+            <a:r>
+              <a:rPr lang="de-DE" dirty="0"/>
+              <a:t> in bereits existierendes Remote-</a:t>
+            </a:r>
+            <a:r>
+              <a:rPr lang="de-DE" dirty="0" err="1"/>
+              <a:t>Repo</a:t>
+            </a:r>
+            <a:r>
+              <a:rPr lang="de-DE" dirty="0"/>
+              <a:t> </a:t>
+            </a:r>
+            <a:r>
+              <a:rPr lang="de-DE" dirty="0" err="1"/>
+              <a:t>mergen</a:t>
+            </a:r>
+            <a:endParaRPr lang="de-DE" dirty="0"/>
+          </a:p>
+        </p:txBody>
+      </p:sp>
+      <p:sp>
+        <p:nvSpPr>
+          <p:cNvPr id="3" name="Inhaltsplatzhalter 2">
+            <a:extLst>
+              <a:ext uri="{FF2B5EF4-FFF2-40B4-BE49-F238E27FC236}">
+                <a16:creationId xmlns:a16="http://schemas.microsoft.com/office/drawing/2014/main" id="{7798B131-8938-3643-8EDE-DC5CD16D8C5F}"/>
+              </a:ext>
+            </a:extLst>
+          </p:cNvPr>
+          <p:cNvSpPr>
+            <a:spLocks noGrp="1"/>
+          </p:cNvSpPr>
+          <p:nvPr>
+            <p:ph idx="1"/>
+          </p:nvPr>
+        </p:nvSpPr>
+        <p:spPr/>
+        <p:txBody>
+          <a:bodyPr/>
+          <a:lstStyle/>
+          <a:p>
+            <a:r>
+              <a:rPr lang="en" sz="2400" dirty="0"/>
+              <a:t>git remote add origin &lt;server&gt;</a:t>
+            </a:r>
+          </a:p>
+          <a:p>
+            <a:r>
+              <a:rPr lang="en" sz="2400" dirty="0"/>
+              <a:t>git branch --set-upstream-to=origin/master master</a:t>
+            </a:r>
+          </a:p>
+          <a:p>
+            <a:r>
+              <a:rPr lang="en" sz="2400" dirty="0"/>
+              <a:t>git fetch; git merge / git pull</a:t>
+            </a:r>
+          </a:p>
+          <a:p>
+            <a:endParaRPr lang="en" sz="2400" dirty="0"/>
+          </a:p>
+          <a:p>
+            <a:pPr marL="0" indent="0">
+              <a:buNone/>
+            </a:pPr>
+            <a:r>
+              <a:rPr lang="de-DE" sz="2000" dirty="0">
+                <a:sym typeface="Wingdings" pitchFamily="2" charset="2"/>
+              </a:rPr>
+              <a:t> </a:t>
+            </a:r>
+            <a:r>
+              <a:rPr lang="de-DE" sz="2000" dirty="0"/>
+              <a:t>verweigere den </a:t>
+            </a:r>
+            <a:r>
+              <a:rPr lang="de-DE" sz="2000" dirty="0" err="1"/>
+              <a:t>Merge</a:t>
+            </a:r>
+            <a:r>
+              <a:rPr lang="de-DE" sz="2000" dirty="0"/>
+              <a:t> von nicht zusammenhängenden Historien.</a:t>
+            </a:r>
+          </a:p>
+          <a:p>
+            <a:endParaRPr lang="de-DE" sz="2400" dirty="0"/>
+          </a:p>
+          <a:p>
+            <a:r>
+              <a:rPr lang="de-DE" sz="2400" dirty="0" err="1"/>
+              <a:t>git</a:t>
+            </a:r>
+            <a:r>
+              <a:rPr lang="de-DE" sz="2400" dirty="0"/>
+              <a:t> </a:t>
+            </a:r>
+            <a:r>
+              <a:rPr lang="de-DE" sz="2400" dirty="0" err="1"/>
+              <a:t>merge</a:t>
+            </a:r>
+            <a:r>
+              <a:rPr lang="de-DE" sz="2400" dirty="0"/>
+              <a:t> --</a:t>
+            </a:r>
+            <a:r>
+              <a:rPr lang="de-DE" sz="2400" dirty="0" err="1"/>
+              <a:t>allow-unrelated-histories</a:t>
+            </a:r>
+            <a:endParaRPr lang="de-DE" sz="2400" dirty="0"/>
+          </a:p>
+          <a:p>
+            <a:endParaRPr lang="en" sz="2400" dirty="0"/>
+          </a:p>
+          <a:p>
+            <a:endParaRPr lang="de-DE" dirty="0"/>
+          </a:p>
+        </p:txBody>
+      </p:sp>
+    </p:spTree>
+    <p:extLst>
+      <p:ext uri="{BB962C8B-B14F-4D97-AF65-F5344CB8AC3E}">
+        <p14:creationId xmlns:p14="http://schemas.microsoft.com/office/powerpoint/2010/main" val="670066674"/>
+      </p:ext>
+    </p:extLst>
+  </p:cSld>
+  <p:clrMapOvr>
+    <a:masterClrMapping/>
+  </p:clrMapOvr>
+</p:sld>
+</file>
+
+<file path=ppt/slides/slide31.xml><?xml version="1.0" encoding="utf-8"?>
+<p:sld xmlns:a="http://schemas.openxmlformats.org/drawingml/2006/main" xmlns:r="http://schemas.openxmlformats.org/officeDocument/2006/relationships" xmlns:p="http://schemas.openxmlformats.org/presentationml/2006/main">
+  <p:cSld>
+    <p:spTree>
+      <p:nvGrpSpPr>
+        <p:cNvPr id="1" name=""/>
+        <p:cNvGrpSpPr/>
+        <p:nvPr/>
+      </p:nvGrpSpPr>
+      <p:grpSpPr>
+        <a:xfrm>
+          <a:off x="0" y="0"/>
+          <a:ext cx="0" cy="0"/>
+          <a:chOff x="0" y="0"/>
+          <a:chExt cx="0" cy="0"/>
+        </a:xfrm>
+      </p:grpSpPr>
+      <p:sp>
+        <p:nvSpPr>
           <p:cNvPr id="3" name="Inhaltsplatzhalter 2"/>
           <p:cNvSpPr>
             <a:spLocks noGrp="1"/>

--- a/GIT.pptx
+++ b/GIT.pptx
@@ -126,6 +126,22 @@
       </a:defRPr>
     </a:lvl9pPr>
   </p:defaultTextStyle>
+  <p:extLst>
+    <p:ext uri="{EFAFB233-063F-42B5-8137-9DF3F51BA10A}">
+      <p15:sldGuideLst xmlns:p15="http://schemas.microsoft.com/office/powerpoint/2012/main">
+        <p15:guide id="1" orient="horz" pos="2160">
+          <p15:clr>
+            <a:srgbClr val="A4A3A4"/>
+          </p15:clr>
+        </p15:guide>
+        <p15:guide id="2" pos="2880">
+          <p15:clr>
+            <a:srgbClr val="A4A3A4"/>
+          </p15:clr>
+        </p15:guide>
+      </p15:sldGuideLst>
+    </p:ext>
+  </p:extLst>
 </p:presentation>
 </file>
 
@@ -167,10 +183,9 @@
           <a:lstStyle/>
           <a:p>
             <a:r>
-              <a:rPr lang="de-DE" smtClean="0"/>
+              <a:rPr lang="de-DE"/>
               <a:t>Titelmasterformat durch Klicken bearbeiten</a:t>
             </a:r>
-            <a:endParaRPr lang="de-DE"/>
           </a:p>
         </p:txBody>
       </p:sp>
@@ -286,10 +301,9 @@
           </a:lstStyle>
           <a:p>
             <a:r>
-              <a:rPr lang="de-DE" smtClean="0"/>
+              <a:rPr lang="de-DE"/>
               <a:t>Formatvorlage des Untertitelmasters durch Klicken bearbeiten</a:t>
             </a:r>
-            <a:endParaRPr lang="de-DE"/>
           </a:p>
         </p:txBody>
       </p:sp>
@@ -310,7 +324,7 @@
           <a:p>
             <a:fld id="{346C9E4B-661A-4012-86D4-6E0B650EA033}" type="datetimeFigureOut">
               <a:rPr lang="de-DE" smtClean="0"/>
-              <a:t>03.01.2019</a:t>
+              <a:t>05.01.19</a:t>
             </a:fld>
             <a:endParaRPr lang="de-DE"/>
           </a:p>
@@ -404,10 +418,9 @@
           <a:lstStyle/>
           <a:p>
             <a:r>
-              <a:rPr lang="de-DE" smtClean="0"/>
+              <a:rPr lang="de-DE"/>
               <a:t>Titelmasterformat durch Klicken bearbeiten</a:t>
             </a:r>
-            <a:endParaRPr lang="de-DE"/>
           </a:p>
         </p:txBody>
       </p:sp>
@@ -428,38 +441,37 @@
           <a:p>
             <a:pPr lvl="0"/>
             <a:r>
-              <a:rPr lang="de-DE" smtClean="0"/>
+              <a:rPr lang="de-DE"/>
               <a:t>Textmasterformat bearbeiten</a:t>
             </a:r>
           </a:p>
           <a:p>
             <a:pPr lvl="1"/>
             <a:r>
-              <a:rPr lang="de-DE" smtClean="0"/>
+              <a:rPr lang="de-DE"/>
               <a:t>Zweite Ebene</a:t>
             </a:r>
           </a:p>
           <a:p>
             <a:pPr lvl="2"/>
             <a:r>
-              <a:rPr lang="de-DE" smtClean="0"/>
+              <a:rPr lang="de-DE"/>
               <a:t>Dritte Ebene</a:t>
             </a:r>
           </a:p>
           <a:p>
             <a:pPr lvl="3"/>
             <a:r>
-              <a:rPr lang="de-DE" smtClean="0"/>
+              <a:rPr lang="de-DE"/>
               <a:t>Vierte Ebene</a:t>
             </a:r>
           </a:p>
           <a:p>
             <a:pPr lvl="4"/>
             <a:r>
-              <a:rPr lang="de-DE" smtClean="0"/>
+              <a:rPr lang="de-DE"/>
               <a:t>Fünfte Ebene</a:t>
             </a:r>
-            <a:endParaRPr lang="de-DE"/>
           </a:p>
         </p:txBody>
       </p:sp>
@@ -480,7 +492,7 @@
           <a:p>
             <a:fld id="{346C9E4B-661A-4012-86D4-6E0B650EA033}" type="datetimeFigureOut">
               <a:rPr lang="de-DE" smtClean="0"/>
-              <a:t>03.01.2019</a:t>
+              <a:t>05.01.19</a:t>
             </a:fld>
             <a:endParaRPr lang="de-DE"/>
           </a:p>
@@ -579,10 +591,9 @@
           <a:lstStyle/>
           <a:p>
             <a:r>
-              <a:rPr lang="de-DE" smtClean="0"/>
+              <a:rPr lang="de-DE"/>
               <a:t>Titelmasterformat durch Klicken bearbeiten</a:t>
             </a:r>
-            <a:endParaRPr lang="de-DE"/>
           </a:p>
         </p:txBody>
       </p:sp>
@@ -608,38 +619,37 @@
           <a:p>
             <a:pPr lvl="0"/>
             <a:r>
-              <a:rPr lang="de-DE" smtClean="0"/>
+              <a:rPr lang="de-DE"/>
               <a:t>Textmasterformat bearbeiten</a:t>
             </a:r>
           </a:p>
           <a:p>
             <a:pPr lvl="1"/>
             <a:r>
-              <a:rPr lang="de-DE" smtClean="0"/>
+              <a:rPr lang="de-DE"/>
               <a:t>Zweite Ebene</a:t>
             </a:r>
           </a:p>
           <a:p>
             <a:pPr lvl="2"/>
             <a:r>
-              <a:rPr lang="de-DE" smtClean="0"/>
+              <a:rPr lang="de-DE"/>
               <a:t>Dritte Ebene</a:t>
             </a:r>
           </a:p>
           <a:p>
             <a:pPr lvl="3"/>
             <a:r>
-              <a:rPr lang="de-DE" smtClean="0"/>
+              <a:rPr lang="de-DE"/>
               <a:t>Vierte Ebene</a:t>
             </a:r>
           </a:p>
           <a:p>
             <a:pPr lvl="4"/>
             <a:r>
-              <a:rPr lang="de-DE" smtClean="0"/>
+              <a:rPr lang="de-DE"/>
               <a:t>Fünfte Ebene</a:t>
             </a:r>
-            <a:endParaRPr lang="de-DE"/>
           </a:p>
         </p:txBody>
       </p:sp>
@@ -660,7 +670,7 @@
           <a:p>
             <a:fld id="{346C9E4B-661A-4012-86D4-6E0B650EA033}" type="datetimeFigureOut">
               <a:rPr lang="de-DE" smtClean="0"/>
-              <a:t>03.01.2019</a:t>
+              <a:t>05.01.19</a:t>
             </a:fld>
             <a:endParaRPr lang="de-DE"/>
           </a:p>
@@ -754,10 +764,9 @@
           <a:lstStyle/>
           <a:p>
             <a:r>
-              <a:rPr lang="de-DE" smtClean="0"/>
+              <a:rPr lang="de-DE"/>
               <a:t>Titelmasterformat durch Klicken bearbeiten</a:t>
             </a:r>
-            <a:endParaRPr lang="de-DE"/>
           </a:p>
         </p:txBody>
       </p:sp>
@@ -778,38 +787,37 @@
           <a:p>
             <a:pPr lvl="0"/>
             <a:r>
-              <a:rPr lang="de-DE" smtClean="0"/>
+              <a:rPr lang="de-DE"/>
               <a:t>Textmasterformat bearbeiten</a:t>
             </a:r>
           </a:p>
           <a:p>
             <a:pPr lvl="1"/>
             <a:r>
-              <a:rPr lang="de-DE" smtClean="0"/>
+              <a:rPr lang="de-DE"/>
               <a:t>Zweite Ebene</a:t>
             </a:r>
           </a:p>
           <a:p>
             <a:pPr lvl="2"/>
             <a:r>
-              <a:rPr lang="de-DE" smtClean="0"/>
+              <a:rPr lang="de-DE"/>
               <a:t>Dritte Ebene</a:t>
             </a:r>
           </a:p>
           <a:p>
             <a:pPr lvl="3"/>
             <a:r>
-              <a:rPr lang="de-DE" smtClean="0"/>
+              <a:rPr lang="de-DE"/>
               <a:t>Vierte Ebene</a:t>
             </a:r>
           </a:p>
           <a:p>
             <a:pPr lvl="4"/>
             <a:r>
-              <a:rPr lang="de-DE" smtClean="0"/>
+              <a:rPr lang="de-DE"/>
               <a:t>Fünfte Ebene</a:t>
             </a:r>
-            <a:endParaRPr lang="de-DE"/>
           </a:p>
         </p:txBody>
       </p:sp>
@@ -830,7 +838,7 @@
           <a:p>
             <a:fld id="{346C9E4B-661A-4012-86D4-6E0B650EA033}" type="datetimeFigureOut">
               <a:rPr lang="de-DE" smtClean="0"/>
-              <a:t>03.01.2019</a:t>
+              <a:t>05.01.19</a:t>
             </a:fld>
             <a:endParaRPr lang="de-DE"/>
           </a:p>
@@ -933,10 +941,9 @@
           </a:lstStyle>
           <a:p>
             <a:r>
-              <a:rPr lang="de-DE" smtClean="0"/>
+              <a:rPr lang="de-DE"/>
               <a:t>Titelmasterformat durch Klicken bearbeiten</a:t>
             </a:r>
-            <a:endParaRPr lang="de-DE"/>
           </a:p>
         </p:txBody>
       </p:sp>
@@ -1053,7 +1060,7 @@
           <a:p>
             <a:pPr lvl="0"/>
             <a:r>
-              <a:rPr lang="de-DE" smtClean="0"/>
+              <a:rPr lang="de-DE"/>
               <a:t>Textmasterformat bearbeiten</a:t>
             </a:r>
           </a:p>
@@ -1076,7 +1083,7 @@
           <a:p>
             <a:fld id="{346C9E4B-661A-4012-86D4-6E0B650EA033}" type="datetimeFigureOut">
               <a:rPr lang="de-DE" smtClean="0"/>
-              <a:t>03.01.2019</a:t>
+              <a:t>05.01.19</a:t>
             </a:fld>
             <a:endParaRPr lang="de-DE"/>
           </a:p>
@@ -1170,10 +1177,9 @@
           <a:lstStyle/>
           <a:p>
             <a:r>
-              <a:rPr lang="de-DE" smtClean="0"/>
+              <a:rPr lang="de-DE"/>
               <a:t>Titelmasterformat durch Klicken bearbeiten</a:t>
             </a:r>
-            <a:endParaRPr lang="de-DE"/>
           </a:p>
         </p:txBody>
       </p:sp>
@@ -1227,38 +1233,37 @@
           <a:p>
             <a:pPr lvl="0"/>
             <a:r>
-              <a:rPr lang="de-DE" smtClean="0"/>
+              <a:rPr lang="de-DE"/>
               <a:t>Textmasterformat bearbeiten</a:t>
             </a:r>
           </a:p>
           <a:p>
             <a:pPr lvl="1"/>
             <a:r>
-              <a:rPr lang="de-DE" smtClean="0"/>
+              <a:rPr lang="de-DE"/>
               <a:t>Zweite Ebene</a:t>
             </a:r>
           </a:p>
           <a:p>
             <a:pPr lvl="2"/>
             <a:r>
-              <a:rPr lang="de-DE" smtClean="0"/>
+              <a:rPr lang="de-DE"/>
               <a:t>Dritte Ebene</a:t>
             </a:r>
           </a:p>
           <a:p>
             <a:pPr lvl="3"/>
             <a:r>
-              <a:rPr lang="de-DE" smtClean="0"/>
+              <a:rPr lang="de-DE"/>
               <a:t>Vierte Ebene</a:t>
             </a:r>
           </a:p>
           <a:p>
             <a:pPr lvl="4"/>
             <a:r>
-              <a:rPr lang="de-DE" smtClean="0"/>
+              <a:rPr lang="de-DE"/>
               <a:t>Fünfte Ebene</a:t>
             </a:r>
-            <a:endParaRPr lang="de-DE"/>
           </a:p>
         </p:txBody>
       </p:sp>
@@ -1312,38 +1317,37 @@
           <a:p>
             <a:pPr lvl="0"/>
             <a:r>
-              <a:rPr lang="de-DE" smtClean="0"/>
+              <a:rPr lang="de-DE"/>
               <a:t>Textmasterformat bearbeiten</a:t>
             </a:r>
           </a:p>
           <a:p>
             <a:pPr lvl="1"/>
             <a:r>
-              <a:rPr lang="de-DE" smtClean="0"/>
+              <a:rPr lang="de-DE"/>
               <a:t>Zweite Ebene</a:t>
             </a:r>
           </a:p>
           <a:p>
             <a:pPr lvl="2"/>
             <a:r>
-              <a:rPr lang="de-DE" smtClean="0"/>
+              <a:rPr lang="de-DE"/>
               <a:t>Dritte Ebene</a:t>
             </a:r>
           </a:p>
           <a:p>
             <a:pPr lvl="3"/>
             <a:r>
-              <a:rPr lang="de-DE" smtClean="0"/>
+              <a:rPr lang="de-DE"/>
               <a:t>Vierte Ebene</a:t>
             </a:r>
           </a:p>
           <a:p>
             <a:pPr lvl="4"/>
             <a:r>
-              <a:rPr lang="de-DE" smtClean="0"/>
+              <a:rPr lang="de-DE"/>
               <a:t>Fünfte Ebene</a:t>
             </a:r>
-            <a:endParaRPr lang="de-DE"/>
           </a:p>
         </p:txBody>
       </p:sp>
@@ -1364,7 +1368,7 @@
           <a:p>
             <a:fld id="{346C9E4B-661A-4012-86D4-6E0B650EA033}" type="datetimeFigureOut">
               <a:rPr lang="de-DE" smtClean="0"/>
-              <a:t>03.01.2019</a:t>
+              <a:t>05.01.19</a:t>
             </a:fld>
             <a:endParaRPr lang="de-DE"/>
           </a:p>
@@ -1462,10 +1466,9 @@
           </a:lstStyle>
           <a:p>
             <a:r>
-              <a:rPr lang="de-DE" smtClean="0"/>
+              <a:rPr lang="de-DE"/>
               <a:t>Titelmasterformat durch Klicken bearbeiten</a:t>
             </a:r>
-            <a:endParaRPr lang="de-DE"/>
           </a:p>
         </p:txBody>
       </p:sp>
@@ -1528,7 +1531,7 @@
           <a:p>
             <a:pPr lvl="0"/>
             <a:r>
-              <a:rPr lang="de-DE" smtClean="0"/>
+              <a:rPr lang="de-DE"/>
               <a:t>Textmasterformat bearbeiten</a:t>
             </a:r>
           </a:p>
@@ -1584,38 +1587,37 @@
           <a:p>
             <a:pPr lvl="0"/>
             <a:r>
-              <a:rPr lang="de-DE" smtClean="0"/>
+              <a:rPr lang="de-DE"/>
               <a:t>Textmasterformat bearbeiten</a:t>
             </a:r>
           </a:p>
           <a:p>
             <a:pPr lvl="1"/>
             <a:r>
-              <a:rPr lang="de-DE" smtClean="0"/>
+              <a:rPr lang="de-DE"/>
               <a:t>Zweite Ebene</a:t>
             </a:r>
           </a:p>
           <a:p>
             <a:pPr lvl="2"/>
             <a:r>
-              <a:rPr lang="de-DE" smtClean="0"/>
+              <a:rPr lang="de-DE"/>
               <a:t>Dritte Ebene</a:t>
             </a:r>
           </a:p>
           <a:p>
             <a:pPr lvl="3"/>
             <a:r>
-              <a:rPr lang="de-DE" smtClean="0"/>
+              <a:rPr lang="de-DE"/>
               <a:t>Vierte Ebene</a:t>
             </a:r>
           </a:p>
           <a:p>
             <a:pPr lvl="4"/>
             <a:r>
-              <a:rPr lang="de-DE" smtClean="0"/>
+              <a:rPr lang="de-DE"/>
               <a:t>Fünfte Ebene</a:t>
             </a:r>
-            <a:endParaRPr lang="de-DE"/>
           </a:p>
         </p:txBody>
       </p:sp>
@@ -1678,7 +1680,7 @@
           <a:p>
             <a:pPr lvl="0"/>
             <a:r>
-              <a:rPr lang="de-DE" smtClean="0"/>
+              <a:rPr lang="de-DE"/>
               <a:t>Textmasterformat bearbeiten</a:t>
             </a:r>
           </a:p>
@@ -1734,38 +1736,37 @@
           <a:p>
             <a:pPr lvl="0"/>
             <a:r>
-              <a:rPr lang="de-DE" smtClean="0"/>
+              <a:rPr lang="de-DE"/>
               <a:t>Textmasterformat bearbeiten</a:t>
             </a:r>
           </a:p>
           <a:p>
             <a:pPr lvl="1"/>
             <a:r>
-              <a:rPr lang="de-DE" smtClean="0"/>
+              <a:rPr lang="de-DE"/>
               <a:t>Zweite Ebene</a:t>
             </a:r>
           </a:p>
           <a:p>
             <a:pPr lvl="2"/>
             <a:r>
-              <a:rPr lang="de-DE" smtClean="0"/>
+              <a:rPr lang="de-DE"/>
               <a:t>Dritte Ebene</a:t>
             </a:r>
           </a:p>
           <a:p>
             <a:pPr lvl="3"/>
             <a:r>
-              <a:rPr lang="de-DE" smtClean="0"/>
+              <a:rPr lang="de-DE"/>
               <a:t>Vierte Ebene</a:t>
             </a:r>
           </a:p>
           <a:p>
             <a:pPr lvl="4"/>
             <a:r>
-              <a:rPr lang="de-DE" smtClean="0"/>
+              <a:rPr lang="de-DE"/>
               <a:t>Fünfte Ebene</a:t>
             </a:r>
-            <a:endParaRPr lang="de-DE"/>
           </a:p>
         </p:txBody>
       </p:sp>
@@ -1786,7 +1787,7 @@
           <a:p>
             <a:fld id="{346C9E4B-661A-4012-86D4-6E0B650EA033}" type="datetimeFigureOut">
               <a:rPr lang="de-DE" smtClean="0"/>
-              <a:t>03.01.2019</a:t>
+              <a:t>05.01.19</a:t>
             </a:fld>
             <a:endParaRPr lang="de-DE"/>
           </a:p>
@@ -1880,10 +1881,9 @@
           <a:lstStyle/>
           <a:p>
             <a:r>
-              <a:rPr lang="de-DE" smtClean="0"/>
+              <a:rPr lang="de-DE"/>
               <a:t>Titelmasterformat durch Klicken bearbeiten</a:t>
             </a:r>
-            <a:endParaRPr lang="de-DE"/>
           </a:p>
         </p:txBody>
       </p:sp>
@@ -1904,7 +1904,7 @@
           <a:p>
             <a:fld id="{346C9E4B-661A-4012-86D4-6E0B650EA033}" type="datetimeFigureOut">
               <a:rPr lang="de-DE" smtClean="0"/>
-              <a:t>03.01.2019</a:t>
+              <a:t>05.01.19</a:t>
             </a:fld>
             <a:endParaRPr lang="de-DE"/>
           </a:p>
@@ -1999,7 +1999,7 @@
           <a:p>
             <a:fld id="{346C9E4B-661A-4012-86D4-6E0B650EA033}" type="datetimeFigureOut">
               <a:rPr lang="de-DE" smtClean="0"/>
-              <a:t>03.01.2019</a:t>
+              <a:t>05.01.19</a:t>
             </a:fld>
             <a:endParaRPr lang="de-DE"/>
           </a:p>
@@ -2102,10 +2102,9 @@
           </a:lstStyle>
           <a:p>
             <a:r>
-              <a:rPr lang="de-DE" smtClean="0"/>
+              <a:rPr lang="de-DE"/>
               <a:t>Titelmasterformat durch Klicken bearbeiten</a:t>
             </a:r>
-            <a:endParaRPr lang="de-DE"/>
           </a:p>
         </p:txBody>
       </p:sp>
@@ -2159,38 +2158,37 @@
           <a:p>
             <a:pPr lvl="0"/>
             <a:r>
-              <a:rPr lang="de-DE" smtClean="0"/>
+              <a:rPr lang="de-DE"/>
               <a:t>Textmasterformat bearbeiten</a:t>
             </a:r>
           </a:p>
           <a:p>
             <a:pPr lvl="1"/>
             <a:r>
-              <a:rPr lang="de-DE" smtClean="0"/>
+              <a:rPr lang="de-DE"/>
               <a:t>Zweite Ebene</a:t>
             </a:r>
           </a:p>
           <a:p>
             <a:pPr lvl="2"/>
             <a:r>
-              <a:rPr lang="de-DE" smtClean="0"/>
+              <a:rPr lang="de-DE"/>
               <a:t>Dritte Ebene</a:t>
             </a:r>
           </a:p>
           <a:p>
             <a:pPr lvl="3"/>
             <a:r>
-              <a:rPr lang="de-DE" smtClean="0"/>
+              <a:rPr lang="de-DE"/>
               <a:t>Vierte Ebene</a:t>
             </a:r>
           </a:p>
           <a:p>
             <a:pPr lvl="4"/>
             <a:r>
-              <a:rPr lang="de-DE" smtClean="0"/>
+              <a:rPr lang="de-DE"/>
               <a:t>Fünfte Ebene</a:t>
             </a:r>
-            <a:endParaRPr lang="de-DE"/>
           </a:p>
         </p:txBody>
       </p:sp>
@@ -2253,7 +2251,7 @@
           <a:p>
             <a:pPr lvl="0"/>
             <a:r>
-              <a:rPr lang="de-DE" smtClean="0"/>
+              <a:rPr lang="de-DE"/>
               <a:t>Textmasterformat bearbeiten</a:t>
             </a:r>
           </a:p>
@@ -2276,7 +2274,7 @@
           <a:p>
             <a:fld id="{346C9E4B-661A-4012-86D4-6E0B650EA033}" type="datetimeFigureOut">
               <a:rPr lang="de-DE" smtClean="0"/>
-              <a:t>03.01.2019</a:t>
+              <a:t>05.01.19</a:t>
             </a:fld>
             <a:endParaRPr lang="de-DE"/>
           </a:p>
@@ -2379,10 +2377,9 @@
           </a:lstStyle>
           <a:p>
             <a:r>
-              <a:rPr lang="de-DE" smtClean="0"/>
+              <a:rPr lang="de-DE"/>
               <a:t>Titelmasterformat durch Klicken bearbeiten</a:t>
             </a:r>
-            <a:endParaRPr lang="de-DE"/>
           </a:p>
         </p:txBody>
       </p:sp>
@@ -2506,7 +2503,7 @@
           <a:p>
             <a:pPr lvl="0"/>
             <a:r>
-              <a:rPr lang="de-DE" smtClean="0"/>
+              <a:rPr lang="de-DE"/>
               <a:t>Textmasterformat bearbeiten</a:t>
             </a:r>
           </a:p>
@@ -2529,7 +2526,7 @@
           <a:p>
             <a:fld id="{346C9E4B-661A-4012-86D4-6E0B650EA033}" type="datetimeFigureOut">
               <a:rPr lang="de-DE" smtClean="0"/>
-              <a:t>03.01.2019</a:t>
+              <a:t>05.01.19</a:t>
             </a:fld>
             <a:endParaRPr lang="de-DE"/>
           </a:p>
@@ -2638,10 +2635,9 @@
           <a:lstStyle/>
           <a:p>
             <a:r>
-              <a:rPr lang="de-DE" smtClean="0"/>
+              <a:rPr lang="de-DE"/>
               <a:t>Titelmasterformat durch Klicken bearbeiten</a:t>
             </a:r>
-            <a:endParaRPr lang="de-DE"/>
           </a:p>
         </p:txBody>
       </p:sp>
@@ -2672,38 +2668,37 @@
           <a:p>
             <a:pPr lvl="0"/>
             <a:r>
-              <a:rPr lang="de-DE" smtClean="0"/>
+              <a:rPr lang="de-DE"/>
               <a:t>Textmasterformat bearbeiten</a:t>
             </a:r>
           </a:p>
           <a:p>
             <a:pPr lvl="1"/>
             <a:r>
-              <a:rPr lang="de-DE" smtClean="0"/>
+              <a:rPr lang="de-DE"/>
               <a:t>Zweite Ebene</a:t>
             </a:r>
           </a:p>
           <a:p>
             <a:pPr lvl="2"/>
             <a:r>
-              <a:rPr lang="de-DE" smtClean="0"/>
+              <a:rPr lang="de-DE"/>
               <a:t>Dritte Ebene</a:t>
             </a:r>
           </a:p>
           <a:p>
             <a:pPr lvl="3"/>
             <a:r>
-              <a:rPr lang="de-DE" smtClean="0"/>
+              <a:rPr lang="de-DE"/>
               <a:t>Vierte Ebene</a:t>
             </a:r>
           </a:p>
           <a:p>
             <a:pPr lvl="4"/>
             <a:r>
-              <a:rPr lang="de-DE" smtClean="0"/>
+              <a:rPr lang="de-DE"/>
               <a:t>Fünfte Ebene</a:t>
             </a:r>
-            <a:endParaRPr lang="de-DE"/>
           </a:p>
         </p:txBody>
       </p:sp>
@@ -2742,7 +2737,7 @@
           <a:p>
             <a:fld id="{346C9E4B-661A-4012-86D4-6E0B650EA033}" type="datetimeFigureOut">
               <a:rPr lang="de-DE" smtClean="0"/>
-              <a:t>03.01.2019</a:t>
+              <a:t>05.01.19</a:t>
             </a:fld>
             <a:endParaRPr lang="de-DE"/>
           </a:p>
@@ -3133,10 +3128,9 @@
           <a:lstStyle/>
           <a:p>
             <a:r>
-              <a:rPr lang="de-DE" sz="9000" b="1" dirty="0" smtClean="0"/>
+              <a:rPr lang="de-DE" sz="9000" b="1" dirty="0"/>
               <a:t>GIT</a:t>
             </a:r>
-            <a:endParaRPr lang="de-DE" sz="9000" b="1" dirty="0"/>
           </a:p>
         </p:txBody>
       </p:sp>
@@ -3156,10 +3150,9 @@
           <a:lstStyle/>
           <a:p>
             <a:r>
-              <a:rPr lang="de-DE" dirty="0" smtClean="0"/>
+              <a:rPr lang="de-DE" dirty="0"/>
               <a:t>Kompensationen</a:t>
             </a:r>
-            <a:endParaRPr lang="de-DE" dirty="0"/>
           </a:p>
         </p:txBody>
       </p:sp>
@@ -3173,13 +3166,6 @@
   <p:clrMapOvr>
     <a:masterClrMapping/>
   </p:clrMapOvr>
-  <p:timing>
-    <p:tnLst>
-      <p:par>
-        <p:cTn id="1" dur="indefinite" restart="never" nodeType="tmRoot"/>
-      </p:par>
-    </p:tnLst>
-  </p:timing>
 </p:sld>
 </file>
 
@@ -3213,31 +3199,30 @@
         <p:spPr/>
         <p:txBody>
           <a:bodyPr>
-            <a:normAutofit fontScale="90000"/>
+            <a:normAutofit/>
           </a:bodyPr>
           <a:lstStyle/>
           <a:p>
             <a:r>
-              <a:rPr lang="de-DE" dirty="0" smtClean="0"/>
+              <a:rPr lang="de-DE" sz="3600" dirty="0"/>
               <a:t>Versehentliches </a:t>
             </a:r>
             <a:r>
-              <a:rPr lang="de-DE" dirty="0" err="1" smtClean="0"/>
+              <a:rPr lang="de-DE" sz="3600" dirty="0" err="1"/>
               <a:t>add</a:t>
             </a:r>
             <a:r>
-              <a:rPr lang="de-DE" dirty="0" smtClean="0"/>
+              <a:rPr lang="de-DE" sz="3600" dirty="0"/>
               <a:t>, </a:t>
             </a:r>
             <a:r>
-              <a:rPr lang="de-DE" dirty="0" err="1" smtClean="0"/>
+              <a:rPr lang="de-DE" sz="3600" dirty="0" err="1"/>
               <a:t>commit</a:t>
             </a:r>
             <a:r>
-              <a:rPr lang="de-DE" dirty="0" smtClean="0"/>
+              <a:rPr lang="de-DE" sz="3600" dirty="0"/>
               <a:t> &amp; push</a:t>
             </a:r>
-            <a:endParaRPr lang="de-DE" dirty="0"/>
           </a:p>
         </p:txBody>
       </p:sp>
@@ -3262,7 +3247,7 @@
               <a:buFont typeface="Symbol" panose="05050102010706020507" pitchFamily="18" charset="2"/>
               <a:buChar char="-"/>
             </a:pPr>
-            <a:endParaRPr lang="de-DE" sz="2400" dirty="0" smtClean="0">
+            <a:endParaRPr lang="de-DE" sz="2400" dirty="0">
               <a:latin typeface="Consolas" panose="020B0609020204030204" pitchFamily="49" charset="0"/>
               <a:cs typeface="Consolas" panose="020B0609020204030204" pitchFamily="49" charset="0"/>
             </a:endParaRPr>
@@ -3273,21 +3258,21 @@
               <a:buChar char="-"/>
             </a:pPr>
             <a:r>
-              <a:rPr lang="de-DE" sz="2400" dirty="0" smtClean="0">
+              <a:rPr lang="de-DE" sz="2400" dirty="0">
                 <a:latin typeface="Consolas" panose="020B0609020204030204" pitchFamily="49" charset="0"/>
                 <a:cs typeface="Consolas" panose="020B0609020204030204" pitchFamily="49" charset="0"/>
               </a:rPr>
               <a:t> </a:t>
             </a:r>
             <a:r>
-              <a:rPr lang="de-DE" sz="2400" dirty="0" err="1" smtClean="0">
+              <a:rPr lang="de-DE" sz="2400" dirty="0" err="1">
                 <a:latin typeface="Consolas" panose="020B0609020204030204" pitchFamily="49" charset="0"/>
                 <a:cs typeface="Consolas" panose="020B0609020204030204" pitchFamily="49" charset="0"/>
               </a:rPr>
               <a:t>git</a:t>
             </a:r>
             <a:r>
-              <a:rPr lang="de-DE" sz="2400" dirty="0" smtClean="0">
+              <a:rPr lang="de-DE" sz="2400" dirty="0">
                 <a:latin typeface="Consolas" panose="020B0609020204030204" pitchFamily="49" charset="0"/>
                 <a:cs typeface="Consolas" panose="020B0609020204030204" pitchFamily="49" charset="0"/>
               </a:rPr>
@@ -3327,28 +3312,28 @@
               <a:buChar char="-"/>
             </a:pPr>
             <a:r>
-              <a:rPr lang="de-DE" sz="2400" dirty="0" smtClean="0">
+              <a:rPr lang="de-DE" sz="2400" dirty="0">
                 <a:latin typeface="Consolas" panose="020B0609020204030204" pitchFamily="49" charset="0"/>
                 <a:cs typeface="Consolas" panose="020B0609020204030204" pitchFamily="49" charset="0"/>
               </a:rPr>
               <a:t> </a:t>
             </a:r>
             <a:r>
-              <a:rPr lang="de-DE" sz="2400" dirty="0" err="1" smtClean="0">
+              <a:rPr lang="de-DE" sz="2400" dirty="0" err="1">
                 <a:latin typeface="Consolas" panose="020B0609020204030204" pitchFamily="49" charset="0"/>
                 <a:cs typeface="Consolas" panose="020B0609020204030204" pitchFamily="49" charset="0"/>
               </a:rPr>
               <a:t>git</a:t>
             </a:r>
             <a:r>
-              <a:rPr lang="de-DE" sz="2400" dirty="0" smtClean="0">
+              <a:rPr lang="de-DE" sz="2400" dirty="0">
                 <a:latin typeface="Consolas" panose="020B0609020204030204" pitchFamily="49" charset="0"/>
                 <a:cs typeface="Consolas" panose="020B0609020204030204" pitchFamily="49" charset="0"/>
               </a:rPr>
               <a:t> </a:t>
             </a:r>
             <a:r>
-              <a:rPr lang="de-DE" sz="2400" dirty="0" err="1" smtClean="0">
+              <a:rPr lang="de-DE" sz="2400" dirty="0" err="1">
                 <a:solidFill>
                   <a:srgbClr val="C00000"/>
                 </a:solidFill>
@@ -3358,7 +3343,7 @@
               <a:t>commit</a:t>
             </a:r>
             <a:r>
-              <a:rPr lang="de-DE" sz="2400" dirty="0" smtClean="0">
+              <a:rPr lang="de-DE" sz="2400" dirty="0">
                 <a:solidFill>
                   <a:srgbClr val="C00000"/>
                 </a:solidFill>
@@ -3368,7 +3353,7 @@
               <a:t> </a:t>
             </a:r>
             <a:r>
-              <a:rPr lang="de-DE" sz="2400" dirty="0" smtClean="0">
+              <a:rPr lang="de-DE" sz="2400" dirty="0">
                 <a:latin typeface="Consolas" panose="020B0609020204030204" pitchFamily="49" charset="0"/>
                 <a:cs typeface="Consolas" panose="020B0609020204030204" pitchFamily="49" charset="0"/>
               </a:rPr>
@@ -3381,28 +3366,28 @@
               <a:buChar char="-"/>
             </a:pPr>
             <a:r>
-              <a:rPr lang="de-DE" sz="2400" dirty="0" smtClean="0">
+              <a:rPr lang="de-DE" sz="2400" dirty="0">
                 <a:latin typeface="Consolas" panose="020B0609020204030204" pitchFamily="49" charset="0"/>
                 <a:cs typeface="Consolas" panose="020B0609020204030204" pitchFamily="49" charset="0"/>
               </a:rPr>
               <a:t> </a:t>
             </a:r>
             <a:r>
-              <a:rPr lang="de-DE" sz="2400" dirty="0" err="1" smtClean="0">
+              <a:rPr lang="de-DE" sz="2400" dirty="0" err="1">
                 <a:latin typeface="Consolas" panose="020B0609020204030204" pitchFamily="49" charset="0"/>
                 <a:cs typeface="Consolas" panose="020B0609020204030204" pitchFamily="49" charset="0"/>
               </a:rPr>
               <a:t>git</a:t>
             </a:r>
             <a:r>
-              <a:rPr lang="de-DE" sz="2400" dirty="0" smtClean="0">
+              <a:rPr lang="de-DE" sz="2400" dirty="0">
                 <a:latin typeface="Consolas" panose="020B0609020204030204" pitchFamily="49" charset="0"/>
                 <a:cs typeface="Consolas" panose="020B0609020204030204" pitchFamily="49" charset="0"/>
               </a:rPr>
               <a:t> </a:t>
             </a:r>
             <a:r>
-              <a:rPr lang="de-DE" sz="2400" dirty="0" smtClean="0">
+              <a:rPr lang="de-DE" sz="2400" dirty="0">
                 <a:solidFill>
                   <a:srgbClr val="C00000"/>
                 </a:solidFill>
@@ -3416,7 +3401,7 @@
             <a:pPr marL="0" indent="0">
               <a:buNone/>
             </a:pPr>
-            <a:endParaRPr lang="de-DE" sz="2400" dirty="0" smtClean="0">
+            <a:endParaRPr lang="de-DE" sz="2400" dirty="0">
               <a:latin typeface="Consolas" panose="020B0609020204030204" pitchFamily="49" charset="0"/>
               <a:cs typeface="Consolas" panose="020B0609020204030204" pitchFamily="49" charset="0"/>
             </a:endParaRPr>
@@ -3429,13 +3414,7 @@
               <a:rPr lang="de-DE" sz="1800" dirty="0">
                 <a:cs typeface="Consolas" panose="020B0609020204030204" pitchFamily="49" charset="0"/>
               </a:rPr>
-              <a:t>Kompensation</a:t>
-            </a:r>
-            <a:r>
-              <a:rPr lang="de-DE" sz="1800" dirty="0" smtClean="0">
-                <a:cs typeface="Consolas" panose="020B0609020204030204" pitchFamily="49" charset="0"/>
-              </a:rPr>
-              <a:t>:</a:t>
+              <a:t>Kompensation:</a:t>
             </a:r>
           </a:p>
           <a:p>
@@ -3444,21 +3423,21 @@
               <a:buChar char="-"/>
             </a:pPr>
             <a:r>
-              <a:rPr lang="de-DE" sz="2400" dirty="0" smtClean="0">
+              <a:rPr lang="de-DE" sz="2400" dirty="0">
                 <a:latin typeface="Consolas" panose="020B0609020204030204" pitchFamily="49" charset="0"/>
                 <a:cs typeface="Consolas" panose="020B0609020204030204" pitchFamily="49" charset="0"/>
               </a:rPr>
               <a:t> </a:t>
             </a:r>
             <a:r>
-              <a:rPr lang="de-DE" sz="2400" dirty="0" err="1" smtClean="0">
+              <a:rPr lang="de-DE" sz="2400" dirty="0" err="1">
                 <a:latin typeface="Consolas" panose="020B0609020204030204" pitchFamily="49" charset="0"/>
                 <a:cs typeface="Consolas" panose="020B0609020204030204" pitchFamily="49" charset="0"/>
               </a:rPr>
               <a:t>git</a:t>
             </a:r>
             <a:r>
-              <a:rPr lang="de-DE" sz="2400" dirty="0" smtClean="0">
+              <a:rPr lang="de-DE" sz="2400" dirty="0">
                 <a:latin typeface="Consolas" panose="020B0609020204030204" pitchFamily="49" charset="0"/>
                 <a:cs typeface="Consolas" panose="020B0609020204030204" pitchFamily="49" charset="0"/>
               </a:rPr>
@@ -3576,22 +3555,9 @@
                 <a:latin typeface="Consolas" panose="020B0609020204030204" pitchFamily="49" charset="0"/>
                 <a:cs typeface="Consolas" panose="020B0609020204030204" pitchFamily="49" charset="0"/>
               </a:rPr>
-              <a:t>„Datei entfernt</a:t>
-            </a:r>
-            <a:r>
-              <a:rPr lang="de-DE" sz="2400" dirty="0" smtClean="0">
-                <a:solidFill>
-                  <a:schemeClr val="tx2">
-                    <a:lumMod val="60000"/>
-                    <a:lumOff val="40000"/>
-                  </a:schemeClr>
-                </a:solidFill>
-                <a:latin typeface="Consolas" panose="020B0609020204030204" pitchFamily="49" charset="0"/>
-                <a:cs typeface="Consolas" panose="020B0609020204030204" pitchFamily="49" charset="0"/>
-              </a:rPr>
-              <a:t>“</a:t>
-            </a:r>
-            <a:endParaRPr lang="de-DE" sz="2400" dirty="0" smtClean="0">
+              <a:t>„Datei entfernt“</a:t>
+            </a:r>
+            <a:endParaRPr lang="de-DE" sz="2400" dirty="0">
               <a:latin typeface="Consolas" panose="020B0609020204030204" pitchFamily="49" charset="0"/>
               <a:cs typeface="Consolas" panose="020B0609020204030204" pitchFamily="49" charset="0"/>
             </a:endParaRPr>
@@ -3602,28 +3568,28 @@
               <a:buChar char="-"/>
             </a:pPr>
             <a:r>
-              <a:rPr lang="de-DE" sz="2400" dirty="0" smtClean="0">
+              <a:rPr lang="de-DE" sz="2400" dirty="0">
                 <a:latin typeface="Consolas" panose="020B0609020204030204" pitchFamily="49" charset="0"/>
                 <a:cs typeface="Consolas" panose="020B0609020204030204" pitchFamily="49" charset="0"/>
               </a:rPr>
               <a:t> </a:t>
             </a:r>
             <a:r>
-              <a:rPr lang="de-DE" sz="2400" dirty="0" err="1" smtClean="0">
+              <a:rPr lang="de-DE" sz="2400" dirty="0" err="1">
                 <a:latin typeface="Consolas" panose="020B0609020204030204" pitchFamily="49" charset="0"/>
                 <a:cs typeface="Consolas" panose="020B0609020204030204" pitchFamily="49" charset="0"/>
               </a:rPr>
               <a:t>git</a:t>
             </a:r>
             <a:r>
-              <a:rPr lang="de-DE" sz="2400" dirty="0" smtClean="0">
+              <a:rPr lang="de-DE" sz="2400" dirty="0">
                 <a:latin typeface="Consolas" panose="020B0609020204030204" pitchFamily="49" charset="0"/>
                 <a:cs typeface="Consolas" panose="020B0609020204030204" pitchFamily="49" charset="0"/>
               </a:rPr>
               <a:t> </a:t>
             </a:r>
             <a:r>
-              <a:rPr lang="de-DE" sz="2400" dirty="0" smtClean="0">
+              <a:rPr lang="de-DE" sz="2400" dirty="0">
                 <a:solidFill>
                   <a:srgbClr val="00B050"/>
                 </a:solidFill>
@@ -3651,7 +3617,7 @@
               <a:buFont typeface="Symbol" panose="05050102010706020507" pitchFamily="18" charset="2"/>
               <a:buChar char="-"/>
             </a:pPr>
-            <a:endParaRPr lang="de-DE" sz="2400" dirty="0" smtClean="0">
+            <a:endParaRPr lang="de-DE" sz="2400" dirty="0">
               <a:latin typeface="Consolas" panose="020B0609020204030204" pitchFamily="49" charset="0"/>
               <a:cs typeface="Consolas" panose="020B0609020204030204" pitchFamily="49" charset="0"/>
             </a:endParaRPr>
@@ -3674,13 +3640,6 @@
   <p:clrMapOvr>
     <a:masterClrMapping/>
   </p:clrMapOvr>
-  <p:timing>
-    <p:tnLst>
-      <p:par>
-        <p:cTn id="1" dur="indefinite" restart="never" nodeType="tmRoot"/>
-      </p:par>
-    </p:tnLst>
-  </p:timing>
 </p:sld>
 </file>
 
@@ -3719,10 +3678,9 @@
           <a:lstStyle/>
           <a:p>
             <a:r>
-              <a:rPr lang="de-DE" sz="3600" dirty="0" smtClean="0"/>
+              <a:rPr lang="de-DE" sz="3600" dirty="0"/>
               <a:t>Versehentliches Ändern des Inhalts lokal</a:t>
             </a:r>
-            <a:endParaRPr lang="de-DE" sz="3600" dirty="0"/>
           </a:p>
         </p:txBody>
       </p:sp>
@@ -3753,14 +3711,14 @@
               <a:buChar char="-"/>
             </a:pPr>
             <a:r>
-              <a:rPr lang="de-DE" sz="2400" dirty="0" smtClean="0">
+              <a:rPr lang="de-DE" sz="2400" dirty="0">
                 <a:latin typeface="Consolas" panose="020B0609020204030204" pitchFamily="49" charset="0"/>
                 <a:cs typeface="Consolas" panose="020B0609020204030204" pitchFamily="49" charset="0"/>
               </a:rPr>
               <a:t> echo </a:t>
             </a:r>
             <a:r>
-              <a:rPr lang="de-DE" sz="2400" dirty="0" smtClean="0">
+              <a:rPr lang="de-DE" sz="2400" dirty="0">
                 <a:solidFill>
                   <a:schemeClr val="accent6">
                     <a:lumMod val="75000"/>
@@ -3769,33 +3727,14 @@
                 <a:latin typeface="Consolas" panose="020B0609020204030204" pitchFamily="49" charset="0"/>
                 <a:cs typeface="Consolas" panose="020B0609020204030204" pitchFamily="49" charset="0"/>
               </a:rPr>
-              <a:t>„Guter </a:t>
+              <a:t>„Guter Inhalt“</a:t>
             </a:r>
             <a:r>
               <a:rPr lang="de-DE" sz="2400" dirty="0">
-                <a:solidFill>
-                  <a:schemeClr val="accent6">
-                    <a:lumMod val="75000"/>
-                  </a:schemeClr>
-                </a:solidFill>
-                <a:latin typeface="Consolas" panose="020B0609020204030204" pitchFamily="49" charset="0"/>
-                <a:cs typeface="Consolas" panose="020B0609020204030204" pitchFamily="49" charset="0"/>
-              </a:rPr>
-              <a:t>Inhalt“</a:t>
-            </a:r>
-            <a:r>
-              <a:rPr lang="de-DE" sz="2400" dirty="0">
-                <a:latin typeface="Consolas" panose="020B0609020204030204" pitchFamily="49" charset="0"/>
-                <a:cs typeface="Consolas" panose="020B0609020204030204" pitchFamily="49" charset="0"/>
-              </a:rPr>
-              <a:t> &gt; </a:t>
-            </a:r>
-            <a:r>
-              <a:rPr lang="de-DE" sz="2400" dirty="0" smtClean="0">
-                <a:latin typeface="Consolas" panose="020B0609020204030204" pitchFamily="49" charset="0"/>
-                <a:cs typeface="Consolas" panose="020B0609020204030204" pitchFamily="49" charset="0"/>
-              </a:rPr>
-              <a:t>datei.txt</a:t>
+                <a:latin typeface="Consolas" panose="020B0609020204030204" pitchFamily="49" charset="0"/>
+                <a:cs typeface="Consolas" panose="020B0609020204030204" pitchFamily="49" charset="0"/>
+              </a:rPr>
+              <a:t> &gt; datei.txt</a:t>
             </a:r>
           </a:p>
           <a:p>
@@ -3804,44 +3743,40 @@
               <a:buChar char="-"/>
             </a:pPr>
             <a:r>
-              <a:rPr lang="de-DE" sz="2400" dirty="0" smtClean="0">
+              <a:rPr lang="de-DE" sz="2400" dirty="0">
                 <a:latin typeface="Consolas" panose="020B0609020204030204" pitchFamily="49" charset="0"/>
                 <a:cs typeface="Consolas" panose="020B0609020204030204" pitchFamily="49" charset="0"/>
               </a:rPr>
               <a:t> </a:t>
             </a:r>
             <a:r>
-              <a:rPr lang="de-DE" sz="2400" dirty="0" err="1" smtClean="0">
+              <a:rPr lang="de-DE" sz="2400" dirty="0" err="1">
                 <a:latin typeface="Consolas" panose="020B0609020204030204" pitchFamily="49" charset="0"/>
                 <a:cs typeface="Consolas" panose="020B0609020204030204" pitchFamily="49" charset="0"/>
               </a:rPr>
               <a:t>git</a:t>
             </a:r>
             <a:r>
-              <a:rPr lang="de-DE" sz="2400" dirty="0" smtClean="0">
+              <a:rPr lang="de-DE" sz="2400" dirty="0">
                 <a:latin typeface="Consolas" panose="020B0609020204030204" pitchFamily="49" charset="0"/>
                 <a:cs typeface="Consolas" panose="020B0609020204030204" pitchFamily="49" charset="0"/>
               </a:rPr>
               <a:t> </a:t>
             </a:r>
             <a:r>
-              <a:rPr lang="de-DE" sz="2400" dirty="0" err="1" smtClean="0">
+              <a:rPr lang="de-DE" sz="2400" dirty="0" err="1">
                 <a:latin typeface="Consolas" panose="020B0609020204030204" pitchFamily="49" charset="0"/>
                 <a:cs typeface="Consolas" panose="020B0609020204030204" pitchFamily="49" charset="0"/>
               </a:rPr>
               <a:t>add</a:t>
             </a:r>
             <a:r>
-              <a:rPr lang="de-DE" sz="2400" dirty="0" smtClean="0">
+              <a:rPr lang="de-DE" sz="2400" dirty="0">
                 <a:latin typeface="Consolas" panose="020B0609020204030204" pitchFamily="49" charset="0"/>
                 <a:cs typeface="Consolas" panose="020B0609020204030204" pitchFamily="49" charset="0"/>
               </a:rPr>
               <a:t> datei.txt</a:t>
             </a:r>
-            <a:endParaRPr lang="de-DE" sz="2400" dirty="0">
-              <a:latin typeface="Consolas" panose="020B0609020204030204" pitchFamily="49" charset="0"/>
-              <a:cs typeface="Consolas" panose="020B0609020204030204" pitchFamily="49" charset="0"/>
-            </a:endParaRPr>
           </a:p>
           <a:p>
             <a:pPr>
@@ -3849,14 +3784,14 @@
               <a:buChar char="-"/>
             </a:pPr>
             <a:r>
-              <a:rPr lang="de-DE" sz="2400" dirty="0" smtClean="0">
+              <a:rPr lang="de-DE" sz="2400" dirty="0">
                 <a:latin typeface="Consolas" panose="020B0609020204030204" pitchFamily="49" charset="0"/>
                 <a:cs typeface="Consolas" panose="020B0609020204030204" pitchFamily="49" charset="0"/>
               </a:rPr>
               <a:t> echo </a:t>
             </a:r>
             <a:r>
-              <a:rPr lang="de-DE" sz="2400" dirty="0" smtClean="0">
+              <a:rPr lang="de-DE" sz="2400" dirty="0">
                 <a:solidFill>
                   <a:schemeClr val="tx2">
                     <a:lumMod val="60000"/>
@@ -3869,7 +3804,7 @@
               <a:t>„Falscher Inhalt“</a:t>
             </a:r>
             <a:r>
-              <a:rPr lang="de-DE" sz="2400" dirty="0" smtClean="0">
+              <a:rPr lang="de-DE" sz="2400" dirty="0">
                 <a:latin typeface="Consolas" panose="020B0609020204030204" pitchFamily="49" charset="0"/>
                 <a:cs typeface="Consolas" panose="020B0609020204030204" pitchFamily="49" charset="0"/>
               </a:rPr>
@@ -3881,7 +3816,7 @@
               <a:buFont typeface="Symbol" panose="05050102010706020507" pitchFamily="18" charset="2"/>
               <a:buChar char="-"/>
             </a:pPr>
-            <a:endParaRPr lang="de-DE" sz="1800" dirty="0" smtClean="0">
+            <a:endParaRPr lang="de-DE" sz="1800" dirty="0">
               <a:cs typeface="Consolas" panose="020B0609020204030204" pitchFamily="49" charset="0"/>
             </a:endParaRPr>
           </a:p>
@@ -3890,7 +3825,7 @@
               <a:buNone/>
             </a:pPr>
             <a:r>
-              <a:rPr lang="de-DE" sz="1800" dirty="0" smtClean="0">
+              <a:rPr lang="de-DE" sz="1800" dirty="0">
                 <a:cs typeface="Consolas" panose="020B0609020204030204" pitchFamily="49" charset="0"/>
               </a:rPr>
               <a:t>Kompensation:</a:t>
@@ -3905,21 +3840,21 @@
               <a:buChar char="-"/>
             </a:pPr>
             <a:r>
-              <a:rPr lang="de-DE" sz="2400" dirty="0" smtClean="0">
+              <a:rPr lang="de-DE" sz="2400" dirty="0">
                 <a:latin typeface="Consolas" panose="020B0609020204030204" pitchFamily="49" charset="0"/>
                 <a:cs typeface="Consolas" panose="020B0609020204030204" pitchFamily="49" charset="0"/>
               </a:rPr>
               <a:t> </a:t>
             </a:r>
             <a:r>
-              <a:rPr lang="de-DE" sz="2400" dirty="0" err="1" smtClean="0">
+              <a:rPr lang="de-DE" sz="2400" dirty="0" err="1">
                 <a:latin typeface="Consolas" panose="020B0609020204030204" pitchFamily="49" charset="0"/>
                 <a:cs typeface="Consolas" panose="020B0609020204030204" pitchFamily="49" charset="0"/>
               </a:rPr>
               <a:t>git</a:t>
             </a:r>
             <a:r>
-              <a:rPr lang="de-DE" sz="2400" dirty="0" smtClean="0">
+              <a:rPr lang="de-DE" sz="2400" dirty="0">
                 <a:latin typeface="Consolas" panose="020B0609020204030204" pitchFamily="49" charset="0"/>
                 <a:cs typeface="Consolas" panose="020B0609020204030204" pitchFamily="49" charset="0"/>
               </a:rPr>
@@ -3946,7 +3881,7 @@
               <a:t> </a:t>
             </a:r>
             <a:r>
-              <a:rPr lang="de-DE" sz="2400" dirty="0" smtClean="0">
+              <a:rPr lang="de-DE" sz="2400" dirty="0">
                 <a:latin typeface="Consolas" panose="020B0609020204030204" pitchFamily="49" charset="0"/>
                 <a:cs typeface="Consolas" panose="020B0609020204030204" pitchFamily="49" charset="0"/>
               </a:rPr>
@@ -3958,7 +3893,7 @@
               <a:buNone/>
             </a:pPr>
             <a:r>
-              <a:rPr lang="de-DE" dirty="0" smtClean="0"/>
+              <a:rPr lang="de-DE" dirty="0"/>
               <a:t> </a:t>
             </a:r>
           </a:p>
@@ -4121,37 +4056,33 @@
           <a:lstStyle/>
           <a:p>
             <a:r>
-              <a:rPr lang="de-DE" sz="1600" dirty="0" err="1" smtClean="0">
+              <a:rPr lang="de-DE" sz="1600" dirty="0" err="1">
                 <a:latin typeface="Consolas" panose="020B0609020204030204" pitchFamily="49" charset="0"/>
                 <a:cs typeface="Consolas" panose="020B0609020204030204" pitchFamily="49" charset="0"/>
               </a:rPr>
               <a:t>checkout</a:t>
             </a:r>
             <a:r>
-              <a:rPr lang="de-DE" sz="1600" dirty="0" smtClean="0">
+              <a:rPr lang="de-DE" sz="1600" dirty="0">
                 <a:latin typeface="Consolas" panose="020B0609020204030204" pitchFamily="49" charset="0"/>
                 <a:cs typeface="Consolas" panose="020B0609020204030204" pitchFamily="49" charset="0"/>
               </a:rPr>
               <a:t> &lt;</a:t>
             </a:r>
             <a:r>
-              <a:rPr lang="de-DE" sz="1600" dirty="0" err="1" smtClean="0">
+              <a:rPr lang="de-DE" sz="1600" dirty="0" err="1">
                 <a:latin typeface="Consolas" panose="020B0609020204030204" pitchFamily="49" charset="0"/>
                 <a:cs typeface="Consolas" panose="020B0609020204030204" pitchFamily="49" charset="0"/>
               </a:rPr>
               <a:t>filename</a:t>
             </a:r>
             <a:r>
-              <a:rPr lang="de-DE" sz="1600" dirty="0" smtClean="0">
+              <a:rPr lang="de-DE" sz="1600" dirty="0">
                 <a:latin typeface="Consolas" panose="020B0609020204030204" pitchFamily="49" charset="0"/>
                 <a:cs typeface="Consolas" panose="020B0609020204030204" pitchFamily="49" charset="0"/>
               </a:rPr>
               <a:t>&gt;</a:t>
             </a:r>
-            <a:endParaRPr lang="de-DE" sz="1600" dirty="0">
-              <a:latin typeface="Consolas" panose="020B0609020204030204" pitchFamily="49" charset="0"/>
-              <a:cs typeface="Consolas" panose="020B0609020204030204" pitchFamily="49" charset="0"/>
-            </a:endParaRPr>
           </a:p>
         </p:txBody>
       </p:sp>
@@ -4185,11 +4116,11 @@
           <a:lstStyle/>
           <a:p>
             <a:r>
-              <a:rPr lang="de-DE" sz="1600" dirty="0" smtClean="0"/>
+              <a:rPr lang="de-DE" sz="1600" dirty="0"/>
               <a:t>datei.txt: </a:t>
             </a:r>
             <a:r>
-              <a:rPr lang="de-DE" sz="1600" dirty="0" smtClean="0">
+              <a:rPr lang="de-DE" sz="1600" dirty="0">
                 <a:solidFill>
                   <a:schemeClr val="accent6">
                     <a:lumMod val="75000"/>
@@ -4198,13 +4129,6 @@
               </a:rPr>
               <a:t>Guter Inhalt</a:t>
             </a:r>
-            <a:endParaRPr lang="de-DE" sz="1600" dirty="0">
-              <a:solidFill>
-                <a:schemeClr val="accent6">
-                  <a:lumMod val="75000"/>
-                </a:schemeClr>
-              </a:solidFill>
-            </a:endParaRPr>
           </a:p>
         </p:txBody>
       </p:sp>
@@ -4238,11 +4162,11 @@
           <a:lstStyle/>
           <a:p>
             <a:r>
-              <a:rPr lang="de-DE" sz="1600" dirty="0" smtClean="0"/>
+              <a:rPr lang="de-DE" sz="1600" dirty="0"/>
               <a:t>datei.txt: </a:t>
             </a:r>
             <a:r>
-              <a:rPr lang="de-DE" sz="1600" dirty="0" smtClean="0">
+              <a:rPr lang="de-DE" sz="1600" dirty="0">
                 <a:solidFill>
                   <a:schemeClr val="accent6">
                     <a:lumMod val="75000"/>
@@ -4251,13 +4175,6 @@
               </a:rPr>
               <a:t>Falscher Inhalt</a:t>
             </a:r>
-            <a:endParaRPr lang="de-DE" sz="1600" dirty="0">
-              <a:solidFill>
-                <a:schemeClr val="accent6">
-                  <a:lumMod val="75000"/>
-                </a:schemeClr>
-              </a:solidFill>
-            </a:endParaRPr>
           </a:p>
         </p:txBody>
       </p:sp>
@@ -4418,11 +4335,11 @@
           <a:lstStyle/>
           <a:p>
             <a:r>
-              <a:rPr lang="de-DE" sz="1600" dirty="0" smtClean="0"/>
+              <a:rPr lang="de-DE" sz="1600" dirty="0"/>
               <a:t>datei.txt: </a:t>
             </a:r>
             <a:r>
-              <a:rPr lang="de-DE" sz="1600" dirty="0" smtClean="0">
+              <a:rPr lang="de-DE" sz="1600" dirty="0">
                 <a:solidFill>
                   <a:schemeClr val="accent6">
                     <a:lumMod val="75000"/>
@@ -4431,13 +4348,6 @@
               </a:rPr>
               <a:t>Guter Inhalt</a:t>
             </a:r>
-            <a:endParaRPr lang="de-DE" sz="1600" dirty="0">
-              <a:solidFill>
-                <a:schemeClr val="accent6">
-                  <a:lumMod val="75000"/>
-                </a:schemeClr>
-              </a:solidFill>
-            </a:endParaRPr>
           </a:p>
         </p:txBody>
       </p:sp>
@@ -4471,11 +4381,11 @@
           <a:lstStyle/>
           <a:p>
             <a:r>
-              <a:rPr lang="de-DE" sz="1600" dirty="0" smtClean="0"/>
+              <a:rPr lang="de-DE" sz="1600" dirty="0"/>
               <a:t>datei.txt: </a:t>
             </a:r>
             <a:r>
-              <a:rPr lang="de-DE" sz="1600" dirty="0" smtClean="0">
+              <a:rPr lang="de-DE" sz="1600" dirty="0">
                 <a:solidFill>
                   <a:schemeClr val="accent6">
                     <a:lumMod val="75000"/>
@@ -4484,13 +4394,6 @@
               </a:rPr>
               <a:t>Guter Inhalt</a:t>
             </a:r>
-            <a:endParaRPr lang="de-DE" sz="1600" dirty="0">
-              <a:solidFill>
-                <a:schemeClr val="accent6">
-                  <a:lumMod val="75000"/>
-                </a:schemeClr>
-              </a:solidFill>
-            </a:endParaRPr>
           </a:p>
         </p:txBody>
       </p:sp>
@@ -4548,13 +4451,6 @@
   <p:clrMapOvr>
     <a:masterClrMapping/>
   </p:clrMapOvr>
-  <p:timing>
-    <p:tnLst>
-      <p:par>
-        <p:cTn id="1" dur="indefinite" restart="never" nodeType="tmRoot"/>
-      </p:par>
-    </p:tnLst>
-  </p:timing>
 </p:sld>
 </file>
 
@@ -4593,11 +4489,11 @@
           <a:lstStyle/>
           <a:p>
             <a:r>
-              <a:rPr lang="de-DE" sz="3600" dirty="0" smtClean="0"/>
+              <a:rPr lang="de-DE" sz="3600" dirty="0"/>
               <a:t>Versehentliches Ändern des Inhalts mit </a:t>
             </a:r>
             <a:r>
-              <a:rPr lang="de-DE" sz="3600" dirty="0" err="1" smtClean="0"/>
+              <a:rPr lang="de-DE" sz="3600" dirty="0" err="1"/>
               <a:t>add</a:t>
             </a:r>
             <a:endParaRPr lang="de-DE" sz="3600" dirty="0"/>
@@ -4631,14 +4527,14 @@
               <a:buChar char="-"/>
             </a:pPr>
             <a:r>
-              <a:rPr lang="de-DE" sz="2400" dirty="0" smtClean="0">
+              <a:rPr lang="de-DE" sz="2400" dirty="0">
                 <a:latin typeface="Consolas" panose="020B0609020204030204" pitchFamily="49" charset="0"/>
                 <a:cs typeface="Consolas" panose="020B0609020204030204" pitchFamily="49" charset="0"/>
               </a:rPr>
               <a:t> echo </a:t>
             </a:r>
             <a:r>
-              <a:rPr lang="de-DE" sz="2400" dirty="0" smtClean="0">
+              <a:rPr lang="de-DE" sz="2400" dirty="0">
                 <a:solidFill>
                   <a:schemeClr val="tx2">
                     <a:lumMod val="60000"/>
@@ -4651,7 +4547,7 @@
               <a:t>„Falscher Inhalt“</a:t>
             </a:r>
             <a:r>
-              <a:rPr lang="de-DE" sz="2400" dirty="0" smtClean="0">
+              <a:rPr lang="de-DE" sz="2400" dirty="0">
                 <a:latin typeface="Consolas" panose="020B0609020204030204" pitchFamily="49" charset="0"/>
                 <a:cs typeface="Consolas" panose="020B0609020204030204" pitchFamily="49" charset="0"/>
               </a:rPr>
@@ -4664,51 +4560,47 @@
               <a:buChar char="-"/>
             </a:pPr>
             <a:r>
-              <a:rPr lang="de-DE" sz="2400" dirty="0" smtClean="0">
+              <a:rPr lang="de-DE" sz="2400" dirty="0">
                 <a:latin typeface="Consolas" panose="020B0609020204030204" pitchFamily="49" charset="0"/>
                 <a:cs typeface="Consolas" panose="020B0609020204030204" pitchFamily="49" charset="0"/>
               </a:rPr>
               <a:t> </a:t>
             </a:r>
             <a:r>
-              <a:rPr lang="de-DE" sz="2400" dirty="0" err="1" smtClean="0">
+              <a:rPr lang="de-DE" sz="2400" dirty="0" err="1">
                 <a:latin typeface="Consolas" panose="020B0609020204030204" pitchFamily="49" charset="0"/>
                 <a:cs typeface="Consolas" panose="020B0609020204030204" pitchFamily="49" charset="0"/>
               </a:rPr>
               <a:t>git</a:t>
             </a:r>
             <a:r>
-              <a:rPr lang="de-DE" sz="2400" dirty="0" smtClean="0">
+              <a:rPr lang="de-DE" sz="2400" dirty="0">
                 <a:latin typeface="Consolas" panose="020B0609020204030204" pitchFamily="49" charset="0"/>
                 <a:cs typeface="Consolas" panose="020B0609020204030204" pitchFamily="49" charset="0"/>
               </a:rPr>
               <a:t> </a:t>
             </a:r>
             <a:r>
-              <a:rPr lang="de-DE" sz="2400" dirty="0" err="1" smtClean="0">
+              <a:rPr lang="de-DE" sz="2400" dirty="0" err="1">
                 <a:latin typeface="Consolas" panose="020B0609020204030204" pitchFamily="49" charset="0"/>
                 <a:cs typeface="Consolas" panose="020B0609020204030204" pitchFamily="49" charset="0"/>
               </a:rPr>
               <a:t>add</a:t>
             </a:r>
             <a:r>
-              <a:rPr lang="de-DE" sz="2400" dirty="0" smtClean="0">
+              <a:rPr lang="de-DE" sz="2400" dirty="0">
                 <a:latin typeface="Consolas" panose="020B0609020204030204" pitchFamily="49" charset="0"/>
                 <a:cs typeface="Consolas" panose="020B0609020204030204" pitchFamily="49" charset="0"/>
               </a:rPr>
               <a:t> datei.txt</a:t>
             </a:r>
-            <a:endParaRPr lang="de-DE" sz="2400" dirty="0">
-              <a:latin typeface="Consolas" panose="020B0609020204030204" pitchFamily="49" charset="0"/>
-              <a:cs typeface="Consolas" panose="020B0609020204030204" pitchFamily="49" charset="0"/>
-            </a:endParaRPr>
           </a:p>
           <a:p>
             <a:pPr>
               <a:buFont typeface="Symbol" panose="05050102010706020507" pitchFamily="18" charset="2"/>
               <a:buChar char="-"/>
             </a:pPr>
-            <a:endParaRPr lang="de-DE" sz="2000" dirty="0" smtClean="0">
+            <a:endParaRPr lang="de-DE" sz="2000" dirty="0">
               <a:latin typeface="Consolas" panose="020B0609020204030204" pitchFamily="49" charset="0"/>
               <a:cs typeface="Consolas" panose="020B0609020204030204" pitchFamily="49" charset="0"/>
             </a:endParaRPr>
@@ -4730,21 +4622,21 @@
               <a:buChar char="-"/>
             </a:pPr>
             <a:r>
-              <a:rPr lang="de-DE" sz="2400" dirty="0" smtClean="0">
+              <a:rPr lang="de-DE" sz="2400" dirty="0">
                 <a:latin typeface="Consolas" panose="020B0609020204030204" pitchFamily="49" charset="0"/>
                 <a:cs typeface="Consolas" panose="020B0609020204030204" pitchFamily="49" charset="0"/>
               </a:rPr>
               <a:t> </a:t>
             </a:r>
             <a:r>
-              <a:rPr lang="de-DE" sz="2400" dirty="0" err="1" smtClean="0">
+              <a:rPr lang="de-DE" sz="2400" dirty="0" err="1">
                 <a:latin typeface="Consolas" panose="020B0609020204030204" pitchFamily="49" charset="0"/>
                 <a:cs typeface="Consolas" panose="020B0609020204030204" pitchFamily="49" charset="0"/>
               </a:rPr>
               <a:t>git</a:t>
             </a:r>
             <a:r>
-              <a:rPr lang="de-DE" sz="2400" dirty="0" smtClean="0">
+              <a:rPr lang="de-DE" sz="2400" dirty="0">
                 <a:latin typeface="Consolas" panose="020B0609020204030204" pitchFamily="49" charset="0"/>
                 <a:cs typeface="Consolas" panose="020B0609020204030204" pitchFamily="49" charset="0"/>
               </a:rPr>
@@ -4768,20 +4660,10 @@
                 <a:latin typeface="Consolas" panose="020B0609020204030204" pitchFamily="49" charset="0"/>
                 <a:cs typeface="Consolas" panose="020B0609020204030204" pitchFamily="49" charset="0"/>
               </a:rPr>
-              <a:t> </a:t>
-            </a:r>
-            <a:r>
-              <a:rPr lang="de-DE" sz="2400" dirty="0" smtClean="0">
-                <a:solidFill>
-                  <a:srgbClr val="00B050"/>
-                </a:solidFill>
-                <a:latin typeface="Consolas" panose="020B0609020204030204" pitchFamily="49" charset="0"/>
-                <a:cs typeface="Consolas" panose="020B0609020204030204" pitchFamily="49" charset="0"/>
-              </a:rPr>
-              <a:t>HEAD </a:t>
-            </a:r>
-            <a:r>
-              <a:rPr lang="de-DE" sz="2400" dirty="0" smtClean="0">
+              <a:t> HEAD </a:t>
+            </a:r>
+            <a:r>
+              <a:rPr lang="de-DE" sz="2400" dirty="0">
                 <a:latin typeface="Consolas" panose="020B0609020204030204" pitchFamily="49" charset="0"/>
                 <a:cs typeface="Consolas" panose="020B0609020204030204" pitchFamily="49" charset="0"/>
               </a:rPr>
@@ -4793,7 +4675,7 @@
               <a:buNone/>
             </a:pPr>
             <a:r>
-              <a:rPr lang="de-DE" dirty="0" smtClean="0"/>
+              <a:rPr lang="de-DE" dirty="0"/>
               <a:t> </a:t>
             </a:r>
           </a:p>
@@ -5113,7 +4995,7 @@
             <a:lstStyle/>
             <a:p>
               <a:pPr algn="ctr"/>
-              <a:endParaRPr lang="de-DE" dirty="0" smtClean="0">
+              <a:endParaRPr lang="de-DE" dirty="0">
                 <a:solidFill>
                   <a:schemeClr val="tx2">
                     <a:lumMod val="60000"/>
@@ -5171,7 +5053,7 @@
           <a:p>
             <a:pPr algn="ctr"/>
             <a:r>
-              <a:rPr lang="de-DE" sz="1400" dirty="0" err="1" smtClean="0">
+              <a:rPr lang="de-DE" sz="1400" dirty="0" err="1">
                 <a:solidFill>
                   <a:schemeClr val="tx1"/>
                 </a:solidFill>
@@ -5231,18 +5113,13 @@
           <a:p>
             <a:pPr algn="ctr"/>
             <a:r>
-              <a:rPr lang="de-DE" sz="1400" dirty="0" smtClean="0">
+              <a:rPr lang="de-DE" sz="1400" dirty="0">
                 <a:solidFill>
                   <a:schemeClr val="tx1"/>
                 </a:solidFill>
               </a:rPr>
               <a:t>HEAD</a:t>
             </a:r>
-            <a:endParaRPr lang="de-DE" sz="1400" dirty="0">
-              <a:solidFill>
-                <a:schemeClr val="tx1"/>
-              </a:solidFill>
-            </a:endParaRPr>
           </a:p>
         </p:txBody>
       </p:sp>
@@ -5347,11 +5224,11 @@
           <a:lstStyle/>
           <a:p>
             <a:r>
-              <a:rPr lang="de-DE" sz="1600" dirty="0" smtClean="0"/>
+              <a:rPr lang="de-DE" sz="1600" dirty="0"/>
               <a:t>datei.txt: </a:t>
             </a:r>
             <a:r>
-              <a:rPr lang="de-DE" sz="1600" dirty="0" smtClean="0">
+              <a:rPr lang="de-DE" sz="1600" dirty="0">
                 <a:solidFill>
                   <a:schemeClr val="accent6">
                     <a:lumMod val="75000"/>
@@ -5360,13 +5237,6 @@
               </a:rPr>
               <a:t>Guter Inhalt</a:t>
             </a:r>
-            <a:endParaRPr lang="de-DE" sz="1600" dirty="0">
-              <a:solidFill>
-                <a:schemeClr val="accent6">
-                  <a:lumMod val="75000"/>
-                </a:schemeClr>
-              </a:solidFill>
-            </a:endParaRPr>
           </a:p>
         </p:txBody>
       </p:sp>
@@ -5400,11 +5270,11 @@
           <a:lstStyle/>
           <a:p>
             <a:r>
-              <a:rPr lang="de-DE" sz="1600" dirty="0" smtClean="0"/>
+              <a:rPr lang="de-DE" sz="1600" dirty="0"/>
               <a:t>datei.txt: </a:t>
             </a:r>
             <a:r>
-              <a:rPr lang="de-DE" sz="1600" dirty="0" smtClean="0">
+              <a:rPr lang="de-DE" sz="1600" dirty="0">
                 <a:solidFill>
                   <a:schemeClr val="accent6">
                     <a:lumMod val="75000"/>
@@ -5413,13 +5283,6 @@
               </a:rPr>
               <a:t>Falscher Inhalt</a:t>
             </a:r>
-            <a:endParaRPr lang="de-DE" sz="1600" dirty="0">
-              <a:solidFill>
-                <a:schemeClr val="accent6">
-                  <a:lumMod val="75000"/>
-                </a:schemeClr>
-              </a:solidFill>
-            </a:endParaRPr>
           </a:p>
         </p:txBody>
       </p:sp>
@@ -5453,11 +5316,11 @@
           <a:lstStyle/>
           <a:p>
             <a:r>
-              <a:rPr lang="de-DE" sz="1600" dirty="0" smtClean="0"/>
+              <a:rPr lang="de-DE" sz="1600" dirty="0"/>
               <a:t>datei.txt: </a:t>
             </a:r>
             <a:r>
-              <a:rPr lang="de-DE" sz="1600" dirty="0" smtClean="0">
+              <a:rPr lang="de-DE" sz="1600" dirty="0">
                 <a:solidFill>
                   <a:schemeClr val="accent6">
                     <a:lumMod val="75000"/>
@@ -5466,13 +5329,6 @@
               </a:rPr>
               <a:t>Falscher Inhalt</a:t>
             </a:r>
-            <a:endParaRPr lang="de-DE" sz="1600" dirty="0">
-              <a:solidFill>
-                <a:schemeClr val="accent6">
-                  <a:lumMod val="75000"/>
-                </a:schemeClr>
-              </a:solidFill>
-            </a:endParaRPr>
           </a:p>
         </p:txBody>
       </p:sp>
@@ -5696,7 +5552,7 @@
             <a:lstStyle/>
             <a:p>
               <a:pPr algn="ctr"/>
-              <a:endParaRPr lang="de-DE" dirty="0" smtClean="0">
+              <a:endParaRPr lang="de-DE" dirty="0">
                 <a:solidFill>
                   <a:schemeClr val="tx2">
                     <a:lumMod val="60000"/>
@@ -5754,7 +5610,7 @@
           <a:p>
             <a:pPr algn="ctr"/>
             <a:r>
-              <a:rPr lang="de-DE" sz="1400" dirty="0" err="1" smtClean="0">
+              <a:rPr lang="de-DE" sz="1400" dirty="0" err="1">
                 <a:solidFill>
                   <a:schemeClr val="tx1"/>
                 </a:solidFill>
@@ -5814,18 +5670,13 @@
           <a:p>
             <a:pPr algn="ctr"/>
             <a:r>
-              <a:rPr lang="de-DE" sz="1400" dirty="0" smtClean="0">
+              <a:rPr lang="de-DE" sz="1400" dirty="0">
                 <a:solidFill>
                   <a:schemeClr val="tx1"/>
                 </a:solidFill>
               </a:rPr>
               <a:t>HEAD</a:t>
             </a:r>
-            <a:endParaRPr lang="de-DE" sz="1400" dirty="0">
-              <a:solidFill>
-                <a:schemeClr val="tx1"/>
-              </a:solidFill>
-            </a:endParaRPr>
           </a:p>
         </p:txBody>
       </p:sp>
@@ -5930,11 +5781,11 @@
           <a:lstStyle/>
           <a:p>
             <a:r>
-              <a:rPr lang="de-DE" sz="1600" dirty="0" smtClean="0"/>
+              <a:rPr lang="de-DE" sz="1600" dirty="0"/>
               <a:t>datei.txt: </a:t>
             </a:r>
             <a:r>
-              <a:rPr lang="de-DE" sz="1600" dirty="0" smtClean="0">
+              <a:rPr lang="de-DE" sz="1600" dirty="0">
                 <a:solidFill>
                   <a:schemeClr val="accent6">
                     <a:lumMod val="75000"/>
@@ -5943,13 +5794,6 @@
               </a:rPr>
               <a:t>Guter Inhalt</a:t>
             </a:r>
-            <a:endParaRPr lang="de-DE" sz="1600" dirty="0">
-              <a:solidFill>
-                <a:schemeClr val="accent6">
-                  <a:lumMod val="75000"/>
-                </a:schemeClr>
-              </a:solidFill>
-            </a:endParaRPr>
           </a:p>
         </p:txBody>
       </p:sp>
@@ -5983,11 +5827,11 @@
           <a:lstStyle/>
           <a:p>
             <a:r>
-              <a:rPr lang="de-DE" sz="1600" dirty="0" smtClean="0"/>
+              <a:rPr lang="de-DE" sz="1600" dirty="0"/>
               <a:t>datei.txt: </a:t>
             </a:r>
             <a:r>
-              <a:rPr lang="de-DE" sz="1600" dirty="0" smtClean="0">
+              <a:rPr lang="de-DE" sz="1600" dirty="0">
                 <a:solidFill>
                   <a:schemeClr val="accent6">
                     <a:lumMod val="75000"/>
@@ -5996,13 +5840,6 @@
               </a:rPr>
               <a:t>Guter Inhalt</a:t>
             </a:r>
-            <a:endParaRPr lang="de-DE" sz="1600" dirty="0">
-              <a:solidFill>
-                <a:schemeClr val="accent6">
-                  <a:lumMod val="75000"/>
-                </a:schemeClr>
-              </a:solidFill>
-            </a:endParaRPr>
           </a:p>
         </p:txBody>
       </p:sp>
@@ -6036,11 +5873,11 @@
           <a:lstStyle/>
           <a:p>
             <a:r>
-              <a:rPr lang="de-DE" sz="1600" dirty="0" smtClean="0"/>
+              <a:rPr lang="de-DE" sz="1600" dirty="0"/>
               <a:t>datei.txt: </a:t>
             </a:r>
             <a:r>
-              <a:rPr lang="de-DE" sz="1600" dirty="0" smtClean="0">
+              <a:rPr lang="de-DE" sz="1600" dirty="0">
                 <a:solidFill>
                   <a:schemeClr val="accent6">
                     <a:lumMod val="75000"/>
@@ -6049,13 +5886,6 @@
               </a:rPr>
               <a:t>Guter Inhalt</a:t>
             </a:r>
-            <a:endParaRPr lang="de-DE" sz="1600" dirty="0">
-              <a:solidFill>
-                <a:schemeClr val="accent6">
-                  <a:lumMod val="75000"/>
-                </a:schemeClr>
-              </a:solidFill>
-            </a:endParaRPr>
           </a:p>
         </p:txBody>
       </p:sp>
@@ -6069,13 +5899,6 @@
   <p:clrMapOvr>
     <a:masterClrMapping/>
   </p:clrMapOvr>
-  <p:timing>
-    <p:tnLst>
-      <p:par>
-        <p:cTn id="1" dur="indefinite" restart="never" nodeType="tmRoot"/>
-      </p:par>
-    </p:tnLst>
-  </p:timing>
 </p:sld>
 </file>
 
@@ -6114,11 +5937,11 @@
           <a:lstStyle/>
           <a:p>
             <a:r>
-              <a:rPr lang="de-DE" sz="3600" dirty="0" smtClean="0"/>
+              <a:rPr lang="de-DE" sz="3600" dirty="0"/>
               <a:t>Versehentliches Ändern des Inhalts mit </a:t>
             </a:r>
             <a:r>
-              <a:rPr lang="de-DE" sz="3600" dirty="0" err="1" smtClean="0"/>
+              <a:rPr lang="de-DE" sz="3600" dirty="0" err="1"/>
               <a:t>add</a:t>
             </a:r>
             <a:endParaRPr lang="de-DE" sz="3600" dirty="0"/>
@@ -6152,14 +5975,14 @@
               <a:buChar char="-"/>
             </a:pPr>
             <a:r>
-              <a:rPr lang="de-DE" sz="2400" dirty="0" smtClean="0">
+              <a:rPr lang="de-DE" sz="2400" dirty="0">
                 <a:latin typeface="Consolas" panose="020B0609020204030204" pitchFamily="49" charset="0"/>
                 <a:cs typeface="Consolas" panose="020B0609020204030204" pitchFamily="49" charset="0"/>
               </a:rPr>
               <a:t> echo </a:t>
             </a:r>
             <a:r>
-              <a:rPr lang="de-DE" sz="2400" dirty="0" smtClean="0">
+              <a:rPr lang="de-DE" sz="2400" dirty="0">
                 <a:solidFill>
                   <a:schemeClr val="tx2">
                     <a:lumMod val="60000"/>
@@ -6172,7 +5995,7 @@
               <a:t>„Falscher Inhalt“</a:t>
             </a:r>
             <a:r>
-              <a:rPr lang="de-DE" sz="2400" dirty="0" smtClean="0">
+              <a:rPr lang="de-DE" sz="2400" dirty="0">
                 <a:latin typeface="Consolas" panose="020B0609020204030204" pitchFamily="49" charset="0"/>
                 <a:cs typeface="Consolas" panose="020B0609020204030204" pitchFamily="49" charset="0"/>
               </a:rPr>
@@ -6185,51 +6008,47 @@
               <a:buChar char="-"/>
             </a:pPr>
             <a:r>
-              <a:rPr lang="de-DE" sz="2400" dirty="0" smtClean="0">
+              <a:rPr lang="de-DE" sz="2400" dirty="0">
                 <a:latin typeface="Consolas" panose="020B0609020204030204" pitchFamily="49" charset="0"/>
                 <a:cs typeface="Consolas" panose="020B0609020204030204" pitchFamily="49" charset="0"/>
               </a:rPr>
               <a:t> </a:t>
             </a:r>
             <a:r>
-              <a:rPr lang="de-DE" sz="2400" dirty="0" err="1" smtClean="0">
+              <a:rPr lang="de-DE" sz="2400" dirty="0" err="1">
                 <a:latin typeface="Consolas" panose="020B0609020204030204" pitchFamily="49" charset="0"/>
                 <a:cs typeface="Consolas" panose="020B0609020204030204" pitchFamily="49" charset="0"/>
               </a:rPr>
               <a:t>git</a:t>
             </a:r>
             <a:r>
-              <a:rPr lang="de-DE" sz="2400" dirty="0" smtClean="0">
+              <a:rPr lang="de-DE" sz="2400" dirty="0">
                 <a:latin typeface="Consolas" panose="020B0609020204030204" pitchFamily="49" charset="0"/>
                 <a:cs typeface="Consolas" panose="020B0609020204030204" pitchFamily="49" charset="0"/>
               </a:rPr>
               <a:t> </a:t>
             </a:r>
             <a:r>
-              <a:rPr lang="de-DE" sz="2400" dirty="0" err="1" smtClean="0">
+              <a:rPr lang="de-DE" sz="2400" dirty="0" err="1">
                 <a:latin typeface="Consolas" panose="020B0609020204030204" pitchFamily="49" charset="0"/>
                 <a:cs typeface="Consolas" panose="020B0609020204030204" pitchFamily="49" charset="0"/>
               </a:rPr>
               <a:t>add</a:t>
             </a:r>
             <a:r>
-              <a:rPr lang="de-DE" sz="2400" dirty="0" smtClean="0">
+              <a:rPr lang="de-DE" sz="2400" dirty="0">
                 <a:latin typeface="Consolas" panose="020B0609020204030204" pitchFamily="49" charset="0"/>
                 <a:cs typeface="Consolas" panose="020B0609020204030204" pitchFamily="49" charset="0"/>
               </a:rPr>
               <a:t> datei.txt</a:t>
             </a:r>
-            <a:endParaRPr lang="de-DE" sz="2400" dirty="0">
-              <a:latin typeface="Consolas" panose="020B0609020204030204" pitchFamily="49" charset="0"/>
-              <a:cs typeface="Consolas" panose="020B0609020204030204" pitchFamily="49" charset="0"/>
-            </a:endParaRPr>
           </a:p>
           <a:p>
             <a:pPr>
               <a:buFont typeface="Symbol" panose="05050102010706020507" pitchFamily="18" charset="2"/>
               <a:buChar char="-"/>
             </a:pPr>
-            <a:endParaRPr lang="de-DE" sz="2000" dirty="0" smtClean="0">
+            <a:endParaRPr lang="de-DE" sz="2000" dirty="0">
               <a:latin typeface="Consolas" panose="020B0609020204030204" pitchFamily="49" charset="0"/>
               <a:cs typeface="Consolas" panose="020B0609020204030204" pitchFamily="49" charset="0"/>
             </a:endParaRPr>
@@ -6251,28 +6070,28 @@
               <a:buChar char="-"/>
             </a:pPr>
             <a:r>
-              <a:rPr lang="de-DE" sz="2400" dirty="0" smtClean="0">
+              <a:rPr lang="de-DE" sz="2400" dirty="0">
                 <a:latin typeface="Consolas" panose="020B0609020204030204" pitchFamily="49" charset="0"/>
                 <a:cs typeface="Consolas" panose="020B0609020204030204" pitchFamily="49" charset="0"/>
               </a:rPr>
               <a:t> </a:t>
             </a:r>
             <a:r>
-              <a:rPr lang="de-DE" sz="2400" dirty="0" err="1" smtClean="0">
+              <a:rPr lang="de-DE" sz="2400" dirty="0" err="1">
                 <a:latin typeface="Consolas" panose="020B0609020204030204" pitchFamily="49" charset="0"/>
                 <a:cs typeface="Consolas" panose="020B0609020204030204" pitchFamily="49" charset="0"/>
               </a:rPr>
               <a:t>git</a:t>
             </a:r>
             <a:r>
-              <a:rPr lang="de-DE" sz="2400" dirty="0" smtClean="0">
+              <a:rPr lang="de-DE" sz="2400" dirty="0">
                 <a:latin typeface="Consolas" panose="020B0609020204030204" pitchFamily="49" charset="0"/>
                 <a:cs typeface="Consolas" panose="020B0609020204030204" pitchFamily="49" charset="0"/>
               </a:rPr>
               <a:t> </a:t>
             </a:r>
             <a:r>
-              <a:rPr lang="de-DE" sz="2400" dirty="0" err="1" smtClean="0">
+              <a:rPr lang="de-DE" sz="2400" dirty="0" err="1">
                 <a:solidFill>
                   <a:srgbClr val="00B050"/>
                 </a:solidFill>
@@ -6282,7 +6101,7 @@
               <a:t>reset</a:t>
             </a:r>
             <a:r>
-              <a:rPr lang="de-DE" sz="2400" dirty="0" smtClean="0">
+              <a:rPr lang="de-DE" sz="2400" dirty="0">
                 <a:solidFill>
                   <a:srgbClr val="00B050"/>
                 </a:solidFill>
@@ -6292,7 +6111,7 @@
               <a:t> HEAD </a:t>
             </a:r>
             <a:r>
-              <a:rPr lang="de-DE" sz="2400" dirty="0" smtClean="0">
+              <a:rPr lang="de-DE" sz="2400" dirty="0">
                 <a:latin typeface="Consolas" panose="020B0609020204030204" pitchFamily="49" charset="0"/>
                 <a:cs typeface="Consolas" panose="020B0609020204030204" pitchFamily="49" charset="0"/>
               </a:rPr>
@@ -6304,7 +6123,7 @@
               <a:buNone/>
             </a:pPr>
             <a:r>
-              <a:rPr lang="de-DE" dirty="0" smtClean="0"/>
+              <a:rPr lang="de-DE" dirty="0"/>
               <a:t> </a:t>
             </a:r>
           </a:p>
@@ -6580,7 +6399,7 @@
             <a:lstStyle/>
             <a:p>
               <a:pPr algn="ctr"/>
-              <a:endParaRPr lang="de-DE" dirty="0" smtClean="0">
+              <a:endParaRPr lang="de-DE" dirty="0">
                 <a:solidFill>
                   <a:schemeClr val="tx2">
                     <a:lumMod val="60000"/>
@@ -6638,7 +6457,7 @@
           <a:p>
             <a:pPr algn="ctr"/>
             <a:r>
-              <a:rPr lang="de-DE" sz="1400" dirty="0" err="1" smtClean="0">
+              <a:rPr lang="de-DE" sz="1400" dirty="0" err="1">
                 <a:solidFill>
                   <a:schemeClr val="tx1"/>
                 </a:solidFill>
@@ -6698,18 +6517,13 @@
           <a:p>
             <a:pPr algn="ctr"/>
             <a:r>
-              <a:rPr lang="de-DE" sz="1400" dirty="0" smtClean="0">
+              <a:rPr lang="de-DE" sz="1400" dirty="0">
                 <a:solidFill>
                   <a:schemeClr val="tx1"/>
                 </a:solidFill>
               </a:rPr>
               <a:t>HEAD</a:t>
             </a:r>
-            <a:endParaRPr lang="de-DE" sz="1400" dirty="0">
-              <a:solidFill>
-                <a:schemeClr val="tx1"/>
-              </a:solidFill>
-            </a:endParaRPr>
           </a:p>
         </p:txBody>
       </p:sp>
@@ -6814,11 +6628,11 @@
           <a:lstStyle/>
           <a:p>
             <a:r>
-              <a:rPr lang="de-DE" sz="1600" dirty="0" smtClean="0"/>
+              <a:rPr lang="de-DE" sz="1600" dirty="0"/>
               <a:t>datei.txt: </a:t>
             </a:r>
             <a:r>
-              <a:rPr lang="de-DE" sz="1600" dirty="0" smtClean="0">
+              <a:rPr lang="de-DE" sz="1600" dirty="0">
                 <a:solidFill>
                   <a:schemeClr val="accent6">
                     <a:lumMod val="75000"/>
@@ -6827,13 +6641,6 @@
               </a:rPr>
               <a:t>Guter Inhalt</a:t>
             </a:r>
-            <a:endParaRPr lang="de-DE" sz="1600" dirty="0">
-              <a:solidFill>
-                <a:schemeClr val="accent6">
-                  <a:lumMod val="75000"/>
-                </a:schemeClr>
-              </a:solidFill>
-            </a:endParaRPr>
           </a:p>
         </p:txBody>
       </p:sp>
@@ -6867,11 +6674,11 @@
           <a:lstStyle/>
           <a:p>
             <a:r>
-              <a:rPr lang="de-DE" sz="1600" dirty="0" smtClean="0"/>
+              <a:rPr lang="de-DE" sz="1600" dirty="0"/>
               <a:t>datei.txt: </a:t>
             </a:r>
             <a:r>
-              <a:rPr lang="de-DE" sz="1600" dirty="0" smtClean="0">
+              <a:rPr lang="de-DE" sz="1600" dirty="0">
                 <a:solidFill>
                   <a:schemeClr val="accent6">
                     <a:lumMod val="75000"/>
@@ -6880,13 +6687,6 @@
               </a:rPr>
               <a:t>Falscher Inhalt</a:t>
             </a:r>
-            <a:endParaRPr lang="de-DE" sz="1600" dirty="0">
-              <a:solidFill>
-                <a:schemeClr val="accent6">
-                  <a:lumMod val="75000"/>
-                </a:schemeClr>
-              </a:solidFill>
-            </a:endParaRPr>
           </a:p>
         </p:txBody>
       </p:sp>
@@ -6920,11 +6720,11 @@
           <a:lstStyle/>
           <a:p>
             <a:r>
-              <a:rPr lang="de-DE" sz="1600" dirty="0" smtClean="0"/>
+              <a:rPr lang="de-DE" sz="1600" dirty="0"/>
               <a:t>datei.txt: </a:t>
             </a:r>
             <a:r>
-              <a:rPr lang="de-DE" sz="1600" dirty="0" smtClean="0">
+              <a:rPr lang="de-DE" sz="1600" dirty="0">
                 <a:solidFill>
                   <a:schemeClr val="accent6">
                     <a:lumMod val="75000"/>
@@ -6933,13 +6733,6 @@
               </a:rPr>
               <a:t>Falscher Inhalt</a:t>
             </a:r>
-            <a:endParaRPr lang="de-DE" sz="1600" dirty="0">
-              <a:solidFill>
-                <a:schemeClr val="accent6">
-                  <a:lumMod val="75000"/>
-                </a:schemeClr>
-              </a:solidFill>
-            </a:endParaRPr>
           </a:p>
         </p:txBody>
       </p:sp>
@@ -7163,7 +6956,7 @@
             <a:lstStyle/>
             <a:p>
               <a:pPr algn="ctr"/>
-              <a:endParaRPr lang="de-DE" dirty="0" smtClean="0">
+              <a:endParaRPr lang="de-DE" dirty="0">
                 <a:solidFill>
                   <a:schemeClr val="tx2">
                     <a:lumMod val="60000"/>
@@ -7221,7 +7014,7 @@
           <a:p>
             <a:pPr algn="ctr"/>
             <a:r>
-              <a:rPr lang="de-DE" sz="1400" dirty="0" err="1" smtClean="0">
+              <a:rPr lang="de-DE" sz="1400" dirty="0" err="1">
                 <a:solidFill>
                   <a:schemeClr val="tx1"/>
                 </a:solidFill>
@@ -7281,18 +7074,13 @@
           <a:p>
             <a:pPr algn="ctr"/>
             <a:r>
-              <a:rPr lang="de-DE" sz="1400" dirty="0" smtClean="0">
+              <a:rPr lang="de-DE" sz="1400" dirty="0">
                 <a:solidFill>
                   <a:schemeClr val="tx1"/>
                 </a:solidFill>
               </a:rPr>
               <a:t>HEAD</a:t>
             </a:r>
-            <a:endParaRPr lang="de-DE" sz="1400" dirty="0">
-              <a:solidFill>
-                <a:schemeClr val="tx1"/>
-              </a:solidFill>
-            </a:endParaRPr>
           </a:p>
         </p:txBody>
       </p:sp>
@@ -7397,11 +7185,11 @@
           <a:lstStyle/>
           <a:p>
             <a:r>
-              <a:rPr lang="de-DE" sz="1600" dirty="0" smtClean="0"/>
+              <a:rPr lang="de-DE" sz="1600" dirty="0"/>
               <a:t>datei.txt: </a:t>
             </a:r>
             <a:r>
-              <a:rPr lang="de-DE" sz="1600" dirty="0" smtClean="0">
+              <a:rPr lang="de-DE" sz="1600" dirty="0">
                 <a:solidFill>
                   <a:schemeClr val="accent6">
                     <a:lumMod val="75000"/>
@@ -7410,13 +7198,6 @@
               </a:rPr>
               <a:t>Guter Inhalt</a:t>
             </a:r>
-            <a:endParaRPr lang="de-DE" sz="1600" dirty="0">
-              <a:solidFill>
-                <a:schemeClr val="accent6">
-                  <a:lumMod val="75000"/>
-                </a:schemeClr>
-              </a:solidFill>
-            </a:endParaRPr>
           </a:p>
         </p:txBody>
       </p:sp>
@@ -7450,11 +7231,11 @@
           <a:lstStyle/>
           <a:p>
             <a:r>
-              <a:rPr lang="de-DE" sz="1600" dirty="0" smtClean="0"/>
+              <a:rPr lang="de-DE" sz="1600" dirty="0"/>
               <a:t>datei.txt: </a:t>
             </a:r>
             <a:r>
-              <a:rPr lang="de-DE" sz="1600" dirty="0" smtClean="0">
+              <a:rPr lang="de-DE" sz="1600" dirty="0">
                 <a:solidFill>
                   <a:schemeClr val="accent6">
                     <a:lumMod val="75000"/>
@@ -7463,13 +7244,6 @@
               </a:rPr>
               <a:t>Guter Inhalt</a:t>
             </a:r>
-            <a:endParaRPr lang="de-DE" sz="1600" dirty="0">
-              <a:solidFill>
-                <a:schemeClr val="accent6">
-                  <a:lumMod val="75000"/>
-                </a:schemeClr>
-              </a:solidFill>
-            </a:endParaRPr>
           </a:p>
         </p:txBody>
       </p:sp>
@@ -7503,11 +7277,11 @@
           <a:lstStyle/>
           <a:p>
             <a:r>
-              <a:rPr lang="de-DE" sz="1600" dirty="0" smtClean="0"/>
+              <a:rPr lang="de-DE" sz="1600" dirty="0"/>
               <a:t>datei.txt: </a:t>
             </a:r>
             <a:r>
-              <a:rPr lang="de-DE" sz="1600" dirty="0" smtClean="0">
+              <a:rPr lang="de-DE" sz="1600" dirty="0">
                 <a:solidFill>
                   <a:schemeClr val="accent6">
                     <a:lumMod val="75000"/>
@@ -7516,13 +7290,6 @@
               </a:rPr>
               <a:t>Falscher Inhalt</a:t>
             </a:r>
-            <a:endParaRPr lang="de-DE" sz="1600" dirty="0">
-              <a:solidFill>
-                <a:schemeClr val="accent6">
-                  <a:lumMod val="75000"/>
-                </a:schemeClr>
-              </a:solidFill>
-            </a:endParaRPr>
           </a:p>
         </p:txBody>
       </p:sp>
@@ -7536,13 +7303,6 @@
   <p:clrMapOvr>
     <a:masterClrMapping/>
   </p:clrMapOvr>
-  <p:timing>
-    <p:tnLst>
-      <p:par>
-        <p:cTn id="1" dur="indefinite" restart="never" nodeType="tmRoot"/>
-      </p:par>
-    </p:tnLst>
-  </p:timing>
 </p:sld>
 </file>
 
@@ -7619,14 +7379,14 @@
               <a:buChar char="-"/>
             </a:pPr>
             <a:r>
-              <a:rPr lang="de-DE" sz="2400" dirty="0" smtClean="0">
+              <a:rPr lang="de-DE" sz="2400" dirty="0">
                 <a:latin typeface="Consolas" panose="020B0609020204030204" pitchFamily="49" charset="0"/>
                 <a:cs typeface="Consolas" panose="020B0609020204030204" pitchFamily="49" charset="0"/>
               </a:rPr>
               <a:t> echo </a:t>
             </a:r>
             <a:r>
-              <a:rPr lang="de-DE" sz="2400" dirty="0" smtClean="0">
+              <a:rPr lang="de-DE" sz="2400" dirty="0">
                 <a:solidFill>
                   <a:schemeClr val="accent6">
                     <a:lumMod val="75000"/>
@@ -7638,7 +7398,7 @@
               <a:t>„Falscher Inhalt“</a:t>
             </a:r>
             <a:r>
-              <a:rPr lang="de-DE" sz="2400" dirty="0" smtClean="0">
+              <a:rPr lang="de-DE" sz="2400" dirty="0">
                 <a:latin typeface="Consolas" panose="020B0609020204030204" pitchFamily="49" charset="0"/>
                 <a:cs typeface="Consolas" panose="020B0609020204030204" pitchFamily="49" charset="0"/>
               </a:rPr>
@@ -7651,39 +7411,117 @@
               <a:buChar char="-"/>
             </a:pPr>
             <a:r>
-              <a:rPr lang="de-DE" sz="2400" dirty="0" smtClean="0">
+              <a:rPr lang="de-DE" sz="2400" dirty="0">
                 <a:latin typeface="Consolas" panose="020B0609020204030204" pitchFamily="49" charset="0"/>
                 <a:cs typeface="Consolas" panose="020B0609020204030204" pitchFamily="49" charset="0"/>
               </a:rPr>
               <a:t> </a:t>
             </a:r>
             <a:r>
-              <a:rPr lang="de-DE" sz="2400" dirty="0" err="1" smtClean="0">
+              <a:rPr lang="de-DE" sz="2400" dirty="0" err="1">
                 <a:latin typeface="Consolas" panose="020B0609020204030204" pitchFamily="49" charset="0"/>
                 <a:cs typeface="Consolas" panose="020B0609020204030204" pitchFamily="49" charset="0"/>
               </a:rPr>
               <a:t>git</a:t>
             </a:r>
             <a:r>
-              <a:rPr lang="de-DE" sz="2400" dirty="0" smtClean="0">
+              <a:rPr lang="de-DE" sz="2400" dirty="0">
                 <a:latin typeface="Consolas" panose="020B0609020204030204" pitchFamily="49" charset="0"/>
                 <a:cs typeface="Consolas" panose="020B0609020204030204" pitchFamily="49" charset="0"/>
               </a:rPr>
               <a:t> </a:t>
             </a:r>
             <a:r>
-              <a:rPr lang="de-DE" sz="2400" dirty="0" err="1" smtClean="0">
+              <a:rPr lang="de-DE" sz="2400" dirty="0" err="1">
                 <a:latin typeface="Consolas" panose="020B0609020204030204" pitchFamily="49" charset="0"/>
                 <a:cs typeface="Consolas" panose="020B0609020204030204" pitchFamily="49" charset="0"/>
               </a:rPr>
               <a:t>add</a:t>
             </a:r>
             <a:r>
-              <a:rPr lang="de-DE" sz="2400" dirty="0" smtClean="0">
+              <a:rPr lang="de-DE" sz="2400" dirty="0">
                 <a:latin typeface="Consolas" panose="020B0609020204030204" pitchFamily="49" charset="0"/>
                 <a:cs typeface="Consolas" panose="020B0609020204030204" pitchFamily="49" charset="0"/>
               </a:rPr>
               <a:t> datei.txt</a:t>
+            </a:r>
+          </a:p>
+          <a:p>
+            <a:pPr>
+              <a:buFont typeface="Symbol" panose="05050102010706020507" pitchFamily="18" charset="2"/>
+              <a:buChar char="-"/>
+            </a:pPr>
+            <a:endParaRPr lang="de-DE" sz="2000" dirty="0">
+              <a:latin typeface="Consolas" panose="020B0609020204030204" pitchFamily="49" charset="0"/>
+              <a:cs typeface="Consolas" panose="020B0609020204030204" pitchFamily="49" charset="0"/>
+            </a:endParaRPr>
+          </a:p>
+          <a:p>
+            <a:pPr marL="0" indent="0">
+              <a:buNone/>
+            </a:pPr>
+            <a:r>
+              <a:rPr lang="de-DE" sz="1800" dirty="0">
+                <a:cs typeface="Consolas" panose="020B0609020204030204" pitchFamily="49" charset="0"/>
+              </a:rPr>
+              <a:t>Kompensation:</a:t>
+            </a:r>
+          </a:p>
+          <a:p>
+            <a:pPr>
+              <a:buFont typeface="Symbol" panose="05050102010706020507" pitchFamily="18" charset="2"/>
+              <a:buChar char="-"/>
+            </a:pPr>
+            <a:r>
+              <a:rPr lang="de-DE" sz="2400" dirty="0">
+                <a:latin typeface="Consolas" panose="020B0609020204030204" pitchFamily="49" charset="0"/>
+                <a:cs typeface="Consolas" panose="020B0609020204030204" pitchFamily="49" charset="0"/>
+              </a:rPr>
+              <a:t> </a:t>
+            </a:r>
+            <a:r>
+              <a:rPr lang="de-DE" sz="2400" dirty="0" err="1">
+                <a:latin typeface="Consolas" panose="020B0609020204030204" pitchFamily="49" charset="0"/>
+                <a:cs typeface="Consolas" panose="020B0609020204030204" pitchFamily="49" charset="0"/>
+              </a:rPr>
+              <a:t>git</a:t>
+            </a:r>
+            <a:r>
+              <a:rPr lang="de-DE" sz="2400" dirty="0">
+                <a:latin typeface="Consolas" panose="020B0609020204030204" pitchFamily="49" charset="0"/>
+                <a:cs typeface="Consolas" panose="020B0609020204030204" pitchFamily="49" charset="0"/>
+              </a:rPr>
+              <a:t> </a:t>
+            </a:r>
+            <a:r>
+              <a:rPr lang="de-DE" sz="2400" dirty="0" err="1">
+                <a:solidFill>
+                  <a:srgbClr val="00B050"/>
+                </a:solidFill>
+                <a:latin typeface="Consolas" panose="020B0609020204030204" pitchFamily="49" charset="0"/>
+                <a:cs typeface="Consolas" panose="020B0609020204030204" pitchFamily="49" charset="0"/>
+              </a:rPr>
+              <a:t>reset</a:t>
+            </a:r>
+            <a:r>
+              <a:rPr lang="de-DE" sz="2400" dirty="0">
+                <a:solidFill>
+                  <a:srgbClr val="00B050"/>
+                </a:solidFill>
+                <a:latin typeface="Consolas" panose="020B0609020204030204" pitchFamily="49" charset="0"/>
+                <a:cs typeface="Consolas" panose="020B0609020204030204" pitchFamily="49" charset="0"/>
+              </a:rPr>
+              <a:t> HEAD --</a:t>
+            </a:r>
+            <a:r>
+              <a:rPr lang="de-DE" sz="2400" dirty="0" err="1">
+                <a:solidFill>
+                  <a:srgbClr val="00B050"/>
+                </a:solidFill>
+                <a:latin typeface="Consolas" panose="020B0609020204030204" pitchFamily="49" charset="0"/>
+                <a:cs typeface="Consolas" panose="020B0609020204030204" pitchFamily="49" charset="0"/>
+              </a:rPr>
+              <a:t>hard</a:t>
             </a:r>
             <a:endParaRPr lang="de-DE" sz="2400" dirty="0">
               <a:latin typeface="Consolas" panose="020B0609020204030204" pitchFamily="49" charset="0"/>
@@ -7691,93 +7529,11 @@
             </a:endParaRPr>
           </a:p>
           <a:p>
-            <a:pPr>
-              <a:buFont typeface="Symbol" panose="05050102010706020507" pitchFamily="18" charset="2"/>
-              <a:buChar char="-"/>
-            </a:pPr>
-            <a:endParaRPr lang="de-DE" sz="2000" dirty="0" smtClean="0">
-              <a:latin typeface="Consolas" panose="020B0609020204030204" pitchFamily="49" charset="0"/>
-              <a:cs typeface="Consolas" panose="020B0609020204030204" pitchFamily="49" charset="0"/>
-            </a:endParaRPr>
-          </a:p>
-          <a:p>
             <a:pPr marL="0" indent="0">
               <a:buNone/>
             </a:pPr>
             <a:r>
-              <a:rPr lang="de-DE" sz="1800" dirty="0">
-                <a:cs typeface="Consolas" panose="020B0609020204030204" pitchFamily="49" charset="0"/>
-              </a:rPr>
-              <a:t>Kompensation:</a:t>
-            </a:r>
-          </a:p>
-          <a:p>
-            <a:pPr>
-              <a:buFont typeface="Symbol" panose="05050102010706020507" pitchFamily="18" charset="2"/>
-              <a:buChar char="-"/>
-            </a:pPr>
-            <a:r>
-              <a:rPr lang="de-DE" sz="2400" dirty="0" smtClean="0">
-                <a:latin typeface="Consolas" panose="020B0609020204030204" pitchFamily="49" charset="0"/>
-                <a:cs typeface="Consolas" panose="020B0609020204030204" pitchFamily="49" charset="0"/>
-              </a:rPr>
-              <a:t> </a:t>
-            </a:r>
-            <a:r>
-              <a:rPr lang="de-DE" sz="2400" dirty="0" err="1" smtClean="0">
-                <a:latin typeface="Consolas" panose="020B0609020204030204" pitchFamily="49" charset="0"/>
-                <a:cs typeface="Consolas" panose="020B0609020204030204" pitchFamily="49" charset="0"/>
-              </a:rPr>
-              <a:t>git</a:t>
-            </a:r>
-            <a:r>
-              <a:rPr lang="de-DE" sz="2400" dirty="0" smtClean="0">
-                <a:latin typeface="Consolas" panose="020B0609020204030204" pitchFamily="49" charset="0"/>
-                <a:cs typeface="Consolas" panose="020B0609020204030204" pitchFamily="49" charset="0"/>
-              </a:rPr>
-              <a:t> </a:t>
-            </a:r>
-            <a:r>
-              <a:rPr lang="de-DE" sz="2400" dirty="0" err="1" smtClean="0">
-                <a:solidFill>
-                  <a:srgbClr val="00B050"/>
-                </a:solidFill>
-                <a:latin typeface="Consolas" panose="020B0609020204030204" pitchFamily="49" charset="0"/>
-                <a:cs typeface="Consolas" panose="020B0609020204030204" pitchFamily="49" charset="0"/>
-              </a:rPr>
-              <a:t>reset</a:t>
-            </a:r>
-            <a:r>
-              <a:rPr lang="de-DE" sz="2400" dirty="0" smtClean="0">
-                <a:solidFill>
-                  <a:srgbClr val="00B050"/>
-                </a:solidFill>
-                <a:latin typeface="Consolas" panose="020B0609020204030204" pitchFamily="49" charset="0"/>
-                <a:cs typeface="Consolas" panose="020B0609020204030204" pitchFamily="49" charset="0"/>
-              </a:rPr>
-              <a:t> HEAD --</a:t>
-            </a:r>
-            <a:r>
-              <a:rPr lang="de-DE" sz="2400" dirty="0" err="1" smtClean="0">
-                <a:solidFill>
-                  <a:srgbClr val="00B050"/>
-                </a:solidFill>
-                <a:latin typeface="Consolas" panose="020B0609020204030204" pitchFamily="49" charset="0"/>
-                <a:cs typeface="Consolas" panose="020B0609020204030204" pitchFamily="49" charset="0"/>
-              </a:rPr>
-              <a:t>hard</a:t>
-            </a:r>
-            <a:endParaRPr lang="de-DE" sz="2400" dirty="0" smtClean="0">
-              <a:latin typeface="Consolas" panose="020B0609020204030204" pitchFamily="49" charset="0"/>
-              <a:cs typeface="Consolas" panose="020B0609020204030204" pitchFamily="49" charset="0"/>
-            </a:endParaRPr>
-          </a:p>
-          <a:p>
-            <a:pPr marL="0" indent="0">
-              <a:buNone/>
-            </a:pPr>
-            <a:r>
-              <a:rPr lang="de-DE" dirty="0" smtClean="0"/>
+              <a:rPr lang="de-DE" dirty="0"/>
               <a:t> </a:t>
             </a:r>
           </a:p>
@@ -8053,7 +7809,7 @@
             <a:lstStyle/>
             <a:p>
               <a:pPr algn="ctr"/>
-              <a:endParaRPr lang="de-DE" dirty="0" smtClean="0">
+              <a:endParaRPr lang="de-DE" dirty="0">
                 <a:solidFill>
                   <a:schemeClr val="tx2">
                     <a:lumMod val="60000"/>
@@ -8111,7 +7867,7 @@
           <a:p>
             <a:pPr algn="ctr"/>
             <a:r>
-              <a:rPr lang="de-DE" sz="1400" dirty="0" err="1" smtClean="0">
+              <a:rPr lang="de-DE" sz="1400" dirty="0" err="1">
                 <a:solidFill>
                   <a:schemeClr val="tx1"/>
                 </a:solidFill>
@@ -8171,18 +7927,13 @@
           <a:p>
             <a:pPr algn="ctr"/>
             <a:r>
-              <a:rPr lang="de-DE" sz="1400" dirty="0" smtClean="0">
+              <a:rPr lang="de-DE" sz="1400" dirty="0">
                 <a:solidFill>
                   <a:schemeClr val="tx1"/>
                 </a:solidFill>
               </a:rPr>
               <a:t>HEAD</a:t>
             </a:r>
-            <a:endParaRPr lang="de-DE" sz="1400" dirty="0">
-              <a:solidFill>
-                <a:schemeClr val="tx1"/>
-              </a:solidFill>
-            </a:endParaRPr>
           </a:p>
         </p:txBody>
       </p:sp>
@@ -8287,11 +8038,11 @@
           <a:lstStyle/>
           <a:p>
             <a:r>
-              <a:rPr lang="de-DE" sz="1600" dirty="0" smtClean="0"/>
+              <a:rPr lang="de-DE" sz="1600" dirty="0"/>
               <a:t>datei.txt: </a:t>
             </a:r>
             <a:r>
-              <a:rPr lang="de-DE" sz="1600" dirty="0" smtClean="0">
+              <a:rPr lang="de-DE" sz="1600" dirty="0">
                 <a:solidFill>
                   <a:schemeClr val="accent6">
                     <a:lumMod val="75000"/>
@@ -8300,13 +8051,6 @@
               </a:rPr>
               <a:t>Guter Inhalt</a:t>
             </a:r>
-            <a:endParaRPr lang="de-DE" sz="1600" dirty="0">
-              <a:solidFill>
-                <a:schemeClr val="accent6">
-                  <a:lumMod val="75000"/>
-                </a:schemeClr>
-              </a:solidFill>
-            </a:endParaRPr>
           </a:p>
         </p:txBody>
       </p:sp>
@@ -8340,11 +8084,11 @@
           <a:lstStyle/>
           <a:p>
             <a:r>
-              <a:rPr lang="de-DE" sz="1600" dirty="0" smtClean="0"/>
+              <a:rPr lang="de-DE" sz="1600" dirty="0"/>
               <a:t>datei.txt: </a:t>
             </a:r>
             <a:r>
-              <a:rPr lang="de-DE" sz="1600" dirty="0" smtClean="0">
+              <a:rPr lang="de-DE" sz="1600" dirty="0">
                 <a:solidFill>
                   <a:schemeClr val="accent6">
                     <a:lumMod val="75000"/>
@@ -8353,13 +8097,6 @@
               </a:rPr>
               <a:t>Falscher Inhalt</a:t>
             </a:r>
-            <a:endParaRPr lang="de-DE" sz="1600" dirty="0">
-              <a:solidFill>
-                <a:schemeClr val="accent6">
-                  <a:lumMod val="75000"/>
-                </a:schemeClr>
-              </a:solidFill>
-            </a:endParaRPr>
           </a:p>
         </p:txBody>
       </p:sp>
@@ -8393,11 +8130,11 @@
           <a:lstStyle/>
           <a:p>
             <a:r>
-              <a:rPr lang="de-DE" sz="1600" dirty="0" smtClean="0"/>
+              <a:rPr lang="de-DE" sz="1600" dirty="0"/>
               <a:t>datei.txt: </a:t>
             </a:r>
             <a:r>
-              <a:rPr lang="de-DE" sz="1600" dirty="0" smtClean="0">
+              <a:rPr lang="de-DE" sz="1600" dirty="0">
                 <a:solidFill>
                   <a:schemeClr val="accent6">
                     <a:lumMod val="75000"/>
@@ -8406,13 +8143,6 @@
               </a:rPr>
               <a:t>Falscher Inhalt</a:t>
             </a:r>
-            <a:endParaRPr lang="de-DE" sz="1600" dirty="0">
-              <a:solidFill>
-                <a:schemeClr val="accent6">
-                  <a:lumMod val="75000"/>
-                </a:schemeClr>
-              </a:solidFill>
-            </a:endParaRPr>
           </a:p>
         </p:txBody>
       </p:sp>
@@ -8636,7 +8366,7 @@
             <a:lstStyle/>
             <a:p>
               <a:pPr algn="ctr"/>
-              <a:endParaRPr lang="de-DE" dirty="0" smtClean="0">
+              <a:endParaRPr lang="de-DE" dirty="0">
                 <a:solidFill>
                   <a:schemeClr val="tx2">
                     <a:lumMod val="60000"/>
@@ -8694,7 +8424,7 @@
           <a:p>
             <a:pPr algn="ctr"/>
             <a:r>
-              <a:rPr lang="de-DE" sz="1400" dirty="0" err="1" smtClean="0">
+              <a:rPr lang="de-DE" sz="1400" dirty="0" err="1">
                 <a:solidFill>
                   <a:schemeClr val="tx1"/>
                 </a:solidFill>
@@ -8754,18 +8484,13 @@
           <a:p>
             <a:pPr algn="ctr"/>
             <a:r>
-              <a:rPr lang="de-DE" sz="1400" dirty="0" smtClean="0">
+              <a:rPr lang="de-DE" sz="1400" dirty="0">
                 <a:solidFill>
                   <a:schemeClr val="tx1"/>
                 </a:solidFill>
               </a:rPr>
               <a:t>HEAD</a:t>
             </a:r>
-            <a:endParaRPr lang="de-DE" sz="1400" dirty="0">
-              <a:solidFill>
-                <a:schemeClr val="tx1"/>
-              </a:solidFill>
-            </a:endParaRPr>
           </a:p>
         </p:txBody>
       </p:sp>
@@ -8870,11 +8595,11 @@
           <a:lstStyle/>
           <a:p>
             <a:r>
-              <a:rPr lang="de-DE" sz="1600" dirty="0" smtClean="0"/>
+              <a:rPr lang="de-DE" sz="1600" dirty="0"/>
               <a:t>datei.txt: </a:t>
             </a:r>
             <a:r>
-              <a:rPr lang="de-DE" sz="1600" dirty="0" smtClean="0">
+              <a:rPr lang="de-DE" sz="1600" dirty="0">
                 <a:solidFill>
                   <a:schemeClr val="accent6">
                     <a:lumMod val="75000"/>
@@ -8883,13 +8608,6 @@
               </a:rPr>
               <a:t>Guter Inhalt</a:t>
             </a:r>
-            <a:endParaRPr lang="de-DE" sz="1600" dirty="0">
-              <a:solidFill>
-                <a:schemeClr val="accent6">
-                  <a:lumMod val="75000"/>
-                </a:schemeClr>
-              </a:solidFill>
-            </a:endParaRPr>
           </a:p>
         </p:txBody>
       </p:sp>
@@ -8923,11 +8641,11 @@
           <a:lstStyle/>
           <a:p>
             <a:r>
-              <a:rPr lang="de-DE" sz="1600" dirty="0" smtClean="0"/>
+              <a:rPr lang="de-DE" sz="1600" dirty="0"/>
               <a:t>datei.txt: </a:t>
             </a:r>
             <a:r>
-              <a:rPr lang="de-DE" sz="1600" dirty="0" smtClean="0">
+              <a:rPr lang="de-DE" sz="1600" dirty="0">
                 <a:solidFill>
                   <a:schemeClr val="accent6">
                     <a:lumMod val="75000"/>
@@ -8936,13 +8654,6 @@
               </a:rPr>
               <a:t>Guter Inhalt</a:t>
             </a:r>
-            <a:endParaRPr lang="de-DE" sz="1600" dirty="0">
-              <a:solidFill>
-                <a:schemeClr val="accent6">
-                  <a:lumMod val="75000"/>
-                </a:schemeClr>
-              </a:solidFill>
-            </a:endParaRPr>
           </a:p>
         </p:txBody>
       </p:sp>
@@ -8976,11 +8687,11 @@
           <a:lstStyle/>
           <a:p>
             <a:r>
-              <a:rPr lang="de-DE" sz="1600" dirty="0" smtClean="0"/>
+              <a:rPr lang="de-DE" sz="1600" dirty="0"/>
               <a:t>datei.txt: </a:t>
             </a:r>
             <a:r>
-              <a:rPr lang="de-DE" sz="1600" dirty="0" smtClean="0">
+              <a:rPr lang="de-DE" sz="1600" dirty="0">
                 <a:solidFill>
                   <a:schemeClr val="accent6">
                     <a:lumMod val="75000"/>
@@ -8989,13 +8700,6 @@
               </a:rPr>
               <a:t>Guter Inhalt</a:t>
             </a:r>
-            <a:endParaRPr lang="de-DE" sz="1600" dirty="0">
-              <a:solidFill>
-                <a:schemeClr val="accent6">
-                  <a:lumMod val="75000"/>
-                </a:schemeClr>
-              </a:solidFill>
-            </a:endParaRPr>
           </a:p>
         </p:txBody>
       </p:sp>
@@ -9053,13 +8757,6 @@
   <p:clrMapOvr>
     <a:masterClrMapping/>
   </p:clrMapOvr>
-  <p:timing>
-    <p:tnLst>
-      <p:par>
-        <p:cTn id="1" dur="indefinite" restart="never" nodeType="tmRoot"/>
-      </p:par>
-    </p:tnLst>
-  </p:timing>
 </p:sld>
 </file>
 
@@ -9098,11 +8795,11 @@
           <a:lstStyle/>
           <a:p>
             <a:r>
-              <a:rPr lang="de-DE" sz="3600" dirty="0" smtClean="0"/>
+              <a:rPr lang="de-DE" sz="3600" dirty="0"/>
               <a:t>Verwerfen des letzten </a:t>
             </a:r>
             <a:r>
-              <a:rPr lang="de-DE" sz="3600" dirty="0" err="1" smtClean="0"/>
+              <a:rPr lang="de-DE" sz="3600" dirty="0" err="1"/>
               <a:t>Commits</a:t>
             </a:r>
             <a:endParaRPr lang="de-DE" sz="3600" dirty="0"/>
@@ -9136,14 +8833,14 @@
               <a:buChar char="-"/>
             </a:pPr>
             <a:r>
-              <a:rPr lang="de-DE" sz="2200" dirty="0" smtClean="0">
+              <a:rPr lang="de-DE" sz="2200" dirty="0">
                 <a:latin typeface="Consolas" panose="020B0609020204030204" pitchFamily="49" charset="0"/>
                 <a:cs typeface="Consolas" panose="020B0609020204030204" pitchFamily="49" charset="0"/>
               </a:rPr>
               <a:t> echo </a:t>
             </a:r>
             <a:r>
-              <a:rPr lang="de-DE" sz="2200" dirty="0" smtClean="0">
+              <a:rPr lang="de-DE" sz="2200" dirty="0">
                 <a:solidFill>
                   <a:schemeClr val="accent6">
                     <a:lumMod val="75000"/>
@@ -9155,42 +8852,42 @@
               <a:t>„zuvor“</a:t>
             </a:r>
             <a:r>
-              <a:rPr lang="de-DE" sz="2200" dirty="0" smtClean="0">
+              <a:rPr lang="de-DE" sz="2200" dirty="0">
                 <a:latin typeface="Consolas" panose="020B0609020204030204" pitchFamily="49" charset="0"/>
                 <a:cs typeface="Consolas" panose="020B0609020204030204" pitchFamily="49" charset="0"/>
               </a:rPr>
               <a:t> &gt; datei.txt; </a:t>
             </a:r>
             <a:r>
-              <a:rPr lang="de-DE" sz="2200" dirty="0" err="1" smtClean="0">
+              <a:rPr lang="de-DE" sz="2200" dirty="0" err="1">
                 <a:latin typeface="Consolas" panose="020B0609020204030204" pitchFamily="49" charset="0"/>
                 <a:cs typeface="Consolas" panose="020B0609020204030204" pitchFamily="49" charset="0"/>
               </a:rPr>
               <a:t>git</a:t>
             </a:r>
             <a:r>
-              <a:rPr lang="de-DE" sz="2200" dirty="0" smtClean="0">
+              <a:rPr lang="de-DE" sz="2200" dirty="0">
                 <a:latin typeface="Consolas" panose="020B0609020204030204" pitchFamily="49" charset="0"/>
                 <a:cs typeface="Consolas" panose="020B0609020204030204" pitchFamily="49" charset="0"/>
               </a:rPr>
               <a:t> </a:t>
             </a:r>
             <a:r>
-              <a:rPr lang="de-DE" sz="2200" dirty="0" err="1" smtClean="0">
+              <a:rPr lang="de-DE" sz="2200" dirty="0" err="1">
                 <a:latin typeface="Consolas" panose="020B0609020204030204" pitchFamily="49" charset="0"/>
                 <a:cs typeface="Consolas" panose="020B0609020204030204" pitchFamily="49" charset="0"/>
               </a:rPr>
               <a:t>commit</a:t>
             </a:r>
             <a:r>
-              <a:rPr lang="de-DE" sz="2200" dirty="0" smtClean="0">
+              <a:rPr lang="de-DE" sz="2200" dirty="0">
                 <a:latin typeface="Consolas" panose="020B0609020204030204" pitchFamily="49" charset="0"/>
                 <a:cs typeface="Consolas" panose="020B0609020204030204" pitchFamily="49" charset="0"/>
               </a:rPr>
               <a:t> –am </a:t>
             </a:r>
             <a:r>
-              <a:rPr lang="de-DE" sz="2200" dirty="0" smtClean="0">
+              <a:rPr lang="de-DE" sz="2200" dirty="0">
                 <a:solidFill>
                   <a:schemeClr val="tx2">
                     <a:lumMod val="60000"/>
@@ -9216,7 +8913,7 @@
               <a:t> echo </a:t>
             </a:r>
             <a:r>
-              <a:rPr lang="de-DE" sz="2200" dirty="0" smtClean="0">
+              <a:rPr lang="de-DE" sz="2200" dirty="0">
                 <a:solidFill>
                   <a:schemeClr val="accent6">
                     <a:lumMod val="75000"/>
@@ -9232,14 +8929,7 @@
                 <a:latin typeface="Consolas" panose="020B0609020204030204" pitchFamily="49" charset="0"/>
                 <a:cs typeface="Consolas" panose="020B0609020204030204" pitchFamily="49" charset="0"/>
               </a:rPr>
-              <a:t>&gt; </a:t>
-            </a:r>
-            <a:r>
-              <a:rPr lang="de-DE" sz="2200" dirty="0" smtClean="0">
-                <a:latin typeface="Consolas" panose="020B0609020204030204" pitchFamily="49" charset="0"/>
-                <a:cs typeface="Consolas" panose="020B0609020204030204" pitchFamily="49" charset="0"/>
-              </a:rPr>
-              <a:t>datei.txt; </a:t>
+              <a:t>&gt; datei.txt; </a:t>
             </a:r>
             <a:r>
               <a:rPr lang="de-DE" sz="2200" dirty="0" err="1">
@@ -9280,20 +8970,7 @@
                 <a:latin typeface="Consolas" panose="020B0609020204030204" pitchFamily="49" charset="0"/>
                 <a:cs typeface="Consolas" panose="020B0609020204030204" pitchFamily="49" charset="0"/>
               </a:rPr>
-              <a:t>„</a:t>
-            </a:r>
-            <a:r>
-              <a:rPr lang="de-DE" sz="2200" dirty="0" smtClean="0">
-                <a:solidFill>
-                  <a:schemeClr val="tx2">
-                    <a:lumMod val="60000"/>
-                    <a:lumOff val="40000"/>
-                  </a:schemeClr>
-                </a:solidFill>
-                <a:latin typeface="Consolas" panose="020B0609020204030204" pitchFamily="49" charset="0"/>
-                <a:cs typeface="Consolas" panose="020B0609020204030204" pitchFamily="49" charset="0"/>
-              </a:rPr>
-              <a:t>ok“</a:t>
+              <a:t>„ok“</a:t>
             </a:r>
           </a:p>
           <a:p>
@@ -9301,7 +8978,7 @@
               <a:buFont typeface="Symbol" panose="05050102010706020507" pitchFamily="18" charset="2"/>
               <a:buChar char="-"/>
             </a:pPr>
-            <a:endParaRPr lang="de-DE" sz="2200" dirty="0" smtClean="0">
+            <a:endParaRPr lang="de-DE" sz="2200" dirty="0">
               <a:solidFill>
                 <a:schemeClr val="tx2">
                   <a:lumMod val="60000"/>
@@ -9318,28 +8995,28 @@
               <a:buChar char="-"/>
             </a:pPr>
             <a:r>
-              <a:rPr lang="de-DE" sz="2400" dirty="0" smtClean="0">
+              <a:rPr lang="de-DE" sz="2400" dirty="0">
                 <a:latin typeface="Consolas" panose="020B0609020204030204" pitchFamily="49" charset="0"/>
                 <a:cs typeface="Consolas" panose="020B0609020204030204" pitchFamily="49" charset="0"/>
               </a:rPr>
               <a:t> </a:t>
             </a:r>
             <a:r>
-              <a:rPr lang="de-DE" sz="2400" dirty="0" err="1" smtClean="0">
+              <a:rPr lang="de-DE" sz="2400" dirty="0" err="1">
                 <a:latin typeface="Consolas" panose="020B0609020204030204" pitchFamily="49" charset="0"/>
                 <a:cs typeface="Consolas" panose="020B0609020204030204" pitchFamily="49" charset="0"/>
               </a:rPr>
               <a:t>git</a:t>
             </a:r>
             <a:r>
-              <a:rPr lang="de-DE" sz="2400" dirty="0" smtClean="0">
+              <a:rPr lang="de-DE" sz="2400" dirty="0">
                 <a:latin typeface="Consolas" panose="020B0609020204030204" pitchFamily="49" charset="0"/>
                 <a:cs typeface="Consolas" panose="020B0609020204030204" pitchFamily="49" charset="0"/>
               </a:rPr>
               <a:t> </a:t>
             </a:r>
             <a:r>
-              <a:rPr lang="de-DE" sz="2400" dirty="0" err="1" smtClean="0">
+              <a:rPr lang="de-DE" sz="2400" dirty="0" err="1">
                 <a:solidFill>
                   <a:srgbClr val="00B050"/>
                 </a:solidFill>
@@ -9349,7 +9026,7 @@
               <a:t>reset</a:t>
             </a:r>
             <a:r>
-              <a:rPr lang="de-DE" sz="2400" dirty="0" smtClean="0">
+              <a:rPr lang="de-DE" sz="2400" dirty="0">
                 <a:solidFill>
                   <a:srgbClr val="00B050"/>
                 </a:solidFill>
@@ -9358,7 +9035,7 @@
               </a:rPr>
               <a:t> HEAD~ --soft</a:t>
             </a:r>
-            <a:endParaRPr lang="de-DE" sz="2400" dirty="0" smtClean="0">
+            <a:endParaRPr lang="de-DE" sz="2400" dirty="0">
               <a:latin typeface="Consolas" panose="020B0609020204030204" pitchFamily="49" charset="0"/>
               <a:cs typeface="Consolas" panose="020B0609020204030204" pitchFamily="49" charset="0"/>
             </a:endParaRPr>
@@ -9368,7 +9045,7 @@
               <a:buNone/>
             </a:pPr>
             <a:r>
-              <a:rPr lang="de-DE" dirty="0" smtClean="0"/>
+              <a:rPr lang="de-DE" dirty="0"/>
               <a:t> </a:t>
             </a:r>
           </a:p>
@@ -9600,7 +9277,7 @@
             <a:lstStyle/>
             <a:p>
               <a:pPr algn="ctr"/>
-              <a:endParaRPr lang="de-DE" dirty="0" smtClean="0">
+              <a:endParaRPr lang="de-DE" dirty="0">
                 <a:solidFill>
                   <a:schemeClr val="tx2">
                     <a:lumMod val="60000"/>
@@ -9658,7 +9335,7 @@
           <a:p>
             <a:pPr algn="ctr"/>
             <a:r>
-              <a:rPr lang="de-DE" sz="1400" dirty="0" err="1" smtClean="0">
+              <a:rPr lang="de-DE" sz="1400" dirty="0" err="1">
                 <a:solidFill>
                   <a:schemeClr val="tx1"/>
                 </a:solidFill>
@@ -9718,18 +9395,13 @@
           <a:p>
             <a:pPr algn="ctr"/>
             <a:r>
-              <a:rPr lang="de-DE" sz="1400" dirty="0" smtClean="0">
+              <a:rPr lang="de-DE" sz="1400" dirty="0">
                 <a:solidFill>
                   <a:schemeClr val="tx1"/>
                 </a:solidFill>
               </a:rPr>
               <a:t>HEAD</a:t>
             </a:r>
-            <a:endParaRPr lang="de-DE" sz="1400" dirty="0">
-              <a:solidFill>
-                <a:schemeClr val="tx1"/>
-              </a:solidFill>
-            </a:endParaRPr>
           </a:p>
         </p:txBody>
       </p:sp>
@@ -9834,11 +9506,11 @@
           <a:lstStyle/>
           <a:p>
             <a:r>
-              <a:rPr lang="de-DE" sz="1600" dirty="0" smtClean="0"/>
+              <a:rPr lang="de-DE" sz="1600" dirty="0"/>
               <a:t>datei.txt: </a:t>
             </a:r>
             <a:r>
-              <a:rPr lang="de-DE" sz="1600" dirty="0" smtClean="0">
+              <a:rPr lang="de-DE" sz="1600" dirty="0">
                 <a:solidFill>
                   <a:schemeClr val="accent6">
                     <a:lumMod val="75000"/>
@@ -9847,13 +9519,6 @@
               </a:rPr>
               <a:t>jetzt</a:t>
             </a:r>
-            <a:endParaRPr lang="de-DE" sz="1600" dirty="0">
-              <a:solidFill>
-                <a:schemeClr val="accent6">
-                  <a:lumMod val="75000"/>
-                </a:schemeClr>
-              </a:solidFill>
-            </a:endParaRPr>
           </a:p>
         </p:txBody>
       </p:sp>
@@ -9887,11 +9552,11 @@
           <a:lstStyle/>
           <a:p>
             <a:r>
-              <a:rPr lang="de-DE" sz="1600" dirty="0" smtClean="0"/>
+              <a:rPr lang="de-DE" sz="1600" dirty="0"/>
               <a:t>datei.txt: </a:t>
             </a:r>
             <a:r>
-              <a:rPr lang="de-DE" sz="1600" dirty="0" smtClean="0">
+              <a:rPr lang="de-DE" sz="1600" dirty="0">
                 <a:solidFill>
                   <a:schemeClr val="accent6">
                     <a:lumMod val="75000"/>
@@ -9900,13 +9565,6 @@
               </a:rPr>
               <a:t>jetzt</a:t>
             </a:r>
-            <a:endParaRPr lang="de-DE" sz="1600" dirty="0">
-              <a:solidFill>
-                <a:schemeClr val="accent6">
-                  <a:lumMod val="75000"/>
-                </a:schemeClr>
-              </a:solidFill>
-            </a:endParaRPr>
           </a:p>
         </p:txBody>
       </p:sp>
@@ -9940,11 +9598,11 @@
           <a:lstStyle/>
           <a:p>
             <a:r>
-              <a:rPr lang="de-DE" sz="1600" dirty="0" smtClean="0"/>
+              <a:rPr lang="de-DE" sz="1600" dirty="0"/>
               <a:t>datei.txt: </a:t>
             </a:r>
             <a:r>
-              <a:rPr lang="de-DE" sz="1600" dirty="0" smtClean="0">
+              <a:rPr lang="de-DE" sz="1600" dirty="0">
                 <a:solidFill>
                   <a:schemeClr val="accent6">
                     <a:lumMod val="75000"/>
@@ -9953,13 +9611,6 @@
               </a:rPr>
               <a:t>jetzt</a:t>
             </a:r>
-            <a:endParaRPr lang="de-DE" sz="1600" dirty="0">
-              <a:solidFill>
-                <a:schemeClr val="accent6">
-                  <a:lumMod val="75000"/>
-                </a:schemeClr>
-              </a:solidFill>
-            </a:endParaRPr>
           </a:p>
         </p:txBody>
       </p:sp>
@@ -9993,11 +9644,11 @@
           <a:lstStyle/>
           <a:p>
             <a:r>
-              <a:rPr lang="de-DE" sz="1600" dirty="0" smtClean="0"/>
+              <a:rPr lang="de-DE" sz="1600" dirty="0"/>
               <a:t>datei.txt: </a:t>
             </a:r>
             <a:r>
-              <a:rPr lang="de-DE" sz="1600" dirty="0" smtClean="0">
+              <a:rPr lang="de-DE" sz="1600" dirty="0">
                 <a:solidFill>
                   <a:schemeClr val="accent6">
                     <a:lumMod val="75000"/>
@@ -10006,13 +9657,6 @@
               </a:rPr>
               <a:t>zuvor</a:t>
             </a:r>
-            <a:endParaRPr lang="de-DE" sz="1600" dirty="0">
-              <a:solidFill>
-                <a:schemeClr val="accent6">
-                  <a:lumMod val="75000"/>
-                </a:schemeClr>
-              </a:solidFill>
-            </a:endParaRPr>
           </a:p>
         </p:txBody>
       </p:sp>
@@ -10236,7 +9880,7 @@
             <a:lstStyle/>
             <a:p>
               <a:pPr algn="ctr"/>
-              <a:endParaRPr lang="de-DE" dirty="0" smtClean="0">
+              <a:endParaRPr lang="de-DE" dirty="0">
                 <a:solidFill>
                   <a:schemeClr val="tx2">
                     <a:lumMod val="60000"/>
@@ -10294,7 +9938,7 @@
           <a:p>
             <a:pPr algn="ctr"/>
             <a:r>
-              <a:rPr lang="de-DE" sz="1400" dirty="0" err="1" smtClean="0">
+              <a:rPr lang="de-DE" sz="1400" dirty="0" err="1">
                 <a:solidFill>
                   <a:schemeClr val="tx1"/>
                 </a:solidFill>
@@ -10354,18 +9998,13 @@
           <a:p>
             <a:pPr algn="ctr"/>
             <a:r>
-              <a:rPr lang="de-DE" sz="1400" dirty="0" smtClean="0">
+              <a:rPr lang="de-DE" sz="1400" dirty="0">
                 <a:solidFill>
                   <a:schemeClr val="tx1"/>
                 </a:solidFill>
               </a:rPr>
               <a:t>HEAD</a:t>
             </a:r>
-            <a:endParaRPr lang="de-DE" sz="1400" dirty="0">
-              <a:solidFill>
-                <a:schemeClr val="tx1"/>
-              </a:solidFill>
-            </a:endParaRPr>
           </a:p>
         </p:txBody>
       </p:sp>
@@ -10470,11 +10109,11 @@
           <a:lstStyle/>
           <a:p>
             <a:r>
-              <a:rPr lang="de-DE" sz="1600" dirty="0" smtClean="0"/>
+              <a:rPr lang="de-DE" sz="1600" dirty="0"/>
               <a:t>datei.txt: </a:t>
             </a:r>
             <a:r>
-              <a:rPr lang="de-DE" sz="1600" dirty="0" smtClean="0">
+              <a:rPr lang="de-DE" sz="1600" dirty="0">
                 <a:solidFill>
                   <a:schemeClr val="accent6">
                     <a:lumMod val="75000"/>
@@ -10483,13 +10122,6 @@
               </a:rPr>
               <a:t>jetzt</a:t>
             </a:r>
-            <a:endParaRPr lang="de-DE" sz="1600" dirty="0">
-              <a:solidFill>
-                <a:schemeClr val="accent6">
-                  <a:lumMod val="75000"/>
-                </a:schemeClr>
-              </a:solidFill>
-            </a:endParaRPr>
           </a:p>
         </p:txBody>
       </p:sp>
@@ -10523,11 +10155,11 @@
           <a:lstStyle/>
           <a:p>
             <a:r>
-              <a:rPr lang="de-DE" sz="1600" dirty="0" smtClean="0"/>
+              <a:rPr lang="de-DE" sz="1600" dirty="0"/>
               <a:t>datei.txt: </a:t>
             </a:r>
             <a:r>
-              <a:rPr lang="de-DE" sz="1600" dirty="0" smtClean="0">
+              <a:rPr lang="de-DE" sz="1600" dirty="0">
                 <a:solidFill>
                   <a:schemeClr val="accent6">
                     <a:lumMod val="75000"/>
@@ -10536,13 +10168,6 @@
               </a:rPr>
               <a:t>jetzt</a:t>
             </a:r>
-            <a:endParaRPr lang="de-DE" sz="1600" dirty="0">
-              <a:solidFill>
-                <a:schemeClr val="accent6">
-                  <a:lumMod val="75000"/>
-                </a:schemeClr>
-              </a:solidFill>
-            </a:endParaRPr>
           </a:p>
         </p:txBody>
       </p:sp>
@@ -10576,11 +10201,11 @@
           <a:lstStyle/>
           <a:p>
             <a:r>
-              <a:rPr lang="de-DE" sz="1600" dirty="0" smtClean="0"/>
+              <a:rPr lang="de-DE" sz="1600" dirty="0"/>
               <a:t>datei.txt: </a:t>
             </a:r>
             <a:r>
-              <a:rPr lang="de-DE" sz="1600" dirty="0" smtClean="0">
+              <a:rPr lang="de-DE" sz="1600" dirty="0">
                 <a:solidFill>
                   <a:schemeClr val="accent6">
                     <a:lumMod val="75000"/>
@@ -10589,13 +10214,6 @@
               </a:rPr>
               <a:t>jetzt</a:t>
             </a:r>
-            <a:endParaRPr lang="de-DE" sz="1600" dirty="0">
-              <a:solidFill>
-                <a:schemeClr val="accent6">
-                  <a:lumMod val="75000"/>
-                </a:schemeClr>
-              </a:solidFill>
-            </a:endParaRPr>
           </a:p>
         </p:txBody>
       </p:sp>
@@ -10629,11 +10247,11 @@
           <a:lstStyle/>
           <a:p>
             <a:r>
-              <a:rPr lang="de-DE" sz="1600" dirty="0" smtClean="0"/>
+              <a:rPr lang="de-DE" sz="1600" dirty="0"/>
               <a:t>datei.txt: </a:t>
             </a:r>
             <a:r>
-              <a:rPr lang="de-DE" sz="1600" dirty="0" smtClean="0">
+              <a:rPr lang="de-DE" sz="1600" dirty="0">
                 <a:solidFill>
                   <a:schemeClr val="accent6">
                     <a:lumMod val="75000"/>
@@ -10642,13 +10260,6 @@
               </a:rPr>
               <a:t>zuvor</a:t>
             </a:r>
-            <a:endParaRPr lang="de-DE" sz="1600" dirty="0">
-              <a:solidFill>
-                <a:schemeClr val="accent6">
-                  <a:lumMod val="75000"/>
-                </a:schemeClr>
-              </a:solidFill>
-            </a:endParaRPr>
           </a:p>
         </p:txBody>
       </p:sp>
@@ -10662,13 +10273,6 @@
   <p:clrMapOvr>
     <a:masterClrMapping/>
   </p:clrMapOvr>
-  <p:timing>
-    <p:tnLst>
-      <p:par>
-        <p:cTn id="1" dur="indefinite" restart="never" nodeType="tmRoot"/>
-      </p:par>
-    </p:tnLst>
-  </p:timing>
 </p:sld>
 </file>
 
@@ -10745,14 +10349,14 @@
               <a:buChar char="-"/>
             </a:pPr>
             <a:r>
-              <a:rPr lang="de-DE" sz="2200" dirty="0" smtClean="0">
+              <a:rPr lang="de-DE" sz="2200" dirty="0">
                 <a:latin typeface="Consolas" panose="020B0609020204030204" pitchFamily="49" charset="0"/>
                 <a:cs typeface="Consolas" panose="020B0609020204030204" pitchFamily="49" charset="0"/>
               </a:rPr>
               <a:t> echo </a:t>
             </a:r>
             <a:r>
-              <a:rPr lang="de-DE" sz="2200" dirty="0" smtClean="0">
+              <a:rPr lang="de-DE" sz="2200" dirty="0">
                 <a:solidFill>
                   <a:schemeClr val="accent6">
                     <a:lumMod val="75000"/>
@@ -10764,42 +10368,42 @@
               <a:t>„zuvor“ </a:t>
             </a:r>
             <a:r>
-              <a:rPr lang="de-DE" sz="2200" dirty="0" smtClean="0">
+              <a:rPr lang="de-DE" sz="2200" dirty="0">
                 <a:latin typeface="Consolas" panose="020B0609020204030204" pitchFamily="49" charset="0"/>
                 <a:cs typeface="Consolas" panose="020B0609020204030204" pitchFamily="49" charset="0"/>
               </a:rPr>
               <a:t>&gt; datei.txt; </a:t>
             </a:r>
             <a:r>
-              <a:rPr lang="de-DE" sz="2200" dirty="0" err="1" smtClean="0">
+              <a:rPr lang="de-DE" sz="2200" dirty="0" err="1">
                 <a:latin typeface="Consolas" panose="020B0609020204030204" pitchFamily="49" charset="0"/>
                 <a:cs typeface="Consolas" panose="020B0609020204030204" pitchFamily="49" charset="0"/>
               </a:rPr>
               <a:t>git</a:t>
             </a:r>
             <a:r>
-              <a:rPr lang="de-DE" sz="2200" dirty="0" smtClean="0">
+              <a:rPr lang="de-DE" sz="2200" dirty="0">
                 <a:latin typeface="Consolas" panose="020B0609020204030204" pitchFamily="49" charset="0"/>
                 <a:cs typeface="Consolas" panose="020B0609020204030204" pitchFamily="49" charset="0"/>
               </a:rPr>
               <a:t> </a:t>
             </a:r>
             <a:r>
-              <a:rPr lang="de-DE" sz="2200" dirty="0" err="1" smtClean="0">
+              <a:rPr lang="de-DE" sz="2200" dirty="0" err="1">
                 <a:latin typeface="Consolas" panose="020B0609020204030204" pitchFamily="49" charset="0"/>
                 <a:cs typeface="Consolas" panose="020B0609020204030204" pitchFamily="49" charset="0"/>
               </a:rPr>
               <a:t>commit</a:t>
             </a:r>
             <a:r>
-              <a:rPr lang="de-DE" sz="2200" dirty="0" smtClean="0">
+              <a:rPr lang="de-DE" sz="2200" dirty="0">
                 <a:latin typeface="Consolas" panose="020B0609020204030204" pitchFamily="49" charset="0"/>
                 <a:cs typeface="Consolas" panose="020B0609020204030204" pitchFamily="49" charset="0"/>
               </a:rPr>
               <a:t> –am </a:t>
             </a:r>
             <a:r>
-              <a:rPr lang="de-DE" sz="2200" dirty="0" smtClean="0">
+              <a:rPr lang="de-DE" sz="2200" dirty="0">
                 <a:solidFill>
                   <a:schemeClr val="tx2">
                     <a:lumMod val="60000"/>
@@ -10825,7 +10429,7 @@
               <a:t> echo </a:t>
             </a:r>
             <a:r>
-              <a:rPr lang="de-DE" sz="2200" dirty="0" smtClean="0">
+              <a:rPr lang="de-DE" sz="2200" dirty="0">
                 <a:solidFill>
                   <a:schemeClr val="accent6">
                     <a:lumMod val="75000"/>
@@ -10841,14 +10445,7 @@
                 <a:latin typeface="Consolas" panose="020B0609020204030204" pitchFamily="49" charset="0"/>
                 <a:cs typeface="Consolas" panose="020B0609020204030204" pitchFamily="49" charset="0"/>
               </a:rPr>
-              <a:t>&gt; </a:t>
-            </a:r>
-            <a:r>
-              <a:rPr lang="de-DE" sz="2200" dirty="0" smtClean="0">
-                <a:latin typeface="Consolas" panose="020B0609020204030204" pitchFamily="49" charset="0"/>
-                <a:cs typeface="Consolas" panose="020B0609020204030204" pitchFamily="49" charset="0"/>
-              </a:rPr>
-              <a:t>datei.txt; </a:t>
+              <a:t>&gt; datei.txt; </a:t>
             </a:r>
             <a:r>
               <a:rPr lang="de-DE" sz="2200" dirty="0" err="1">
@@ -10889,20 +10486,7 @@
                 <a:latin typeface="Consolas" panose="020B0609020204030204" pitchFamily="49" charset="0"/>
                 <a:cs typeface="Consolas" panose="020B0609020204030204" pitchFamily="49" charset="0"/>
               </a:rPr>
-              <a:t>„</a:t>
-            </a:r>
-            <a:r>
-              <a:rPr lang="de-DE" sz="2200" dirty="0" smtClean="0">
-                <a:solidFill>
-                  <a:schemeClr val="tx2">
-                    <a:lumMod val="60000"/>
-                    <a:lumOff val="40000"/>
-                  </a:schemeClr>
-                </a:solidFill>
-                <a:latin typeface="Consolas" panose="020B0609020204030204" pitchFamily="49" charset="0"/>
-                <a:cs typeface="Consolas" panose="020B0609020204030204" pitchFamily="49" charset="0"/>
-              </a:rPr>
-              <a:t>ok“</a:t>
+              <a:t>„ok“</a:t>
             </a:r>
           </a:p>
           <a:p>
@@ -10910,7 +10494,7 @@
               <a:buFont typeface="Symbol" panose="05050102010706020507" pitchFamily="18" charset="2"/>
               <a:buChar char="-"/>
             </a:pPr>
-            <a:endParaRPr lang="de-DE" sz="2200" dirty="0" smtClean="0">
+            <a:endParaRPr lang="de-DE" sz="2200" dirty="0">
               <a:latin typeface="Consolas" panose="020B0609020204030204" pitchFamily="49" charset="0"/>
               <a:cs typeface="Consolas" panose="020B0609020204030204" pitchFamily="49" charset="0"/>
             </a:endParaRPr>
@@ -10921,28 +10505,28 @@
               <a:buChar char="-"/>
             </a:pPr>
             <a:r>
-              <a:rPr lang="de-DE" sz="2400" dirty="0" smtClean="0">
+              <a:rPr lang="de-DE" sz="2400" dirty="0">
                 <a:latin typeface="Consolas" panose="020B0609020204030204" pitchFamily="49" charset="0"/>
                 <a:cs typeface="Consolas" panose="020B0609020204030204" pitchFamily="49" charset="0"/>
               </a:rPr>
               <a:t> </a:t>
             </a:r>
             <a:r>
-              <a:rPr lang="de-DE" sz="2400" dirty="0" err="1" smtClean="0">
+              <a:rPr lang="de-DE" sz="2400" dirty="0" err="1">
                 <a:latin typeface="Consolas" panose="020B0609020204030204" pitchFamily="49" charset="0"/>
                 <a:cs typeface="Consolas" panose="020B0609020204030204" pitchFamily="49" charset="0"/>
               </a:rPr>
               <a:t>git</a:t>
             </a:r>
             <a:r>
-              <a:rPr lang="de-DE" sz="2400" dirty="0" smtClean="0">
+              <a:rPr lang="de-DE" sz="2400" dirty="0">
                 <a:latin typeface="Consolas" panose="020B0609020204030204" pitchFamily="49" charset="0"/>
                 <a:cs typeface="Consolas" panose="020B0609020204030204" pitchFamily="49" charset="0"/>
               </a:rPr>
               <a:t> </a:t>
             </a:r>
             <a:r>
-              <a:rPr lang="de-DE" sz="2400" dirty="0" err="1" smtClean="0">
+              <a:rPr lang="de-DE" sz="2400" dirty="0" err="1">
                 <a:solidFill>
                   <a:srgbClr val="00B050"/>
                 </a:solidFill>
@@ -10952,7 +10536,7 @@
               <a:t>reset</a:t>
             </a:r>
             <a:r>
-              <a:rPr lang="de-DE" sz="2400" dirty="0" smtClean="0">
+              <a:rPr lang="de-DE" sz="2400" dirty="0">
                 <a:solidFill>
                   <a:srgbClr val="00B050"/>
                 </a:solidFill>
@@ -10961,7 +10545,7 @@
               </a:rPr>
               <a:t> HEAD~ --mixed</a:t>
             </a:r>
-            <a:endParaRPr lang="de-DE" sz="2400" dirty="0" smtClean="0">
+            <a:endParaRPr lang="de-DE" sz="2400" dirty="0">
               <a:latin typeface="Consolas" panose="020B0609020204030204" pitchFamily="49" charset="0"/>
               <a:cs typeface="Consolas" panose="020B0609020204030204" pitchFamily="49" charset="0"/>
             </a:endParaRPr>
@@ -10971,7 +10555,7 @@
               <a:buNone/>
             </a:pPr>
             <a:r>
-              <a:rPr lang="de-DE" dirty="0" smtClean="0"/>
+              <a:rPr lang="de-DE" dirty="0"/>
               <a:t> </a:t>
             </a:r>
           </a:p>
@@ -11203,7 +10787,7 @@
             <a:lstStyle/>
             <a:p>
               <a:pPr algn="ctr"/>
-              <a:endParaRPr lang="de-DE" dirty="0" smtClean="0">
+              <a:endParaRPr lang="de-DE" dirty="0">
                 <a:solidFill>
                   <a:schemeClr val="tx2">
                     <a:lumMod val="60000"/>
@@ -11261,7 +10845,7 @@
           <a:p>
             <a:pPr algn="ctr"/>
             <a:r>
-              <a:rPr lang="de-DE" sz="1400" dirty="0" err="1" smtClean="0">
+              <a:rPr lang="de-DE" sz="1400" dirty="0" err="1">
                 <a:solidFill>
                   <a:schemeClr val="tx1"/>
                 </a:solidFill>
@@ -11321,18 +10905,13 @@
           <a:p>
             <a:pPr algn="ctr"/>
             <a:r>
-              <a:rPr lang="de-DE" sz="1400" dirty="0" smtClean="0">
+              <a:rPr lang="de-DE" sz="1400" dirty="0">
                 <a:solidFill>
                   <a:schemeClr val="tx1"/>
                 </a:solidFill>
               </a:rPr>
               <a:t>HEAD</a:t>
             </a:r>
-            <a:endParaRPr lang="de-DE" sz="1400" dirty="0">
-              <a:solidFill>
-                <a:schemeClr val="tx1"/>
-              </a:solidFill>
-            </a:endParaRPr>
           </a:p>
         </p:txBody>
       </p:sp>
@@ -11437,11 +11016,11 @@
           <a:lstStyle/>
           <a:p>
             <a:r>
-              <a:rPr lang="de-DE" sz="1600" dirty="0" smtClean="0"/>
+              <a:rPr lang="de-DE" sz="1600" dirty="0"/>
               <a:t>datei.txt: </a:t>
             </a:r>
             <a:r>
-              <a:rPr lang="de-DE" sz="1600" dirty="0" smtClean="0">
+              <a:rPr lang="de-DE" sz="1600" dirty="0">
                 <a:solidFill>
                   <a:schemeClr val="accent6">
                     <a:lumMod val="75000"/>
@@ -11450,13 +11029,6 @@
               </a:rPr>
               <a:t>jetzt</a:t>
             </a:r>
-            <a:endParaRPr lang="de-DE" sz="1600" dirty="0">
-              <a:solidFill>
-                <a:schemeClr val="accent6">
-                  <a:lumMod val="75000"/>
-                </a:schemeClr>
-              </a:solidFill>
-            </a:endParaRPr>
           </a:p>
         </p:txBody>
       </p:sp>
@@ -11490,11 +11062,11 @@
           <a:lstStyle/>
           <a:p>
             <a:r>
-              <a:rPr lang="de-DE" sz="1600" dirty="0" smtClean="0"/>
+              <a:rPr lang="de-DE" sz="1600" dirty="0"/>
               <a:t>datei.txt: </a:t>
             </a:r>
             <a:r>
-              <a:rPr lang="de-DE" sz="1600" dirty="0" smtClean="0">
+              <a:rPr lang="de-DE" sz="1600" dirty="0">
                 <a:solidFill>
                   <a:schemeClr val="accent6">
                     <a:lumMod val="75000"/>
@@ -11503,13 +11075,6 @@
               </a:rPr>
               <a:t>jetzt</a:t>
             </a:r>
-            <a:endParaRPr lang="de-DE" sz="1600" dirty="0">
-              <a:solidFill>
-                <a:schemeClr val="accent6">
-                  <a:lumMod val="75000"/>
-                </a:schemeClr>
-              </a:solidFill>
-            </a:endParaRPr>
           </a:p>
         </p:txBody>
       </p:sp>
@@ -11543,11 +11108,11 @@
           <a:lstStyle/>
           <a:p>
             <a:r>
-              <a:rPr lang="de-DE" sz="1600" dirty="0" smtClean="0"/>
+              <a:rPr lang="de-DE" sz="1600" dirty="0"/>
               <a:t>datei.txt: </a:t>
             </a:r>
             <a:r>
-              <a:rPr lang="de-DE" sz="1600" dirty="0" smtClean="0">
+              <a:rPr lang="de-DE" sz="1600" dirty="0">
                 <a:solidFill>
                   <a:schemeClr val="accent6">
                     <a:lumMod val="75000"/>
@@ -11556,13 +11121,6 @@
               </a:rPr>
               <a:t>jetzt</a:t>
             </a:r>
-            <a:endParaRPr lang="de-DE" sz="1600" dirty="0">
-              <a:solidFill>
-                <a:schemeClr val="accent6">
-                  <a:lumMod val="75000"/>
-                </a:schemeClr>
-              </a:solidFill>
-            </a:endParaRPr>
           </a:p>
         </p:txBody>
       </p:sp>
@@ -11596,11 +11154,11 @@
           <a:lstStyle/>
           <a:p>
             <a:r>
-              <a:rPr lang="de-DE" sz="1600" dirty="0" smtClean="0"/>
+              <a:rPr lang="de-DE" sz="1600" dirty="0"/>
               <a:t>datei.txt: </a:t>
             </a:r>
             <a:r>
-              <a:rPr lang="de-DE" sz="1600" dirty="0" smtClean="0">
+              <a:rPr lang="de-DE" sz="1600" dirty="0">
                 <a:solidFill>
                   <a:schemeClr val="accent6">
                     <a:lumMod val="75000"/>
@@ -11609,13 +11167,6 @@
               </a:rPr>
               <a:t>zuvor</a:t>
             </a:r>
-            <a:endParaRPr lang="de-DE" sz="1600" dirty="0">
-              <a:solidFill>
-                <a:schemeClr val="accent6">
-                  <a:lumMod val="75000"/>
-                </a:schemeClr>
-              </a:solidFill>
-            </a:endParaRPr>
           </a:p>
         </p:txBody>
       </p:sp>
@@ -11839,7 +11390,7 @@
             <a:lstStyle/>
             <a:p>
               <a:pPr algn="ctr"/>
-              <a:endParaRPr lang="de-DE" dirty="0" smtClean="0">
+              <a:endParaRPr lang="de-DE" dirty="0">
                 <a:solidFill>
                   <a:schemeClr val="tx2">
                     <a:lumMod val="60000"/>
@@ -11897,7 +11448,7 @@
           <a:p>
             <a:pPr algn="ctr"/>
             <a:r>
-              <a:rPr lang="de-DE" sz="1400" dirty="0" err="1" smtClean="0">
+              <a:rPr lang="de-DE" sz="1400" dirty="0" err="1">
                 <a:solidFill>
                   <a:schemeClr val="tx1"/>
                 </a:solidFill>
@@ -11957,18 +11508,13 @@
           <a:p>
             <a:pPr algn="ctr"/>
             <a:r>
-              <a:rPr lang="de-DE" sz="1400" dirty="0" smtClean="0">
+              <a:rPr lang="de-DE" sz="1400" dirty="0">
                 <a:solidFill>
                   <a:schemeClr val="tx1"/>
                 </a:solidFill>
               </a:rPr>
               <a:t>HEAD</a:t>
             </a:r>
-            <a:endParaRPr lang="de-DE" sz="1400" dirty="0">
-              <a:solidFill>
-                <a:schemeClr val="tx1"/>
-              </a:solidFill>
-            </a:endParaRPr>
           </a:p>
         </p:txBody>
       </p:sp>
@@ -12073,11 +11619,11 @@
           <a:lstStyle/>
           <a:p>
             <a:r>
-              <a:rPr lang="de-DE" sz="1600" dirty="0" smtClean="0"/>
+              <a:rPr lang="de-DE" sz="1600" dirty="0"/>
               <a:t>datei.txt: </a:t>
             </a:r>
             <a:r>
-              <a:rPr lang="de-DE" sz="1600" dirty="0" smtClean="0">
+              <a:rPr lang="de-DE" sz="1600" dirty="0">
                 <a:solidFill>
                   <a:schemeClr val="accent6">
                     <a:lumMod val="75000"/>
@@ -12086,13 +11632,6 @@
               </a:rPr>
               <a:t>jetzt</a:t>
             </a:r>
-            <a:endParaRPr lang="de-DE" sz="1600" dirty="0">
-              <a:solidFill>
-                <a:schemeClr val="accent6">
-                  <a:lumMod val="75000"/>
-                </a:schemeClr>
-              </a:solidFill>
-            </a:endParaRPr>
           </a:p>
         </p:txBody>
       </p:sp>
@@ -12126,11 +11665,11 @@
           <a:lstStyle/>
           <a:p>
             <a:r>
-              <a:rPr lang="de-DE" sz="1600" dirty="0" smtClean="0"/>
+              <a:rPr lang="de-DE" sz="1600" dirty="0"/>
               <a:t>datei.txt: </a:t>
             </a:r>
             <a:r>
-              <a:rPr lang="de-DE" sz="1600" dirty="0" smtClean="0">
+              <a:rPr lang="de-DE" sz="1600" dirty="0">
                 <a:solidFill>
                   <a:schemeClr val="accent6">
                     <a:lumMod val="75000"/>
@@ -12139,13 +11678,6 @@
               </a:rPr>
               <a:t>zuvor</a:t>
             </a:r>
-            <a:endParaRPr lang="de-DE" sz="1600" dirty="0">
-              <a:solidFill>
-                <a:schemeClr val="accent6">
-                  <a:lumMod val="75000"/>
-                </a:schemeClr>
-              </a:solidFill>
-            </a:endParaRPr>
           </a:p>
         </p:txBody>
       </p:sp>
@@ -12179,11 +11711,11 @@
           <a:lstStyle/>
           <a:p>
             <a:r>
-              <a:rPr lang="de-DE" sz="1600" dirty="0" smtClean="0"/>
+              <a:rPr lang="de-DE" sz="1600" dirty="0"/>
               <a:t>datei.txt: </a:t>
             </a:r>
             <a:r>
-              <a:rPr lang="de-DE" sz="1600" dirty="0" smtClean="0">
+              <a:rPr lang="de-DE" sz="1600" dirty="0">
                 <a:solidFill>
                   <a:schemeClr val="accent6">
                     <a:lumMod val="75000"/>
@@ -12192,13 +11724,6 @@
               </a:rPr>
               <a:t>jetzt</a:t>
             </a:r>
-            <a:endParaRPr lang="de-DE" sz="1600" dirty="0">
-              <a:solidFill>
-                <a:schemeClr val="accent6">
-                  <a:lumMod val="75000"/>
-                </a:schemeClr>
-              </a:solidFill>
-            </a:endParaRPr>
           </a:p>
         </p:txBody>
       </p:sp>
@@ -12232,11 +11757,11 @@
           <a:lstStyle/>
           <a:p>
             <a:r>
-              <a:rPr lang="de-DE" sz="1600" dirty="0" smtClean="0"/>
+              <a:rPr lang="de-DE" sz="1600" dirty="0"/>
               <a:t>datei.txt: </a:t>
             </a:r>
             <a:r>
-              <a:rPr lang="de-DE" sz="1600" dirty="0" smtClean="0">
+              <a:rPr lang="de-DE" sz="1600" dirty="0">
                 <a:solidFill>
                   <a:schemeClr val="accent6">
                     <a:lumMod val="75000"/>
@@ -12245,13 +11770,6 @@
               </a:rPr>
               <a:t>zuvor</a:t>
             </a:r>
-            <a:endParaRPr lang="de-DE" sz="1600" dirty="0">
-              <a:solidFill>
-                <a:schemeClr val="accent6">
-                  <a:lumMod val="75000"/>
-                </a:schemeClr>
-              </a:solidFill>
-            </a:endParaRPr>
           </a:p>
         </p:txBody>
       </p:sp>
@@ -12309,13 +11827,6 @@
   <p:clrMapOvr>
     <a:masterClrMapping/>
   </p:clrMapOvr>
-  <p:timing>
-    <p:tnLst>
-      <p:par>
-        <p:cTn id="1" dur="indefinite" restart="never" nodeType="tmRoot"/>
-      </p:par>
-    </p:tnLst>
-  </p:timing>
 </p:sld>
 </file>
 
@@ -12354,10 +11865,9 @@
           <a:lstStyle/>
           <a:p>
             <a:r>
-              <a:rPr lang="de-DE" sz="3600" dirty="0" smtClean="0"/>
+              <a:rPr lang="de-DE" sz="3600" dirty="0"/>
               <a:t>Positionieren des HEADs an einen Commit</a:t>
             </a:r>
-            <a:endParaRPr lang="de-DE" sz="3600" dirty="0"/>
           </a:p>
         </p:txBody>
       </p:sp>
@@ -12388,14 +11898,14 @@
               <a:buChar char="-"/>
             </a:pPr>
             <a:r>
-              <a:rPr lang="de-DE" sz="2200" dirty="0" smtClean="0">
+              <a:rPr lang="de-DE" sz="2200" dirty="0">
                 <a:latin typeface="Consolas" panose="020B0609020204030204" pitchFamily="49" charset="0"/>
                 <a:cs typeface="Consolas" panose="020B0609020204030204" pitchFamily="49" charset="0"/>
               </a:rPr>
               <a:t> echo </a:t>
             </a:r>
             <a:r>
-              <a:rPr lang="de-DE" sz="2200" dirty="0" smtClean="0">
+              <a:rPr lang="de-DE" sz="2200" dirty="0">
                 <a:solidFill>
                   <a:schemeClr val="tx2">
                     <a:lumMod val="60000"/>
@@ -12408,42 +11918,42 @@
               <a:t>„zuvor“</a:t>
             </a:r>
             <a:r>
-              <a:rPr lang="de-DE" sz="2200" dirty="0" smtClean="0">
+              <a:rPr lang="de-DE" sz="2200" dirty="0">
                 <a:latin typeface="Consolas" panose="020B0609020204030204" pitchFamily="49" charset="0"/>
                 <a:cs typeface="Consolas" panose="020B0609020204030204" pitchFamily="49" charset="0"/>
               </a:rPr>
               <a:t> &gt; datei.txt; </a:t>
             </a:r>
             <a:r>
-              <a:rPr lang="de-DE" sz="2200" dirty="0" err="1" smtClean="0">
+              <a:rPr lang="de-DE" sz="2200" dirty="0" err="1">
                 <a:latin typeface="Consolas" panose="020B0609020204030204" pitchFamily="49" charset="0"/>
                 <a:cs typeface="Consolas" panose="020B0609020204030204" pitchFamily="49" charset="0"/>
               </a:rPr>
               <a:t>git</a:t>
             </a:r>
             <a:r>
-              <a:rPr lang="de-DE" sz="2200" dirty="0" smtClean="0">
+              <a:rPr lang="de-DE" sz="2200" dirty="0">
                 <a:latin typeface="Consolas" panose="020B0609020204030204" pitchFamily="49" charset="0"/>
                 <a:cs typeface="Consolas" panose="020B0609020204030204" pitchFamily="49" charset="0"/>
               </a:rPr>
               <a:t> </a:t>
             </a:r>
             <a:r>
-              <a:rPr lang="de-DE" sz="2200" dirty="0" err="1" smtClean="0">
+              <a:rPr lang="de-DE" sz="2200" dirty="0" err="1">
                 <a:latin typeface="Consolas" panose="020B0609020204030204" pitchFamily="49" charset="0"/>
                 <a:cs typeface="Consolas" panose="020B0609020204030204" pitchFamily="49" charset="0"/>
               </a:rPr>
               <a:t>commit</a:t>
             </a:r>
             <a:r>
-              <a:rPr lang="de-DE" sz="2200" dirty="0" smtClean="0">
+              <a:rPr lang="de-DE" sz="2200" dirty="0">
                 <a:latin typeface="Consolas" panose="020B0609020204030204" pitchFamily="49" charset="0"/>
                 <a:cs typeface="Consolas" panose="020B0609020204030204" pitchFamily="49" charset="0"/>
               </a:rPr>
               <a:t> –am </a:t>
             </a:r>
             <a:r>
-              <a:rPr lang="de-DE" sz="2200" dirty="0" smtClean="0">
+              <a:rPr lang="de-DE" sz="2200" dirty="0">
                 <a:solidFill>
                   <a:schemeClr val="tx2">
                     <a:lumMod val="60000"/>
@@ -12469,7 +11979,7 @@
               <a:t> echo </a:t>
             </a:r>
             <a:r>
-              <a:rPr lang="de-DE" sz="2200" dirty="0" smtClean="0">
+              <a:rPr lang="de-DE" sz="2200" dirty="0">
                 <a:solidFill>
                   <a:schemeClr val="tx2">
                     <a:lumMod val="60000"/>
@@ -12482,25 +11992,11 @@
               <a:t>„jetzt“</a:t>
             </a:r>
             <a:r>
-              <a:rPr lang="de-DE" sz="2200" dirty="0" smtClean="0">
-                <a:latin typeface="Consolas" panose="020B0609020204030204" pitchFamily="49" charset="0"/>
-                <a:cs typeface="Consolas" panose="020B0609020204030204" pitchFamily="49" charset="0"/>
-              </a:rPr>
-              <a:t> </a:t>
-            </a:r>
-            <a:r>
               <a:rPr lang="de-DE" sz="2200" dirty="0">
                 <a:latin typeface="Consolas" panose="020B0609020204030204" pitchFamily="49" charset="0"/>
                 <a:cs typeface="Consolas" panose="020B0609020204030204" pitchFamily="49" charset="0"/>
               </a:rPr>
-              <a:t>&gt; </a:t>
-            </a:r>
-            <a:r>
-              <a:rPr lang="de-DE" sz="2200" dirty="0" smtClean="0">
-                <a:latin typeface="Consolas" panose="020B0609020204030204" pitchFamily="49" charset="0"/>
-                <a:cs typeface="Consolas" panose="020B0609020204030204" pitchFamily="49" charset="0"/>
-              </a:rPr>
-              <a:t>datei.txt; </a:t>
+              <a:t> &gt; datei.txt; </a:t>
             </a:r>
             <a:r>
               <a:rPr lang="de-DE" sz="2200" dirty="0" err="1">
@@ -12541,20 +12037,7 @@
                 <a:latin typeface="Consolas" panose="020B0609020204030204" pitchFamily="49" charset="0"/>
                 <a:cs typeface="Consolas" panose="020B0609020204030204" pitchFamily="49" charset="0"/>
               </a:rPr>
-              <a:t>„</a:t>
-            </a:r>
-            <a:r>
-              <a:rPr lang="de-DE" sz="2200" dirty="0" smtClean="0">
-                <a:solidFill>
-                  <a:schemeClr val="tx2">
-                    <a:lumMod val="60000"/>
-                    <a:lumOff val="40000"/>
-                  </a:schemeClr>
-                </a:solidFill>
-                <a:latin typeface="Consolas" panose="020B0609020204030204" pitchFamily="49" charset="0"/>
-                <a:cs typeface="Consolas" panose="020B0609020204030204" pitchFamily="49" charset="0"/>
-              </a:rPr>
-              <a:t>ok“</a:t>
+              <a:t>„ok“</a:t>
             </a:r>
           </a:p>
           <a:p>
@@ -12562,7 +12045,7 @@
               <a:buFont typeface="Symbol" panose="05050102010706020507" pitchFamily="18" charset="2"/>
               <a:buChar char="-"/>
             </a:pPr>
-            <a:endParaRPr lang="de-DE" sz="2200" dirty="0" smtClean="0">
+            <a:endParaRPr lang="de-DE" sz="2200" dirty="0">
               <a:solidFill>
                 <a:schemeClr val="tx2">
                   <a:lumMod val="60000"/>
@@ -12579,28 +12062,28 @@
               <a:buChar char="-"/>
             </a:pPr>
             <a:r>
-              <a:rPr lang="de-DE" sz="2400" dirty="0" smtClean="0">
+              <a:rPr lang="de-DE" sz="2400" dirty="0">
                 <a:latin typeface="Consolas" panose="020B0609020204030204" pitchFamily="49" charset="0"/>
                 <a:cs typeface="Consolas" panose="020B0609020204030204" pitchFamily="49" charset="0"/>
               </a:rPr>
               <a:t> </a:t>
             </a:r>
             <a:r>
-              <a:rPr lang="de-DE" sz="2400" dirty="0" err="1" smtClean="0">
+              <a:rPr lang="de-DE" sz="2400" dirty="0" err="1">
                 <a:latin typeface="Consolas" panose="020B0609020204030204" pitchFamily="49" charset="0"/>
                 <a:cs typeface="Consolas" panose="020B0609020204030204" pitchFamily="49" charset="0"/>
               </a:rPr>
               <a:t>git</a:t>
             </a:r>
             <a:r>
-              <a:rPr lang="de-DE" sz="2400" dirty="0" smtClean="0">
+              <a:rPr lang="de-DE" sz="2400" dirty="0">
                 <a:latin typeface="Consolas" panose="020B0609020204030204" pitchFamily="49" charset="0"/>
                 <a:cs typeface="Consolas" panose="020B0609020204030204" pitchFamily="49" charset="0"/>
               </a:rPr>
               <a:t> </a:t>
             </a:r>
             <a:r>
-              <a:rPr lang="de-DE" sz="2400" dirty="0" err="1" smtClean="0">
+              <a:rPr lang="de-DE" sz="2400" dirty="0" err="1">
                 <a:solidFill>
                   <a:srgbClr val="00B050"/>
                 </a:solidFill>
@@ -12610,7 +12093,7 @@
               <a:t>reset</a:t>
             </a:r>
             <a:r>
-              <a:rPr lang="de-DE" sz="2400" dirty="0" smtClean="0">
+              <a:rPr lang="de-DE" sz="2400" dirty="0">
                 <a:solidFill>
                   <a:srgbClr val="00B050"/>
                 </a:solidFill>
@@ -12619,7 +12102,7 @@
               </a:rPr>
               <a:t> a9e5e6a4</a:t>
             </a:r>
-            <a:endParaRPr lang="de-DE" dirty="0" smtClean="0">
+            <a:endParaRPr lang="de-DE" dirty="0">
               <a:solidFill>
                 <a:srgbClr val="00B050"/>
               </a:solidFill>
@@ -12853,7 +12336,7 @@
             <a:lstStyle/>
             <a:p>
               <a:pPr algn="ctr"/>
-              <a:endParaRPr lang="de-DE" dirty="0" smtClean="0">
+              <a:endParaRPr lang="de-DE" dirty="0">
                 <a:solidFill>
                   <a:schemeClr val="tx2">
                     <a:lumMod val="60000"/>
@@ -12911,7 +12394,7 @@
           <a:p>
             <a:pPr algn="ctr"/>
             <a:r>
-              <a:rPr lang="de-DE" sz="1400" dirty="0" err="1" smtClean="0">
+              <a:rPr lang="de-DE" sz="1400" dirty="0" err="1">
                 <a:solidFill>
                   <a:schemeClr val="tx1"/>
                 </a:solidFill>
@@ -12971,18 +12454,13 @@
           <a:p>
             <a:pPr algn="ctr"/>
             <a:r>
-              <a:rPr lang="de-DE" sz="1400" dirty="0" smtClean="0">
+              <a:rPr lang="de-DE" sz="1400" dirty="0">
                 <a:solidFill>
                   <a:schemeClr val="tx1"/>
                 </a:solidFill>
               </a:rPr>
               <a:t>HEAD</a:t>
             </a:r>
-            <a:endParaRPr lang="de-DE" sz="1400" dirty="0">
-              <a:solidFill>
-                <a:schemeClr val="tx1"/>
-              </a:solidFill>
-            </a:endParaRPr>
           </a:p>
         </p:txBody>
       </p:sp>
@@ -13087,11 +12565,11 @@
           <a:lstStyle/>
           <a:p>
             <a:r>
-              <a:rPr lang="de-DE" sz="1600" dirty="0" smtClean="0"/>
+              <a:rPr lang="de-DE" sz="1600" dirty="0"/>
               <a:t>datei.txt: </a:t>
             </a:r>
             <a:r>
-              <a:rPr lang="de-DE" sz="1600" dirty="0" smtClean="0">
+              <a:rPr lang="de-DE" sz="1600" dirty="0">
                 <a:solidFill>
                   <a:schemeClr val="accent6">
                     <a:lumMod val="75000"/>
@@ -13100,13 +12578,6 @@
               </a:rPr>
               <a:t>jetzt</a:t>
             </a:r>
-            <a:endParaRPr lang="de-DE" sz="1600" dirty="0">
-              <a:solidFill>
-                <a:schemeClr val="accent6">
-                  <a:lumMod val="75000"/>
-                </a:schemeClr>
-              </a:solidFill>
-            </a:endParaRPr>
           </a:p>
         </p:txBody>
       </p:sp>
@@ -13140,11 +12611,11 @@
           <a:lstStyle/>
           <a:p>
             <a:r>
-              <a:rPr lang="de-DE" sz="1600" dirty="0" smtClean="0"/>
+              <a:rPr lang="de-DE" sz="1600" dirty="0"/>
               <a:t>datei.txt: </a:t>
             </a:r>
             <a:r>
-              <a:rPr lang="de-DE" sz="1600" dirty="0" smtClean="0">
+              <a:rPr lang="de-DE" sz="1600" dirty="0">
                 <a:solidFill>
                   <a:schemeClr val="accent6">
                     <a:lumMod val="75000"/>
@@ -13153,13 +12624,6 @@
               </a:rPr>
               <a:t>jetzt</a:t>
             </a:r>
-            <a:endParaRPr lang="de-DE" sz="1600" dirty="0">
-              <a:solidFill>
-                <a:schemeClr val="accent6">
-                  <a:lumMod val="75000"/>
-                </a:schemeClr>
-              </a:solidFill>
-            </a:endParaRPr>
           </a:p>
         </p:txBody>
       </p:sp>
@@ -13193,11 +12657,11 @@
           <a:lstStyle/>
           <a:p>
             <a:r>
-              <a:rPr lang="de-DE" sz="1600" dirty="0" smtClean="0"/>
+              <a:rPr lang="de-DE" sz="1600" dirty="0"/>
               <a:t>datei.txt: </a:t>
             </a:r>
             <a:r>
-              <a:rPr lang="de-DE" sz="1600" dirty="0" smtClean="0">
+              <a:rPr lang="de-DE" sz="1600" dirty="0">
                 <a:solidFill>
                   <a:schemeClr val="accent6">
                     <a:lumMod val="75000"/>
@@ -13206,13 +12670,6 @@
               </a:rPr>
               <a:t>jetzt</a:t>
             </a:r>
-            <a:endParaRPr lang="de-DE" sz="1600" dirty="0">
-              <a:solidFill>
-                <a:schemeClr val="accent6">
-                  <a:lumMod val="75000"/>
-                </a:schemeClr>
-              </a:solidFill>
-            </a:endParaRPr>
           </a:p>
         </p:txBody>
       </p:sp>
@@ -13246,11 +12703,11 @@
           <a:lstStyle/>
           <a:p>
             <a:r>
-              <a:rPr lang="de-DE" sz="1600" dirty="0" smtClean="0"/>
+              <a:rPr lang="de-DE" sz="1600" dirty="0"/>
               <a:t>datei.txt: </a:t>
             </a:r>
             <a:r>
-              <a:rPr lang="de-DE" sz="1600" dirty="0" smtClean="0">
+              <a:rPr lang="de-DE" sz="1600" dirty="0">
                 <a:solidFill>
                   <a:schemeClr val="accent6">
                     <a:lumMod val="75000"/>
@@ -13259,13 +12716,6 @@
               </a:rPr>
               <a:t>zuvor</a:t>
             </a:r>
-            <a:endParaRPr lang="de-DE" sz="1600" dirty="0">
-              <a:solidFill>
-                <a:schemeClr val="accent6">
-                  <a:lumMod val="75000"/>
-                </a:schemeClr>
-              </a:solidFill>
-            </a:endParaRPr>
           </a:p>
         </p:txBody>
       </p:sp>
@@ -13489,7 +12939,7 @@
             <a:lstStyle/>
             <a:p>
               <a:pPr algn="ctr"/>
-              <a:endParaRPr lang="de-DE" dirty="0" smtClean="0">
+              <a:endParaRPr lang="de-DE" dirty="0">
                 <a:solidFill>
                   <a:schemeClr val="tx2">
                     <a:lumMod val="60000"/>
@@ -13547,7 +12997,7 @@
           <a:p>
             <a:pPr algn="ctr"/>
             <a:r>
-              <a:rPr lang="de-DE" sz="1400" dirty="0" err="1" smtClean="0">
+              <a:rPr lang="de-DE" sz="1400" dirty="0" err="1">
                 <a:solidFill>
                   <a:schemeClr val="tx1"/>
                 </a:solidFill>
@@ -13607,18 +13057,13 @@
           <a:p>
             <a:pPr algn="ctr"/>
             <a:r>
-              <a:rPr lang="de-DE" sz="1400" dirty="0" smtClean="0">
+              <a:rPr lang="de-DE" sz="1400" dirty="0">
                 <a:solidFill>
                   <a:schemeClr val="tx1"/>
                 </a:solidFill>
               </a:rPr>
               <a:t>HEAD</a:t>
             </a:r>
-            <a:endParaRPr lang="de-DE" sz="1400" dirty="0">
-              <a:solidFill>
-                <a:schemeClr val="tx1"/>
-              </a:solidFill>
-            </a:endParaRPr>
           </a:p>
         </p:txBody>
       </p:sp>
@@ -13723,11 +13168,11 @@
           <a:lstStyle/>
           <a:p>
             <a:r>
-              <a:rPr lang="de-DE" sz="1600" dirty="0" smtClean="0"/>
+              <a:rPr lang="de-DE" sz="1600" dirty="0"/>
               <a:t>datei.txt: </a:t>
             </a:r>
             <a:r>
-              <a:rPr lang="de-DE" sz="1600" dirty="0" smtClean="0">
+              <a:rPr lang="de-DE" sz="1600" dirty="0">
                 <a:solidFill>
                   <a:schemeClr val="accent6">
                     <a:lumMod val="75000"/>
@@ -13736,13 +13181,6 @@
               </a:rPr>
               <a:t>jetzt</a:t>
             </a:r>
-            <a:endParaRPr lang="de-DE" sz="1600" dirty="0">
-              <a:solidFill>
-                <a:schemeClr val="accent6">
-                  <a:lumMod val="75000"/>
-                </a:schemeClr>
-              </a:solidFill>
-            </a:endParaRPr>
           </a:p>
         </p:txBody>
       </p:sp>
@@ -13776,11 +13214,11 @@
           <a:lstStyle/>
           <a:p>
             <a:r>
-              <a:rPr lang="de-DE" sz="1600" dirty="0" smtClean="0"/>
+              <a:rPr lang="de-DE" sz="1600" dirty="0"/>
               <a:t>datei.txt: </a:t>
             </a:r>
             <a:r>
-              <a:rPr lang="de-DE" sz="1600" dirty="0" smtClean="0">
+              <a:rPr lang="de-DE" sz="1600" dirty="0">
                 <a:solidFill>
                   <a:schemeClr val="accent6">
                     <a:lumMod val="75000"/>
@@ -13789,13 +13227,6 @@
               </a:rPr>
               <a:t>zuvor</a:t>
             </a:r>
-            <a:endParaRPr lang="de-DE" sz="1600" dirty="0">
-              <a:solidFill>
-                <a:schemeClr val="accent6">
-                  <a:lumMod val="75000"/>
-                </a:schemeClr>
-              </a:solidFill>
-            </a:endParaRPr>
           </a:p>
         </p:txBody>
       </p:sp>
@@ -13829,11 +13260,11 @@
           <a:lstStyle/>
           <a:p>
             <a:r>
-              <a:rPr lang="de-DE" sz="1600" dirty="0" smtClean="0"/>
+              <a:rPr lang="de-DE" sz="1600" dirty="0"/>
               <a:t>datei.txt: </a:t>
             </a:r>
             <a:r>
-              <a:rPr lang="de-DE" sz="1600" dirty="0" smtClean="0">
+              <a:rPr lang="de-DE" sz="1600" dirty="0">
                 <a:solidFill>
                   <a:schemeClr val="accent6">
                     <a:lumMod val="75000"/>
@@ -13842,13 +13273,6 @@
               </a:rPr>
               <a:t>jetzt</a:t>
             </a:r>
-            <a:endParaRPr lang="de-DE" sz="1600" dirty="0">
-              <a:solidFill>
-                <a:schemeClr val="accent6">
-                  <a:lumMod val="75000"/>
-                </a:schemeClr>
-              </a:solidFill>
-            </a:endParaRPr>
           </a:p>
         </p:txBody>
       </p:sp>
@@ -13882,11 +13306,11 @@
           <a:lstStyle/>
           <a:p>
             <a:r>
-              <a:rPr lang="de-DE" sz="1600" dirty="0" smtClean="0"/>
+              <a:rPr lang="de-DE" sz="1600" dirty="0"/>
               <a:t>datei.txt: </a:t>
             </a:r>
             <a:r>
-              <a:rPr lang="de-DE" sz="1600" dirty="0" smtClean="0">
+              <a:rPr lang="de-DE" sz="1600" dirty="0">
                 <a:solidFill>
                   <a:schemeClr val="accent6">
                     <a:lumMod val="75000"/>
@@ -13895,13 +13319,6 @@
               </a:rPr>
               <a:t>zuvor</a:t>
             </a:r>
-            <a:endParaRPr lang="de-DE" sz="1600" dirty="0">
-              <a:solidFill>
-                <a:schemeClr val="accent6">
-                  <a:lumMod val="75000"/>
-                </a:schemeClr>
-              </a:solidFill>
-            </a:endParaRPr>
           </a:p>
         </p:txBody>
       </p:sp>
@@ -13972,7 +13389,7 @@
           <a:lstStyle/>
           <a:p>
             <a:r>
-              <a:rPr lang="de-DE" sz="1000" dirty="0" smtClean="0">
+              <a:rPr lang="de-DE" sz="1000" dirty="0">
                 <a:solidFill>
                   <a:srgbClr val="0070C0"/>
                 </a:solidFill>
@@ -14012,7 +13429,7 @@
           <a:lstStyle/>
           <a:p>
             <a:r>
-              <a:rPr lang="de-DE" sz="1000" dirty="0" smtClean="0">
+              <a:rPr lang="de-DE" sz="1000" dirty="0">
                 <a:solidFill>
                   <a:srgbClr val="0070C0"/>
                 </a:solidFill>
@@ -14061,13 +13478,6 @@
               </a:rPr>
               <a:t>38eb946c</a:t>
             </a:r>
-            <a:endParaRPr lang="de-DE" sz="1000" dirty="0">
-              <a:solidFill>
-                <a:srgbClr val="0070C0"/>
-              </a:solidFill>
-              <a:latin typeface="Consolas" panose="020B0609020204030204" pitchFamily="49" charset="0"/>
-              <a:cs typeface="Consolas" panose="020B0609020204030204" pitchFamily="49" charset="0"/>
-            </a:endParaRPr>
           </a:p>
         </p:txBody>
       </p:sp>
@@ -14094,7 +13504,7 @@
           <a:lstStyle/>
           <a:p>
             <a:r>
-              <a:rPr lang="de-DE" sz="1000" dirty="0" smtClean="0">
+              <a:rPr lang="de-DE" sz="1000" dirty="0">
                 <a:solidFill>
                   <a:srgbClr val="0070C0"/>
                 </a:solidFill>
@@ -14121,13 +13531,6 @@
   <p:clrMapOvr>
     <a:masterClrMapping/>
   </p:clrMapOvr>
-  <p:timing>
-    <p:tnLst>
-      <p:par>
-        <p:cTn id="1" dur="indefinite" restart="never" nodeType="tmRoot"/>
-      </p:par>
-    </p:tnLst>
-  </p:timing>
 </p:sld>
 </file>
 
@@ -14204,14 +13607,14 @@
               <a:buChar char="-"/>
             </a:pPr>
             <a:r>
-              <a:rPr lang="de-DE" sz="2200" dirty="0" smtClean="0">
+              <a:rPr lang="de-DE" sz="2200" dirty="0">
                 <a:latin typeface="Consolas" panose="020B0609020204030204" pitchFamily="49" charset="0"/>
                 <a:cs typeface="Consolas" panose="020B0609020204030204" pitchFamily="49" charset="0"/>
               </a:rPr>
               <a:t> echo </a:t>
             </a:r>
             <a:r>
-              <a:rPr lang="de-DE" sz="2200" dirty="0" smtClean="0">
+              <a:rPr lang="de-DE" sz="2200" dirty="0">
                 <a:solidFill>
                   <a:schemeClr val="tx2">
                     <a:lumMod val="60000"/>
@@ -14224,42 +13627,42 @@
               <a:t>„zuvor“</a:t>
             </a:r>
             <a:r>
-              <a:rPr lang="de-DE" sz="2200" dirty="0" smtClean="0">
+              <a:rPr lang="de-DE" sz="2200" dirty="0">
                 <a:latin typeface="Consolas" panose="020B0609020204030204" pitchFamily="49" charset="0"/>
                 <a:cs typeface="Consolas" panose="020B0609020204030204" pitchFamily="49" charset="0"/>
               </a:rPr>
               <a:t> &gt; datei.txt; </a:t>
             </a:r>
             <a:r>
-              <a:rPr lang="de-DE" sz="2200" dirty="0" err="1" smtClean="0">
+              <a:rPr lang="de-DE" sz="2200" dirty="0" err="1">
                 <a:latin typeface="Consolas" panose="020B0609020204030204" pitchFamily="49" charset="0"/>
                 <a:cs typeface="Consolas" panose="020B0609020204030204" pitchFamily="49" charset="0"/>
               </a:rPr>
               <a:t>git</a:t>
             </a:r>
             <a:r>
-              <a:rPr lang="de-DE" sz="2200" dirty="0" smtClean="0">
+              <a:rPr lang="de-DE" sz="2200" dirty="0">
                 <a:latin typeface="Consolas" panose="020B0609020204030204" pitchFamily="49" charset="0"/>
                 <a:cs typeface="Consolas" panose="020B0609020204030204" pitchFamily="49" charset="0"/>
               </a:rPr>
               <a:t> </a:t>
             </a:r>
             <a:r>
-              <a:rPr lang="de-DE" sz="2200" dirty="0" err="1" smtClean="0">
+              <a:rPr lang="de-DE" sz="2200" dirty="0" err="1">
                 <a:latin typeface="Consolas" panose="020B0609020204030204" pitchFamily="49" charset="0"/>
                 <a:cs typeface="Consolas" panose="020B0609020204030204" pitchFamily="49" charset="0"/>
               </a:rPr>
               <a:t>commit</a:t>
             </a:r>
             <a:r>
-              <a:rPr lang="de-DE" sz="2200" dirty="0" smtClean="0">
+              <a:rPr lang="de-DE" sz="2200" dirty="0">
                 <a:latin typeface="Consolas" panose="020B0609020204030204" pitchFamily="49" charset="0"/>
                 <a:cs typeface="Consolas" panose="020B0609020204030204" pitchFamily="49" charset="0"/>
               </a:rPr>
               <a:t> –am </a:t>
             </a:r>
             <a:r>
-              <a:rPr lang="de-DE" sz="2200" dirty="0" smtClean="0">
+              <a:rPr lang="de-DE" sz="2200" dirty="0">
                 <a:solidFill>
                   <a:schemeClr val="tx2">
                     <a:lumMod val="60000"/>
@@ -14285,7 +13688,7 @@
               <a:t> echo </a:t>
             </a:r>
             <a:r>
-              <a:rPr lang="de-DE" sz="2200" dirty="0" smtClean="0">
+              <a:rPr lang="de-DE" sz="2200" dirty="0">
                 <a:solidFill>
                   <a:schemeClr val="tx2">
                     <a:lumMod val="60000"/>
@@ -14298,25 +13701,11 @@
               <a:t>„jetzt“</a:t>
             </a:r>
             <a:r>
-              <a:rPr lang="de-DE" sz="2200" dirty="0" smtClean="0">
-                <a:latin typeface="Consolas" panose="020B0609020204030204" pitchFamily="49" charset="0"/>
-                <a:cs typeface="Consolas" panose="020B0609020204030204" pitchFamily="49" charset="0"/>
-              </a:rPr>
-              <a:t> </a:t>
-            </a:r>
-            <a:r>
               <a:rPr lang="de-DE" sz="2200" dirty="0">
                 <a:latin typeface="Consolas" panose="020B0609020204030204" pitchFamily="49" charset="0"/>
                 <a:cs typeface="Consolas" panose="020B0609020204030204" pitchFamily="49" charset="0"/>
               </a:rPr>
-              <a:t>&gt; </a:t>
-            </a:r>
-            <a:r>
-              <a:rPr lang="de-DE" sz="2200" dirty="0" smtClean="0">
-                <a:latin typeface="Consolas" panose="020B0609020204030204" pitchFamily="49" charset="0"/>
-                <a:cs typeface="Consolas" panose="020B0609020204030204" pitchFamily="49" charset="0"/>
-              </a:rPr>
-              <a:t>datei.txt; </a:t>
+              <a:t> &gt; datei.txt; </a:t>
             </a:r>
             <a:r>
               <a:rPr lang="de-DE" sz="2200" dirty="0" err="1">
@@ -14357,20 +13746,7 @@
                 <a:latin typeface="Consolas" panose="020B0609020204030204" pitchFamily="49" charset="0"/>
                 <a:cs typeface="Consolas" panose="020B0609020204030204" pitchFamily="49" charset="0"/>
               </a:rPr>
-              <a:t>„</a:t>
-            </a:r>
-            <a:r>
-              <a:rPr lang="de-DE" sz="2200" dirty="0" smtClean="0">
-                <a:solidFill>
-                  <a:schemeClr val="tx2">
-                    <a:lumMod val="60000"/>
-                    <a:lumOff val="40000"/>
-                  </a:schemeClr>
-                </a:solidFill>
-                <a:latin typeface="Consolas" panose="020B0609020204030204" pitchFamily="49" charset="0"/>
-                <a:cs typeface="Consolas" panose="020B0609020204030204" pitchFamily="49" charset="0"/>
-              </a:rPr>
-              <a:t>ok“</a:t>
+              <a:t>„ok“</a:t>
             </a:r>
           </a:p>
           <a:p>
@@ -14378,7 +13754,7 @@
               <a:buFont typeface="Symbol" panose="05050102010706020507" pitchFamily="18" charset="2"/>
               <a:buChar char="-"/>
             </a:pPr>
-            <a:endParaRPr lang="de-DE" sz="2200" dirty="0" smtClean="0">
+            <a:endParaRPr lang="de-DE" sz="2200" dirty="0">
               <a:solidFill>
                 <a:schemeClr val="tx2">
                   <a:lumMod val="60000"/>
@@ -14395,28 +13771,28 @@
               <a:buChar char="-"/>
             </a:pPr>
             <a:r>
-              <a:rPr lang="de-DE" sz="2400" dirty="0" smtClean="0">
+              <a:rPr lang="de-DE" sz="2400" dirty="0">
                 <a:latin typeface="Consolas" panose="020B0609020204030204" pitchFamily="49" charset="0"/>
                 <a:cs typeface="Consolas" panose="020B0609020204030204" pitchFamily="49" charset="0"/>
               </a:rPr>
               <a:t> </a:t>
             </a:r>
             <a:r>
-              <a:rPr lang="de-DE" sz="2400" dirty="0" err="1" smtClean="0">
+              <a:rPr lang="de-DE" sz="2400" dirty="0" err="1">
                 <a:latin typeface="Consolas" panose="020B0609020204030204" pitchFamily="49" charset="0"/>
                 <a:cs typeface="Consolas" panose="020B0609020204030204" pitchFamily="49" charset="0"/>
               </a:rPr>
               <a:t>git</a:t>
             </a:r>
             <a:r>
-              <a:rPr lang="de-DE" sz="2400" dirty="0" smtClean="0">
+              <a:rPr lang="de-DE" sz="2400" dirty="0">
                 <a:latin typeface="Consolas" panose="020B0609020204030204" pitchFamily="49" charset="0"/>
                 <a:cs typeface="Consolas" panose="020B0609020204030204" pitchFamily="49" charset="0"/>
               </a:rPr>
               <a:t> </a:t>
             </a:r>
             <a:r>
-              <a:rPr lang="de-DE" sz="2400" dirty="0" err="1" smtClean="0">
+              <a:rPr lang="de-DE" sz="2400" dirty="0" err="1">
                 <a:solidFill>
                   <a:srgbClr val="00B050"/>
                 </a:solidFill>
@@ -14426,7 +13802,7 @@
               <a:t>reset</a:t>
             </a:r>
             <a:r>
-              <a:rPr lang="de-DE" sz="2400" dirty="0" smtClean="0">
+              <a:rPr lang="de-DE" sz="2400" dirty="0">
                 <a:solidFill>
                   <a:srgbClr val="00B050"/>
                 </a:solidFill>
@@ -14436,7 +13812,7 @@
               <a:t> HEAD~ --</a:t>
             </a:r>
             <a:r>
-              <a:rPr lang="de-DE" sz="2400" dirty="0" err="1" smtClean="0">
+              <a:rPr lang="de-DE" sz="2400" dirty="0" err="1">
                 <a:solidFill>
                   <a:srgbClr val="00B050"/>
                 </a:solidFill>
@@ -14445,7 +13821,7 @@
               </a:rPr>
               <a:t>hard</a:t>
             </a:r>
-            <a:endParaRPr lang="de-DE" sz="2400" dirty="0" smtClean="0">
+            <a:endParaRPr lang="de-DE" sz="2400" dirty="0">
               <a:latin typeface="Consolas" panose="020B0609020204030204" pitchFamily="49" charset="0"/>
               <a:cs typeface="Consolas" panose="020B0609020204030204" pitchFamily="49" charset="0"/>
             </a:endParaRPr>
@@ -14455,7 +13831,7 @@
               <a:buNone/>
             </a:pPr>
             <a:r>
-              <a:rPr lang="de-DE" dirty="0" smtClean="0"/>
+              <a:rPr lang="de-DE" dirty="0"/>
               <a:t> </a:t>
             </a:r>
           </a:p>
@@ -14687,7 +14063,7 @@
             <a:lstStyle/>
             <a:p>
               <a:pPr algn="ctr"/>
-              <a:endParaRPr lang="de-DE" dirty="0" smtClean="0">
+              <a:endParaRPr lang="de-DE" dirty="0">
                 <a:solidFill>
                   <a:schemeClr val="tx2">
                     <a:lumMod val="60000"/>
@@ -14745,7 +14121,7 @@
           <a:p>
             <a:pPr algn="ctr"/>
             <a:r>
-              <a:rPr lang="de-DE" sz="1400" dirty="0" err="1" smtClean="0">
+              <a:rPr lang="de-DE" sz="1400" dirty="0" err="1">
                 <a:solidFill>
                   <a:schemeClr val="tx1"/>
                 </a:solidFill>
@@ -14805,18 +14181,13 @@
           <a:p>
             <a:pPr algn="ctr"/>
             <a:r>
-              <a:rPr lang="de-DE" sz="1400" dirty="0" smtClean="0">
+              <a:rPr lang="de-DE" sz="1400" dirty="0">
                 <a:solidFill>
                   <a:schemeClr val="tx1"/>
                 </a:solidFill>
               </a:rPr>
               <a:t>HEAD</a:t>
             </a:r>
-            <a:endParaRPr lang="de-DE" sz="1400" dirty="0">
-              <a:solidFill>
-                <a:schemeClr val="tx1"/>
-              </a:solidFill>
-            </a:endParaRPr>
           </a:p>
         </p:txBody>
       </p:sp>
@@ -14921,11 +14292,11 @@
           <a:lstStyle/>
           <a:p>
             <a:r>
-              <a:rPr lang="de-DE" sz="1600" dirty="0" smtClean="0"/>
+              <a:rPr lang="de-DE" sz="1600" dirty="0"/>
               <a:t>datei.txt: </a:t>
             </a:r>
             <a:r>
-              <a:rPr lang="de-DE" sz="1600" dirty="0" smtClean="0">
+              <a:rPr lang="de-DE" sz="1600" dirty="0">
                 <a:solidFill>
                   <a:schemeClr val="accent6">
                     <a:lumMod val="75000"/>
@@ -14934,13 +14305,6 @@
               </a:rPr>
               <a:t>jetzt</a:t>
             </a:r>
-            <a:endParaRPr lang="de-DE" sz="1600" dirty="0">
-              <a:solidFill>
-                <a:schemeClr val="accent6">
-                  <a:lumMod val="75000"/>
-                </a:schemeClr>
-              </a:solidFill>
-            </a:endParaRPr>
           </a:p>
         </p:txBody>
       </p:sp>
@@ -14974,11 +14338,11 @@
           <a:lstStyle/>
           <a:p>
             <a:r>
-              <a:rPr lang="de-DE" sz="1600" dirty="0" smtClean="0"/>
+              <a:rPr lang="de-DE" sz="1600" dirty="0"/>
               <a:t>datei.txt: </a:t>
             </a:r>
             <a:r>
-              <a:rPr lang="de-DE" sz="1600" dirty="0" smtClean="0">
+              <a:rPr lang="de-DE" sz="1600" dirty="0">
                 <a:solidFill>
                   <a:schemeClr val="accent6">
                     <a:lumMod val="75000"/>
@@ -14987,13 +14351,6 @@
               </a:rPr>
               <a:t>jetzt</a:t>
             </a:r>
-            <a:endParaRPr lang="de-DE" sz="1600" dirty="0">
-              <a:solidFill>
-                <a:schemeClr val="accent6">
-                  <a:lumMod val="75000"/>
-                </a:schemeClr>
-              </a:solidFill>
-            </a:endParaRPr>
           </a:p>
         </p:txBody>
       </p:sp>
@@ -15027,11 +14384,11 @@
           <a:lstStyle/>
           <a:p>
             <a:r>
-              <a:rPr lang="de-DE" sz="1600" dirty="0" smtClean="0"/>
+              <a:rPr lang="de-DE" sz="1600" dirty="0"/>
               <a:t>datei.txt: </a:t>
             </a:r>
             <a:r>
-              <a:rPr lang="de-DE" sz="1600" dirty="0" smtClean="0">
+              <a:rPr lang="de-DE" sz="1600" dirty="0">
                 <a:solidFill>
                   <a:schemeClr val="accent6">
                     <a:lumMod val="75000"/>
@@ -15040,13 +14397,6 @@
               </a:rPr>
               <a:t>jetzt</a:t>
             </a:r>
-            <a:endParaRPr lang="de-DE" sz="1600" dirty="0">
-              <a:solidFill>
-                <a:schemeClr val="accent6">
-                  <a:lumMod val="75000"/>
-                </a:schemeClr>
-              </a:solidFill>
-            </a:endParaRPr>
           </a:p>
         </p:txBody>
       </p:sp>
@@ -15080,11 +14430,11 @@
           <a:lstStyle/>
           <a:p>
             <a:r>
-              <a:rPr lang="de-DE" sz="1600" dirty="0" smtClean="0"/>
+              <a:rPr lang="de-DE" sz="1600" dirty="0"/>
               <a:t>datei.txt: </a:t>
             </a:r>
             <a:r>
-              <a:rPr lang="de-DE" sz="1600" dirty="0" smtClean="0">
+              <a:rPr lang="de-DE" sz="1600" dirty="0">
                 <a:solidFill>
                   <a:schemeClr val="accent6">
                     <a:lumMod val="75000"/>
@@ -15093,13 +14443,6 @@
               </a:rPr>
               <a:t>zuvor</a:t>
             </a:r>
-            <a:endParaRPr lang="de-DE" sz="1600" dirty="0">
-              <a:solidFill>
-                <a:schemeClr val="accent6">
-                  <a:lumMod val="75000"/>
-                </a:schemeClr>
-              </a:solidFill>
-            </a:endParaRPr>
           </a:p>
         </p:txBody>
       </p:sp>
@@ -15323,7 +14666,7 @@
             <a:lstStyle/>
             <a:p>
               <a:pPr algn="ctr"/>
-              <a:endParaRPr lang="de-DE" dirty="0" smtClean="0">
+              <a:endParaRPr lang="de-DE" dirty="0">
                 <a:solidFill>
                   <a:schemeClr val="tx2">
                     <a:lumMod val="60000"/>
@@ -15381,7 +14724,7 @@
           <a:p>
             <a:pPr algn="ctr"/>
             <a:r>
-              <a:rPr lang="de-DE" sz="1400" dirty="0" err="1" smtClean="0">
+              <a:rPr lang="de-DE" sz="1400" dirty="0" err="1">
                 <a:solidFill>
                   <a:schemeClr val="tx1"/>
                 </a:solidFill>
@@ -15441,18 +14784,13 @@
           <a:p>
             <a:pPr algn="ctr"/>
             <a:r>
-              <a:rPr lang="de-DE" sz="1400" dirty="0" smtClean="0">
+              <a:rPr lang="de-DE" sz="1400" dirty="0">
                 <a:solidFill>
                   <a:schemeClr val="tx1"/>
                 </a:solidFill>
               </a:rPr>
               <a:t>HEAD</a:t>
             </a:r>
-            <a:endParaRPr lang="de-DE" sz="1400" dirty="0">
-              <a:solidFill>
-                <a:schemeClr val="tx1"/>
-              </a:solidFill>
-            </a:endParaRPr>
           </a:p>
         </p:txBody>
       </p:sp>
@@ -15557,11 +14895,11 @@
           <a:lstStyle/>
           <a:p>
             <a:r>
-              <a:rPr lang="de-DE" sz="1600" dirty="0" smtClean="0"/>
+              <a:rPr lang="de-DE" sz="1600" dirty="0"/>
               <a:t>datei.txt: </a:t>
             </a:r>
             <a:r>
-              <a:rPr lang="de-DE" sz="1600" dirty="0" smtClean="0">
+              <a:rPr lang="de-DE" sz="1600" dirty="0">
                 <a:solidFill>
                   <a:schemeClr val="accent6">
                     <a:lumMod val="75000"/>
@@ -15570,13 +14908,6 @@
               </a:rPr>
               <a:t>jetzt</a:t>
             </a:r>
-            <a:endParaRPr lang="de-DE" sz="1600" dirty="0">
-              <a:solidFill>
-                <a:schemeClr val="accent6">
-                  <a:lumMod val="75000"/>
-                </a:schemeClr>
-              </a:solidFill>
-            </a:endParaRPr>
           </a:p>
         </p:txBody>
       </p:sp>
@@ -15610,11 +14941,11 @@
           <a:lstStyle/>
           <a:p>
             <a:r>
-              <a:rPr lang="de-DE" sz="1600" dirty="0" smtClean="0"/>
+              <a:rPr lang="de-DE" sz="1600" dirty="0"/>
               <a:t>datei.txt: </a:t>
             </a:r>
             <a:r>
-              <a:rPr lang="de-DE" sz="1600" dirty="0" smtClean="0">
+              <a:rPr lang="de-DE" sz="1600" dirty="0">
                 <a:solidFill>
                   <a:schemeClr val="accent6">
                     <a:lumMod val="75000"/>
@@ -15623,13 +14954,6 @@
               </a:rPr>
               <a:t>zuvor</a:t>
             </a:r>
-            <a:endParaRPr lang="de-DE" sz="1600" dirty="0">
-              <a:solidFill>
-                <a:schemeClr val="accent6">
-                  <a:lumMod val="75000"/>
-                </a:schemeClr>
-              </a:solidFill>
-            </a:endParaRPr>
           </a:p>
         </p:txBody>
       </p:sp>
@@ -15663,11 +14987,11 @@
           <a:lstStyle/>
           <a:p>
             <a:r>
-              <a:rPr lang="de-DE" sz="1600" dirty="0" smtClean="0"/>
+              <a:rPr lang="de-DE" sz="1600" dirty="0"/>
               <a:t>datei.txt: </a:t>
             </a:r>
             <a:r>
-              <a:rPr lang="de-DE" sz="1600" dirty="0" smtClean="0">
+              <a:rPr lang="de-DE" sz="1600" dirty="0">
                 <a:solidFill>
                   <a:schemeClr val="accent6">
                     <a:lumMod val="75000"/>
@@ -15676,13 +15000,6 @@
               </a:rPr>
               <a:t>zuvor</a:t>
             </a:r>
-            <a:endParaRPr lang="de-DE" sz="1600" dirty="0">
-              <a:solidFill>
-                <a:schemeClr val="accent6">
-                  <a:lumMod val="75000"/>
-                </a:schemeClr>
-              </a:solidFill>
-            </a:endParaRPr>
           </a:p>
         </p:txBody>
       </p:sp>
@@ -15716,11 +15033,11 @@
           <a:lstStyle/>
           <a:p>
             <a:r>
-              <a:rPr lang="de-DE" sz="1600" dirty="0" smtClean="0"/>
+              <a:rPr lang="de-DE" sz="1600" dirty="0"/>
               <a:t>datei.txt: </a:t>
             </a:r>
             <a:r>
-              <a:rPr lang="de-DE" sz="1600" dirty="0" smtClean="0">
+              <a:rPr lang="de-DE" sz="1600" dirty="0">
                 <a:solidFill>
                   <a:schemeClr val="accent6">
                     <a:lumMod val="75000"/>
@@ -15729,13 +15046,6 @@
               </a:rPr>
               <a:t>zuvor</a:t>
             </a:r>
-            <a:endParaRPr lang="de-DE" sz="1600" dirty="0">
-              <a:solidFill>
-                <a:schemeClr val="accent6">
-                  <a:lumMod val="75000"/>
-                </a:schemeClr>
-              </a:solidFill>
-            </a:endParaRPr>
           </a:p>
         </p:txBody>
       </p:sp>
@@ -15837,13 +15147,6 @@
   <p:clrMapOvr>
     <a:masterClrMapping/>
   </p:clrMapOvr>
-  <p:timing>
-    <p:tnLst>
-      <p:par>
-        <p:cTn id="1" dur="indefinite" restart="never" nodeType="tmRoot"/>
-      </p:par>
-    </p:tnLst>
-  </p:timing>
 </p:sld>
 </file>
 
@@ -15909,7 +15212,7 @@
           <a:lstStyle/>
           <a:p>
             <a:pPr algn="ctr"/>
-            <a:endParaRPr lang="de-DE" dirty="0" smtClean="0">
+            <a:endParaRPr lang="de-DE" dirty="0">
               <a:solidFill>
                 <a:schemeClr val="tx2">
                   <a:lumMod val="60000"/>
@@ -15950,7 +15253,7 @@
           <a:lstStyle/>
           <a:p>
             <a:r>
-              <a:rPr lang="de-DE" sz="1600" dirty="0" smtClean="0"/>
+              <a:rPr lang="de-DE" sz="1600" dirty="0"/>
               <a:t>datei.txt: </a:t>
             </a:r>
             <a:r>
@@ -15961,25 +15264,8 @@
                   </a:schemeClr>
                 </a:solidFill>
               </a:rPr>
-              <a:t>n</a:t>
-            </a:r>
-            <a:r>
-              <a:rPr lang="de-DE" sz="1600" dirty="0" smtClean="0">
-                <a:solidFill>
-                  <a:schemeClr val="accent6">
-                    <a:lumMod val="75000"/>
-                  </a:schemeClr>
-                </a:solidFill>
-              </a:rPr>
-              <a:t>eu</a:t>
-            </a:r>
-            <a:endParaRPr lang="de-DE" sz="1600" dirty="0">
-              <a:solidFill>
-                <a:schemeClr val="accent6">
-                  <a:lumMod val="75000"/>
-                </a:schemeClr>
-              </a:solidFill>
-            </a:endParaRPr>
+              <a:t>neu</a:t>
+            </a:r>
           </a:p>
         </p:txBody>
       </p:sp>
@@ -16005,7 +15291,7 @@
               <a:t>Verwerfen des letzten </a:t>
             </a:r>
             <a:r>
-              <a:rPr lang="de-DE" sz="3600" dirty="0" err="1" smtClean="0"/>
+              <a:rPr lang="de-DE" sz="3600" dirty="0" err="1"/>
               <a:t>Commits</a:t>
             </a:r>
             <a:endParaRPr lang="de-DE" sz="3600" dirty="0"/>
@@ -16039,21 +15325,21 @@
               <a:buChar char="-"/>
             </a:pPr>
             <a:r>
-              <a:rPr lang="de-DE" sz="2200" dirty="0" smtClean="0">
+              <a:rPr lang="de-DE" sz="2200" dirty="0">
                 <a:latin typeface="Consolas" panose="020B0609020204030204" pitchFamily="49" charset="0"/>
                 <a:cs typeface="Consolas" panose="020B0609020204030204" pitchFamily="49" charset="0"/>
               </a:rPr>
               <a:t> </a:t>
             </a:r>
             <a:r>
-              <a:rPr lang="de-DE" sz="2400" dirty="0" smtClean="0">
+              <a:rPr lang="de-DE" sz="2400" dirty="0">
                 <a:latin typeface="Consolas" panose="020B0609020204030204" pitchFamily="49" charset="0"/>
                 <a:cs typeface="Consolas" panose="020B0609020204030204" pitchFamily="49" charset="0"/>
               </a:rPr>
               <a:t>echo </a:t>
             </a:r>
             <a:r>
-              <a:rPr lang="de-DE" sz="2400" dirty="0" smtClean="0">
+              <a:rPr lang="de-DE" sz="2400" dirty="0">
                 <a:solidFill>
                   <a:schemeClr val="accent6">
                     <a:lumMod val="75000"/>
@@ -16069,14 +15355,7 @@
                 <a:latin typeface="Consolas" panose="020B0609020204030204" pitchFamily="49" charset="0"/>
                 <a:cs typeface="Consolas" panose="020B0609020204030204" pitchFamily="49" charset="0"/>
               </a:rPr>
-              <a:t>&gt; </a:t>
-            </a:r>
-            <a:r>
-              <a:rPr lang="de-DE" sz="2400" dirty="0" smtClean="0">
-                <a:latin typeface="Consolas" panose="020B0609020204030204" pitchFamily="49" charset="0"/>
-                <a:cs typeface="Consolas" panose="020B0609020204030204" pitchFamily="49" charset="0"/>
-              </a:rPr>
-              <a:t>datei.txt </a:t>
+              <a:t>&gt; datei.txt </a:t>
             </a:r>
           </a:p>
           <a:p>
@@ -16092,14 +15371,14 @@
               <a:t> </a:t>
             </a:r>
             <a:r>
-              <a:rPr lang="de-DE" sz="2400" dirty="0" err="1" smtClean="0">
+              <a:rPr lang="de-DE" sz="2400" dirty="0" err="1">
                 <a:latin typeface="Consolas" panose="020B0609020204030204" pitchFamily="49" charset="0"/>
                 <a:cs typeface="Consolas" panose="020B0609020204030204" pitchFamily="49" charset="0"/>
               </a:rPr>
               <a:t>git</a:t>
             </a:r>
             <a:r>
-              <a:rPr lang="de-DE" sz="2400" dirty="0" smtClean="0">
+              <a:rPr lang="de-DE" sz="2400" dirty="0">
                 <a:latin typeface="Consolas" panose="020B0609020204030204" pitchFamily="49" charset="0"/>
                 <a:cs typeface="Consolas" panose="020B0609020204030204" pitchFamily="49" charset="0"/>
               </a:rPr>
@@ -16130,27 +15409,14 @@
                 <a:latin typeface="Consolas" panose="020B0609020204030204" pitchFamily="49" charset="0"/>
                 <a:cs typeface="Consolas" panose="020B0609020204030204" pitchFamily="49" charset="0"/>
               </a:rPr>
-              <a:t>„</a:t>
-            </a:r>
-            <a:r>
-              <a:rPr lang="de-DE" sz="2400" dirty="0" smtClean="0">
-                <a:solidFill>
-                  <a:schemeClr val="tx2">
-                    <a:lumMod val="60000"/>
-                    <a:lumOff val="40000"/>
-                  </a:schemeClr>
-                </a:solidFill>
-                <a:latin typeface="Consolas" panose="020B0609020204030204" pitchFamily="49" charset="0"/>
-                <a:cs typeface="Consolas" panose="020B0609020204030204" pitchFamily="49" charset="0"/>
-              </a:rPr>
-              <a:t>ok“</a:t>
+              <a:t>„ok“</a:t>
             </a:r>
           </a:p>
           <a:p>
             <a:pPr marL="0" indent="0">
               <a:buNone/>
             </a:pPr>
-            <a:endParaRPr lang="de-DE" sz="1050" dirty="0" smtClean="0">
+            <a:endParaRPr lang="de-DE" sz="1050" dirty="0">
               <a:solidFill>
                 <a:schemeClr val="tx2">
                   <a:lumMod val="60000"/>
@@ -16165,7 +15431,7 @@
             <a:pPr marL="0" indent="0">
               <a:buNone/>
             </a:pPr>
-            <a:endParaRPr lang="de-DE" dirty="0" smtClean="0"/>
+            <a:endParaRPr lang="de-DE" dirty="0"/>
           </a:p>
           <a:p>
             <a:pPr marL="0" indent="0">
@@ -16395,7 +15661,7 @@
             <a:lstStyle/>
             <a:p>
               <a:pPr algn="ctr"/>
-              <a:endParaRPr lang="de-DE" dirty="0" smtClean="0">
+              <a:endParaRPr lang="de-DE" dirty="0">
                 <a:solidFill>
                   <a:schemeClr val="tx2">
                     <a:lumMod val="60000"/>
@@ -16453,7 +15719,7 @@
           <a:p>
             <a:pPr algn="ctr"/>
             <a:r>
-              <a:rPr lang="de-DE" sz="1400" dirty="0" err="1" smtClean="0">
+              <a:rPr lang="de-DE" sz="1400" dirty="0" err="1">
                 <a:solidFill>
                   <a:schemeClr val="tx1"/>
                 </a:solidFill>
@@ -16513,18 +15779,13 @@
           <a:p>
             <a:pPr algn="ctr"/>
             <a:r>
-              <a:rPr lang="de-DE" sz="1400" dirty="0" smtClean="0">
+              <a:rPr lang="de-DE" sz="1400" dirty="0">
                 <a:solidFill>
                   <a:schemeClr val="tx1"/>
                 </a:solidFill>
               </a:rPr>
               <a:t>HEAD</a:t>
             </a:r>
-            <a:endParaRPr lang="de-DE" sz="1400" dirty="0">
-              <a:solidFill>
-                <a:schemeClr val="tx1"/>
-              </a:solidFill>
-            </a:endParaRPr>
           </a:p>
         </p:txBody>
       </p:sp>
@@ -16629,11 +15890,11 @@
           <a:lstStyle/>
           <a:p>
             <a:r>
-              <a:rPr lang="de-DE" sz="1600" dirty="0" smtClean="0"/>
+              <a:rPr lang="de-DE" sz="1600" dirty="0"/>
               <a:t>datei.txt: </a:t>
             </a:r>
             <a:r>
-              <a:rPr lang="de-DE" sz="1600" dirty="0" smtClean="0">
+              <a:rPr lang="de-DE" sz="1600" dirty="0">
                 <a:solidFill>
                   <a:schemeClr val="accent6">
                     <a:lumMod val="75000"/>
@@ -16642,13 +15903,6 @@
               </a:rPr>
               <a:t>jetzt</a:t>
             </a:r>
-            <a:endParaRPr lang="de-DE" sz="1600" dirty="0">
-              <a:solidFill>
-                <a:schemeClr val="accent6">
-                  <a:lumMod val="75000"/>
-                </a:schemeClr>
-              </a:solidFill>
-            </a:endParaRPr>
           </a:p>
         </p:txBody>
       </p:sp>
@@ -16682,11 +15936,11 @@
           <a:lstStyle/>
           <a:p>
             <a:r>
-              <a:rPr lang="de-DE" sz="1600" dirty="0" smtClean="0"/>
+              <a:rPr lang="de-DE" sz="1600" dirty="0"/>
               <a:t>datei.txt: </a:t>
             </a:r>
             <a:r>
-              <a:rPr lang="de-DE" sz="1600" dirty="0" smtClean="0">
+              <a:rPr lang="de-DE" sz="1600" dirty="0">
                 <a:solidFill>
                   <a:schemeClr val="accent6">
                     <a:lumMod val="75000"/>
@@ -16695,13 +15949,6 @@
               </a:rPr>
               <a:t>jetzt</a:t>
             </a:r>
-            <a:endParaRPr lang="de-DE" sz="1600" dirty="0">
-              <a:solidFill>
-                <a:schemeClr val="accent6">
-                  <a:lumMod val="75000"/>
-                </a:schemeClr>
-              </a:solidFill>
-            </a:endParaRPr>
           </a:p>
         </p:txBody>
       </p:sp>
@@ -16735,11 +15982,11 @@
           <a:lstStyle/>
           <a:p>
             <a:r>
-              <a:rPr lang="de-DE" sz="1600" dirty="0" smtClean="0"/>
+              <a:rPr lang="de-DE" sz="1600" dirty="0"/>
               <a:t>datei.txt: </a:t>
             </a:r>
             <a:r>
-              <a:rPr lang="de-DE" sz="1600" dirty="0" smtClean="0">
+              <a:rPr lang="de-DE" sz="1600" dirty="0">
                 <a:solidFill>
                   <a:schemeClr val="accent6">
                     <a:lumMod val="75000"/>
@@ -16748,13 +15995,6 @@
               </a:rPr>
               <a:t>jetzt</a:t>
             </a:r>
-            <a:endParaRPr lang="de-DE" sz="1600" dirty="0">
-              <a:solidFill>
-                <a:schemeClr val="accent6">
-                  <a:lumMod val="75000"/>
-                </a:schemeClr>
-              </a:solidFill>
-            </a:endParaRPr>
           </a:p>
         </p:txBody>
       </p:sp>
@@ -16788,11 +16028,11 @@
           <a:lstStyle/>
           <a:p>
             <a:r>
-              <a:rPr lang="de-DE" sz="1600" dirty="0" smtClean="0"/>
+              <a:rPr lang="de-DE" sz="1600" dirty="0"/>
               <a:t>datei.txt: </a:t>
             </a:r>
             <a:r>
-              <a:rPr lang="de-DE" sz="1600" dirty="0" smtClean="0">
+              <a:rPr lang="de-DE" sz="1600" dirty="0">
                 <a:solidFill>
                   <a:schemeClr val="accent6">
                     <a:lumMod val="75000"/>
@@ -16801,13 +16041,6 @@
               </a:rPr>
               <a:t>zuvor</a:t>
             </a:r>
-            <a:endParaRPr lang="de-DE" sz="1600" dirty="0">
-              <a:solidFill>
-                <a:schemeClr val="accent6">
-                  <a:lumMod val="75000"/>
-                </a:schemeClr>
-              </a:solidFill>
-            </a:endParaRPr>
           </a:p>
         </p:txBody>
       </p:sp>
@@ -17030,7 +16263,7 @@
             <a:lstStyle/>
             <a:p>
               <a:pPr algn="ctr"/>
-              <a:endParaRPr lang="de-DE" dirty="0" smtClean="0">
+              <a:endParaRPr lang="de-DE" dirty="0">
                 <a:solidFill>
                   <a:schemeClr val="tx2">
                     <a:lumMod val="60000"/>
@@ -17088,7 +16321,7 @@
           <a:p>
             <a:pPr algn="ctr"/>
             <a:r>
-              <a:rPr lang="de-DE" sz="1400" dirty="0" err="1" smtClean="0">
+              <a:rPr lang="de-DE" sz="1400" dirty="0" err="1">
                 <a:solidFill>
                   <a:schemeClr val="tx1"/>
                 </a:solidFill>
@@ -17148,18 +16381,13 @@
           <a:p>
             <a:pPr algn="ctr"/>
             <a:r>
-              <a:rPr lang="de-DE" sz="1400" dirty="0" smtClean="0">
+              <a:rPr lang="de-DE" sz="1400" dirty="0">
                 <a:solidFill>
                   <a:schemeClr val="tx1"/>
                 </a:solidFill>
               </a:rPr>
               <a:t>HEAD</a:t>
             </a:r>
-            <a:endParaRPr lang="de-DE" sz="1400" dirty="0">
-              <a:solidFill>
-                <a:schemeClr val="tx1"/>
-              </a:solidFill>
-            </a:endParaRPr>
           </a:p>
         </p:txBody>
       </p:sp>
@@ -17264,11 +16492,11 @@
           <a:lstStyle/>
           <a:p>
             <a:r>
-              <a:rPr lang="de-DE" sz="1600" dirty="0" smtClean="0"/>
+              <a:rPr lang="de-DE" sz="1600" dirty="0"/>
               <a:t>datei.txt: </a:t>
             </a:r>
             <a:r>
-              <a:rPr lang="de-DE" sz="1600" dirty="0" smtClean="0">
+              <a:rPr lang="de-DE" sz="1600" dirty="0">
                 <a:solidFill>
                   <a:schemeClr val="accent6">
                     <a:lumMod val="75000"/>
@@ -17277,13 +16505,6 @@
               </a:rPr>
               <a:t>jetzt</a:t>
             </a:r>
-            <a:endParaRPr lang="de-DE" sz="1600" dirty="0">
-              <a:solidFill>
-                <a:schemeClr val="accent6">
-                  <a:lumMod val="75000"/>
-                </a:schemeClr>
-              </a:solidFill>
-            </a:endParaRPr>
           </a:p>
         </p:txBody>
       </p:sp>
@@ -17317,11 +16538,11 @@
           <a:lstStyle/>
           <a:p>
             <a:r>
-              <a:rPr lang="de-DE" sz="1600" dirty="0" smtClean="0"/>
+              <a:rPr lang="de-DE" sz="1600" dirty="0"/>
               <a:t>datei.txt: </a:t>
             </a:r>
             <a:r>
-              <a:rPr lang="de-DE" sz="1600" dirty="0" smtClean="0">
+              <a:rPr lang="de-DE" sz="1600" dirty="0">
                 <a:solidFill>
                   <a:schemeClr val="accent6">
                     <a:lumMod val="75000"/>
@@ -17330,13 +16551,6 @@
               </a:rPr>
               <a:t>neu</a:t>
             </a:r>
-            <a:endParaRPr lang="de-DE" sz="1600" dirty="0">
-              <a:solidFill>
-                <a:schemeClr val="accent6">
-                  <a:lumMod val="75000"/>
-                </a:schemeClr>
-              </a:solidFill>
-            </a:endParaRPr>
           </a:p>
         </p:txBody>
       </p:sp>
@@ -17370,11 +16584,11 @@
           <a:lstStyle/>
           <a:p>
             <a:r>
-              <a:rPr lang="de-DE" sz="1600" dirty="0" smtClean="0"/>
+              <a:rPr lang="de-DE" sz="1600" dirty="0"/>
               <a:t>datei.txt: </a:t>
             </a:r>
             <a:r>
-              <a:rPr lang="de-DE" sz="1600" dirty="0" smtClean="0">
+              <a:rPr lang="de-DE" sz="1600" dirty="0">
                 <a:solidFill>
                   <a:schemeClr val="accent6">
                     <a:lumMod val="75000"/>
@@ -17383,13 +16597,6 @@
               </a:rPr>
               <a:t>neu</a:t>
             </a:r>
-            <a:endParaRPr lang="de-DE" sz="1600" dirty="0">
-              <a:solidFill>
-                <a:schemeClr val="accent6">
-                  <a:lumMod val="75000"/>
-                </a:schemeClr>
-              </a:solidFill>
-            </a:endParaRPr>
           </a:p>
         </p:txBody>
       </p:sp>
@@ -17423,11 +16630,11 @@
           <a:lstStyle/>
           <a:p>
             <a:r>
-              <a:rPr lang="de-DE" sz="1600" dirty="0" smtClean="0"/>
+              <a:rPr lang="de-DE" sz="1600" dirty="0"/>
               <a:t>datei.txt: </a:t>
             </a:r>
             <a:r>
-              <a:rPr lang="de-DE" sz="1600" dirty="0" smtClean="0">
+              <a:rPr lang="de-DE" sz="1600" dirty="0">
                 <a:solidFill>
                   <a:schemeClr val="accent6">
                     <a:lumMod val="75000"/>
@@ -17436,13 +16643,6 @@
               </a:rPr>
               <a:t>zuvor</a:t>
             </a:r>
-            <a:endParaRPr lang="de-DE" sz="1600" dirty="0">
-              <a:solidFill>
-                <a:schemeClr val="accent6">
-                  <a:lumMod val="75000"/>
-                </a:schemeClr>
-              </a:solidFill>
-            </a:endParaRPr>
           </a:p>
         </p:txBody>
       </p:sp>
@@ -17492,13 +16692,6 @@
   <p:clrMapOvr>
     <a:masterClrMapping/>
   </p:clrMapOvr>
-  <p:timing>
-    <p:tnLst>
-      <p:par>
-        <p:cTn id="1" dur="indefinite" restart="never" nodeType="tmRoot"/>
-      </p:par>
-    </p:tnLst>
-  </p:timing>
 </p:sld>
 </file>
 
@@ -17535,10 +16728,9 @@
           <a:lstStyle/>
           <a:p>
             <a:r>
-              <a:rPr lang="de-DE" dirty="0" smtClean="0"/>
+              <a:rPr lang="de-DE" dirty="0"/>
               <a:t>Grundlagen</a:t>
             </a:r>
-            <a:endParaRPr lang="de-DE" dirty="0"/>
           </a:p>
         </p:txBody>
       </p:sp>
@@ -17574,140 +16766,6 @@
               <a:schemeClr val="accent2">
                 <a:lumMod val="20000"/>
                 <a:lumOff val="80000"/>
-              </a:schemeClr>
-            </a:solidFill>
-            <a:ln>
-              <a:noFill/>
-            </a:ln>
-          </p:spPr>
-          <p:style>
-            <a:lnRef idx="2">
-              <a:schemeClr val="accent1">
-                <a:shade val="50000"/>
-              </a:schemeClr>
-            </a:lnRef>
-            <a:fillRef idx="1">
-              <a:schemeClr val="accent1"/>
-            </a:fillRef>
-            <a:effectRef idx="0">
-              <a:schemeClr val="accent1"/>
-            </a:effectRef>
-            <a:fontRef idx="minor">
-              <a:schemeClr val="lt1"/>
-            </a:fontRef>
-          </p:style>
-          <p:txBody>
-            <a:bodyPr rtlCol="0" anchor="ctr"/>
-            <a:lstStyle/>
-            <a:p>
-              <a:pPr algn="ctr"/>
-              <a:r>
-                <a:rPr lang="de-DE" dirty="0" smtClean="0">
-                  <a:solidFill>
-                    <a:schemeClr val="tx2">
-                      <a:lumMod val="60000"/>
-                      <a:lumOff val="40000"/>
-                    </a:schemeClr>
-                  </a:solidFill>
-                </a:rPr>
-                <a:t>Working Directory</a:t>
-              </a:r>
-              <a:endParaRPr lang="de-DE" dirty="0">
-                <a:solidFill>
-                  <a:schemeClr val="tx2">
-                    <a:lumMod val="60000"/>
-                    <a:lumOff val="40000"/>
-                  </a:schemeClr>
-                </a:solidFill>
-              </a:endParaRPr>
-            </a:p>
-          </p:txBody>
-        </p:sp>
-        <p:sp>
-          <p:nvSpPr>
-            <p:cNvPr id="6" name="Rechteck 5"/>
-            <p:cNvSpPr/>
-            <p:nvPr/>
-          </p:nvSpPr>
-          <p:spPr>
-            <a:xfrm>
-              <a:off x="5758849" y="4689140"/>
-              <a:ext cx="2664296" cy="504056"/>
-            </a:xfrm>
-            <a:prstGeom prst="rect">
-              <a:avLst/>
-            </a:prstGeom>
-            <a:solidFill>
-              <a:schemeClr val="accent4">
-                <a:lumMod val="40000"/>
-                <a:lumOff val="60000"/>
-              </a:schemeClr>
-            </a:solidFill>
-            <a:ln>
-              <a:noFill/>
-            </a:ln>
-          </p:spPr>
-          <p:style>
-            <a:lnRef idx="2">
-              <a:schemeClr val="accent1">
-                <a:shade val="50000"/>
-              </a:schemeClr>
-            </a:lnRef>
-            <a:fillRef idx="1">
-              <a:schemeClr val="accent1"/>
-            </a:fillRef>
-            <a:effectRef idx="0">
-              <a:schemeClr val="accent1"/>
-            </a:effectRef>
-            <a:fontRef idx="minor">
-              <a:schemeClr val="lt1"/>
-            </a:fontRef>
-          </p:style>
-          <p:txBody>
-            <a:bodyPr rtlCol="0" anchor="ctr"/>
-            <a:lstStyle/>
-            <a:p>
-              <a:pPr algn="ctr"/>
-              <a:r>
-                <a:rPr lang="de-DE" dirty="0" smtClean="0">
-                  <a:solidFill>
-                    <a:schemeClr val="tx2">
-                      <a:lumMod val="60000"/>
-                      <a:lumOff val="40000"/>
-                    </a:schemeClr>
-                  </a:solidFill>
-                </a:rPr>
-                <a:t>Stage / Index</a:t>
-              </a:r>
-              <a:endParaRPr lang="de-DE" dirty="0">
-                <a:solidFill>
-                  <a:schemeClr val="tx2">
-                    <a:lumMod val="60000"/>
-                    <a:lumOff val="40000"/>
-                  </a:schemeClr>
-                </a:solidFill>
-              </a:endParaRPr>
-            </a:p>
-          </p:txBody>
-        </p:sp>
-        <p:sp>
-          <p:nvSpPr>
-            <p:cNvPr id="7" name="Rechteck 6"/>
-            <p:cNvSpPr/>
-            <p:nvPr/>
-          </p:nvSpPr>
-          <p:spPr>
-            <a:xfrm>
-              <a:off x="5848902" y="4037412"/>
-              <a:ext cx="757367" cy="504056"/>
-            </a:xfrm>
-            <a:prstGeom prst="rect">
-              <a:avLst/>
-            </a:prstGeom>
-            <a:solidFill>
-              <a:schemeClr val="accent3">
-                <a:lumMod val="40000"/>
-                <a:lumOff val="60000"/>
               </a:schemeClr>
             </a:solidFill>
             <a:ln>
@@ -17744,10 +16802,58 @@
                     </a:schemeClr>
                   </a:solidFill>
                 </a:rPr>
-                <a:t>a</a:t>
+                <a:t>Working Directory</a:t>
               </a:r>
+            </a:p>
+          </p:txBody>
+        </p:sp>
+        <p:sp>
+          <p:nvSpPr>
+            <p:cNvPr id="6" name="Rechteck 5"/>
+            <p:cNvSpPr/>
+            <p:nvPr/>
+          </p:nvSpPr>
+          <p:spPr>
+            <a:xfrm>
+              <a:off x="5758849" y="4689140"/>
+              <a:ext cx="2664296" cy="504056"/>
+            </a:xfrm>
+            <a:prstGeom prst="rect">
+              <a:avLst/>
+            </a:prstGeom>
+            <a:solidFill>
+              <a:schemeClr val="accent4">
+                <a:lumMod val="40000"/>
+                <a:lumOff val="60000"/>
+              </a:schemeClr>
+            </a:solidFill>
+            <a:ln>
+              <a:noFill/>
+            </a:ln>
+          </p:spPr>
+          <p:style>
+            <a:lnRef idx="2">
+              <a:schemeClr val="accent1">
+                <a:shade val="50000"/>
+              </a:schemeClr>
+            </a:lnRef>
+            <a:fillRef idx="1">
+              <a:schemeClr val="accent1"/>
+            </a:fillRef>
+            <a:effectRef idx="0">
+              <a:schemeClr val="accent1"/>
+            </a:effectRef>
+            <a:fontRef idx="minor">
+              <a:schemeClr val="lt1"/>
+            </a:fontRef>
+          </p:style>
+          <p:txBody>
+            <a:bodyPr rtlCol="0" anchor="ctr"/>
+            <a:lstStyle/>
+            <a:p>
+              <a:pPr algn="ctr"/>
               <a:r>
-                <a:rPr lang="de-DE" dirty="0" smtClean="0">
+                <a:rPr lang="de-DE" dirty="0">
                   <a:solidFill>
                     <a:schemeClr val="tx2">
                       <a:lumMod val="60000"/>
@@ -17755,16 +16861,67 @@
                     </a:schemeClr>
                   </a:solidFill>
                 </a:rPr>
-                <a:t>47c3</a:t>
+                <a:t>Stage / Index</a:t>
               </a:r>
-              <a:endParaRPr lang="de-DE" dirty="0">
-                <a:solidFill>
-                  <a:schemeClr val="tx2">
-                    <a:lumMod val="60000"/>
-                    <a:lumOff val="40000"/>
-                  </a:schemeClr>
-                </a:solidFill>
-              </a:endParaRPr>
+            </a:p>
+          </p:txBody>
+        </p:sp>
+        <p:sp>
+          <p:nvSpPr>
+            <p:cNvPr id="7" name="Rechteck 6"/>
+            <p:cNvSpPr/>
+            <p:nvPr/>
+          </p:nvSpPr>
+          <p:spPr>
+            <a:xfrm>
+              <a:off x="5848902" y="4037412"/>
+              <a:ext cx="757367" cy="504056"/>
+            </a:xfrm>
+            <a:prstGeom prst="rect">
+              <a:avLst/>
+            </a:prstGeom>
+            <a:solidFill>
+              <a:schemeClr val="accent3">
+                <a:lumMod val="40000"/>
+                <a:lumOff val="60000"/>
+              </a:schemeClr>
+            </a:solidFill>
+            <a:ln>
+              <a:noFill/>
+            </a:ln>
+          </p:spPr>
+          <p:style>
+            <a:lnRef idx="2">
+              <a:schemeClr val="accent1">
+                <a:shade val="50000"/>
+              </a:schemeClr>
+            </a:lnRef>
+            <a:fillRef idx="1">
+              <a:schemeClr val="accent1"/>
+            </a:fillRef>
+            <a:effectRef idx="0">
+              <a:schemeClr val="accent1"/>
+            </a:effectRef>
+            <a:fontRef idx="minor">
+              <a:schemeClr val="lt1"/>
+            </a:fontRef>
+          </p:style>
+          <p:txBody>
+            <a:bodyPr rtlCol="0" anchor="ctr"/>
+            <a:lstStyle/>
+            <a:p>
+              <a:pPr algn="ctr"/>
+              <a:r>
+                <a:rPr lang="de-DE" dirty="0">
+                  <a:solidFill>
+                    <a:schemeClr val="tx2">
+                      <a:lumMod val="60000"/>
+                      <a:lumOff val="40000"/>
+                    </a:schemeClr>
+                  </a:solidFill>
+                </a:rPr>
+                <a:t>a47c3</a:t>
+              </a:r>
             </a:p>
           </p:txBody>
         </p:sp>
@@ -17814,7 +16971,7 @@
             <a:p>
               <a:pPr algn="ctr"/>
               <a:r>
-                <a:rPr lang="de-DE" dirty="0" smtClean="0">
+                <a:rPr lang="de-DE" dirty="0">
                   <a:solidFill>
                     <a:schemeClr val="tx2">
                       <a:lumMod val="60000"/>
@@ -17824,14 +16981,6 @@
                 </a:rPr>
                 <a:t>b325c</a:t>
               </a:r>
-              <a:endParaRPr lang="de-DE" dirty="0">
-                <a:solidFill>
-                  <a:schemeClr val="tx2">
-                    <a:lumMod val="60000"/>
-                    <a:lumOff val="40000"/>
-                  </a:schemeClr>
-                </a:solidFill>
-              </a:endParaRPr>
             </a:p>
           </p:txBody>
         </p:sp>
@@ -17881,7 +17030,7 @@
             <a:p>
               <a:pPr algn="ctr"/>
               <a:r>
-                <a:rPr lang="de-DE" dirty="0" smtClean="0">
+                <a:rPr lang="de-DE" dirty="0">
                   <a:solidFill>
                     <a:schemeClr val="tx2">
                       <a:lumMod val="60000"/>
@@ -18003,7 +17152,7 @@
           <a:lstStyle/>
           <a:p>
             <a:r>
-              <a:rPr lang="de-DE" dirty="0" err="1" smtClean="0"/>
+              <a:rPr lang="de-DE" dirty="0" err="1"/>
               <a:t>History</a:t>
             </a:r>
             <a:endParaRPr lang="de-DE" dirty="0"/>
@@ -18102,22 +17251,21 @@
           <a:lstStyle/>
           <a:p>
             <a:r>
-              <a:rPr lang="de-DE" dirty="0" err="1" smtClean="0"/>
+              <a:rPr lang="de-DE" dirty="0" err="1"/>
               <a:t>checkout</a:t>
             </a:r>
             <a:r>
-              <a:rPr lang="de-DE" dirty="0" smtClean="0"/>
+              <a:rPr lang="de-DE" dirty="0"/>
               <a:t>  &lt;</a:t>
             </a:r>
             <a:r>
-              <a:rPr lang="de-DE" dirty="0" err="1" smtClean="0"/>
+              <a:rPr lang="de-DE" dirty="0" err="1"/>
               <a:t>filename</a:t>
             </a:r>
             <a:r>
-              <a:rPr lang="de-DE" dirty="0" smtClean="0"/>
+              <a:rPr lang="de-DE" dirty="0"/>
               <a:t>&gt;</a:t>
             </a:r>
-            <a:endParaRPr lang="de-DE" dirty="0"/>
           </a:p>
         </p:txBody>
       </p:sp>
@@ -18188,7 +17336,7 @@
           <a:lstStyle/>
           <a:p>
             <a:r>
-              <a:rPr lang="de-DE" dirty="0" err="1" smtClean="0"/>
+              <a:rPr lang="de-DE" dirty="0" err="1"/>
               <a:t>reset</a:t>
             </a:r>
             <a:endParaRPr lang="de-DE" dirty="0"/>
@@ -18306,7 +17454,7 @@
           <a:lstStyle/>
           <a:p>
             <a:r>
-              <a:rPr lang="de-DE" dirty="0" err="1" smtClean="0"/>
+              <a:rPr lang="de-DE" dirty="0" err="1"/>
               <a:t>commit</a:t>
             </a:r>
             <a:endParaRPr lang="de-DE" dirty="0"/>
@@ -18336,7 +17484,7 @@
           <a:lstStyle/>
           <a:p>
             <a:r>
-              <a:rPr lang="de-DE" dirty="0" err="1" smtClean="0"/>
+              <a:rPr lang="de-DE" dirty="0" err="1"/>
               <a:t>add</a:t>
             </a:r>
             <a:endParaRPr lang="de-DE" dirty="0"/>
@@ -18389,7 +17537,7 @@
           <a:p>
             <a:pPr algn="ctr"/>
             <a:r>
-              <a:rPr lang="de-DE" sz="2000" dirty="0" err="1" smtClean="0">
+              <a:rPr lang="de-DE" sz="2000" dirty="0" err="1">
                 <a:solidFill>
                   <a:schemeClr val="tx1"/>
                 </a:solidFill>
@@ -18449,18 +17597,13 @@
           <a:p>
             <a:pPr algn="ctr"/>
             <a:r>
-              <a:rPr lang="de-DE" sz="2000" dirty="0" smtClean="0">
+              <a:rPr lang="de-DE" sz="2000" dirty="0">
                 <a:solidFill>
                   <a:schemeClr val="tx1"/>
                 </a:solidFill>
               </a:rPr>
               <a:t>HEAD</a:t>
             </a:r>
-            <a:endParaRPr lang="de-DE" sz="2000" dirty="0">
-              <a:solidFill>
-                <a:schemeClr val="tx1"/>
-              </a:solidFill>
-            </a:endParaRPr>
           </a:p>
         </p:txBody>
       </p:sp>
@@ -18509,13 +17652,6 @@
   <p:clrMapOvr>
     <a:masterClrMapping/>
   </p:clrMapOvr>
-  <p:timing>
-    <p:tnLst>
-      <p:par>
-        <p:cTn id="1" dur="indefinite" restart="never" nodeType="tmRoot"/>
-      </p:par>
-    </p:tnLst>
-  </p:timing>
 </p:sld>
 </file>
 
@@ -18554,14 +17690,14 @@
           <a:lstStyle/>
           <a:p>
             <a:r>
-              <a:rPr lang="de-DE" sz="3200" dirty="0" smtClean="0"/>
+              <a:rPr lang="de-DE" sz="3600" dirty="0"/>
               <a:t>Kompensieren des letzten </a:t>
             </a:r>
             <a:r>
-              <a:rPr lang="de-DE" sz="3200" dirty="0" err="1" smtClean="0"/>
+              <a:rPr lang="de-DE" sz="3600" dirty="0" err="1"/>
               <a:t>Commits</a:t>
             </a:r>
-            <a:endParaRPr lang="de-DE" sz="3200" dirty="0"/>
+            <a:endParaRPr lang="de-DE" sz="3600" dirty="0"/>
           </a:p>
         </p:txBody>
       </p:sp>
@@ -18592,14 +17728,14 @@
               <a:buChar char="-"/>
             </a:pPr>
             <a:r>
-              <a:rPr lang="de-DE" sz="2400" dirty="0" smtClean="0">
+              <a:rPr lang="de-DE" sz="2400" dirty="0">
                 <a:latin typeface="Consolas" panose="020B0609020204030204" pitchFamily="49" charset="0"/>
                 <a:cs typeface="Consolas" panose="020B0609020204030204" pitchFamily="49" charset="0"/>
               </a:rPr>
               <a:t> echo </a:t>
             </a:r>
             <a:r>
-              <a:rPr lang="de-DE" sz="2400" dirty="0" smtClean="0">
+              <a:rPr lang="de-DE" sz="2400" dirty="0">
                 <a:solidFill>
                   <a:schemeClr val="accent6">
                     <a:lumMod val="75000"/>
@@ -18611,7 +17747,7 @@
               <a:t>„Falscher Inhalt“</a:t>
             </a:r>
             <a:r>
-              <a:rPr lang="de-DE" sz="2400" dirty="0" smtClean="0">
+              <a:rPr lang="de-DE" sz="2400" dirty="0">
                 <a:latin typeface="Consolas" panose="020B0609020204030204" pitchFamily="49" charset="0"/>
                 <a:cs typeface="Consolas" panose="020B0609020204030204" pitchFamily="49" charset="0"/>
               </a:rPr>
@@ -18624,35 +17760,35 @@
               <a:buChar char="-"/>
             </a:pPr>
             <a:r>
-              <a:rPr lang="de-DE" sz="2400" dirty="0" smtClean="0">
+              <a:rPr lang="de-DE" sz="2400" dirty="0">
                 <a:latin typeface="Consolas" panose="020B0609020204030204" pitchFamily="49" charset="0"/>
                 <a:cs typeface="Consolas" panose="020B0609020204030204" pitchFamily="49" charset="0"/>
               </a:rPr>
               <a:t> </a:t>
             </a:r>
             <a:r>
-              <a:rPr lang="de-DE" sz="2400" dirty="0" err="1" smtClean="0">
+              <a:rPr lang="de-DE" sz="2400" dirty="0" err="1">
                 <a:latin typeface="Consolas" panose="020B0609020204030204" pitchFamily="49" charset="0"/>
                 <a:cs typeface="Consolas" panose="020B0609020204030204" pitchFamily="49" charset="0"/>
               </a:rPr>
               <a:t>git</a:t>
             </a:r>
             <a:r>
-              <a:rPr lang="de-DE" sz="2400" dirty="0" smtClean="0">
+              <a:rPr lang="de-DE" sz="2400" dirty="0">
                 <a:latin typeface="Consolas" panose="020B0609020204030204" pitchFamily="49" charset="0"/>
                 <a:cs typeface="Consolas" panose="020B0609020204030204" pitchFamily="49" charset="0"/>
               </a:rPr>
               <a:t> </a:t>
             </a:r>
             <a:r>
-              <a:rPr lang="de-DE" sz="2400" dirty="0" err="1" smtClean="0">
+              <a:rPr lang="de-DE" sz="2400" dirty="0" err="1">
                 <a:latin typeface="Consolas" panose="020B0609020204030204" pitchFamily="49" charset="0"/>
                 <a:cs typeface="Consolas" panose="020B0609020204030204" pitchFamily="49" charset="0"/>
               </a:rPr>
               <a:t>commit</a:t>
             </a:r>
             <a:r>
-              <a:rPr lang="de-DE" sz="2400" dirty="0" smtClean="0">
+              <a:rPr lang="de-DE" sz="2400" dirty="0">
                 <a:latin typeface="Consolas" panose="020B0609020204030204" pitchFamily="49" charset="0"/>
                 <a:cs typeface="Consolas" panose="020B0609020204030204" pitchFamily="49" charset="0"/>
               </a:rPr>
@@ -18671,16 +17807,6 @@
               </a:rPr>
               <a:t>„oh“</a:t>
             </a:r>
-            <a:endParaRPr lang="de-DE" sz="2400" dirty="0">
-              <a:solidFill>
-                <a:schemeClr val="tx2">
-                  <a:lumMod val="60000"/>
-                  <a:lumOff val="40000"/>
-                </a:schemeClr>
-              </a:solidFill>
-              <a:latin typeface="Consolas" panose="020B0609020204030204" pitchFamily="49" charset="0"/>
-              <a:cs typeface="Consolas" panose="020B0609020204030204" pitchFamily="49" charset="0"/>
-            </a:endParaRPr>
           </a:p>
           <a:p>
             <a:pPr>
@@ -18697,7 +17823,7 @@
               <a:buNone/>
             </a:pPr>
             <a:r>
-              <a:rPr lang="de-DE" dirty="0" smtClean="0"/>
+              <a:rPr lang="de-DE" dirty="0"/>
               <a:t> </a:t>
             </a:r>
           </a:p>
@@ -18860,7 +17986,7 @@
           <a:lstStyle/>
           <a:p>
             <a:pPr algn="ctr"/>
-            <a:endParaRPr lang="de-DE" dirty="0" smtClean="0">
+            <a:endParaRPr lang="de-DE" dirty="0">
               <a:solidFill>
                 <a:schemeClr val="tx2">
                   <a:lumMod val="60000"/>
@@ -18917,7 +18043,7 @@
           <a:p>
             <a:pPr algn="ctr"/>
             <a:r>
-              <a:rPr lang="de-DE" sz="1400" dirty="0" err="1" smtClean="0">
+              <a:rPr lang="de-DE" sz="1400" dirty="0" err="1">
                 <a:solidFill>
                   <a:schemeClr val="tx1"/>
                 </a:solidFill>
@@ -18977,18 +18103,13 @@
           <a:p>
             <a:pPr algn="ctr"/>
             <a:r>
-              <a:rPr lang="de-DE" sz="1400" dirty="0" smtClean="0">
+              <a:rPr lang="de-DE" sz="1400" dirty="0">
                 <a:solidFill>
                   <a:schemeClr val="tx1"/>
                 </a:solidFill>
               </a:rPr>
               <a:t>HEAD</a:t>
             </a:r>
-            <a:endParaRPr lang="de-DE" sz="1400" dirty="0">
-              <a:solidFill>
-                <a:schemeClr val="tx1"/>
-              </a:solidFill>
-            </a:endParaRPr>
           </a:p>
         </p:txBody>
       </p:sp>
@@ -19092,11 +18213,11 @@
           <a:lstStyle/>
           <a:p>
             <a:r>
-              <a:rPr lang="de-DE" sz="1600" dirty="0" smtClean="0"/>
+              <a:rPr lang="de-DE" sz="1600" dirty="0"/>
               <a:t>datei.txt: </a:t>
             </a:r>
             <a:r>
-              <a:rPr lang="de-DE" sz="1600" dirty="0" smtClean="0">
+              <a:rPr lang="de-DE" sz="1600" dirty="0">
                 <a:solidFill>
                   <a:schemeClr val="accent6">
                     <a:lumMod val="75000"/>
@@ -19105,13 +18226,6 @@
               </a:rPr>
               <a:t>Falscher Inhalt</a:t>
             </a:r>
-            <a:endParaRPr lang="de-DE" sz="1600" dirty="0">
-              <a:solidFill>
-                <a:schemeClr val="accent6">
-                  <a:lumMod val="75000"/>
-                </a:schemeClr>
-              </a:solidFill>
-            </a:endParaRPr>
           </a:p>
         </p:txBody>
       </p:sp>
@@ -19145,11 +18259,11 @@
           <a:lstStyle/>
           <a:p>
             <a:r>
-              <a:rPr lang="de-DE" sz="1600" dirty="0" smtClean="0"/>
+              <a:rPr lang="de-DE" sz="1600" dirty="0"/>
               <a:t>datei.txt: </a:t>
             </a:r>
             <a:r>
-              <a:rPr lang="de-DE" sz="1600" dirty="0" smtClean="0">
+              <a:rPr lang="de-DE" sz="1600" dirty="0">
                 <a:solidFill>
                   <a:schemeClr val="accent6">
                     <a:lumMod val="75000"/>
@@ -19158,13 +18272,6 @@
               </a:rPr>
               <a:t>Falscher Inhalt</a:t>
             </a:r>
-            <a:endParaRPr lang="de-DE" sz="1600" dirty="0">
-              <a:solidFill>
-                <a:schemeClr val="accent6">
-                  <a:lumMod val="75000"/>
-                </a:schemeClr>
-              </a:solidFill>
-            </a:endParaRPr>
           </a:p>
         </p:txBody>
       </p:sp>
@@ -19198,11 +18305,11 @@
           <a:lstStyle/>
           <a:p>
             <a:r>
-              <a:rPr lang="de-DE" sz="1600" dirty="0" smtClean="0"/>
+              <a:rPr lang="de-DE" sz="1600" dirty="0"/>
               <a:t>datei.txt: </a:t>
             </a:r>
             <a:r>
-              <a:rPr lang="de-DE" sz="1600" dirty="0" smtClean="0">
+              <a:rPr lang="de-DE" sz="1600" dirty="0">
                 <a:solidFill>
                   <a:schemeClr val="accent6">
                     <a:lumMod val="75000"/>
@@ -19211,13 +18318,6 @@
               </a:rPr>
               <a:t>Falscher Inhalt</a:t>
             </a:r>
-            <a:endParaRPr lang="de-DE" sz="1600" dirty="0">
-              <a:solidFill>
-                <a:schemeClr val="accent6">
-                  <a:lumMod val="75000"/>
-                </a:schemeClr>
-              </a:solidFill>
-            </a:endParaRPr>
           </a:p>
         </p:txBody>
       </p:sp>
@@ -19300,11 +18400,11 @@
           <a:lstStyle/>
           <a:p>
             <a:r>
-              <a:rPr lang="de-DE" sz="1600" dirty="0" smtClean="0"/>
+              <a:rPr lang="de-DE" sz="1600" dirty="0"/>
               <a:t>datei.txt: </a:t>
             </a:r>
             <a:r>
-              <a:rPr lang="de-DE" sz="1600" dirty="0" smtClean="0">
+              <a:rPr lang="de-DE" sz="1600" dirty="0">
                 <a:solidFill>
                   <a:schemeClr val="accent6">
                     <a:lumMod val="75000"/>
@@ -19313,13 +18413,6 @@
               </a:rPr>
               <a:t>Guter Inhalt</a:t>
             </a:r>
-            <a:endParaRPr lang="de-DE" sz="1600" dirty="0">
-              <a:solidFill>
-                <a:schemeClr val="accent6">
-                  <a:lumMod val="75000"/>
-                </a:schemeClr>
-              </a:solidFill>
-            </a:endParaRPr>
           </a:p>
         </p:txBody>
       </p:sp>
@@ -19333,13 +18426,6 @@
   <p:clrMapOvr>
     <a:masterClrMapping/>
   </p:clrMapOvr>
-  <p:timing>
-    <p:tnLst>
-      <p:par>
-        <p:cTn id="1" dur="indefinite" restart="never" nodeType="tmRoot"/>
-      </p:par>
-    </p:tnLst>
-  </p:timing>
 </p:sld>
 </file>
 
@@ -19378,14 +18464,14 @@
           <a:lstStyle/>
           <a:p>
             <a:r>
-              <a:rPr lang="de-DE" sz="3200" dirty="0"/>
+              <a:rPr lang="de-DE" sz="3600" dirty="0"/>
               <a:t>Kompensieren des letzten </a:t>
             </a:r>
             <a:r>
-              <a:rPr lang="de-DE" sz="3200" dirty="0" err="1"/>
+              <a:rPr lang="de-DE" sz="3600" dirty="0" err="1"/>
               <a:t>Commits</a:t>
             </a:r>
-            <a:endParaRPr lang="de-DE" sz="3200" dirty="0"/>
+            <a:endParaRPr lang="de-DE" sz="3600" dirty="0"/>
           </a:p>
         </p:txBody>
       </p:sp>
@@ -19416,14 +18502,14 @@
               <a:buChar char="-"/>
             </a:pPr>
             <a:r>
-              <a:rPr lang="de-DE" sz="2400" dirty="0" smtClean="0">
+              <a:rPr lang="de-DE" sz="2400" dirty="0">
                 <a:latin typeface="Consolas" panose="020B0609020204030204" pitchFamily="49" charset="0"/>
                 <a:cs typeface="Consolas" panose="020B0609020204030204" pitchFamily="49" charset="0"/>
               </a:rPr>
               <a:t> echo </a:t>
             </a:r>
             <a:r>
-              <a:rPr lang="de-DE" sz="2400" dirty="0" smtClean="0">
+              <a:rPr lang="de-DE" sz="2400" dirty="0">
                 <a:solidFill>
                   <a:schemeClr val="accent6">
                     <a:lumMod val="75000"/>
@@ -19435,7 +18521,7 @@
               <a:t>„Falscher Inhalt“ </a:t>
             </a:r>
             <a:r>
-              <a:rPr lang="de-DE" sz="2400" dirty="0" smtClean="0">
+              <a:rPr lang="de-DE" sz="2400" dirty="0">
                 <a:latin typeface="Consolas" panose="020B0609020204030204" pitchFamily="49" charset="0"/>
                 <a:cs typeface="Consolas" panose="020B0609020204030204" pitchFamily="49" charset="0"/>
               </a:rPr>
@@ -19448,35 +18534,35 @@
               <a:buChar char="-"/>
             </a:pPr>
             <a:r>
-              <a:rPr lang="de-DE" sz="2400" dirty="0" smtClean="0">
+              <a:rPr lang="de-DE" sz="2400" dirty="0">
                 <a:latin typeface="Consolas" panose="020B0609020204030204" pitchFamily="49" charset="0"/>
                 <a:cs typeface="Consolas" panose="020B0609020204030204" pitchFamily="49" charset="0"/>
               </a:rPr>
               <a:t> </a:t>
             </a:r>
             <a:r>
-              <a:rPr lang="de-DE" sz="2400" dirty="0" err="1" smtClean="0">
+              <a:rPr lang="de-DE" sz="2400" dirty="0" err="1">
                 <a:latin typeface="Consolas" panose="020B0609020204030204" pitchFamily="49" charset="0"/>
                 <a:cs typeface="Consolas" panose="020B0609020204030204" pitchFamily="49" charset="0"/>
               </a:rPr>
               <a:t>git</a:t>
             </a:r>
             <a:r>
-              <a:rPr lang="de-DE" sz="2400" dirty="0" smtClean="0">
+              <a:rPr lang="de-DE" sz="2400" dirty="0">
                 <a:latin typeface="Consolas" panose="020B0609020204030204" pitchFamily="49" charset="0"/>
                 <a:cs typeface="Consolas" panose="020B0609020204030204" pitchFamily="49" charset="0"/>
               </a:rPr>
               <a:t> </a:t>
             </a:r>
             <a:r>
-              <a:rPr lang="de-DE" sz="2400" dirty="0" err="1" smtClean="0">
+              <a:rPr lang="de-DE" sz="2400" dirty="0" err="1">
                 <a:latin typeface="Consolas" panose="020B0609020204030204" pitchFamily="49" charset="0"/>
                 <a:cs typeface="Consolas" panose="020B0609020204030204" pitchFamily="49" charset="0"/>
               </a:rPr>
               <a:t>commit</a:t>
             </a:r>
             <a:r>
-              <a:rPr lang="de-DE" sz="2400" dirty="0" smtClean="0">
+              <a:rPr lang="de-DE" sz="2400" dirty="0">
                 <a:latin typeface="Consolas" panose="020B0609020204030204" pitchFamily="49" charset="0"/>
                 <a:cs typeface="Consolas" panose="020B0609020204030204" pitchFamily="49" charset="0"/>
               </a:rPr>
@@ -19495,23 +18581,13 @@
               </a:rPr>
               <a:t>„oh“</a:t>
             </a:r>
-            <a:endParaRPr lang="de-DE" sz="2400" dirty="0">
-              <a:solidFill>
-                <a:schemeClr val="tx2">
-                  <a:lumMod val="60000"/>
-                  <a:lumOff val="40000"/>
-                </a:schemeClr>
-              </a:solidFill>
-              <a:latin typeface="Consolas" panose="020B0609020204030204" pitchFamily="49" charset="0"/>
-              <a:cs typeface="Consolas" panose="020B0609020204030204" pitchFamily="49" charset="0"/>
-            </a:endParaRPr>
           </a:p>
           <a:p>
             <a:pPr>
               <a:buFont typeface="Symbol" panose="05050102010706020507" pitchFamily="18" charset="2"/>
               <a:buChar char="-"/>
             </a:pPr>
-            <a:endParaRPr lang="de-DE" sz="2000" dirty="0" smtClean="0">
+            <a:endParaRPr lang="de-DE" sz="2000" dirty="0">
               <a:cs typeface="Consolas" panose="020B0609020204030204" pitchFamily="49" charset="0"/>
             </a:endParaRPr>
           </a:p>
@@ -19520,16 +18596,10 @@
               <a:buNone/>
             </a:pPr>
             <a:r>
-              <a:rPr lang="de-DE" sz="2000" dirty="0" smtClean="0">
-                <a:cs typeface="Consolas" panose="020B0609020204030204" pitchFamily="49" charset="0"/>
-              </a:rPr>
-              <a:t>Kompensation</a:t>
-            </a:r>
-            <a:r>
               <a:rPr lang="de-DE" sz="2000" dirty="0">
                 <a:cs typeface="Consolas" panose="020B0609020204030204" pitchFamily="49" charset="0"/>
               </a:rPr>
-              <a:t>:</a:t>
+              <a:t>Kompensation:</a:t>
             </a:r>
           </a:p>
           <a:p>
@@ -19538,28 +18608,28 @@
               <a:buChar char="-"/>
             </a:pPr>
             <a:r>
-              <a:rPr lang="de-DE" sz="2400" dirty="0" smtClean="0">
+              <a:rPr lang="de-DE" sz="2400" dirty="0">
                 <a:latin typeface="Consolas" panose="020B0609020204030204" pitchFamily="49" charset="0"/>
                 <a:cs typeface="Consolas" panose="020B0609020204030204" pitchFamily="49" charset="0"/>
               </a:rPr>
               <a:t> </a:t>
             </a:r>
             <a:r>
-              <a:rPr lang="de-DE" sz="2400" dirty="0" err="1" smtClean="0">
+              <a:rPr lang="de-DE" sz="2400" dirty="0" err="1">
                 <a:latin typeface="Consolas" panose="020B0609020204030204" pitchFamily="49" charset="0"/>
                 <a:cs typeface="Consolas" panose="020B0609020204030204" pitchFamily="49" charset="0"/>
               </a:rPr>
               <a:t>git</a:t>
             </a:r>
             <a:r>
-              <a:rPr lang="de-DE" sz="2400" dirty="0" smtClean="0">
+              <a:rPr lang="de-DE" sz="2400" dirty="0">
                 <a:latin typeface="Consolas" panose="020B0609020204030204" pitchFamily="49" charset="0"/>
                 <a:cs typeface="Consolas" panose="020B0609020204030204" pitchFamily="49" charset="0"/>
               </a:rPr>
               <a:t> </a:t>
             </a:r>
             <a:r>
-              <a:rPr lang="de-DE" sz="2400" dirty="0" err="1" smtClean="0">
+              <a:rPr lang="de-DE" sz="2400" dirty="0" err="1">
                 <a:solidFill>
                   <a:srgbClr val="00B050"/>
                 </a:solidFill>
@@ -19569,7 +18639,7 @@
               <a:t>revert</a:t>
             </a:r>
             <a:r>
-              <a:rPr lang="de-DE" sz="2400" dirty="0" smtClean="0">
+              <a:rPr lang="de-DE" sz="2400" dirty="0">
                 <a:solidFill>
                   <a:srgbClr val="00B050"/>
                 </a:solidFill>
@@ -19578,7 +18648,7 @@
               </a:rPr>
               <a:t> HEAD</a:t>
             </a:r>
-            <a:endParaRPr lang="de-DE" sz="2400" dirty="0" smtClean="0">
+            <a:endParaRPr lang="de-DE" sz="2400" dirty="0">
               <a:latin typeface="Consolas" panose="020B0609020204030204" pitchFamily="49" charset="0"/>
               <a:cs typeface="Consolas" panose="020B0609020204030204" pitchFamily="49" charset="0"/>
             </a:endParaRPr>
@@ -19588,7 +18658,7 @@
               <a:buNone/>
             </a:pPr>
             <a:r>
-              <a:rPr lang="de-DE" dirty="0" smtClean="0"/>
+              <a:rPr lang="de-DE" dirty="0"/>
               <a:t> </a:t>
             </a:r>
           </a:p>
@@ -19800,7 +18870,7 @@
           <a:lstStyle/>
           <a:p>
             <a:pPr algn="ctr"/>
-            <a:endParaRPr lang="de-DE" dirty="0" smtClean="0">
+            <a:endParaRPr lang="de-DE" dirty="0">
               <a:solidFill>
                 <a:schemeClr val="tx2">
                   <a:lumMod val="60000"/>
@@ -19857,7 +18927,7 @@
           <a:p>
             <a:pPr algn="ctr"/>
             <a:r>
-              <a:rPr lang="de-DE" sz="1400" dirty="0" err="1" smtClean="0">
+              <a:rPr lang="de-DE" sz="1400" dirty="0" err="1">
                 <a:solidFill>
                   <a:schemeClr val="tx1"/>
                 </a:solidFill>
@@ -19917,18 +18987,13 @@
           <a:p>
             <a:pPr algn="ctr"/>
             <a:r>
-              <a:rPr lang="de-DE" sz="1400" dirty="0" smtClean="0">
+              <a:rPr lang="de-DE" sz="1400" dirty="0">
                 <a:solidFill>
                   <a:schemeClr val="tx1"/>
                 </a:solidFill>
               </a:rPr>
               <a:t>HEAD</a:t>
             </a:r>
-            <a:endParaRPr lang="de-DE" sz="1400" dirty="0">
-              <a:solidFill>
-                <a:schemeClr val="tx1"/>
-              </a:solidFill>
-            </a:endParaRPr>
           </a:p>
         </p:txBody>
       </p:sp>
@@ -20033,11 +19098,11 @@
           <a:lstStyle/>
           <a:p>
             <a:r>
-              <a:rPr lang="de-DE" sz="1600" dirty="0" smtClean="0"/>
+              <a:rPr lang="de-DE" sz="1600" dirty="0"/>
               <a:t>datei.txt: </a:t>
             </a:r>
             <a:r>
-              <a:rPr lang="de-DE" sz="1600" dirty="0" smtClean="0">
+              <a:rPr lang="de-DE" sz="1600" dirty="0">
                 <a:solidFill>
                   <a:schemeClr val="accent6">
                     <a:lumMod val="75000"/>
@@ -20046,13 +19111,6 @@
               </a:rPr>
               <a:t>Guter Inhalt</a:t>
             </a:r>
-            <a:endParaRPr lang="de-DE" sz="1600" dirty="0">
-              <a:solidFill>
-                <a:schemeClr val="accent6">
-                  <a:lumMod val="75000"/>
-                </a:schemeClr>
-              </a:solidFill>
-            </a:endParaRPr>
           </a:p>
         </p:txBody>
       </p:sp>
@@ -20086,7 +19144,7 @@
           <a:lstStyle/>
           <a:p>
             <a:r>
-              <a:rPr lang="de-DE" sz="1600" dirty="0" smtClean="0"/>
+              <a:rPr lang="de-DE" sz="1600" dirty="0"/>
               <a:t>datei.txt: </a:t>
             </a:r>
             <a:r>
@@ -20097,25 +19155,8 @@
                   </a:schemeClr>
                 </a:solidFill>
               </a:rPr>
-              <a:t>Guter </a:t>
-            </a:r>
-            <a:r>
-              <a:rPr lang="de-DE" sz="1600" dirty="0" smtClean="0">
-                <a:solidFill>
-                  <a:schemeClr val="accent6">
-                    <a:lumMod val="75000"/>
-                  </a:schemeClr>
-                </a:solidFill>
-              </a:rPr>
-              <a:t>Inhalt</a:t>
-            </a:r>
-            <a:endParaRPr lang="de-DE" sz="1600" dirty="0">
-              <a:solidFill>
-                <a:schemeClr val="accent6">
-                  <a:lumMod val="75000"/>
-                </a:schemeClr>
-              </a:solidFill>
-            </a:endParaRPr>
+              <a:t>Guter Inhalt</a:t>
+            </a:r>
           </a:p>
         </p:txBody>
       </p:sp>
@@ -20149,7 +19190,7 @@
           <a:lstStyle/>
           <a:p>
             <a:r>
-              <a:rPr lang="de-DE" sz="1600" dirty="0" smtClean="0"/>
+              <a:rPr lang="de-DE" sz="1600" dirty="0"/>
               <a:t>datei.txt: </a:t>
             </a:r>
             <a:r>
@@ -20160,25 +19201,8 @@
                   </a:schemeClr>
                 </a:solidFill>
               </a:rPr>
-              <a:t>Guter </a:t>
-            </a:r>
-            <a:r>
-              <a:rPr lang="de-DE" sz="1600" dirty="0" smtClean="0">
-                <a:solidFill>
-                  <a:schemeClr val="accent6">
-                    <a:lumMod val="75000"/>
-                  </a:schemeClr>
-                </a:solidFill>
-              </a:rPr>
-              <a:t>Inhalt</a:t>
-            </a:r>
-            <a:endParaRPr lang="de-DE" sz="1600" dirty="0">
-              <a:solidFill>
-                <a:schemeClr val="accent6">
-                  <a:lumMod val="75000"/>
-                </a:schemeClr>
-              </a:solidFill>
-            </a:endParaRPr>
+              <a:t>Guter Inhalt</a:t>
+            </a:r>
           </a:p>
         </p:txBody>
       </p:sp>
@@ -20212,11 +19236,11 @@
           <a:lstStyle/>
           <a:p>
             <a:r>
-              <a:rPr lang="de-DE" sz="1600" dirty="0" smtClean="0"/>
+              <a:rPr lang="de-DE" sz="1600" dirty="0"/>
               <a:t>datei.txt: </a:t>
             </a:r>
             <a:r>
-              <a:rPr lang="de-DE" sz="1600" dirty="0" smtClean="0">
+              <a:rPr lang="de-DE" sz="1600" dirty="0">
                 <a:solidFill>
                   <a:schemeClr val="accent6">
                     <a:lumMod val="75000"/>
@@ -20225,13 +19249,6 @@
               </a:rPr>
               <a:t>Falscher Inhalt</a:t>
             </a:r>
-            <a:endParaRPr lang="de-DE" sz="1600" dirty="0">
-              <a:solidFill>
-                <a:schemeClr val="accent6">
-                  <a:lumMod val="75000"/>
-                </a:schemeClr>
-              </a:solidFill>
-            </a:endParaRPr>
           </a:p>
         </p:txBody>
       </p:sp>
@@ -20314,11 +19331,11 @@
           <a:lstStyle/>
           <a:p>
             <a:r>
-              <a:rPr lang="de-DE" sz="1600" dirty="0" smtClean="0"/>
+              <a:rPr lang="de-DE" sz="1600" dirty="0"/>
               <a:t>datei.txt: </a:t>
             </a:r>
             <a:r>
-              <a:rPr lang="de-DE" sz="1600" dirty="0" smtClean="0">
+              <a:rPr lang="de-DE" sz="1600" dirty="0">
                 <a:solidFill>
                   <a:schemeClr val="accent6">
                     <a:lumMod val="75000"/>
@@ -20327,13 +19344,6 @@
               </a:rPr>
               <a:t>Guter Inhalt</a:t>
             </a:r>
-            <a:endParaRPr lang="de-DE" sz="1600" dirty="0">
-              <a:solidFill>
-                <a:schemeClr val="accent6">
-                  <a:lumMod val="75000"/>
-                </a:schemeClr>
-              </a:solidFill>
-            </a:endParaRPr>
           </a:p>
         </p:txBody>
       </p:sp>
@@ -20471,13 +19481,6 @@
   <p:clrMapOvr>
     <a:masterClrMapping/>
   </p:clrMapOvr>
-  <p:timing>
-    <p:tnLst>
-      <p:par>
-        <p:cTn id="1" dur="indefinite" restart="never" nodeType="tmRoot"/>
-      </p:par>
-    </p:tnLst>
-  </p:timing>
 </p:sld>
 </file>
 
@@ -20516,10 +19519,9 @@
           <a:lstStyle/>
           <a:p>
             <a:r>
-              <a:rPr lang="de-DE" sz="3200" dirty="0" smtClean="0"/>
+              <a:rPr lang="de-DE" sz="3600" dirty="0"/>
               <a:t>Letzten Commit korrigieren</a:t>
             </a:r>
-            <a:endParaRPr lang="de-DE" sz="3200" dirty="0"/>
           </a:p>
         </p:txBody>
       </p:sp>
@@ -20550,14 +19552,14 @@
               <a:buChar char="-"/>
             </a:pPr>
             <a:r>
-              <a:rPr lang="de-DE" sz="2400" dirty="0" smtClean="0">
+              <a:rPr lang="de-DE" sz="2400" dirty="0">
                 <a:latin typeface="Consolas" panose="020B0609020204030204" pitchFamily="49" charset="0"/>
                 <a:cs typeface="Consolas" panose="020B0609020204030204" pitchFamily="49" charset="0"/>
               </a:rPr>
               <a:t> echo </a:t>
             </a:r>
             <a:r>
-              <a:rPr lang="de-DE" sz="2400" dirty="0" smtClean="0">
+              <a:rPr lang="de-DE" sz="2400" dirty="0">
                 <a:solidFill>
                   <a:schemeClr val="accent6">
                     <a:lumMod val="75000"/>
@@ -20569,7 +19571,7 @@
               <a:t>„</a:t>
             </a:r>
             <a:r>
-              <a:rPr lang="de-DE" sz="2400" dirty="0" err="1" smtClean="0">
+              <a:rPr lang="de-DE" sz="2400" dirty="0" err="1">
                 <a:solidFill>
                   <a:schemeClr val="accent6">
                     <a:lumMod val="75000"/>
@@ -20581,7 +19583,7 @@
               <a:t>Gutar</a:t>
             </a:r>
             <a:r>
-              <a:rPr lang="de-DE" sz="2400" dirty="0" smtClean="0">
+              <a:rPr lang="de-DE" sz="2400" dirty="0">
                 <a:solidFill>
                   <a:schemeClr val="accent6">
                     <a:lumMod val="75000"/>
@@ -20593,7 +19595,7 @@
               <a:t> </a:t>
             </a:r>
             <a:r>
-              <a:rPr lang="de-DE" sz="2400" dirty="0" err="1" smtClean="0">
+              <a:rPr lang="de-DE" sz="2400" dirty="0" err="1">
                 <a:solidFill>
                   <a:schemeClr val="accent6">
                     <a:lumMod val="75000"/>
@@ -20605,7 +19607,7 @@
               <a:t>inhalt</a:t>
             </a:r>
             <a:r>
-              <a:rPr lang="de-DE" sz="2400" dirty="0" smtClean="0">
+              <a:rPr lang="de-DE" sz="2400" dirty="0">
                 <a:solidFill>
                   <a:schemeClr val="accent6">
                     <a:lumMod val="75000"/>
@@ -20617,7 +19619,7 @@
               <a:t>“ </a:t>
             </a:r>
             <a:r>
-              <a:rPr lang="de-DE" sz="2400" dirty="0" smtClean="0">
+              <a:rPr lang="de-DE" sz="2400" dirty="0">
                 <a:latin typeface="Consolas" panose="020B0609020204030204" pitchFamily="49" charset="0"/>
                 <a:cs typeface="Consolas" panose="020B0609020204030204" pitchFamily="49" charset="0"/>
               </a:rPr>
@@ -20630,42 +19632,42 @@
               <a:buChar char="-"/>
             </a:pPr>
             <a:r>
-              <a:rPr lang="de-DE" sz="2400" dirty="0" smtClean="0">
+              <a:rPr lang="de-DE" sz="2400" dirty="0">
                 <a:latin typeface="Consolas" panose="020B0609020204030204" pitchFamily="49" charset="0"/>
                 <a:cs typeface="Consolas" panose="020B0609020204030204" pitchFamily="49" charset="0"/>
               </a:rPr>
               <a:t> </a:t>
             </a:r>
             <a:r>
-              <a:rPr lang="de-DE" sz="2400" dirty="0" err="1" smtClean="0">
+              <a:rPr lang="de-DE" sz="2400" dirty="0" err="1">
                 <a:latin typeface="Consolas" panose="020B0609020204030204" pitchFamily="49" charset="0"/>
                 <a:cs typeface="Consolas" panose="020B0609020204030204" pitchFamily="49" charset="0"/>
               </a:rPr>
               <a:t>git</a:t>
             </a:r>
             <a:r>
-              <a:rPr lang="de-DE" sz="2400" dirty="0" smtClean="0">
+              <a:rPr lang="de-DE" sz="2400" dirty="0">
                 <a:latin typeface="Consolas" panose="020B0609020204030204" pitchFamily="49" charset="0"/>
                 <a:cs typeface="Consolas" panose="020B0609020204030204" pitchFamily="49" charset="0"/>
               </a:rPr>
               <a:t> </a:t>
             </a:r>
             <a:r>
-              <a:rPr lang="de-DE" sz="2400" dirty="0" err="1" smtClean="0">
+              <a:rPr lang="de-DE" sz="2400" dirty="0" err="1">
                 <a:latin typeface="Consolas" panose="020B0609020204030204" pitchFamily="49" charset="0"/>
                 <a:cs typeface="Consolas" panose="020B0609020204030204" pitchFamily="49" charset="0"/>
               </a:rPr>
               <a:t>commit</a:t>
             </a:r>
             <a:r>
-              <a:rPr lang="de-DE" sz="2400" dirty="0" smtClean="0">
+              <a:rPr lang="de-DE" sz="2400" dirty="0">
                 <a:latin typeface="Consolas" panose="020B0609020204030204" pitchFamily="49" charset="0"/>
                 <a:cs typeface="Consolas" panose="020B0609020204030204" pitchFamily="49" charset="0"/>
               </a:rPr>
               <a:t> –am </a:t>
             </a:r>
             <a:r>
-              <a:rPr lang="de-DE" sz="2400" dirty="0" smtClean="0">
+              <a:rPr lang="de-DE" sz="2400" dirty="0">
                 <a:solidFill>
                   <a:schemeClr val="tx2">
                     <a:lumMod val="60000"/>
@@ -20691,7 +19693,7 @@
               <a:t> echo </a:t>
             </a:r>
             <a:r>
-              <a:rPr lang="de-DE" sz="2400" dirty="0" smtClean="0">
+              <a:rPr lang="de-DE" sz="2400" dirty="0">
                 <a:solidFill>
                   <a:schemeClr val="accent6">
                     <a:lumMod val="75000"/>
@@ -20700,19 +19702,7 @@
                 <a:latin typeface="Consolas" panose="020B0609020204030204" pitchFamily="49" charset="0"/>
                 <a:cs typeface="Consolas" panose="020B0609020204030204" pitchFamily="49" charset="0"/>
               </a:rPr>
-              <a:t>„Guter </a:t>
-            </a:r>
-            <a:r>
-              <a:rPr lang="de-DE" sz="2400" dirty="0">
-                <a:solidFill>
-                  <a:schemeClr val="accent6">
-                    <a:lumMod val="75000"/>
-                  </a:schemeClr>
-                </a:solidFill>
-                <a:latin typeface="Consolas" panose="020B0609020204030204" pitchFamily="49" charset="0"/>
-                <a:cs typeface="Consolas" panose="020B0609020204030204" pitchFamily="49" charset="0"/>
-              </a:rPr>
-              <a:t>Inhalt“ </a:t>
+              <a:t>„Guter Inhalt“ </a:t>
             </a:r>
             <a:r>
               <a:rPr lang="de-DE" sz="2400" dirty="0">
@@ -20776,7 +19766,7 @@
               <a:t>–am </a:t>
             </a:r>
             <a:r>
-              <a:rPr lang="de-DE" sz="2400" dirty="0" smtClean="0">
+              <a:rPr lang="de-DE" sz="2400" dirty="0">
                 <a:solidFill>
                   <a:schemeClr val="tx2">
                     <a:lumMod val="60000"/>
@@ -20789,7 +19779,7 @@
               <a:t>„</a:t>
             </a:r>
             <a:r>
-              <a:rPr lang="de-DE" sz="2400" dirty="0" err="1" smtClean="0">
+              <a:rPr lang="de-DE" sz="2400" dirty="0" err="1">
                 <a:solidFill>
                   <a:schemeClr val="tx2">
                     <a:lumMod val="60000"/>
@@ -20802,7 +19792,7 @@
               <a:t>Typos</a:t>
             </a:r>
             <a:r>
-              <a:rPr lang="de-DE" sz="2400" dirty="0" smtClean="0">
+              <a:rPr lang="de-DE" sz="2400" dirty="0">
                 <a:solidFill>
                   <a:schemeClr val="tx2">
                     <a:lumMod val="60000"/>
@@ -20814,411 +19804,6 @@
               </a:rPr>
               <a:t>“</a:t>
             </a:r>
-          </a:p>
-          <a:p>
-            <a:pPr>
-              <a:buFont typeface="Symbol" panose="05050102010706020507" pitchFamily="18" charset="2"/>
-              <a:buChar char="-"/>
-            </a:pPr>
-            <a:endParaRPr lang="de-DE" sz="2400" dirty="0" smtClean="0">
-              <a:solidFill>
-                <a:schemeClr val="tx2">
-                  <a:lumMod val="60000"/>
-                  <a:lumOff val="40000"/>
-                </a:schemeClr>
-              </a:solidFill>
-              <a:latin typeface="Consolas" panose="020B0609020204030204" pitchFamily="49" charset="0"/>
-              <a:cs typeface="Consolas" panose="020B0609020204030204" pitchFamily="49" charset="0"/>
-            </a:endParaRPr>
-          </a:p>
-          <a:p>
-            <a:pPr marL="0" indent="0">
-              <a:buNone/>
-            </a:pPr>
-            <a:r>
-              <a:rPr lang="de-DE" sz="1800" dirty="0">
-                <a:cs typeface="Consolas" panose="020B0609020204030204" pitchFamily="49" charset="0"/>
-              </a:rPr>
-              <a:t>Kompensation</a:t>
-            </a:r>
-            <a:r>
-              <a:rPr lang="de-DE" sz="1800" dirty="0" smtClean="0">
-                <a:cs typeface="Consolas" panose="020B0609020204030204" pitchFamily="49" charset="0"/>
-              </a:rPr>
-              <a:t>:</a:t>
-            </a:r>
-          </a:p>
-          <a:p>
-            <a:pPr>
-              <a:buFont typeface="Symbol" panose="05050102010706020507" pitchFamily="18" charset="2"/>
-              <a:buChar char="-"/>
-            </a:pPr>
-            <a:r>
-              <a:rPr lang="de-DE" sz="2400" dirty="0">
-                <a:latin typeface="Consolas" panose="020B0609020204030204" pitchFamily="49" charset="0"/>
-                <a:cs typeface="Consolas" panose="020B0609020204030204" pitchFamily="49" charset="0"/>
-              </a:rPr>
-              <a:t> echo </a:t>
-            </a:r>
-            <a:r>
-              <a:rPr lang="de-DE" sz="2400" dirty="0">
-                <a:solidFill>
-                  <a:schemeClr val="accent6">
-                    <a:lumMod val="75000"/>
-                  </a:schemeClr>
-                </a:solidFill>
-                <a:latin typeface="Consolas" panose="020B0609020204030204" pitchFamily="49" charset="0"/>
-                <a:cs typeface="Consolas" panose="020B0609020204030204" pitchFamily="49" charset="0"/>
-              </a:rPr>
-              <a:t>„</a:t>
-            </a:r>
-            <a:r>
-              <a:rPr lang="de-DE" sz="2400" dirty="0" err="1">
-                <a:solidFill>
-                  <a:schemeClr val="accent6">
-                    <a:lumMod val="75000"/>
-                  </a:schemeClr>
-                </a:solidFill>
-                <a:latin typeface="Consolas" panose="020B0609020204030204" pitchFamily="49" charset="0"/>
-                <a:cs typeface="Consolas" panose="020B0609020204030204" pitchFamily="49" charset="0"/>
-              </a:rPr>
-              <a:t>Gutar</a:t>
-            </a:r>
-            <a:r>
-              <a:rPr lang="de-DE" sz="2400" dirty="0">
-                <a:solidFill>
-                  <a:schemeClr val="accent6">
-                    <a:lumMod val="75000"/>
-                  </a:schemeClr>
-                </a:solidFill>
-                <a:latin typeface="Consolas" panose="020B0609020204030204" pitchFamily="49" charset="0"/>
-                <a:cs typeface="Consolas" panose="020B0609020204030204" pitchFamily="49" charset="0"/>
-              </a:rPr>
-              <a:t> </a:t>
-            </a:r>
-            <a:r>
-              <a:rPr lang="de-DE" sz="2400" dirty="0" err="1">
-                <a:solidFill>
-                  <a:schemeClr val="accent6">
-                    <a:lumMod val="75000"/>
-                  </a:schemeClr>
-                </a:solidFill>
-                <a:latin typeface="Consolas" panose="020B0609020204030204" pitchFamily="49" charset="0"/>
-                <a:cs typeface="Consolas" panose="020B0609020204030204" pitchFamily="49" charset="0"/>
-              </a:rPr>
-              <a:t>inhalt</a:t>
-            </a:r>
-            <a:r>
-              <a:rPr lang="de-DE" sz="2400" dirty="0">
-                <a:solidFill>
-                  <a:schemeClr val="accent6">
-                    <a:lumMod val="75000"/>
-                  </a:schemeClr>
-                </a:solidFill>
-                <a:latin typeface="Consolas" panose="020B0609020204030204" pitchFamily="49" charset="0"/>
-                <a:cs typeface="Consolas" panose="020B0609020204030204" pitchFamily="49" charset="0"/>
-              </a:rPr>
-              <a:t>“ </a:t>
-            </a:r>
-            <a:r>
-              <a:rPr lang="de-DE" sz="2400" dirty="0">
-                <a:latin typeface="Consolas" panose="020B0609020204030204" pitchFamily="49" charset="0"/>
-                <a:cs typeface="Consolas" panose="020B0609020204030204" pitchFamily="49" charset="0"/>
-              </a:rPr>
-              <a:t>&gt; datei.txt</a:t>
-            </a:r>
-          </a:p>
-          <a:p>
-            <a:pPr>
-              <a:buFont typeface="Symbol" panose="05050102010706020507" pitchFamily="18" charset="2"/>
-              <a:buChar char="-"/>
-            </a:pPr>
-            <a:r>
-              <a:rPr lang="de-DE" sz="2400" dirty="0">
-                <a:latin typeface="Consolas" panose="020B0609020204030204" pitchFamily="49" charset="0"/>
-                <a:cs typeface="Consolas" panose="020B0609020204030204" pitchFamily="49" charset="0"/>
-              </a:rPr>
-              <a:t> </a:t>
-            </a:r>
-            <a:r>
-              <a:rPr lang="de-DE" sz="2400" dirty="0" err="1">
-                <a:latin typeface="Consolas" panose="020B0609020204030204" pitchFamily="49" charset="0"/>
-                <a:cs typeface="Consolas" panose="020B0609020204030204" pitchFamily="49" charset="0"/>
-              </a:rPr>
-              <a:t>git</a:t>
-            </a:r>
-            <a:r>
-              <a:rPr lang="de-DE" sz="2400" dirty="0">
-                <a:latin typeface="Consolas" panose="020B0609020204030204" pitchFamily="49" charset="0"/>
-                <a:cs typeface="Consolas" panose="020B0609020204030204" pitchFamily="49" charset="0"/>
-              </a:rPr>
-              <a:t> </a:t>
-            </a:r>
-            <a:r>
-              <a:rPr lang="de-DE" sz="2400" dirty="0" err="1">
-                <a:latin typeface="Consolas" panose="020B0609020204030204" pitchFamily="49" charset="0"/>
-                <a:cs typeface="Consolas" panose="020B0609020204030204" pitchFamily="49" charset="0"/>
-              </a:rPr>
-              <a:t>commit</a:t>
-            </a:r>
-            <a:r>
-              <a:rPr lang="de-DE" sz="2400" dirty="0">
-                <a:latin typeface="Consolas" panose="020B0609020204030204" pitchFamily="49" charset="0"/>
-                <a:cs typeface="Consolas" panose="020B0609020204030204" pitchFamily="49" charset="0"/>
-              </a:rPr>
-              <a:t> –am </a:t>
-            </a:r>
-            <a:r>
-              <a:rPr lang="de-DE" sz="2400" dirty="0">
-                <a:solidFill>
-                  <a:schemeClr val="tx2">
-                    <a:lumMod val="60000"/>
-                    <a:lumOff val="40000"/>
-                  </a:schemeClr>
-                </a:solidFill>
-                <a:latin typeface="Consolas" panose="020B0609020204030204" pitchFamily="49" charset="0"/>
-                <a:cs typeface="Consolas" panose="020B0609020204030204" pitchFamily="49" charset="0"/>
-              </a:rPr>
-              <a:t>„Textänderung</a:t>
-            </a:r>
-            <a:r>
-              <a:rPr lang="de-DE" sz="2400" dirty="0" smtClean="0">
-                <a:solidFill>
-                  <a:schemeClr val="tx2">
-                    <a:lumMod val="60000"/>
-                    <a:lumOff val="40000"/>
-                  </a:schemeClr>
-                </a:solidFill>
-                <a:latin typeface="Consolas" panose="020B0609020204030204" pitchFamily="49" charset="0"/>
-                <a:cs typeface="Consolas" panose="020B0609020204030204" pitchFamily="49" charset="0"/>
-              </a:rPr>
-              <a:t>“</a:t>
-            </a:r>
-          </a:p>
-          <a:p>
-            <a:pPr>
-              <a:buFont typeface="Symbol" panose="05050102010706020507" pitchFamily="18" charset="2"/>
-              <a:buChar char="-"/>
-            </a:pPr>
-            <a:r>
-              <a:rPr lang="de-DE" sz="2400" dirty="0">
-                <a:latin typeface="Consolas" panose="020B0609020204030204" pitchFamily="49" charset="0"/>
-                <a:cs typeface="Consolas" panose="020B0609020204030204" pitchFamily="49" charset="0"/>
-              </a:rPr>
-              <a:t> echo </a:t>
-            </a:r>
-            <a:r>
-              <a:rPr lang="de-DE" sz="2400" dirty="0">
-                <a:solidFill>
-                  <a:schemeClr val="accent6">
-                    <a:lumMod val="75000"/>
-                  </a:schemeClr>
-                </a:solidFill>
-                <a:latin typeface="Consolas" panose="020B0609020204030204" pitchFamily="49" charset="0"/>
-                <a:cs typeface="Consolas" panose="020B0609020204030204" pitchFamily="49" charset="0"/>
-              </a:rPr>
-              <a:t>„Guter Inhalt“ </a:t>
-            </a:r>
-            <a:r>
-              <a:rPr lang="de-DE" sz="2400" dirty="0">
-                <a:latin typeface="Consolas" panose="020B0609020204030204" pitchFamily="49" charset="0"/>
-                <a:cs typeface="Consolas" panose="020B0609020204030204" pitchFamily="49" charset="0"/>
-              </a:rPr>
-              <a:t>&gt; datei.txt</a:t>
-            </a:r>
-          </a:p>
-          <a:p>
-            <a:pPr>
-              <a:buFont typeface="Symbol" panose="05050102010706020507" pitchFamily="18" charset="2"/>
-              <a:buChar char="-"/>
-            </a:pPr>
-            <a:r>
-              <a:rPr lang="de-DE" sz="2400" dirty="0" smtClean="0">
-                <a:solidFill>
-                  <a:schemeClr val="tx2">
-                    <a:lumMod val="60000"/>
-                    <a:lumOff val="40000"/>
-                  </a:schemeClr>
-                </a:solidFill>
-                <a:latin typeface="Consolas" panose="020B0609020204030204" pitchFamily="49" charset="0"/>
-                <a:cs typeface="Consolas" panose="020B0609020204030204" pitchFamily="49" charset="0"/>
-              </a:rPr>
-              <a:t> </a:t>
-            </a:r>
-            <a:r>
-              <a:rPr lang="de-DE" sz="2400" dirty="0" err="1">
-                <a:latin typeface="Consolas" panose="020B0609020204030204" pitchFamily="49" charset="0"/>
-                <a:cs typeface="Consolas" panose="020B0609020204030204" pitchFamily="49" charset="0"/>
-              </a:rPr>
-              <a:t>git</a:t>
-            </a:r>
-            <a:r>
-              <a:rPr lang="de-DE" sz="2400" dirty="0">
-                <a:latin typeface="Consolas" panose="020B0609020204030204" pitchFamily="49" charset="0"/>
-                <a:cs typeface="Consolas" panose="020B0609020204030204" pitchFamily="49" charset="0"/>
-              </a:rPr>
-              <a:t> </a:t>
-            </a:r>
-            <a:r>
-              <a:rPr lang="de-DE" sz="2400" dirty="0" err="1">
-                <a:solidFill>
-                  <a:srgbClr val="00B050"/>
-                </a:solidFill>
-                <a:latin typeface="Consolas" panose="020B0609020204030204" pitchFamily="49" charset="0"/>
-                <a:cs typeface="Consolas" panose="020B0609020204030204" pitchFamily="49" charset="0"/>
-              </a:rPr>
-              <a:t>commit</a:t>
-            </a:r>
-            <a:r>
-              <a:rPr lang="de-DE" sz="2400" dirty="0">
-                <a:solidFill>
-                  <a:srgbClr val="00B050"/>
-                </a:solidFill>
-                <a:latin typeface="Consolas" panose="020B0609020204030204" pitchFamily="49" charset="0"/>
-                <a:cs typeface="Consolas" panose="020B0609020204030204" pitchFamily="49" charset="0"/>
-              </a:rPr>
-              <a:t> </a:t>
-            </a:r>
-            <a:r>
-              <a:rPr lang="de-DE" sz="2400" dirty="0" smtClean="0">
-                <a:solidFill>
-                  <a:srgbClr val="00B050"/>
-                </a:solidFill>
-                <a:latin typeface="Consolas" panose="020B0609020204030204" pitchFamily="49" charset="0"/>
-                <a:cs typeface="Consolas" panose="020B0609020204030204" pitchFamily="49" charset="0"/>
-              </a:rPr>
-              <a:t>–am </a:t>
-            </a:r>
-            <a:r>
-              <a:rPr lang="de-DE" sz="2400" dirty="0" smtClean="0">
-                <a:solidFill>
-                  <a:schemeClr val="tx2">
-                    <a:lumMod val="60000"/>
-                    <a:lumOff val="40000"/>
-                  </a:schemeClr>
-                </a:solidFill>
-                <a:latin typeface="Consolas" panose="020B0609020204030204" pitchFamily="49" charset="0"/>
-                <a:cs typeface="Consolas" panose="020B0609020204030204" pitchFamily="49" charset="0"/>
-              </a:rPr>
-              <a:t>„Neuer Text“ </a:t>
-            </a:r>
-            <a:r>
-              <a:rPr lang="de-DE" sz="2400" dirty="0" smtClean="0">
-                <a:solidFill>
-                  <a:srgbClr val="00B050"/>
-                </a:solidFill>
-                <a:latin typeface="Consolas" panose="020B0609020204030204" pitchFamily="49" charset="0"/>
-                <a:cs typeface="Consolas" panose="020B0609020204030204" pitchFamily="49" charset="0"/>
-              </a:rPr>
-              <a:t>–-</a:t>
-            </a:r>
-            <a:r>
-              <a:rPr lang="de-DE" sz="2400" dirty="0" err="1" smtClean="0">
-                <a:solidFill>
-                  <a:srgbClr val="00B050"/>
-                </a:solidFill>
-                <a:latin typeface="Consolas" panose="020B0609020204030204" pitchFamily="49" charset="0"/>
-                <a:cs typeface="Consolas" panose="020B0609020204030204" pitchFamily="49" charset="0"/>
-              </a:rPr>
-              <a:t>amend</a:t>
-            </a:r>
-            <a:endParaRPr lang="de-DE" sz="2400" dirty="0">
-              <a:solidFill>
-                <a:srgbClr val="00B050"/>
-              </a:solidFill>
-              <a:latin typeface="Consolas" panose="020B0609020204030204" pitchFamily="49" charset="0"/>
-              <a:cs typeface="Consolas" panose="020B0609020204030204" pitchFamily="49" charset="0"/>
-            </a:endParaRPr>
-          </a:p>
-          <a:p>
-            <a:pPr>
-              <a:buFont typeface="Symbol" panose="05050102010706020507" pitchFamily="18" charset="2"/>
-              <a:buChar char="-"/>
-            </a:pPr>
-            <a:r>
-              <a:rPr lang="de-DE" sz="2400" dirty="0">
-                <a:solidFill>
-                  <a:schemeClr val="tx2">
-                    <a:lumMod val="60000"/>
-                    <a:lumOff val="40000"/>
-                  </a:schemeClr>
-                </a:solidFill>
-                <a:latin typeface="Consolas" panose="020B0609020204030204" pitchFamily="49" charset="0"/>
-                <a:cs typeface="Consolas" panose="020B0609020204030204" pitchFamily="49" charset="0"/>
-              </a:rPr>
-              <a:t> </a:t>
-            </a:r>
-            <a:r>
-              <a:rPr lang="de-DE" sz="2400" dirty="0" err="1">
-                <a:latin typeface="Consolas" panose="020B0609020204030204" pitchFamily="49" charset="0"/>
-                <a:cs typeface="Consolas" panose="020B0609020204030204" pitchFamily="49" charset="0"/>
-              </a:rPr>
-              <a:t>git</a:t>
-            </a:r>
-            <a:r>
-              <a:rPr lang="de-DE" sz="2400" dirty="0">
-                <a:latin typeface="Consolas" panose="020B0609020204030204" pitchFamily="49" charset="0"/>
-                <a:cs typeface="Consolas" panose="020B0609020204030204" pitchFamily="49" charset="0"/>
-              </a:rPr>
-              <a:t> </a:t>
-            </a:r>
-            <a:r>
-              <a:rPr lang="de-DE" sz="2400" dirty="0" err="1">
-                <a:solidFill>
-                  <a:srgbClr val="00B050"/>
-                </a:solidFill>
-                <a:latin typeface="Consolas" panose="020B0609020204030204" pitchFamily="49" charset="0"/>
-                <a:cs typeface="Consolas" panose="020B0609020204030204" pitchFamily="49" charset="0"/>
-              </a:rPr>
-              <a:t>commit</a:t>
-            </a:r>
-            <a:r>
-              <a:rPr lang="de-DE" sz="2400" dirty="0">
-                <a:solidFill>
-                  <a:srgbClr val="00B050"/>
-                </a:solidFill>
-                <a:latin typeface="Consolas" panose="020B0609020204030204" pitchFamily="49" charset="0"/>
-                <a:cs typeface="Consolas" panose="020B0609020204030204" pitchFamily="49" charset="0"/>
-              </a:rPr>
-              <a:t> –a –-</a:t>
-            </a:r>
-            <a:r>
-              <a:rPr lang="de-DE" sz="2400" dirty="0" err="1" smtClean="0">
-                <a:solidFill>
-                  <a:srgbClr val="00B050"/>
-                </a:solidFill>
-                <a:latin typeface="Consolas" panose="020B0609020204030204" pitchFamily="49" charset="0"/>
-                <a:cs typeface="Consolas" panose="020B0609020204030204" pitchFamily="49" charset="0"/>
-              </a:rPr>
-              <a:t>no-edit</a:t>
-            </a:r>
-            <a:r>
-              <a:rPr lang="de-DE" sz="2400" dirty="0" smtClean="0">
-                <a:solidFill>
-                  <a:srgbClr val="00B050"/>
-                </a:solidFill>
-                <a:latin typeface="Consolas" panose="020B0609020204030204" pitchFamily="49" charset="0"/>
-                <a:cs typeface="Consolas" panose="020B0609020204030204" pitchFamily="49" charset="0"/>
-              </a:rPr>
-              <a:t> –-</a:t>
-            </a:r>
-            <a:r>
-              <a:rPr lang="de-DE" sz="2400" dirty="0" err="1" smtClean="0">
-                <a:solidFill>
-                  <a:srgbClr val="00B050"/>
-                </a:solidFill>
-                <a:latin typeface="Consolas" panose="020B0609020204030204" pitchFamily="49" charset="0"/>
-                <a:cs typeface="Consolas" panose="020B0609020204030204" pitchFamily="49" charset="0"/>
-              </a:rPr>
-              <a:t>amend</a:t>
-            </a:r>
-            <a:endParaRPr lang="de-DE" sz="2400" dirty="0">
-              <a:solidFill>
-                <a:srgbClr val="00B050"/>
-              </a:solidFill>
-              <a:latin typeface="Consolas" panose="020B0609020204030204" pitchFamily="49" charset="0"/>
-              <a:cs typeface="Consolas" panose="020B0609020204030204" pitchFamily="49" charset="0"/>
-            </a:endParaRPr>
           </a:p>
           <a:p>
             <a:pPr>
@@ -21236,6 +19821,382 @@
               <a:cs typeface="Consolas" panose="020B0609020204030204" pitchFamily="49" charset="0"/>
             </a:endParaRPr>
           </a:p>
+          <a:p>
+            <a:pPr marL="0" indent="0">
+              <a:buNone/>
+            </a:pPr>
+            <a:r>
+              <a:rPr lang="de-DE" sz="1800" dirty="0">
+                <a:cs typeface="Consolas" panose="020B0609020204030204" pitchFamily="49" charset="0"/>
+              </a:rPr>
+              <a:t>Kompensation:</a:t>
+            </a:r>
+          </a:p>
+          <a:p>
+            <a:pPr>
+              <a:buFont typeface="Symbol" panose="05050102010706020507" pitchFamily="18" charset="2"/>
+              <a:buChar char="-"/>
+            </a:pPr>
+            <a:r>
+              <a:rPr lang="de-DE" sz="2400" dirty="0">
+                <a:latin typeface="Consolas" panose="020B0609020204030204" pitchFamily="49" charset="0"/>
+                <a:cs typeface="Consolas" panose="020B0609020204030204" pitchFamily="49" charset="0"/>
+              </a:rPr>
+              <a:t> echo </a:t>
+            </a:r>
+            <a:r>
+              <a:rPr lang="de-DE" sz="2400" dirty="0">
+                <a:solidFill>
+                  <a:schemeClr val="accent6">
+                    <a:lumMod val="75000"/>
+                  </a:schemeClr>
+                </a:solidFill>
+                <a:latin typeface="Consolas" panose="020B0609020204030204" pitchFamily="49" charset="0"/>
+                <a:cs typeface="Consolas" panose="020B0609020204030204" pitchFamily="49" charset="0"/>
+              </a:rPr>
+              <a:t>„</a:t>
+            </a:r>
+            <a:r>
+              <a:rPr lang="de-DE" sz="2400" dirty="0" err="1">
+                <a:solidFill>
+                  <a:schemeClr val="accent6">
+                    <a:lumMod val="75000"/>
+                  </a:schemeClr>
+                </a:solidFill>
+                <a:latin typeface="Consolas" panose="020B0609020204030204" pitchFamily="49" charset="0"/>
+                <a:cs typeface="Consolas" panose="020B0609020204030204" pitchFamily="49" charset="0"/>
+              </a:rPr>
+              <a:t>Gutar</a:t>
+            </a:r>
+            <a:r>
+              <a:rPr lang="de-DE" sz="2400" dirty="0">
+                <a:solidFill>
+                  <a:schemeClr val="accent6">
+                    <a:lumMod val="75000"/>
+                  </a:schemeClr>
+                </a:solidFill>
+                <a:latin typeface="Consolas" panose="020B0609020204030204" pitchFamily="49" charset="0"/>
+                <a:cs typeface="Consolas" panose="020B0609020204030204" pitchFamily="49" charset="0"/>
+              </a:rPr>
+              <a:t> </a:t>
+            </a:r>
+            <a:r>
+              <a:rPr lang="de-DE" sz="2400" dirty="0" err="1">
+                <a:solidFill>
+                  <a:schemeClr val="accent6">
+                    <a:lumMod val="75000"/>
+                  </a:schemeClr>
+                </a:solidFill>
+                <a:latin typeface="Consolas" panose="020B0609020204030204" pitchFamily="49" charset="0"/>
+                <a:cs typeface="Consolas" panose="020B0609020204030204" pitchFamily="49" charset="0"/>
+              </a:rPr>
+              <a:t>inhalt</a:t>
+            </a:r>
+            <a:r>
+              <a:rPr lang="de-DE" sz="2400" dirty="0">
+                <a:solidFill>
+                  <a:schemeClr val="accent6">
+                    <a:lumMod val="75000"/>
+                  </a:schemeClr>
+                </a:solidFill>
+                <a:latin typeface="Consolas" panose="020B0609020204030204" pitchFamily="49" charset="0"/>
+                <a:cs typeface="Consolas" panose="020B0609020204030204" pitchFamily="49" charset="0"/>
+              </a:rPr>
+              <a:t>“ </a:t>
+            </a:r>
+            <a:r>
+              <a:rPr lang="de-DE" sz="2400" dirty="0">
+                <a:latin typeface="Consolas" panose="020B0609020204030204" pitchFamily="49" charset="0"/>
+                <a:cs typeface="Consolas" panose="020B0609020204030204" pitchFamily="49" charset="0"/>
+              </a:rPr>
+              <a:t>&gt; datei.txt</a:t>
+            </a:r>
+          </a:p>
+          <a:p>
+            <a:pPr>
+              <a:buFont typeface="Symbol" panose="05050102010706020507" pitchFamily="18" charset="2"/>
+              <a:buChar char="-"/>
+            </a:pPr>
+            <a:r>
+              <a:rPr lang="de-DE" sz="2400" dirty="0">
+                <a:latin typeface="Consolas" panose="020B0609020204030204" pitchFamily="49" charset="0"/>
+                <a:cs typeface="Consolas" panose="020B0609020204030204" pitchFamily="49" charset="0"/>
+              </a:rPr>
+              <a:t> </a:t>
+            </a:r>
+            <a:r>
+              <a:rPr lang="de-DE" sz="2400" dirty="0" err="1">
+                <a:latin typeface="Consolas" panose="020B0609020204030204" pitchFamily="49" charset="0"/>
+                <a:cs typeface="Consolas" panose="020B0609020204030204" pitchFamily="49" charset="0"/>
+              </a:rPr>
+              <a:t>git</a:t>
+            </a:r>
+            <a:r>
+              <a:rPr lang="de-DE" sz="2400" dirty="0">
+                <a:latin typeface="Consolas" panose="020B0609020204030204" pitchFamily="49" charset="0"/>
+                <a:cs typeface="Consolas" panose="020B0609020204030204" pitchFamily="49" charset="0"/>
+              </a:rPr>
+              <a:t> </a:t>
+            </a:r>
+            <a:r>
+              <a:rPr lang="de-DE" sz="2400" dirty="0" err="1">
+                <a:latin typeface="Consolas" panose="020B0609020204030204" pitchFamily="49" charset="0"/>
+                <a:cs typeface="Consolas" panose="020B0609020204030204" pitchFamily="49" charset="0"/>
+              </a:rPr>
+              <a:t>commit</a:t>
+            </a:r>
+            <a:r>
+              <a:rPr lang="de-DE" sz="2400" dirty="0">
+                <a:latin typeface="Consolas" panose="020B0609020204030204" pitchFamily="49" charset="0"/>
+                <a:cs typeface="Consolas" panose="020B0609020204030204" pitchFamily="49" charset="0"/>
+              </a:rPr>
+              <a:t> –am </a:t>
+            </a:r>
+            <a:r>
+              <a:rPr lang="de-DE" sz="2400" dirty="0">
+                <a:solidFill>
+                  <a:schemeClr val="tx2">
+                    <a:lumMod val="60000"/>
+                    <a:lumOff val="40000"/>
+                  </a:schemeClr>
+                </a:solidFill>
+                <a:latin typeface="Consolas" panose="020B0609020204030204" pitchFamily="49" charset="0"/>
+                <a:cs typeface="Consolas" panose="020B0609020204030204" pitchFamily="49" charset="0"/>
+              </a:rPr>
+              <a:t>„Textänderung“</a:t>
+            </a:r>
+          </a:p>
+          <a:p>
+            <a:pPr>
+              <a:buFont typeface="Symbol" panose="05050102010706020507" pitchFamily="18" charset="2"/>
+              <a:buChar char="-"/>
+            </a:pPr>
+            <a:r>
+              <a:rPr lang="de-DE" sz="2400" dirty="0">
+                <a:latin typeface="Consolas" panose="020B0609020204030204" pitchFamily="49" charset="0"/>
+                <a:cs typeface="Consolas" panose="020B0609020204030204" pitchFamily="49" charset="0"/>
+              </a:rPr>
+              <a:t> echo </a:t>
+            </a:r>
+            <a:r>
+              <a:rPr lang="de-DE" sz="2400" dirty="0">
+                <a:solidFill>
+                  <a:schemeClr val="accent6">
+                    <a:lumMod val="75000"/>
+                  </a:schemeClr>
+                </a:solidFill>
+                <a:latin typeface="Consolas" panose="020B0609020204030204" pitchFamily="49" charset="0"/>
+                <a:cs typeface="Consolas" panose="020B0609020204030204" pitchFamily="49" charset="0"/>
+              </a:rPr>
+              <a:t>„Guter Inhalt“ </a:t>
+            </a:r>
+            <a:r>
+              <a:rPr lang="de-DE" sz="2400" dirty="0">
+                <a:latin typeface="Consolas" panose="020B0609020204030204" pitchFamily="49" charset="0"/>
+                <a:cs typeface="Consolas" panose="020B0609020204030204" pitchFamily="49" charset="0"/>
+              </a:rPr>
+              <a:t>&gt; datei.txt</a:t>
+            </a:r>
+          </a:p>
+          <a:p>
+            <a:pPr>
+              <a:buFont typeface="Symbol" panose="05050102010706020507" pitchFamily="18" charset="2"/>
+              <a:buChar char="-"/>
+            </a:pPr>
+            <a:r>
+              <a:rPr lang="de-DE" sz="2400" dirty="0">
+                <a:solidFill>
+                  <a:schemeClr val="tx2">
+                    <a:lumMod val="60000"/>
+                    <a:lumOff val="40000"/>
+                  </a:schemeClr>
+                </a:solidFill>
+                <a:latin typeface="Consolas" panose="020B0609020204030204" pitchFamily="49" charset="0"/>
+                <a:cs typeface="Consolas" panose="020B0609020204030204" pitchFamily="49" charset="0"/>
+              </a:rPr>
+              <a:t> </a:t>
+            </a:r>
+            <a:r>
+              <a:rPr lang="de-DE" sz="2400" dirty="0" err="1">
+                <a:latin typeface="Consolas" panose="020B0609020204030204" pitchFamily="49" charset="0"/>
+                <a:cs typeface="Consolas" panose="020B0609020204030204" pitchFamily="49" charset="0"/>
+              </a:rPr>
+              <a:t>git</a:t>
+            </a:r>
+            <a:r>
+              <a:rPr lang="de-DE" sz="2400" dirty="0">
+                <a:latin typeface="Consolas" panose="020B0609020204030204" pitchFamily="49" charset="0"/>
+                <a:cs typeface="Consolas" panose="020B0609020204030204" pitchFamily="49" charset="0"/>
+              </a:rPr>
+              <a:t> </a:t>
+            </a:r>
+            <a:r>
+              <a:rPr lang="de-DE" sz="2400" dirty="0" err="1">
+                <a:solidFill>
+                  <a:srgbClr val="00B050"/>
+                </a:solidFill>
+                <a:latin typeface="Consolas" panose="020B0609020204030204" pitchFamily="49" charset="0"/>
+                <a:cs typeface="Consolas" panose="020B0609020204030204" pitchFamily="49" charset="0"/>
+              </a:rPr>
+              <a:t>commit</a:t>
+            </a:r>
+            <a:r>
+              <a:rPr lang="de-DE" sz="2400" dirty="0">
+                <a:solidFill>
+                  <a:srgbClr val="00B050"/>
+                </a:solidFill>
+                <a:latin typeface="Consolas" panose="020B0609020204030204" pitchFamily="49" charset="0"/>
+                <a:cs typeface="Consolas" panose="020B0609020204030204" pitchFamily="49" charset="0"/>
+              </a:rPr>
+              <a:t> –am </a:t>
+            </a:r>
+            <a:r>
+              <a:rPr lang="de-DE" sz="2400" dirty="0">
+                <a:solidFill>
+                  <a:schemeClr val="tx2">
+                    <a:lumMod val="60000"/>
+                    <a:lumOff val="40000"/>
+                  </a:schemeClr>
+                </a:solidFill>
+                <a:latin typeface="Consolas" panose="020B0609020204030204" pitchFamily="49" charset="0"/>
+                <a:cs typeface="Consolas" panose="020B0609020204030204" pitchFamily="49" charset="0"/>
+              </a:rPr>
+              <a:t>„Neuer Text“ </a:t>
+            </a:r>
+            <a:r>
+              <a:rPr lang="de-DE" sz="2400" dirty="0">
+                <a:solidFill>
+                  <a:srgbClr val="00B050"/>
+                </a:solidFill>
+                <a:latin typeface="Consolas" panose="020B0609020204030204" pitchFamily="49" charset="0"/>
+                <a:cs typeface="Consolas" panose="020B0609020204030204" pitchFamily="49" charset="0"/>
+              </a:rPr>
+              <a:t>–-</a:t>
+            </a:r>
+            <a:r>
+              <a:rPr lang="de-DE" sz="2400" dirty="0" err="1">
+                <a:solidFill>
+                  <a:srgbClr val="00B050"/>
+                </a:solidFill>
+                <a:latin typeface="Consolas" panose="020B0609020204030204" pitchFamily="49" charset="0"/>
+                <a:cs typeface="Consolas" panose="020B0609020204030204" pitchFamily="49" charset="0"/>
+              </a:rPr>
+              <a:t>amend</a:t>
+            </a:r>
+            <a:endParaRPr lang="de-DE" sz="2400" dirty="0">
+              <a:solidFill>
+                <a:srgbClr val="00B050"/>
+              </a:solidFill>
+              <a:latin typeface="Consolas" panose="020B0609020204030204" pitchFamily="49" charset="0"/>
+              <a:cs typeface="Consolas" panose="020B0609020204030204" pitchFamily="49" charset="0"/>
+            </a:endParaRPr>
+          </a:p>
+          <a:p>
+            <a:pPr>
+              <a:buFont typeface="Symbol" panose="05050102010706020507" pitchFamily="18" charset="2"/>
+              <a:buChar char="-"/>
+            </a:pPr>
+            <a:r>
+              <a:rPr lang="de-DE" sz="2400" dirty="0">
+                <a:solidFill>
+                  <a:schemeClr val="tx2">
+                    <a:lumMod val="60000"/>
+                    <a:lumOff val="40000"/>
+                  </a:schemeClr>
+                </a:solidFill>
+                <a:latin typeface="Consolas" panose="020B0609020204030204" pitchFamily="49" charset="0"/>
+                <a:cs typeface="Consolas" panose="020B0609020204030204" pitchFamily="49" charset="0"/>
+              </a:rPr>
+              <a:t> </a:t>
+            </a:r>
+            <a:r>
+              <a:rPr lang="de-DE" sz="2400" dirty="0" err="1">
+                <a:latin typeface="Consolas" panose="020B0609020204030204" pitchFamily="49" charset="0"/>
+                <a:cs typeface="Consolas" panose="020B0609020204030204" pitchFamily="49" charset="0"/>
+              </a:rPr>
+              <a:t>git</a:t>
+            </a:r>
+            <a:r>
+              <a:rPr lang="de-DE" sz="2400" dirty="0">
+                <a:latin typeface="Consolas" panose="020B0609020204030204" pitchFamily="49" charset="0"/>
+                <a:cs typeface="Consolas" panose="020B0609020204030204" pitchFamily="49" charset="0"/>
+              </a:rPr>
+              <a:t> </a:t>
+            </a:r>
+            <a:r>
+              <a:rPr lang="de-DE" sz="2400" dirty="0" err="1">
+                <a:solidFill>
+                  <a:srgbClr val="00B050"/>
+                </a:solidFill>
+                <a:latin typeface="Consolas" panose="020B0609020204030204" pitchFamily="49" charset="0"/>
+                <a:cs typeface="Consolas" panose="020B0609020204030204" pitchFamily="49" charset="0"/>
+              </a:rPr>
+              <a:t>commit</a:t>
+            </a:r>
+            <a:r>
+              <a:rPr lang="de-DE" sz="2400" dirty="0">
+                <a:solidFill>
+                  <a:srgbClr val="00B050"/>
+                </a:solidFill>
+                <a:latin typeface="Consolas" panose="020B0609020204030204" pitchFamily="49" charset="0"/>
+                <a:cs typeface="Consolas" panose="020B0609020204030204" pitchFamily="49" charset="0"/>
+              </a:rPr>
+              <a:t> –a –-</a:t>
+            </a:r>
+            <a:r>
+              <a:rPr lang="de-DE" sz="2400" dirty="0" err="1">
+                <a:solidFill>
+                  <a:srgbClr val="00B050"/>
+                </a:solidFill>
+                <a:latin typeface="Consolas" panose="020B0609020204030204" pitchFamily="49" charset="0"/>
+                <a:cs typeface="Consolas" panose="020B0609020204030204" pitchFamily="49" charset="0"/>
+              </a:rPr>
+              <a:t>no-edit</a:t>
+            </a:r>
+            <a:r>
+              <a:rPr lang="de-DE" sz="2400" dirty="0">
+                <a:solidFill>
+                  <a:srgbClr val="00B050"/>
+                </a:solidFill>
+                <a:latin typeface="Consolas" panose="020B0609020204030204" pitchFamily="49" charset="0"/>
+                <a:cs typeface="Consolas" panose="020B0609020204030204" pitchFamily="49" charset="0"/>
+              </a:rPr>
+              <a:t> –-</a:t>
+            </a:r>
+            <a:r>
+              <a:rPr lang="de-DE" sz="2400" dirty="0" err="1">
+                <a:solidFill>
+                  <a:srgbClr val="00B050"/>
+                </a:solidFill>
+                <a:latin typeface="Consolas" panose="020B0609020204030204" pitchFamily="49" charset="0"/>
+                <a:cs typeface="Consolas" panose="020B0609020204030204" pitchFamily="49" charset="0"/>
+              </a:rPr>
+              <a:t>amend</a:t>
+            </a:r>
+            <a:endParaRPr lang="de-DE" sz="2400" dirty="0">
+              <a:solidFill>
+                <a:srgbClr val="00B050"/>
+              </a:solidFill>
+              <a:latin typeface="Consolas" panose="020B0609020204030204" pitchFamily="49" charset="0"/>
+              <a:cs typeface="Consolas" panose="020B0609020204030204" pitchFamily="49" charset="0"/>
+            </a:endParaRPr>
+          </a:p>
+          <a:p>
+            <a:pPr>
+              <a:buFont typeface="Symbol" panose="05050102010706020507" pitchFamily="18" charset="2"/>
+              <a:buChar char="-"/>
+            </a:pPr>
+            <a:endParaRPr lang="de-DE" sz="2400" dirty="0">
+              <a:solidFill>
+                <a:schemeClr val="tx2">
+                  <a:lumMod val="60000"/>
+                  <a:lumOff val="40000"/>
+                </a:schemeClr>
+              </a:solidFill>
+              <a:latin typeface="Consolas" panose="020B0609020204030204" pitchFamily="49" charset="0"/>
+              <a:cs typeface="Consolas" panose="020B0609020204030204" pitchFamily="49" charset="0"/>
+            </a:endParaRPr>
+          </a:p>
         </p:txBody>
       </p:sp>
     </p:spTree>
@@ -21248,13 +20209,6 @@
   <p:clrMapOvr>
     <a:masterClrMapping/>
   </p:clrMapOvr>
-  <p:timing>
-    <p:tnLst>
-      <p:par>
-        <p:cTn id="1" dur="indefinite" restart="never" nodeType="tmRoot"/>
-      </p:par>
-    </p:tnLst>
-  </p:timing>
 </p:sld>
 </file>
 
@@ -21293,7 +20247,7 @@
             <a:pPr marL="0" indent="0" algn="ctr">
               <a:buNone/>
             </a:pPr>
-            <a:endParaRPr lang="de-DE" dirty="0" smtClean="0"/>
+            <a:endParaRPr lang="de-DE" dirty="0"/>
           </a:p>
           <a:p>
             <a:pPr marL="0" indent="0" algn="ctr">
@@ -21306,10 +20260,9 @@
               <a:buNone/>
             </a:pPr>
             <a:r>
-              <a:rPr lang="de-DE" sz="5400" b="1" dirty="0" smtClean="0"/>
+              <a:rPr lang="de-DE" sz="5400" b="1" dirty="0"/>
               <a:t>Happy Hacking</a:t>
             </a:r>
-            <a:endParaRPr lang="de-DE" sz="5400" b="1" dirty="0"/>
           </a:p>
         </p:txBody>
       </p:sp>
@@ -21323,13 +20276,6 @@
   <p:clrMapOvr>
     <a:masterClrMapping/>
   </p:clrMapOvr>
-  <p:timing>
-    <p:tnLst>
-      <p:par>
-        <p:cTn id="1" dur="indefinite" restart="never" nodeType="tmRoot"/>
-      </p:par>
-    </p:tnLst>
-  </p:timing>
 </p:sld>
 </file>
 
@@ -21362,14 +20308,15 @@
         </p:nvSpPr>
         <p:spPr/>
         <p:txBody>
-          <a:bodyPr/>
-          <a:lstStyle/>
-          <a:p>
-            <a:r>
-              <a:rPr lang="de-DE" dirty="0" smtClean="0"/>
+          <a:bodyPr>
+            <a:normAutofit/>
+          </a:bodyPr>
+          <a:lstStyle/>
+          <a:p>
+            <a:r>
+              <a:rPr lang="de-DE" sz="4000" dirty="0"/>
               <a:t>Index / Stage anzeigen </a:t>
             </a:r>
-            <a:endParaRPr lang="de-DE" dirty="0"/>
           </a:p>
         </p:txBody>
       </p:sp>
@@ -21409,7 +20356,7 @@
               <a:t> </a:t>
             </a:r>
             <a:r>
-              <a:rPr lang="de-DE" sz="2400" dirty="0" err="1" smtClean="0">
+              <a:rPr lang="de-DE" sz="2400" dirty="0" err="1">
                 <a:solidFill>
                   <a:srgbClr val="00B050"/>
                 </a:solidFill>
@@ -21419,7 +20366,7 @@
               <a:t>ls</a:t>
             </a:r>
             <a:r>
-              <a:rPr lang="de-DE" sz="2400" dirty="0" smtClean="0">
+              <a:rPr lang="de-DE" sz="2400" dirty="0">
                 <a:solidFill>
                   <a:srgbClr val="00B050"/>
                 </a:solidFill>
@@ -21468,7 +20415,7 @@
               <a:buNone/>
             </a:pPr>
             <a:r>
-              <a:rPr lang="de-DE" sz="1600" dirty="0" smtClean="0">
+              <a:rPr lang="de-DE" sz="1600" dirty="0">
                 <a:latin typeface="Consolas" panose="020B0609020204030204" pitchFamily="49" charset="0"/>
                 <a:cs typeface="Consolas" panose="020B0609020204030204" pitchFamily="49" charset="0"/>
               </a:rPr>
@@ -21479,7 +20426,7 @@
             <a:pPr marL="0" indent="0">
               <a:buNone/>
             </a:pPr>
-            <a:endParaRPr lang="de-DE" sz="2400" dirty="0" smtClean="0">
+            <a:endParaRPr lang="de-DE" sz="2400" dirty="0">
               <a:latin typeface="Consolas" panose="020B0609020204030204" pitchFamily="49" charset="0"/>
               <a:cs typeface="Consolas" panose="020B0609020204030204" pitchFamily="49" charset="0"/>
             </a:endParaRPr>
@@ -21490,21 +20437,21 @@
               <a:buChar char="-"/>
             </a:pPr>
             <a:r>
-              <a:rPr lang="de-DE" sz="2400" dirty="0" err="1" smtClean="0">
+              <a:rPr lang="de-DE" sz="2400" dirty="0" err="1">
                 <a:latin typeface="Consolas" panose="020B0609020204030204" pitchFamily="49" charset="0"/>
                 <a:cs typeface="Consolas" panose="020B0609020204030204" pitchFamily="49" charset="0"/>
               </a:rPr>
               <a:t>git</a:t>
             </a:r>
             <a:r>
-              <a:rPr lang="de-DE" sz="2400" dirty="0" smtClean="0">
+              <a:rPr lang="de-DE" sz="2400" dirty="0">
                 <a:latin typeface="Consolas" panose="020B0609020204030204" pitchFamily="49" charset="0"/>
                 <a:cs typeface="Consolas" panose="020B0609020204030204" pitchFamily="49" charset="0"/>
               </a:rPr>
               <a:t> </a:t>
             </a:r>
             <a:r>
-              <a:rPr lang="de-DE" sz="2400" dirty="0" err="1" smtClean="0">
+              <a:rPr lang="de-DE" sz="2400" dirty="0" err="1">
                 <a:solidFill>
                   <a:srgbClr val="00B050"/>
                 </a:solidFill>
@@ -21514,7 +20461,7 @@
               <a:t>ls</a:t>
             </a:r>
             <a:r>
-              <a:rPr lang="de-DE" sz="2400" dirty="0" smtClean="0">
+              <a:rPr lang="de-DE" sz="2400" dirty="0">
                 <a:solidFill>
                   <a:srgbClr val="00B050"/>
                 </a:solidFill>
@@ -21523,20 +20470,13 @@
               </a:rPr>
               <a:t>-files -s</a:t>
             </a:r>
-            <a:endParaRPr lang="de-DE" sz="2400" dirty="0">
-              <a:solidFill>
-                <a:srgbClr val="00B050"/>
-              </a:solidFill>
-              <a:latin typeface="Consolas" panose="020B0609020204030204" pitchFamily="49" charset="0"/>
-              <a:cs typeface="Consolas" panose="020B0609020204030204" pitchFamily="49" charset="0"/>
-            </a:endParaRPr>
           </a:p>
           <a:p>
             <a:pPr>
               <a:buFont typeface="Symbol" panose="05050102010706020507" pitchFamily="18" charset="2"/>
               <a:buChar char="-"/>
             </a:pPr>
-            <a:endParaRPr lang="de-DE" sz="2400" dirty="0" smtClean="0">
+            <a:endParaRPr lang="de-DE" sz="2400" dirty="0">
               <a:latin typeface="Consolas" panose="020B0609020204030204" pitchFamily="49" charset="0"/>
               <a:cs typeface="Consolas" panose="020B0609020204030204" pitchFamily="49" charset="0"/>
             </a:endParaRPr>
@@ -21550,19 +20490,8 @@
                 <a:latin typeface="Consolas" panose="020B0609020204030204" pitchFamily="49" charset="0"/>
                 <a:cs typeface="Consolas" panose="020B0609020204030204" pitchFamily="49" charset="0"/>
               </a:rPr>
-              <a:t>100644 860860d751dd43f1ebe49ed779b294e285b0741a 0	</a:t>
-            </a:r>
-            <a:r>
-              <a:rPr lang="de-DE" sz="1600" dirty="0" smtClean="0">
-                <a:latin typeface="Consolas" panose="020B0609020204030204" pitchFamily="49" charset="0"/>
-                <a:cs typeface="Consolas" panose="020B0609020204030204" pitchFamily="49" charset="0"/>
-              </a:rPr>
-              <a:t>  datei.txt</a:t>
-            </a:r>
-            <a:endParaRPr lang="de-DE" sz="1600" dirty="0">
-              <a:latin typeface="Consolas" panose="020B0609020204030204" pitchFamily="49" charset="0"/>
-              <a:cs typeface="Consolas" panose="020B0609020204030204" pitchFamily="49" charset="0"/>
-            </a:endParaRPr>
+              <a:t>100644 860860d751dd43f1ebe49ed779b294e285b0741a 0	  datei.txt</a:t>
+            </a:r>
           </a:p>
           <a:p>
             <a:pPr marL="0" indent="0">
@@ -21573,19 +20502,8 @@
                 <a:latin typeface="Consolas" panose="020B0609020204030204" pitchFamily="49" charset="0"/>
                 <a:cs typeface="Consolas" panose="020B0609020204030204" pitchFamily="49" charset="0"/>
               </a:rPr>
-              <a:t>100644 b3810d14ab8e18d7790cd60c46dccb91e9d99e44 0	</a:t>
-            </a:r>
-            <a:r>
-              <a:rPr lang="de-DE" sz="1600" dirty="0" smtClean="0">
-                <a:latin typeface="Consolas" panose="020B0609020204030204" pitchFamily="49" charset="0"/>
-                <a:cs typeface="Consolas" panose="020B0609020204030204" pitchFamily="49" charset="0"/>
-              </a:rPr>
-              <a:t>  ganzneu.txt</a:t>
-            </a:r>
-            <a:endParaRPr lang="de-DE" sz="1600" dirty="0">
-              <a:latin typeface="Consolas" panose="020B0609020204030204" pitchFamily="49" charset="0"/>
-              <a:cs typeface="Consolas" panose="020B0609020204030204" pitchFamily="49" charset="0"/>
-            </a:endParaRPr>
+              <a:t>100644 b3810d14ab8e18d7790cd60c46dccb91e9d99e44 0	  ganzneu.txt</a:t>
+            </a:r>
           </a:p>
           <a:p>
             <a:pPr marL="0" indent="0">
@@ -21596,25 +20514,14 @@
                 <a:latin typeface="Consolas" panose="020B0609020204030204" pitchFamily="49" charset="0"/>
                 <a:cs typeface="Consolas" panose="020B0609020204030204" pitchFamily="49" charset="0"/>
               </a:rPr>
-              <a:t>100644 cb3511ef420f17ff737a29136ff5237e932e0886 0	</a:t>
-            </a:r>
-            <a:r>
-              <a:rPr lang="de-DE" sz="1600" dirty="0" smtClean="0">
-                <a:latin typeface="Consolas" panose="020B0609020204030204" pitchFamily="49" charset="0"/>
-                <a:cs typeface="Consolas" panose="020B0609020204030204" pitchFamily="49" charset="0"/>
-              </a:rPr>
-              <a:t>  versehentlich.txt</a:t>
-            </a:r>
-            <a:endParaRPr lang="de-DE" sz="1600" dirty="0">
-              <a:latin typeface="Consolas" panose="020B0609020204030204" pitchFamily="49" charset="0"/>
-              <a:cs typeface="Consolas" panose="020B0609020204030204" pitchFamily="49" charset="0"/>
-            </a:endParaRPr>
+              <a:t>100644 cb3511ef420f17ff737a29136ff5237e932e0886 0	  versehentlich.txt</a:t>
+            </a:r>
           </a:p>
           <a:p>
             <a:pPr marL="0" indent="0">
               <a:buNone/>
             </a:pPr>
-            <a:endParaRPr lang="de-DE" sz="2400" dirty="0" smtClean="0">
+            <a:endParaRPr lang="de-DE" sz="2400" dirty="0">
               <a:latin typeface="Consolas" panose="020B0609020204030204" pitchFamily="49" charset="0"/>
               <a:cs typeface="Consolas" panose="020B0609020204030204" pitchFamily="49" charset="0"/>
             </a:endParaRPr>
@@ -21631,13 +20538,6 @@
   <p:clrMapOvr>
     <a:masterClrMapping/>
   </p:clrMapOvr>
-  <p:timing>
-    <p:tnLst>
-      <p:par>
-        <p:cTn id="1" dur="indefinite" restart="never" nodeType="tmRoot"/>
-      </p:par>
-    </p:tnLst>
-  </p:timing>
 </p:sld>
 </file>
 
@@ -21670,14 +20570,15 @@
         </p:nvSpPr>
         <p:spPr/>
         <p:txBody>
-          <a:bodyPr/>
-          <a:lstStyle/>
-          <a:p>
-            <a:r>
-              <a:rPr lang="de-DE" dirty="0" smtClean="0"/>
+          <a:bodyPr>
+            <a:normAutofit/>
+          </a:bodyPr>
+          <a:lstStyle/>
+          <a:p>
+            <a:r>
+              <a:rPr lang="de-DE" sz="4000" dirty="0"/>
               <a:t>Commit (-Dateien) anzeigen</a:t>
             </a:r>
-            <a:endParaRPr lang="de-DE" dirty="0"/>
           </a:p>
         </p:txBody>
       </p:sp>
@@ -21731,28 +20632,7 @@
                 <a:latin typeface="Consolas" panose="020B0609020204030204" pitchFamily="49" charset="0"/>
                 <a:cs typeface="Consolas" panose="020B0609020204030204" pitchFamily="49" charset="0"/>
               </a:rPr>
-              <a:t> </a:t>
-            </a:r>
-            <a:r>
-              <a:rPr lang="de-DE" sz="2400" dirty="0" smtClean="0">
-                <a:latin typeface="Consolas" panose="020B0609020204030204" pitchFamily="49" charset="0"/>
-                <a:cs typeface="Consolas" panose="020B0609020204030204" pitchFamily="49" charset="0"/>
-              </a:rPr>
-              <a:t>-</a:t>
-            </a:r>
-            <a:r>
-              <a:rPr lang="de-DE" sz="2400" dirty="0">
-                <a:latin typeface="Consolas" panose="020B0609020204030204" pitchFamily="49" charset="0"/>
-                <a:cs typeface="Consolas" panose="020B0609020204030204" pitchFamily="49" charset="0"/>
-              </a:rPr>
-              <a:t>r </a:t>
-            </a:r>
-            <a:r>
-              <a:rPr lang="de-DE" sz="2400" dirty="0" smtClean="0">
-                <a:latin typeface="Consolas" panose="020B0609020204030204" pitchFamily="49" charset="0"/>
-                <a:cs typeface="Consolas" panose="020B0609020204030204" pitchFamily="49" charset="0"/>
-              </a:rPr>
-              <a:t>HEAD</a:t>
+              <a:t> -r HEAD</a:t>
             </a:r>
           </a:p>
           <a:p>
@@ -21787,19 +20667,8 @@
                 <a:latin typeface="Consolas" panose="020B0609020204030204" pitchFamily="49" charset="0"/>
                 <a:cs typeface="Consolas" panose="020B0609020204030204" pitchFamily="49" charset="0"/>
               </a:rPr>
-              <a:t> </a:t>
-            </a:r>
-            <a:r>
-              <a:rPr lang="de-DE" sz="1600" dirty="0" smtClean="0">
-                <a:latin typeface="Consolas" panose="020B0609020204030204" pitchFamily="49" charset="0"/>
-                <a:cs typeface="Consolas" panose="020B0609020204030204" pitchFamily="49" charset="0"/>
-              </a:rPr>
-              <a:t>860860d751dd43f1ebe49ed779b294e285b0741a   datei.txt</a:t>
-            </a:r>
-            <a:endParaRPr lang="de-DE" sz="1600" dirty="0">
-              <a:latin typeface="Consolas" panose="020B0609020204030204" pitchFamily="49" charset="0"/>
-              <a:cs typeface="Consolas" panose="020B0609020204030204" pitchFamily="49" charset="0"/>
-            </a:endParaRPr>
+              <a:t> 860860d751dd43f1ebe49ed779b294e285b0741a   datei.txt</a:t>
+            </a:r>
           </a:p>
           <a:p>
             <a:pPr marL="0" indent="0">
@@ -21824,19 +20693,8 @@
                 <a:latin typeface="Consolas" panose="020B0609020204030204" pitchFamily="49" charset="0"/>
                 <a:cs typeface="Consolas" panose="020B0609020204030204" pitchFamily="49" charset="0"/>
               </a:rPr>
-              <a:t> </a:t>
-            </a:r>
-            <a:r>
-              <a:rPr lang="de-DE" sz="1600" dirty="0" smtClean="0">
-                <a:latin typeface="Consolas" panose="020B0609020204030204" pitchFamily="49" charset="0"/>
-                <a:cs typeface="Consolas" panose="020B0609020204030204" pitchFamily="49" charset="0"/>
-              </a:rPr>
-              <a:t>b3810d14ab8e18d7790cd60c46dccb91e9d99e44   ganzneu.txt</a:t>
-            </a:r>
-            <a:endParaRPr lang="de-DE" sz="1600" dirty="0">
-              <a:latin typeface="Consolas" panose="020B0609020204030204" pitchFamily="49" charset="0"/>
-              <a:cs typeface="Consolas" panose="020B0609020204030204" pitchFamily="49" charset="0"/>
-            </a:endParaRPr>
+              <a:t> b3810d14ab8e18d7790cd60c46dccb91e9d99e44   ganzneu.txt</a:t>
+            </a:r>
           </a:p>
           <a:p>
             <a:pPr marL="0" indent="0">
@@ -21861,26 +20719,15 @@
                 <a:latin typeface="Consolas" panose="020B0609020204030204" pitchFamily="49" charset="0"/>
                 <a:cs typeface="Consolas" panose="020B0609020204030204" pitchFamily="49" charset="0"/>
               </a:rPr>
-              <a:t> </a:t>
-            </a:r>
-            <a:r>
-              <a:rPr lang="de-DE" sz="1600" dirty="0" smtClean="0">
-                <a:latin typeface="Consolas" panose="020B0609020204030204" pitchFamily="49" charset="0"/>
-                <a:cs typeface="Consolas" panose="020B0609020204030204" pitchFamily="49" charset="0"/>
-              </a:rPr>
-              <a:t>cb3511ef420f17ff737a29136ff5237e932e0886   versehentlich.txt</a:t>
-            </a:r>
-            <a:endParaRPr lang="de-DE" sz="1600" dirty="0">
-              <a:latin typeface="Consolas" panose="020B0609020204030204" pitchFamily="49" charset="0"/>
-              <a:cs typeface="Consolas" panose="020B0609020204030204" pitchFamily="49" charset="0"/>
-            </a:endParaRPr>
+              <a:t> cb3511ef420f17ff737a29136ff5237e932e0886   versehentlich.txt</a:t>
+            </a:r>
           </a:p>
           <a:p>
             <a:pPr>
               <a:buFont typeface="Symbol" panose="05050102010706020507" pitchFamily="18" charset="2"/>
               <a:buChar char="-"/>
             </a:pPr>
-            <a:endParaRPr lang="de-DE" sz="2400" dirty="0" smtClean="0">
+            <a:endParaRPr lang="de-DE" sz="2400" dirty="0">
               <a:latin typeface="Consolas" panose="020B0609020204030204" pitchFamily="49" charset="0"/>
               <a:cs typeface="Consolas" panose="020B0609020204030204" pitchFamily="49" charset="0"/>
             </a:endParaRPr>
@@ -21919,14 +20766,7 @@
                 <a:latin typeface="Consolas" panose="020B0609020204030204" pitchFamily="49" charset="0"/>
                 <a:cs typeface="Consolas" panose="020B0609020204030204" pitchFamily="49" charset="0"/>
               </a:rPr>
-              <a:t> -r </a:t>
-            </a:r>
-            <a:r>
-              <a:rPr lang="de-DE" sz="2400" dirty="0" smtClean="0">
-                <a:latin typeface="Consolas" panose="020B0609020204030204" pitchFamily="49" charset="0"/>
-                <a:cs typeface="Consolas" panose="020B0609020204030204" pitchFamily="49" charset="0"/>
-              </a:rPr>
-              <a:t>HEAD~3</a:t>
+              <a:t> -r HEAD~3</a:t>
             </a:r>
           </a:p>
           <a:p>
@@ -21934,7 +20774,7 @@
               <a:buFont typeface="Symbol" panose="05050102010706020507" pitchFamily="18" charset="2"/>
               <a:buChar char="-"/>
             </a:pPr>
-            <a:endParaRPr lang="de-DE" sz="2400" dirty="0" smtClean="0">
+            <a:endParaRPr lang="de-DE" sz="2400" dirty="0">
               <a:latin typeface="Consolas" panose="020B0609020204030204" pitchFamily="49" charset="0"/>
               <a:cs typeface="Consolas" panose="020B0609020204030204" pitchFamily="49" charset="0"/>
             </a:endParaRPr>
@@ -21962,19 +20802,8 @@
                 <a:latin typeface="Consolas" panose="020B0609020204030204" pitchFamily="49" charset="0"/>
                 <a:cs typeface="Consolas" panose="020B0609020204030204" pitchFamily="49" charset="0"/>
               </a:rPr>
-              <a:t> </a:t>
-            </a:r>
-            <a:r>
-              <a:rPr lang="de-DE" sz="1600" dirty="0" smtClean="0">
-                <a:latin typeface="Consolas" panose="020B0609020204030204" pitchFamily="49" charset="0"/>
-                <a:cs typeface="Consolas" panose="020B0609020204030204" pitchFamily="49" charset="0"/>
-              </a:rPr>
-              <a:t>b3810d14ab8e18d7790cd60c46dccb91e9d99e44   ganzneu.txt</a:t>
-            </a:r>
-            <a:endParaRPr lang="de-DE" sz="1600" dirty="0">
-              <a:latin typeface="Consolas" panose="020B0609020204030204" pitchFamily="49" charset="0"/>
-              <a:cs typeface="Consolas" panose="020B0609020204030204" pitchFamily="49" charset="0"/>
-            </a:endParaRPr>
+              <a:t> b3810d14ab8e18d7790cd60c46dccb91e9d99e44   ganzneu.txt</a:t>
+            </a:r>
           </a:p>
           <a:p>
             <a:pPr marL="0" indent="0">
@@ -21999,26 +20828,15 @@
                 <a:latin typeface="Consolas" panose="020B0609020204030204" pitchFamily="49" charset="0"/>
                 <a:cs typeface="Consolas" panose="020B0609020204030204" pitchFamily="49" charset="0"/>
               </a:rPr>
-              <a:t> </a:t>
-            </a:r>
-            <a:r>
-              <a:rPr lang="de-DE" sz="1600" dirty="0" smtClean="0">
-                <a:latin typeface="Consolas" panose="020B0609020204030204" pitchFamily="49" charset="0"/>
-                <a:cs typeface="Consolas" panose="020B0609020204030204" pitchFamily="49" charset="0"/>
-              </a:rPr>
-              <a:t>cb3511ef420f17ff737a29136ff5237e932e0886   versehentlich.txt</a:t>
-            </a:r>
-            <a:endParaRPr lang="de-DE" sz="1600" dirty="0">
-              <a:latin typeface="Consolas" panose="020B0609020204030204" pitchFamily="49" charset="0"/>
-              <a:cs typeface="Consolas" panose="020B0609020204030204" pitchFamily="49" charset="0"/>
-            </a:endParaRPr>
+              <a:t> cb3511ef420f17ff737a29136ff5237e932e0886   versehentlich.txt</a:t>
+            </a:r>
           </a:p>
           <a:p>
             <a:pPr>
               <a:buFont typeface="Symbol" panose="05050102010706020507" pitchFamily="18" charset="2"/>
               <a:buChar char="-"/>
             </a:pPr>
-            <a:endParaRPr lang="de-DE" sz="2400" dirty="0" smtClean="0">
+            <a:endParaRPr lang="de-DE" sz="2400" dirty="0">
               <a:latin typeface="Consolas" panose="020B0609020204030204" pitchFamily="49" charset="0"/>
               <a:cs typeface="Consolas" panose="020B0609020204030204" pitchFamily="49" charset="0"/>
             </a:endParaRPr>
@@ -22064,13 +20882,6 @@
   <p:clrMapOvr>
     <a:masterClrMapping/>
   </p:clrMapOvr>
-  <p:timing>
-    <p:tnLst>
-      <p:par>
-        <p:cTn id="1" dur="indefinite" restart="never" nodeType="tmRoot"/>
-      </p:par>
-    </p:tnLst>
-  </p:timing>
 </p:sld>
 </file>
 
@@ -22103,14 +20914,15 @@
         </p:nvSpPr>
         <p:spPr/>
         <p:txBody>
-          <a:bodyPr/>
-          <a:lstStyle/>
-          <a:p>
-            <a:r>
-              <a:rPr lang="de-DE" dirty="0" smtClean="0"/>
+          <a:bodyPr>
+            <a:normAutofit/>
+          </a:bodyPr>
+          <a:lstStyle/>
+          <a:p>
+            <a:r>
+              <a:rPr lang="de-DE" sz="4000" dirty="0"/>
               <a:t>Inhalte anzeigen</a:t>
             </a:r>
-            <a:endParaRPr lang="de-DE" dirty="0"/>
           </a:p>
         </p:txBody>
       </p:sp>
@@ -22155,7 +20967,7 @@
               <a:t> </a:t>
             </a:r>
             <a:r>
-              <a:rPr lang="de-DE" sz="2400" dirty="0" err="1" smtClean="0">
+              <a:rPr lang="de-DE" sz="2400" dirty="0" err="1">
                 <a:solidFill>
                   <a:srgbClr val="00B050"/>
                 </a:solidFill>
@@ -22165,7 +20977,7 @@
               <a:t>cat</a:t>
             </a:r>
             <a:r>
-              <a:rPr lang="de-DE" sz="2400" dirty="0" smtClean="0">
+              <a:rPr lang="de-DE" sz="2400" dirty="0">
                 <a:solidFill>
                   <a:srgbClr val="00B050"/>
                 </a:solidFill>
@@ -22175,20 +20987,20 @@
               <a:t>-file</a:t>
             </a:r>
             <a:r>
-              <a:rPr lang="de-DE" sz="2400" dirty="0" smtClean="0">
+              <a:rPr lang="de-DE" sz="2400" dirty="0">
                 <a:latin typeface="Consolas" panose="020B0609020204030204" pitchFamily="49" charset="0"/>
                 <a:cs typeface="Consolas" panose="020B0609020204030204" pitchFamily="49" charset="0"/>
               </a:rPr>
               <a:t> -p </a:t>
             </a:r>
             <a:r>
-              <a:rPr lang="de-DE" sz="2400" dirty="0" err="1" smtClean="0">
+              <a:rPr lang="de-DE" sz="2400" dirty="0" err="1">
                 <a:latin typeface="Consolas" panose="020B0609020204030204" pitchFamily="49" charset="0"/>
                 <a:cs typeface="Consolas" panose="020B0609020204030204" pitchFamily="49" charset="0"/>
               </a:rPr>
               <a:t>HEAD:versehentlich.txt</a:t>
             </a:r>
-            <a:endParaRPr lang="de-DE" sz="2400" dirty="0" smtClean="0">
+            <a:endParaRPr lang="de-DE" sz="2400" dirty="0">
               <a:latin typeface="Consolas" panose="020B0609020204030204" pitchFamily="49" charset="0"/>
               <a:cs typeface="Consolas" panose="020B0609020204030204" pitchFamily="49" charset="0"/>
             </a:endParaRPr>
@@ -22198,7 +21010,7 @@
               <a:buNone/>
             </a:pPr>
             <a:r>
-              <a:rPr lang="de-DE" sz="2400" dirty="0" smtClean="0">
+              <a:rPr lang="de-DE" sz="2400" dirty="0">
                 <a:solidFill>
                   <a:schemeClr val="accent6">
                     <a:lumMod val="75000"/>
@@ -22215,7 +21027,7 @@
               <a:buFont typeface="Symbol" panose="05050102010706020507" pitchFamily="18" charset="2"/>
               <a:buChar char="-"/>
             </a:pPr>
-            <a:endParaRPr lang="de-DE" sz="2400" dirty="0" smtClean="0">
+            <a:endParaRPr lang="de-DE" sz="2400" dirty="0">
               <a:latin typeface="Consolas" panose="020B0609020204030204" pitchFamily="49" charset="0"/>
               <a:cs typeface="Consolas" panose="020B0609020204030204" pitchFamily="49" charset="0"/>
             </a:endParaRPr>
@@ -22264,14 +21076,7 @@
                 <a:latin typeface="Consolas" panose="020B0609020204030204" pitchFamily="49" charset="0"/>
                 <a:cs typeface="Consolas" panose="020B0609020204030204" pitchFamily="49" charset="0"/>
               </a:rPr>
-              <a:t> -p </a:t>
-            </a:r>
-            <a:r>
-              <a:rPr lang="de-DE" sz="2400" dirty="0" smtClean="0">
-                <a:latin typeface="Consolas" panose="020B0609020204030204" pitchFamily="49" charset="0"/>
-                <a:cs typeface="Consolas" panose="020B0609020204030204" pitchFamily="49" charset="0"/>
-              </a:rPr>
-              <a:t>:versehentlich.txt</a:t>
+              <a:t> -p :versehentlich.txt</a:t>
             </a:r>
           </a:p>
           <a:p>
@@ -22288,19 +21093,7 @@
                 <a:latin typeface="Consolas" panose="020B0609020204030204" pitchFamily="49" charset="0"/>
                 <a:cs typeface="Consolas" panose="020B0609020204030204" pitchFamily="49" charset="0"/>
               </a:rPr>
-              <a:t>Inhalt der Datei aus </a:t>
-            </a:r>
-            <a:r>
-              <a:rPr lang="de-DE" sz="2400" dirty="0" smtClean="0">
-                <a:solidFill>
-                  <a:schemeClr val="accent6">
-                    <a:lumMod val="75000"/>
-                  </a:schemeClr>
-                </a:solidFill>
-                <a:latin typeface="Consolas" panose="020B0609020204030204" pitchFamily="49" charset="0"/>
-                <a:cs typeface="Consolas" panose="020B0609020204030204" pitchFamily="49" charset="0"/>
-              </a:rPr>
-              <a:t>dem Index</a:t>
+              <a:t>Inhalt der Datei aus dem Index</a:t>
             </a:r>
           </a:p>
           <a:p>
@@ -22325,30 +21118,20 @@
                 <a:latin typeface="Consolas" panose="020B0609020204030204" pitchFamily="49" charset="0"/>
                 <a:cs typeface="Consolas" panose="020B0609020204030204" pitchFamily="49" charset="0"/>
               </a:rPr>
-              <a:t>c</a:t>
-            </a:r>
-            <a:r>
-              <a:rPr lang="de-DE" sz="2400" dirty="0" err="1" smtClean="0">
+              <a:t>cat</a:t>
+            </a:r>
+            <a:r>
+              <a:rPr lang="de-DE" sz="2400" dirty="0">
                 <a:solidFill>
                   <a:srgbClr val="00B050"/>
                 </a:solidFill>
                 <a:latin typeface="Consolas" panose="020B0609020204030204" pitchFamily="49" charset="0"/>
                 <a:cs typeface="Consolas" panose="020B0609020204030204" pitchFamily="49" charset="0"/>
               </a:rPr>
-              <a:t>at</a:t>
-            </a:r>
-            <a:r>
-              <a:rPr lang="de-DE" sz="2400" dirty="0" smtClean="0">
-                <a:solidFill>
-                  <a:srgbClr val="00B050"/>
-                </a:solidFill>
-                <a:latin typeface="Consolas" panose="020B0609020204030204" pitchFamily="49" charset="0"/>
-                <a:cs typeface="Consolas" panose="020B0609020204030204" pitchFamily="49" charset="0"/>
-              </a:rPr>
               <a:t> </a:t>
             </a:r>
             <a:r>
-              <a:rPr lang="de-DE" sz="2400" dirty="0" smtClean="0">
+              <a:rPr lang="de-DE" sz="2400" dirty="0">
                 <a:latin typeface="Consolas" panose="020B0609020204030204" pitchFamily="49" charset="0"/>
                 <a:cs typeface="Consolas" panose="020B0609020204030204" pitchFamily="49" charset="0"/>
               </a:rPr>
@@ -22369,29 +21152,8 @@
                 <a:latin typeface="Consolas" panose="020B0609020204030204" pitchFamily="49" charset="0"/>
                 <a:cs typeface="Consolas" panose="020B0609020204030204" pitchFamily="49" charset="0"/>
               </a:rPr>
-              <a:t>Inhalt der Datei </a:t>
-            </a:r>
-            <a:r>
-              <a:rPr lang="de-DE" sz="2400" dirty="0" smtClean="0">
-                <a:solidFill>
-                  <a:schemeClr val="accent6">
-                    <a:lumMod val="75000"/>
-                  </a:schemeClr>
-                </a:solidFill>
-                <a:latin typeface="Consolas" panose="020B0609020204030204" pitchFamily="49" charset="0"/>
-                <a:cs typeface="Consolas" panose="020B0609020204030204" pitchFamily="49" charset="0"/>
-              </a:rPr>
-              <a:t>auf der lokalen Platte</a:t>
-            </a:r>
-            <a:endParaRPr lang="de-DE" sz="2400" dirty="0">
-              <a:solidFill>
-                <a:schemeClr val="accent6">
-                  <a:lumMod val="75000"/>
-                </a:schemeClr>
-              </a:solidFill>
-              <a:latin typeface="Consolas" panose="020B0609020204030204" pitchFamily="49" charset="0"/>
-              <a:cs typeface="Consolas" panose="020B0609020204030204" pitchFamily="49" charset="0"/>
-            </a:endParaRPr>
+              <a:t>Inhalt der Datei auf der lokalen Platte</a:t>
+            </a:r>
           </a:p>
           <a:p>
             <a:pPr>
@@ -22433,13 +21195,6 @@
   <p:clrMapOvr>
     <a:masterClrMapping/>
   </p:clrMapOvr>
-  <p:timing>
-    <p:tnLst>
-      <p:par>
-        <p:cTn id="1" dur="indefinite" restart="never" nodeType="tmRoot"/>
-      </p:par>
-    </p:tnLst>
-  </p:timing>
 </p:sld>
 </file>
 
@@ -22478,7 +21233,7 @@
             <a:pPr marL="0" indent="0" algn="ctr">
               <a:buNone/>
             </a:pPr>
-            <a:endParaRPr lang="de-DE" dirty="0" smtClean="0"/>
+            <a:endParaRPr lang="de-DE" dirty="0"/>
           </a:p>
           <a:p>
             <a:pPr marL="0" indent="0" algn="ctr">
@@ -22491,10 +21246,9 @@
               <a:buNone/>
             </a:pPr>
             <a:r>
-              <a:rPr lang="de-DE" sz="5400" b="1" dirty="0" smtClean="0"/>
+              <a:rPr lang="de-DE" sz="5400" b="1" dirty="0"/>
               <a:t>Kompensationen</a:t>
             </a:r>
-            <a:endParaRPr lang="de-DE" sz="5400" b="1" dirty="0"/>
           </a:p>
         </p:txBody>
       </p:sp>
@@ -22508,13 +21262,6 @@
   <p:clrMapOvr>
     <a:masterClrMapping/>
   </p:clrMapOvr>
-  <p:timing>
-    <p:tnLst>
-      <p:par>
-        <p:cTn id="1" dur="indefinite" restart="never" nodeType="tmRoot"/>
-      </p:par>
-    </p:tnLst>
-  </p:timing>
 </p:sld>
 </file>
 
@@ -22547,18 +21294,20 @@
         </p:nvSpPr>
         <p:spPr/>
         <p:txBody>
-          <a:bodyPr/>
-          <a:lstStyle/>
-          <a:p>
-            <a:r>
-              <a:rPr lang="de-DE" dirty="0" smtClean="0"/>
+          <a:bodyPr>
+            <a:normAutofit/>
+          </a:bodyPr>
+          <a:lstStyle/>
+          <a:p>
+            <a:r>
+              <a:rPr lang="de-DE" sz="4000" dirty="0"/>
               <a:t>Versehentliches </a:t>
             </a:r>
             <a:r>
-              <a:rPr lang="de-DE" dirty="0" err="1" smtClean="0"/>
+              <a:rPr lang="de-DE" sz="4000" dirty="0" err="1"/>
               <a:t>add</a:t>
             </a:r>
-            <a:endParaRPr lang="de-DE" dirty="0"/>
+            <a:endParaRPr lang="de-DE" sz="4000" dirty="0"/>
           </a:p>
         </p:txBody>
       </p:sp>
@@ -22589,28 +21338,28 @@
               <a:buChar char="-"/>
             </a:pPr>
             <a:r>
-              <a:rPr lang="de-DE" sz="2400" dirty="0" smtClean="0">
+              <a:rPr lang="de-DE" sz="2400" dirty="0">
                 <a:latin typeface="Consolas" panose="020B0609020204030204" pitchFamily="49" charset="0"/>
                 <a:cs typeface="Consolas" panose="020B0609020204030204" pitchFamily="49" charset="0"/>
               </a:rPr>
               <a:t> </a:t>
             </a:r>
             <a:r>
-              <a:rPr lang="de-DE" sz="2400" dirty="0" err="1" smtClean="0">
+              <a:rPr lang="de-DE" sz="2400" dirty="0" err="1">
                 <a:latin typeface="Consolas" panose="020B0609020204030204" pitchFamily="49" charset="0"/>
                 <a:cs typeface="Consolas" panose="020B0609020204030204" pitchFamily="49" charset="0"/>
               </a:rPr>
               <a:t>git</a:t>
             </a:r>
             <a:r>
-              <a:rPr lang="de-DE" sz="2400" dirty="0" smtClean="0">
+              <a:rPr lang="de-DE" sz="2400" dirty="0">
                 <a:latin typeface="Consolas" panose="020B0609020204030204" pitchFamily="49" charset="0"/>
                 <a:cs typeface="Consolas" panose="020B0609020204030204" pitchFamily="49" charset="0"/>
               </a:rPr>
               <a:t> </a:t>
             </a:r>
             <a:r>
-              <a:rPr lang="de-DE" sz="2400" dirty="0" err="1" smtClean="0">
+              <a:rPr lang="de-DE" sz="2400" dirty="0" err="1">
                 <a:solidFill>
                   <a:srgbClr val="C00000"/>
                 </a:solidFill>
@@ -22620,7 +21369,7 @@
               <a:t>add</a:t>
             </a:r>
             <a:r>
-              <a:rPr lang="de-DE" sz="2400" dirty="0" smtClean="0">
+              <a:rPr lang="de-DE" sz="2400" dirty="0">
                 <a:solidFill>
                   <a:srgbClr val="C00000"/>
                 </a:solidFill>
@@ -22630,7 +21379,7 @@
               <a:t> </a:t>
             </a:r>
             <a:r>
-              <a:rPr lang="de-DE" sz="2400" dirty="0" smtClean="0">
+              <a:rPr lang="de-DE" sz="2400" dirty="0">
                 <a:latin typeface="Consolas" panose="020B0609020204030204" pitchFamily="49" charset="0"/>
                 <a:cs typeface="Consolas" panose="020B0609020204030204" pitchFamily="49" charset="0"/>
               </a:rPr>
@@ -22648,10 +21397,6 @@
               </a:rPr>
               <a:t>´</a:t>
             </a:r>
-            <a:endParaRPr lang="de-DE" sz="2400" dirty="0" smtClean="0">
-              <a:latin typeface="Consolas" panose="020B0609020204030204" pitchFamily="49" charset="0"/>
-              <a:cs typeface="Consolas" panose="020B0609020204030204" pitchFamily="49" charset="0"/>
-            </a:endParaRPr>
           </a:p>
           <a:p>
             <a:pPr marL="0" indent="0">
@@ -22661,17 +21406,8 @@
               <a:rPr lang="de-DE" sz="1800" dirty="0">
                 <a:cs typeface="Consolas" panose="020B0609020204030204" pitchFamily="49" charset="0"/>
               </a:rPr>
-              <a:t>Kompensation</a:t>
-            </a:r>
-            <a:r>
-              <a:rPr lang="de-DE" sz="1800" dirty="0" smtClean="0">
-                <a:cs typeface="Consolas" panose="020B0609020204030204" pitchFamily="49" charset="0"/>
-              </a:rPr>
-              <a:t>:</a:t>
-            </a:r>
-            <a:endParaRPr lang="de-DE" sz="1800" dirty="0" smtClean="0">
-              <a:cs typeface="Consolas" panose="020B0609020204030204" pitchFamily="49" charset="0"/>
-            </a:endParaRPr>
+              <a:t>Kompensation:</a:t>
+            </a:r>
           </a:p>
           <a:p>
             <a:pPr>
@@ -22720,26 +21456,12 @@
               <a:t> </a:t>
             </a:r>
             <a:r>
-              <a:rPr lang="de-DE" sz="2400" dirty="0" smtClean="0">
+              <a:rPr lang="de-DE" sz="2400" dirty="0">
                 <a:latin typeface="Consolas" panose="020B0609020204030204" pitchFamily="49" charset="0"/>
                 <a:cs typeface="Consolas" panose="020B0609020204030204" pitchFamily="49" charset="0"/>
               </a:rPr>
               <a:t>versehentlich.txt</a:t>
             </a:r>
-            <a:endParaRPr lang="de-DE" sz="2400" dirty="0">
-              <a:latin typeface="Consolas" panose="020B0609020204030204" pitchFamily="49" charset="0"/>
-              <a:cs typeface="Consolas" panose="020B0609020204030204" pitchFamily="49" charset="0"/>
-            </a:endParaRPr>
-          </a:p>
-          <a:p>
-            <a:pPr>
-              <a:buFont typeface="Symbol" panose="05050102010706020507" pitchFamily="18" charset="2"/>
-              <a:buChar char="-"/>
-            </a:pPr>
-            <a:endParaRPr lang="de-DE" sz="2400" dirty="0" smtClean="0">
-              <a:latin typeface="Consolas" panose="020B0609020204030204" pitchFamily="49" charset="0"/>
-              <a:cs typeface="Consolas" panose="020B0609020204030204" pitchFamily="49" charset="0"/>
-            </a:endParaRPr>
           </a:p>
           <a:p>
             <a:pPr>
@@ -22752,6 +21474,16 @@
             </a:endParaRPr>
           </a:p>
           <a:p>
+            <a:pPr>
+              <a:buFont typeface="Symbol" panose="05050102010706020507" pitchFamily="18" charset="2"/>
+              <a:buChar char="-"/>
+            </a:pPr>
+            <a:endParaRPr lang="de-DE" sz="2400" dirty="0">
+              <a:latin typeface="Consolas" panose="020B0609020204030204" pitchFamily="49" charset="0"/>
+              <a:cs typeface="Consolas" panose="020B0609020204030204" pitchFamily="49" charset="0"/>
+            </a:endParaRPr>
+          </a:p>
+          <a:p>
             <a:pPr marL="0" indent="0">
               <a:buNone/>
             </a:pPr>
@@ -22764,7 +21496,7 @@
             <a:pPr marL="0" indent="0">
               <a:buNone/>
             </a:pPr>
-            <a:endParaRPr lang="de-DE" sz="2400" dirty="0" smtClean="0">
+            <a:endParaRPr lang="de-DE" sz="2400" dirty="0">
               <a:latin typeface="Consolas" panose="020B0609020204030204" pitchFamily="49" charset="0"/>
               <a:cs typeface="Consolas" panose="020B0609020204030204" pitchFamily="49" charset="0"/>
             </a:endParaRPr>
@@ -22775,21 +21507,21 @@
               <a:buChar char="-"/>
             </a:pPr>
             <a:r>
-              <a:rPr lang="de-DE" sz="2400" dirty="0" smtClean="0">
+              <a:rPr lang="de-DE" sz="2400" dirty="0">
                 <a:latin typeface="Consolas" panose="020B0609020204030204" pitchFamily="49" charset="0"/>
                 <a:cs typeface="Consolas" panose="020B0609020204030204" pitchFamily="49" charset="0"/>
               </a:rPr>
               <a:t> </a:t>
             </a:r>
             <a:r>
-              <a:rPr lang="de-DE" sz="2400" dirty="0" err="1" smtClean="0">
+              <a:rPr lang="de-DE" sz="2400" dirty="0" err="1">
                 <a:latin typeface="Consolas" panose="020B0609020204030204" pitchFamily="49" charset="0"/>
                 <a:cs typeface="Consolas" panose="020B0609020204030204" pitchFamily="49" charset="0"/>
               </a:rPr>
               <a:t>git</a:t>
             </a:r>
             <a:r>
-              <a:rPr lang="de-DE" sz="2400" dirty="0" smtClean="0">
+              <a:rPr lang="de-DE" sz="2400" dirty="0">
                 <a:latin typeface="Consolas" panose="020B0609020204030204" pitchFamily="49" charset="0"/>
                 <a:cs typeface="Consolas" panose="020B0609020204030204" pitchFamily="49" charset="0"/>
               </a:rPr>
@@ -22842,17 +21574,13 @@
               </a:rPr>
               <a:t>versehentlich.txt </a:t>
             </a:r>
-            <a:endParaRPr lang="de-DE" sz="2400" dirty="0" smtClean="0">
-              <a:latin typeface="Consolas" panose="020B0609020204030204" pitchFamily="49" charset="0"/>
-              <a:cs typeface="Consolas" panose="020B0609020204030204" pitchFamily="49" charset="0"/>
-            </a:endParaRPr>
           </a:p>
           <a:p>
             <a:pPr>
               <a:buFont typeface="Symbol" panose="05050102010706020507" pitchFamily="18" charset="2"/>
               <a:buChar char="-"/>
             </a:pPr>
-            <a:endParaRPr lang="de-DE" sz="2400" dirty="0" smtClean="0">
+            <a:endParaRPr lang="de-DE" sz="2400" dirty="0">
               <a:latin typeface="Consolas" panose="020B0609020204030204" pitchFamily="49" charset="0"/>
               <a:cs typeface="Consolas" panose="020B0609020204030204" pitchFamily="49" charset="0"/>
             </a:endParaRPr>
@@ -22861,7 +21589,7 @@
             <a:pPr marL="0" indent="0">
               <a:buNone/>
             </a:pPr>
-            <a:endParaRPr lang="de-DE" sz="2000" dirty="0" smtClean="0">
+            <a:endParaRPr lang="de-DE" sz="2000" dirty="0">
               <a:latin typeface="+mj-lt"/>
               <a:cs typeface="Consolas" panose="020B0609020204030204" pitchFamily="49" charset="0"/>
             </a:endParaRPr>
@@ -22870,7 +21598,7 @@
             <a:pPr marL="0" indent="0">
               <a:buNone/>
             </a:pPr>
-            <a:endParaRPr lang="de-DE" sz="2400" dirty="0" smtClean="0">
+            <a:endParaRPr lang="de-DE" sz="2400" dirty="0">
               <a:latin typeface="+mj-lt"/>
               <a:cs typeface="Consolas" panose="020B0609020204030204" pitchFamily="49" charset="0"/>
             </a:endParaRPr>
@@ -23034,10 +21762,9 @@
           <a:lstStyle/>
           <a:p>
             <a:r>
-              <a:rPr lang="de-DE" sz="1600" dirty="0" smtClean="0"/>
+              <a:rPr lang="de-DE" sz="1600" dirty="0"/>
               <a:t>versehentlich.txt</a:t>
             </a:r>
-            <a:endParaRPr lang="de-DE" sz="1600" dirty="0"/>
           </a:p>
         </p:txBody>
       </p:sp>
@@ -23071,10 +21798,9 @@
           <a:lstStyle/>
           <a:p>
             <a:r>
-              <a:rPr lang="de-DE" sz="1600" dirty="0" smtClean="0"/>
+              <a:rPr lang="de-DE" sz="1600" dirty="0"/>
               <a:t>versehentlich.txt</a:t>
             </a:r>
-            <a:endParaRPr lang="de-DE" sz="1600" dirty="0"/>
           </a:p>
         </p:txBody>
       </p:sp>
@@ -23108,10 +21834,9 @@
           <a:lstStyle/>
           <a:p>
             <a:r>
-              <a:rPr lang="de-DE" sz="1600" dirty="0" smtClean="0"/>
+              <a:rPr lang="de-DE" sz="1600" dirty="0"/>
               <a:t>datei.txt</a:t>
             </a:r>
-            <a:endParaRPr lang="de-DE" sz="1600" dirty="0"/>
           </a:p>
         </p:txBody>
       </p:sp>
@@ -23145,10 +21870,9 @@
           <a:lstStyle/>
           <a:p>
             <a:r>
-              <a:rPr lang="de-DE" sz="1600" dirty="0" smtClean="0"/>
+              <a:rPr lang="de-DE" sz="1600" dirty="0"/>
               <a:t>datei.txt</a:t>
             </a:r>
-            <a:endParaRPr lang="de-DE" sz="1600" dirty="0"/>
           </a:p>
         </p:txBody>
       </p:sp>
@@ -23309,10 +22033,9 @@
           <a:lstStyle/>
           <a:p>
             <a:r>
-              <a:rPr lang="de-DE" sz="1600" dirty="0" smtClean="0"/>
+              <a:rPr lang="de-DE" sz="1600" dirty="0"/>
               <a:t>datei.txt</a:t>
             </a:r>
-            <a:endParaRPr lang="de-DE" sz="1600" dirty="0"/>
           </a:p>
         </p:txBody>
       </p:sp>
@@ -23346,10 +22069,9 @@
           <a:lstStyle/>
           <a:p>
             <a:r>
-              <a:rPr lang="de-DE" sz="1600" dirty="0" smtClean="0"/>
+              <a:rPr lang="de-DE" sz="1600" dirty="0"/>
               <a:t>datei.txt</a:t>
             </a:r>
-            <a:endParaRPr lang="de-DE" sz="1600" dirty="0"/>
           </a:p>
         </p:txBody>
       </p:sp>
@@ -23510,10 +22232,9 @@
           <a:lstStyle/>
           <a:p>
             <a:r>
-              <a:rPr lang="de-DE" sz="1600" dirty="0" smtClean="0"/>
+              <a:rPr lang="de-DE" sz="1600" dirty="0"/>
               <a:t>versehentlich.txt</a:t>
             </a:r>
-            <a:endParaRPr lang="de-DE" sz="1600" dirty="0"/>
           </a:p>
         </p:txBody>
       </p:sp>
@@ -23547,10 +22268,9 @@
           <a:lstStyle/>
           <a:p>
             <a:r>
-              <a:rPr lang="de-DE" sz="1600" dirty="0" smtClean="0"/>
+              <a:rPr lang="de-DE" sz="1600" dirty="0"/>
               <a:t>versehentlich.txt</a:t>
             </a:r>
-            <a:endParaRPr lang="de-DE" sz="1600" dirty="0"/>
           </a:p>
         </p:txBody>
       </p:sp>
@@ -23584,10 +22304,9 @@
           <a:lstStyle/>
           <a:p>
             <a:r>
-              <a:rPr lang="de-DE" sz="1600" dirty="0" smtClean="0"/>
+              <a:rPr lang="de-DE" sz="1600" dirty="0"/>
               <a:t>datei.txt</a:t>
             </a:r>
-            <a:endParaRPr lang="de-DE" sz="1600" dirty="0"/>
           </a:p>
         </p:txBody>
       </p:sp>
@@ -23621,10 +22340,9 @@
           <a:lstStyle/>
           <a:p>
             <a:r>
-              <a:rPr lang="de-DE" sz="1600" dirty="0" smtClean="0"/>
+              <a:rPr lang="de-DE" sz="1600" dirty="0"/>
               <a:t>datei.txt</a:t>
             </a:r>
-            <a:endParaRPr lang="de-DE" sz="1600" dirty="0"/>
           </a:p>
         </p:txBody>
       </p:sp>
@@ -23785,10 +22503,9 @@
           <a:lstStyle/>
           <a:p>
             <a:r>
-              <a:rPr lang="de-DE" sz="1600" dirty="0" smtClean="0"/>
+              <a:rPr lang="de-DE" sz="1600" dirty="0"/>
               <a:t>versehentlich.txt</a:t>
             </a:r>
-            <a:endParaRPr lang="de-DE" sz="1600" dirty="0"/>
           </a:p>
         </p:txBody>
       </p:sp>
@@ -23822,10 +22539,9 @@
           <a:lstStyle/>
           <a:p>
             <a:r>
-              <a:rPr lang="de-DE" sz="1600" dirty="0" smtClean="0"/>
+              <a:rPr lang="de-DE" sz="1600" dirty="0"/>
               <a:t>datei.txt</a:t>
             </a:r>
-            <a:endParaRPr lang="de-DE" sz="1600" dirty="0"/>
           </a:p>
         </p:txBody>
       </p:sp>
@@ -23859,10 +22575,9 @@
           <a:lstStyle/>
           <a:p>
             <a:r>
-              <a:rPr lang="de-DE" sz="1600" dirty="0" smtClean="0"/>
+              <a:rPr lang="de-DE" sz="1600" dirty="0"/>
               <a:t>datei.txt</a:t>
             </a:r>
-            <a:endParaRPr lang="de-DE" sz="1600" dirty="0"/>
           </a:p>
         </p:txBody>
       </p:sp>
@@ -23889,7 +22604,7 @@
           <a:lstStyle/>
           <a:p>
             <a:r>
-              <a:rPr lang="de-DE" sz="1400" dirty="0" smtClean="0">
+              <a:rPr lang="de-DE" sz="1400" dirty="0">
                 <a:solidFill>
                   <a:schemeClr val="tx2">
                     <a:lumMod val="60000"/>
@@ -23899,14 +22614,6 @@
               </a:rPr>
               <a:t>Working Directory</a:t>
             </a:r>
-            <a:endParaRPr lang="de-DE" sz="1400" dirty="0">
-              <a:solidFill>
-                <a:schemeClr val="tx2">
-                  <a:lumMod val="60000"/>
-                  <a:lumOff val="40000"/>
-                </a:schemeClr>
-              </a:solidFill>
-            </a:endParaRPr>
           </a:p>
         </p:txBody>
       </p:sp>
@@ -23933,7 +22640,7 @@
           <a:lstStyle/>
           <a:p>
             <a:r>
-              <a:rPr lang="de-DE" sz="1400" dirty="0" smtClean="0">
+              <a:rPr lang="de-DE" sz="1400" dirty="0">
                 <a:solidFill>
                   <a:schemeClr val="tx2">
                     <a:lumMod val="60000"/>
@@ -23943,14 +22650,6 @@
               </a:rPr>
               <a:t>Stage / Index</a:t>
             </a:r>
-            <a:endParaRPr lang="de-DE" sz="1400" dirty="0">
-              <a:solidFill>
-                <a:schemeClr val="tx2">
-                  <a:lumMod val="60000"/>
-                  <a:lumOff val="40000"/>
-                </a:schemeClr>
-              </a:solidFill>
-            </a:endParaRPr>
           </a:p>
         </p:txBody>
       </p:sp>
@@ -24044,13 +22743,6 @@
   <p:clrMapOvr>
     <a:masterClrMapping/>
   </p:clrMapOvr>
-  <p:timing>
-    <p:tnLst>
-      <p:par>
-        <p:cTn id="1" dur="indefinite" restart="never" nodeType="tmRoot"/>
-      </p:par>
-    </p:tnLst>
-  </p:timing>
 </p:sld>
 </file>
 
@@ -24083,18 +22775,20 @@
         </p:nvSpPr>
         <p:spPr/>
         <p:txBody>
-          <a:bodyPr/>
-          <a:lstStyle/>
-          <a:p>
-            <a:r>
-              <a:rPr lang="de-DE" dirty="0" smtClean="0"/>
+          <a:bodyPr>
+            <a:normAutofit/>
+          </a:bodyPr>
+          <a:lstStyle/>
+          <a:p>
+            <a:r>
+              <a:rPr lang="de-DE" sz="4000" dirty="0"/>
               <a:t>Versehentliches </a:t>
             </a:r>
             <a:r>
-              <a:rPr lang="de-DE" dirty="0" err="1" smtClean="0"/>
+              <a:rPr lang="de-DE" sz="4000" dirty="0" err="1"/>
               <a:t>add</a:t>
             </a:r>
-            <a:endParaRPr lang="de-DE" dirty="0"/>
+            <a:endParaRPr lang="de-DE" sz="4000" dirty="0"/>
           </a:p>
         </p:txBody>
       </p:sp>
@@ -24125,28 +22819,28 @@
               <a:buChar char="-"/>
             </a:pPr>
             <a:r>
-              <a:rPr lang="de-DE" sz="2400" dirty="0" smtClean="0">
+              <a:rPr lang="de-DE" sz="2400" dirty="0">
                 <a:latin typeface="Consolas" panose="020B0609020204030204" pitchFamily="49" charset="0"/>
                 <a:cs typeface="Consolas" panose="020B0609020204030204" pitchFamily="49" charset="0"/>
               </a:rPr>
               <a:t> </a:t>
             </a:r>
             <a:r>
-              <a:rPr lang="de-DE" sz="2400" dirty="0" err="1" smtClean="0">
+              <a:rPr lang="de-DE" sz="2400" dirty="0" err="1">
                 <a:latin typeface="Consolas" panose="020B0609020204030204" pitchFamily="49" charset="0"/>
                 <a:cs typeface="Consolas" panose="020B0609020204030204" pitchFamily="49" charset="0"/>
               </a:rPr>
               <a:t>git</a:t>
             </a:r>
             <a:r>
-              <a:rPr lang="de-DE" sz="2400" dirty="0" smtClean="0">
+              <a:rPr lang="de-DE" sz="2400" dirty="0">
                 <a:latin typeface="Consolas" panose="020B0609020204030204" pitchFamily="49" charset="0"/>
                 <a:cs typeface="Consolas" panose="020B0609020204030204" pitchFamily="49" charset="0"/>
               </a:rPr>
               <a:t> </a:t>
             </a:r>
             <a:r>
-              <a:rPr lang="de-DE" sz="2400" dirty="0" err="1" smtClean="0">
+              <a:rPr lang="de-DE" sz="2400" dirty="0" err="1">
                 <a:solidFill>
                   <a:srgbClr val="C00000"/>
                 </a:solidFill>
@@ -24156,7 +22850,7 @@
               <a:t>add</a:t>
             </a:r>
             <a:r>
-              <a:rPr lang="de-DE" sz="2400" dirty="0" smtClean="0">
+              <a:rPr lang="de-DE" sz="2400" dirty="0">
                 <a:solidFill>
                   <a:srgbClr val="C00000"/>
                 </a:solidFill>
@@ -24166,7 +22860,7 @@
               <a:t> </a:t>
             </a:r>
             <a:r>
-              <a:rPr lang="de-DE" sz="2400" dirty="0" smtClean="0">
+              <a:rPr lang="de-DE" sz="2400" dirty="0">
                 <a:latin typeface="Consolas" panose="020B0609020204030204" pitchFamily="49" charset="0"/>
                 <a:cs typeface="Consolas" panose="020B0609020204030204" pitchFamily="49" charset="0"/>
               </a:rPr>
@@ -24178,7 +22872,7 @@
               <a:buFont typeface="Symbol" panose="05050102010706020507" pitchFamily="18" charset="2"/>
               <a:buChar char="-"/>
             </a:pPr>
-            <a:endParaRPr lang="de-DE" sz="2400" dirty="0" smtClean="0">
+            <a:endParaRPr lang="de-DE" sz="2400" dirty="0">
               <a:latin typeface="Consolas" panose="020B0609020204030204" pitchFamily="49" charset="0"/>
               <a:cs typeface="Consolas" panose="020B0609020204030204" pitchFamily="49" charset="0"/>
             </a:endParaRPr>
@@ -24191,13 +22885,7 @@
               <a:rPr lang="de-DE" sz="1800" dirty="0">
                 <a:cs typeface="Consolas" panose="020B0609020204030204" pitchFamily="49" charset="0"/>
               </a:rPr>
-              <a:t>Kompensation</a:t>
-            </a:r>
-            <a:r>
-              <a:rPr lang="de-DE" sz="1800" dirty="0" smtClean="0">
-                <a:cs typeface="Consolas" panose="020B0609020204030204" pitchFamily="49" charset="0"/>
-              </a:rPr>
-              <a:t>:</a:t>
+              <a:t>Kompensation:</a:t>
             </a:r>
             <a:endParaRPr lang="de-DE" sz="1800" dirty="0">
               <a:latin typeface="Consolas" panose="020B0609020204030204" pitchFamily="49" charset="0"/>
@@ -24210,21 +22898,21 @@
               <a:buChar char="-"/>
             </a:pPr>
             <a:r>
-              <a:rPr lang="de-DE" sz="2400" dirty="0" smtClean="0">
+              <a:rPr lang="de-DE" sz="2400" dirty="0">
                 <a:latin typeface="Consolas" panose="020B0609020204030204" pitchFamily="49" charset="0"/>
                 <a:cs typeface="Consolas" panose="020B0609020204030204" pitchFamily="49" charset="0"/>
               </a:rPr>
               <a:t> </a:t>
             </a:r>
             <a:r>
-              <a:rPr lang="de-DE" sz="2400" dirty="0" err="1" smtClean="0">
+              <a:rPr lang="de-DE" sz="2400" dirty="0" err="1">
                 <a:latin typeface="Consolas" panose="020B0609020204030204" pitchFamily="49" charset="0"/>
                 <a:cs typeface="Consolas" panose="020B0609020204030204" pitchFamily="49" charset="0"/>
               </a:rPr>
               <a:t>git</a:t>
             </a:r>
             <a:r>
-              <a:rPr lang="de-DE" sz="2400" dirty="0" smtClean="0">
+              <a:rPr lang="de-DE" sz="2400" dirty="0">
                 <a:latin typeface="Consolas" panose="020B0609020204030204" pitchFamily="49" charset="0"/>
                 <a:cs typeface="Consolas" panose="020B0609020204030204" pitchFamily="49" charset="0"/>
               </a:rPr>
@@ -24277,7 +22965,12 @@
               </a:rPr>
               <a:t>versehentlich.txt </a:t>
             </a:r>
-            <a:endParaRPr lang="de-DE" sz="2400" dirty="0" smtClean="0">
+          </a:p>
+          <a:p>
+            <a:pPr marL="0" indent="0">
+              <a:buNone/>
+            </a:pPr>
+            <a:endParaRPr lang="de-DE" sz="2400" dirty="0">
               <a:latin typeface="Consolas" panose="020B0609020204030204" pitchFamily="49" charset="0"/>
               <a:cs typeface="Consolas" panose="020B0609020204030204" pitchFamily="49" charset="0"/>
             </a:endParaRPr>
@@ -24286,27 +22979,18 @@
             <a:pPr marL="0" indent="0">
               <a:buNone/>
             </a:pPr>
-            <a:endParaRPr lang="de-DE" sz="2400" dirty="0" smtClean="0">
-              <a:latin typeface="Consolas" panose="020B0609020204030204" pitchFamily="49" charset="0"/>
-              <a:cs typeface="Consolas" panose="020B0609020204030204" pitchFamily="49" charset="0"/>
-            </a:endParaRPr>
+            <a:r>
+              <a:rPr lang="de-DE" sz="1800" dirty="0">
+                <a:cs typeface="Consolas" panose="020B0609020204030204" pitchFamily="49" charset="0"/>
+              </a:rPr>
+              <a:t>Alternativ:</a:t>
+            </a:r>
           </a:p>
           <a:p>
             <a:pPr marL="0" indent="0">
               <a:buNone/>
             </a:pPr>
-            <a:r>
-              <a:rPr lang="de-DE" sz="1800" dirty="0" smtClean="0">
-                <a:cs typeface="Consolas" panose="020B0609020204030204" pitchFamily="49" charset="0"/>
-              </a:rPr>
-              <a:t>Alternativ:</a:t>
-            </a:r>
-          </a:p>
-          <a:p>
-            <a:pPr marL="0" indent="0">
-              <a:buNone/>
-            </a:pPr>
-            <a:endParaRPr lang="de-DE" sz="300" dirty="0" smtClean="0">
+            <a:endParaRPr lang="de-DE" sz="300" dirty="0">
               <a:cs typeface="Consolas" panose="020B0609020204030204" pitchFamily="49" charset="0"/>
             </a:endParaRPr>
           </a:p>
@@ -24316,28 +23000,28 @@
               <a:buChar char="-"/>
             </a:pPr>
             <a:r>
-              <a:rPr lang="de-DE" sz="2400" dirty="0" smtClean="0">
+              <a:rPr lang="de-DE" sz="2400" dirty="0">
                 <a:latin typeface="Consolas" panose="020B0609020204030204" pitchFamily="49" charset="0"/>
                 <a:cs typeface="Consolas" panose="020B0609020204030204" pitchFamily="49" charset="0"/>
               </a:rPr>
               <a:t> </a:t>
             </a:r>
             <a:r>
-              <a:rPr lang="de-DE" sz="2400" dirty="0" err="1" smtClean="0">
+              <a:rPr lang="de-DE" sz="2400" dirty="0" err="1">
                 <a:latin typeface="Consolas" panose="020B0609020204030204" pitchFamily="49" charset="0"/>
                 <a:cs typeface="Consolas" panose="020B0609020204030204" pitchFamily="49" charset="0"/>
               </a:rPr>
               <a:t>git</a:t>
             </a:r>
             <a:r>
-              <a:rPr lang="de-DE" sz="2400" dirty="0" smtClean="0">
+              <a:rPr lang="de-DE" sz="2400" dirty="0">
                 <a:latin typeface="Consolas" panose="020B0609020204030204" pitchFamily="49" charset="0"/>
                 <a:cs typeface="Consolas" panose="020B0609020204030204" pitchFamily="49" charset="0"/>
               </a:rPr>
               <a:t> </a:t>
             </a:r>
             <a:r>
-              <a:rPr lang="de-DE" sz="2400" dirty="0" err="1" smtClean="0">
+              <a:rPr lang="de-DE" sz="2400" dirty="0" err="1">
                 <a:solidFill>
                   <a:srgbClr val="00B050"/>
                 </a:solidFill>
@@ -24347,7 +23031,7 @@
               <a:t>reset</a:t>
             </a:r>
             <a:r>
-              <a:rPr lang="de-DE" sz="2400" dirty="0" smtClean="0">
+              <a:rPr lang="de-DE" sz="2400" dirty="0">
                 <a:solidFill>
                   <a:srgbClr val="00B050"/>
                 </a:solidFill>
@@ -24357,7 +23041,7 @@
               <a:t> </a:t>
             </a:r>
             <a:r>
-              <a:rPr lang="de-DE" sz="2400" dirty="0" smtClean="0">
+              <a:rPr lang="de-DE" sz="2400" dirty="0">
                 <a:latin typeface="Consolas" panose="020B0609020204030204" pitchFamily="49" charset="0"/>
                 <a:cs typeface="Consolas" panose="020B0609020204030204" pitchFamily="49" charset="0"/>
               </a:rPr>
@@ -24368,85 +23052,76 @@
             <a:pPr marL="0" indent="0">
               <a:buNone/>
             </a:pPr>
-            <a:endParaRPr lang="de-DE" sz="1700" dirty="0" smtClean="0">
+            <a:endParaRPr lang="de-DE" sz="1700" dirty="0">
               <a:latin typeface="+mj-lt"/>
               <a:cs typeface="Consolas" panose="020B0609020204030204" pitchFamily="49" charset="0"/>
             </a:endParaRPr>
           </a:p>
           <a:p>
             <a:r>
-              <a:rPr lang="de-DE" sz="1700" dirty="0" smtClean="0">
+              <a:rPr lang="de-DE" sz="1700" dirty="0">
                 <a:latin typeface="+mj-lt"/>
                 <a:cs typeface="Consolas" panose="020B0609020204030204" pitchFamily="49" charset="0"/>
               </a:rPr>
               <a:t>Zur Erinnerung:  </a:t>
             </a:r>
             <a:r>
-              <a:rPr lang="de-DE" sz="1600" dirty="0" err="1" smtClean="0">
+              <a:rPr lang="de-DE" sz="1600" dirty="0" err="1">
                 <a:latin typeface="Consolas" panose="020B0609020204030204" pitchFamily="49" charset="0"/>
                 <a:cs typeface="Consolas" panose="020B0609020204030204" pitchFamily="49" charset="0"/>
               </a:rPr>
               <a:t>reset</a:t>
             </a:r>
             <a:r>
-              <a:rPr lang="de-DE" sz="1700" dirty="0" smtClean="0">
+              <a:rPr lang="de-DE" sz="1700" dirty="0">
                 <a:latin typeface="+mj-lt"/>
                 <a:cs typeface="Consolas" panose="020B0609020204030204" pitchFamily="49" charset="0"/>
               </a:rPr>
-              <a:t> </a:t>
-            </a:r>
-            <a:r>
-              <a:rPr lang="de-DE" sz="1700" dirty="0" smtClean="0">
+              <a:t> ersetzt den Index durch den letzten Commit (des akt. </a:t>
+            </a:r>
+            <a:r>
+              <a:rPr lang="de-DE" sz="1700" dirty="0" err="1">
                 <a:latin typeface="+mj-lt"/>
                 <a:cs typeface="Consolas" panose="020B0609020204030204" pitchFamily="49" charset="0"/>
               </a:rPr>
-              <a:t>ersetzt den Index durch den letzten </a:t>
-            </a:r>
-            <a:r>
-              <a:rPr lang="de-DE" sz="1700" dirty="0" smtClean="0">
+              <a:t>Branchs</a:t>
+            </a:r>
+            <a:r>
+              <a:rPr lang="de-DE" sz="1700" dirty="0">
                 <a:latin typeface="+mj-lt"/>
                 <a:cs typeface="Consolas" panose="020B0609020204030204" pitchFamily="49" charset="0"/>
               </a:rPr>
-              <a:t>Commit (des akt. </a:t>
-            </a:r>
-            <a:r>
-              <a:rPr lang="de-DE" sz="1700" dirty="0" err="1" smtClean="0">
+              <a:t>)</a:t>
+            </a:r>
+          </a:p>
+          <a:p>
+            <a:r>
+              <a:rPr lang="de-DE" sz="1700" dirty="0">
                 <a:latin typeface="+mj-lt"/>
                 <a:cs typeface="Consolas" panose="020B0609020204030204" pitchFamily="49" charset="0"/>
               </a:rPr>
-              <a:t>Branchs</a:t>
-            </a:r>
-            <a:r>
-              <a:rPr lang="de-DE" sz="1700" dirty="0" smtClean="0">
+              <a:t>Falls es im letzten Commit die Datei </a:t>
+            </a:r>
+            <a:r>
+              <a:rPr lang="de-DE" sz="1600" dirty="0">
+                <a:latin typeface="Consolas" panose="020B0609020204030204" pitchFamily="49" charset="0"/>
+                <a:cs typeface="Consolas" panose="020B0609020204030204" pitchFamily="49" charset="0"/>
+              </a:rPr>
+              <a:t>versehentlich.txt</a:t>
+            </a:r>
+            <a:r>
+              <a:rPr lang="de-DE" sz="1700" dirty="0">
                 <a:latin typeface="+mj-lt"/>
                 <a:cs typeface="Consolas" panose="020B0609020204030204" pitchFamily="49" charset="0"/>
               </a:rPr>
-              <a:t>)</a:t>
-            </a:r>
-          </a:p>
-          <a:p>
-            <a:r>
-              <a:rPr lang="de-DE" sz="1700" dirty="0" smtClean="0">
-                <a:latin typeface="+mj-lt"/>
-                <a:cs typeface="Consolas" panose="020B0609020204030204" pitchFamily="49" charset="0"/>
-              </a:rPr>
-              <a:t>Falls es im letzten Commit die Datei </a:t>
-            </a:r>
-            <a:r>
-              <a:rPr lang="de-DE" sz="1600" dirty="0" smtClean="0">
-                <a:latin typeface="Consolas" panose="020B0609020204030204" pitchFamily="49" charset="0"/>
-                <a:cs typeface="Consolas" panose="020B0609020204030204" pitchFamily="49" charset="0"/>
-              </a:rPr>
-              <a:t>versehentlich.txt</a:t>
-            </a:r>
-            <a:r>
-              <a:rPr lang="de-DE" sz="1700" dirty="0" smtClean="0">
-                <a:latin typeface="+mj-lt"/>
-                <a:cs typeface="Consolas" panose="020B0609020204030204" pitchFamily="49" charset="0"/>
-              </a:rPr>
               <a:t> nicht gibt, wird sie aus dem Index gelöscht</a:t>
             </a:r>
-            <a:endParaRPr lang="de-DE" sz="1700" dirty="0" smtClean="0">
+          </a:p>
+          <a:p>
+            <a:pPr marL="0" indent="0">
+              <a:buNone/>
+            </a:pPr>
+            <a:endParaRPr lang="de-DE" sz="2000" dirty="0">
               <a:latin typeface="+mj-lt"/>
               <a:cs typeface="Consolas" panose="020B0609020204030204" pitchFamily="49" charset="0"/>
             </a:endParaRPr>
@@ -24455,16 +23130,7 @@
             <a:pPr marL="0" indent="0">
               <a:buNone/>
             </a:pPr>
-            <a:endParaRPr lang="de-DE" sz="2000" dirty="0" smtClean="0">
-              <a:latin typeface="+mj-lt"/>
-              <a:cs typeface="Consolas" panose="020B0609020204030204" pitchFamily="49" charset="0"/>
-            </a:endParaRPr>
-          </a:p>
-          <a:p>
-            <a:pPr marL="0" indent="0">
-              <a:buNone/>
-            </a:pPr>
-            <a:endParaRPr lang="de-DE" sz="2400" dirty="0" smtClean="0">
+            <a:endParaRPr lang="de-DE" sz="2400" dirty="0">
               <a:latin typeface="+mj-lt"/>
               <a:cs typeface="Consolas" panose="020B0609020204030204" pitchFamily="49" charset="0"/>
             </a:endParaRPr>
@@ -24481,13 +23147,6 @@
   <p:clrMapOvr>
     <a:masterClrMapping/>
   </p:clrMapOvr>
-  <p:timing>
-    <p:tnLst>
-      <p:par>
-        <p:cTn id="1" dur="indefinite" restart="never" nodeType="tmRoot"/>
-      </p:par>
-    </p:tnLst>
-  </p:timing>
 </p:sld>
 </file>
 
@@ -24530,22 +23189,22 @@
           <a:lstStyle/>
           <a:p>
             <a:r>
-              <a:rPr lang="de-DE" dirty="0" smtClean="0"/>
+              <a:rPr lang="de-DE" sz="3600" dirty="0"/>
               <a:t>Versehentliches </a:t>
             </a:r>
             <a:r>
-              <a:rPr lang="de-DE" dirty="0" err="1" smtClean="0"/>
+              <a:rPr lang="de-DE" sz="3600" dirty="0" err="1"/>
               <a:t>add</a:t>
             </a:r>
             <a:r>
-              <a:rPr lang="de-DE" dirty="0" smtClean="0"/>
+              <a:rPr lang="de-DE" sz="3600" dirty="0"/>
               <a:t>  &amp; </a:t>
             </a:r>
             <a:r>
-              <a:rPr lang="de-DE" dirty="0" err="1" smtClean="0"/>
+              <a:rPr lang="de-DE" sz="3600" dirty="0" err="1"/>
               <a:t>commit</a:t>
             </a:r>
-            <a:endParaRPr lang="de-DE" dirty="0"/>
+            <a:endParaRPr lang="de-DE" sz="3600" dirty="0"/>
           </a:p>
         </p:txBody>
       </p:sp>
@@ -24573,7 +23232,7 @@
               <a:buFont typeface="Symbol" panose="05050102010706020507" pitchFamily="18" charset="2"/>
               <a:buChar char="-"/>
             </a:pPr>
-            <a:endParaRPr lang="de-DE" sz="2400" dirty="0" smtClean="0">
+            <a:endParaRPr lang="de-DE" sz="2400" dirty="0">
               <a:latin typeface="Consolas" panose="020B0609020204030204" pitchFamily="49" charset="0"/>
               <a:cs typeface="Consolas" panose="020B0609020204030204" pitchFamily="49" charset="0"/>
             </a:endParaRPr>
@@ -24584,28 +23243,28 @@
               <a:buChar char="-"/>
             </a:pPr>
             <a:r>
-              <a:rPr lang="de-DE" sz="2400" dirty="0" smtClean="0">
+              <a:rPr lang="de-DE" sz="2400" dirty="0">
                 <a:latin typeface="Consolas" panose="020B0609020204030204" pitchFamily="49" charset="0"/>
                 <a:cs typeface="Consolas" panose="020B0609020204030204" pitchFamily="49" charset="0"/>
               </a:rPr>
               <a:t> </a:t>
             </a:r>
             <a:r>
-              <a:rPr lang="de-DE" sz="2400" dirty="0" err="1" smtClean="0">
+              <a:rPr lang="de-DE" sz="2400" dirty="0" err="1">
                 <a:latin typeface="Consolas" panose="020B0609020204030204" pitchFamily="49" charset="0"/>
                 <a:cs typeface="Consolas" panose="020B0609020204030204" pitchFamily="49" charset="0"/>
               </a:rPr>
               <a:t>git</a:t>
             </a:r>
             <a:r>
-              <a:rPr lang="de-DE" sz="2400" dirty="0" smtClean="0">
+              <a:rPr lang="de-DE" sz="2400" dirty="0">
                 <a:latin typeface="Consolas" panose="020B0609020204030204" pitchFamily="49" charset="0"/>
                 <a:cs typeface="Consolas" panose="020B0609020204030204" pitchFamily="49" charset="0"/>
               </a:rPr>
               <a:t> </a:t>
             </a:r>
             <a:r>
-              <a:rPr lang="de-DE" sz="2400" dirty="0" err="1" smtClean="0">
+              <a:rPr lang="de-DE" sz="2400" dirty="0" err="1">
                 <a:solidFill>
                   <a:srgbClr val="C00000"/>
                 </a:solidFill>
@@ -24615,7 +23274,7 @@
               <a:t>commit</a:t>
             </a:r>
             <a:r>
-              <a:rPr lang="de-DE" sz="2400" dirty="0" smtClean="0">
+              <a:rPr lang="de-DE" sz="2400" dirty="0">
                 <a:solidFill>
                   <a:srgbClr val="C00000"/>
                 </a:solidFill>
@@ -24625,14 +23284,14 @@
               <a:t> </a:t>
             </a:r>
             <a:r>
-              <a:rPr lang="de-DE" sz="2400" dirty="0" smtClean="0">
+              <a:rPr lang="de-DE" sz="2400" dirty="0">
                 <a:latin typeface="Consolas" panose="020B0609020204030204" pitchFamily="49" charset="0"/>
                 <a:cs typeface="Consolas" panose="020B0609020204030204" pitchFamily="49" charset="0"/>
               </a:rPr>
               <a:t>versehentlich.txt –m </a:t>
             </a:r>
             <a:r>
-              <a:rPr lang="de-DE" sz="2400" dirty="0" smtClean="0">
+              <a:rPr lang="de-DE" sz="2400" dirty="0">
                 <a:solidFill>
                   <a:schemeClr val="tx2">
                     <a:lumMod val="60000"/>
@@ -24651,28 +23310,28 @@
               <a:buChar char="-"/>
             </a:pPr>
             <a:r>
-              <a:rPr lang="de-DE" sz="2400" dirty="0" smtClean="0">
+              <a:rPr lang="de-DE" sz="2400" dirty="0">
                 <a:latin typeface="Consolas" panose="020B0609020204030204" pitchFamily="49" charset="0"/>
                 <a:cs typeface="Consolas" panose="020B0609020204030204" pitchFamily="49" charset="0"/>
               </a:rPr>
               <a:t> </a:t>
             </a:r>
             <a:r>
-              <a:rPr lang="de-DE" sz="2400" dirty="0" err="1" smtClean="0">
+              <a:rPr lang="de-DE" sz="2400" dirty="0" err="1">
                 <a:latin typeface="Consolas" panose="020B0609020204030204" pitchFamily="49" charset="0"/>
                 <a:cs typeface="Consolas" panose="020B0609020204030204" pitchFamily="49" charset="0"/>
               </a:rPr>
               <a:t>git</a:t>
             </a:r>
             <a:r>
-              <a:rPr lang="de-DE" sz="2400" dirty="0" smtClean="0">
+              <a:rPr lang="de-DE" sz="2400" dirty="0">
                 <a:latin typeface="Consolas" panose="020B0609020204030204" pitchFamily="49" charset="0"/>
                 <a:cs typeface="Consolas" panose="020B0609020204030204" pitchFamily="49" charset="0"/>
               </a:rPr>
               <a:t> </a:t>
             </a:r>
             <a:r>
-              <a:rPr lang="de-DE" sz="2400" dirty="0" err="1" smtClean="0">
+              <a:rPr lang="de-DE" sz="2400" dirty="0" err="1">
                 <a:solidFill>
                   <a:srgbClr val="C00000"/>
                 </a:solidFill>
@@ -24682,7 +23341,7 @@
               <a:t>commit</a:t>
             </a:r>
             <a:r>
-              <a:rPr lang="de-DE" sz="2400" dirty="0" smtClean="0">
+              <a:rPr lang="de-DE" sz="2400" dirty="0">
                 <a:solidFill>
                   <a:srgbClr val="C00000"/>
                 </a:solidFill>
@@ -24692,14 +23351,14 @@
               <a:t> </a:t>
             </a:r>
             <a:r>
-              <a:rPr lang="de-DE" sz="2400" dirty="0" smtClean="0">
+              <a:rPr lang="de-DE" sz="2400" dirty="0">
                 <a:latin typeface="Consolas" panose="020B0609020204030204" pitchFamily="49" charset="0"/>
                 <a:cs typeface="Consolas" panose="020B0609020204030204" pitchFamily="49" charset="0"/>
               </a:rPr>
               <a:t>–am </a:t>
             </a:r>
             <a:r>
-              <a:rPr lang="de-DE" sz="2400" dirty="0" smtClean="0">
+              <a:rPr lang="de-DE" sz="2400" dirty="0">
                 <a:solidFill>
                   <a:schemeClr val="tx2">
                     <a:lumMod val="60000"/>
@@ -24716,7 +23375,7 @@
             <a:pPr marL="0" indent="0">
               <a:buNone/>
             </a:pPr>
-            <a:endParaRPr lang="de-DE" sz="2400" dirty="0" smtClean="0">
+            <a:endParaRPr lang="de-DE" sz="2400" dirty="0">
               <a:latin typeface="Consolas" panose="020B0609020204030204" pitchFamily="49" charset="0"/>
               <a:cs typeface="Consolas" panose="020B0609020204030204" pitchFamily="49" charset="0"/>
             </a:endParaRPr>
@@ -24726,14 +23385,11 @@
               <a:buNone/>
             </a:pPr>
             <a:r>
-              <a:rPr lang="de-DE" sz="1800" dirty="0" smtClean="0">
+              <a:rPr lang="de-DE" sz="1800" dirty="0">
                 <a:cs typeface="Consolas" panose="020B0609020204030204" pitchFamily="49" charset="0"/>
               </a:rPr>
               <a:t>Kompensation:</a:t>
             </a:r>
-            <a:endParaRPr lang="de-DE" sz="1800" dirty="0">
-              <a:cs typeface="Consolas" panose="020B0609020204030204" pitchFamily="49" charset="0"/>
-            </a:endParaRPr>
           </a:p>
           <a:p>
             <a:pPr>
@@ -24741,28 +23397,28 @@
               <a:buChar char="-"/>
             </a:pPr>
             <a:r>
-              <a:rPr lang="de-DE" sz="2400" dirty="0" smtClean="0">
+              <a:rPr lang="de-DE" sz="2400" dirty="0">
                 <a:latin typeface="Consolas" panose="020B0609020204030204" pitchFamily="49" charset="0"/>
                 <a:cs typeface="Consolas" panose="020B0609020204030204" pitchFamily="49" charset="0"/>
               </a:rPr>
               <a:t> </a:t>
             </a:r>
             <a:r>
-              <a:rPr lang="de-DE" sz="2400" dirty="0" err="1" smtClean="0">
+              <a:rPr lang="de-DE" sz="2400" dirty="0" err="1">
                 <a:latin typeface="Consolas" panose="020B0609020204030204" pitchFamily="49" charset="0"/>
                 <a:cs typeface="Consolas" panose="020B0609020204030204" pitchFamily="49" charset="0"/>
               </a:rPr>
               <a:t>git</a:t>
             </a:r>
             <a:r>
-              <a:rPr lang="de-DE" sz="2400" dirty="0" smtClean="0">
+              <a:rPr lang="de-DE" sz="2400" dirty="0">
                 <a:latin typeface="Consolas" panose="020B0609020204030204" pitchFamily="49" charset="0"/>
                 <a:cs typeface="Consolas" panose="020B0609020204030204" pitchFamily="49" charset="0"/>
               </a:rPr>
               <a:t> </a:t>
             </a:r>
             <a:r>
-              <a:rPr lang="de-DE" sz="2400" dirty="0" err="1" smtClean="0">
+              <a:rPr lang="de-DE" sz="2400" dirty="0" err="1">
                 <a:solidFill>
                   <a:srgbClr val="00B050"/>
                 </a:solidFill>
@@ -24772,7 +23428,7 @@
               <a:t>rm</a:t>
             </a:r>
             <a:r>
-              <a:rPr lang="de-DE" sz="2400" dirty="0" smtClean="0">
+              <a:rPr lang="de-DE" sz="2400" dirty="0">
                 <a:solidFill>
                   <a:srgbClr val="00B050"/>
                 </a:solidFill>
@@ -24782,7 +23438,7 @@
               <a:t> --</a:t>
             </a:r>
             <a:r>
-              <a:rPr lang="de-DE" sz="2400" dirty="0" err="1" smtClean="0">
+              <a:rPr lang="de-DE" sz="2400" dirty="0" err="1">
                 <a:solidFill>
                   <a:srgbClr val="00B050"/>
                 </a:solidFill>
@@ -24792,7 +23448,7 @@
               <a:t>cached</a:t>
             </a:r>
             <a:r>
-              <a:rPr lang="de-DE" sz="2400" dirty="0" smtClean="0">
+              <a:rPr lang="de-DE" sz="2400" dirty="0">
                 <a:solidFill>
                   <a:srgbClr val="00B050"/>
                 </a:solidFill>
@@ -24802,7 +23458,7 @@
               <a:t> </a:t>
             </a:r>
             <a:r>
-              <a:rPr lang="de-DE" sz="2400" dirty="0" smtClean="0">
+              <a:rPr lang="de-DE" sz="2400" dirty="0">
                 <a:latin typeface="Consolas" panose="020B0609020204030204" pitchFamily="49" charset="0"/>
                 <a:cs typeface="Consolas" panose="020B0609020204030204" pitchFamily="49" charset="0"/>
               </a:rPr>
@@ -24822,21 +23478,21 @@
               <a:t> </a:t>
             </a:r>
             <a:r>
-              <a:rPr lang="de-DE" sz="2400" dirty="0" err="1" smtClean="0">
+              <a:rPr lang="de-DE" sz="2400" dirty="0" err="1">
                 <a:latin typeface="Consolas" panose="020B0609020204030204" pitchFamily="49" charset="0"/>
                 <a:cs typeface="Consolas" panose="020B0609020204030204" pitchFamily="49" charset="0"/>
               </a:rPr>
               <a:t>git</a:t>
             </a:r>
             <a:r>
-              <a:rPr lang="de-DE" sz="2400" dirty="0" smtClean="0">
+              <a:rPr lang="de-DE" sz="2400" dirty="0">
                 <a:latin typeface="Consolas" panose="020B0609020204030204" pitchFamily="49" charset="0"/>
                 <a:cs typeface="Consolas" panose="020B0609020204030204" pitchFamily="49" charset="0"/>
               </a:rPr>
               <a:t> </a:t>
             </a:r>
             <a:r>
-              <a:rPr lang="de-DE" sz="2400" dirty="0" err="1" smtClean="0">
+              <a:rPr lang="de-DE" sz="2400" dirty="0" err="1">
                 <a:solidFill>
                   <a:srgbClr val="00B050"/>
                 </a:solidFill>
@@ -24846,7 +23502,7 @@
               <a:t>commit</a:t>
             </a:r>
             <a:r>
-              <a:rPr lang="de-DE" sz="2400" dirty="0" smtClean="0">
+              <a:rPr lang="de-DE" sz="2400" dirty="0">
                 <a:solidFill>
                   <a:srgbClr val="00B050"/>
                 </a:solidFill>
@@ -24856,14 +23512,14 @@
               <a:t> </a:t>
             </a:r>
             <a:r>
-              <a:rPr lang="de-DE" sz="2400" dirty="0" smtClean="0">
+              <a:rPr lang="de-DE" sz="2400" dirty="0">
                 <a:latin typeface="Consolas" panose="020B0609020204030204" pitchFamily="49" charset="0"/>
                 <a:cs typeface="Consolas" panose="020B0609020204030204" pitchFamily="49" charset="0"/>
               </a:rPr>
               <a:t>–m </a:t>
             </a:r>
             <a:r>
-              <a:rPr lang="de-DE" sz="2400" dirty="0" smtClean="0">
+              <a:rPr lang="de-DE" sz="2400" dirty="0">
                 <a:solidFill>
                   <a:schemeClr val="tx2">
                     <a:lumMod val="60000"/>
@@ -24897,7 +23553,7 @@
               <a:buFont typeface="Symbol" panose="05050102010706020507" pitchFamily="18" charset="2"/>
               <a:buChar char="-"/>
             </a:pPr>
-            <a:endParaRPr lang="de-DE" sz="2400" dirty="0" smtClean="0">
+            <a:endParaRPr lang="de-DE" sz="2400" dirty="0">
               <a:solidFill>
                 <a:schemeClr val="tx2">
                   <a:lumMod val="60000"/>
@@ -24913,16 +23569,10 @@
               <a:buNone/>
             </a:pPr>
             <a:r>
-              <a:rPr lang="de-DE" sz="1800" dirty="0" smtClean="0">
-                <a:cs typeface="Consolas" panose="020B0609020204030204" pitchFamily="49" charset="0"/>
-              </a:rPr>
-              <a:t>Bem</a:t>
-            </a:r>
-            <a:r>
               <a:rPr lang="de-DE" sz="1800" dirty="0">
                 <a:cs typeface="Consolas" panose="020B0609020204030204" pitchFamily="49" charset="0"/>
               </a:rPr>
-              <a:t>.: Die Datei </a:t>
+              <a:t>Bem.: Die Datei </a:t>
             </a:r>
             <a:r>
               <a:rPr lang="de-DE" sz="1600" dirty="0">
@@ -24954,7 +23604,7 @@
             <a:pPr marL="0" indent="0">
               <a:buNone/>
             </a:pPr>
-            <a:endParaRPr lang="de-DE" sz="2400" dirty="0" smtClean="0">
+            <a:endParaRPr lang="de-DE" sz="2400" dirty="0">
               <a:solidFill>
                 <a:schemeClr val="tx2">
                   <a:lumMod val="60000"/>
@@ -24983,13 +23633,6 @@
   <p:clrMapOvr>
     <a:masterClrMapping/>
   </p:clrMapOvr>
-  <p:timing>
-    <p:tnLst>
-      <p:par>
-        <p:cTn id="1" dur="indefinite" restart="never" nodeType="tmRoot"/>
-      </p:par>
-    </p:tnLst>
-  </p:timing>
 </p:sld>
 </file>
 

--- a/GIT.pptx
+++ b/GIT.pptx
@@ -355,7 +355,7 @@
           <a:p>
             <a:fld id="{346C9E4B-661A-4012-86D4-6E0B650EA033}" type="datetimeFigureOut">
               <a:rPr lang="de-DE" smtClean="0"/>
-              <a:t>19.01.19</a:t>
+              <a:t>20.01.19</a:t>
             </a:fld>
             <a:endParaRPr lang="de-DE"/>
           </a:p>
@@ -523,7 +523,7 @@
           <a:p>
             <a:fld id="{346C9E4B-661A-4012-86D4-6E0B650EA033}" type="datetimeFigureOut">
               <a:rPr lang="de-DE" smtClean="0"/>
-              <a:t>19.01.19</a:t>
+              <a:t>20.01.19</a:t>
             </a:fld>
             <a:endParaRPr lang="de-DE"/>
           </a:p>
@@ -701,7 +701,7 @@
           <a:p>
             <a:fld id="{346C9E4B-661A-4012-86D4-6E0B650EA033}" type="datetimeFigureOut">
               <a:rPr lang="de-DE" smtClean="0"/>
-              <a:t>19.01.19</a:t>
+              <a:t>20.01.19</a:t>
             </a:fld>
             <a:endParaRPr lang="de-DE"/>
           </a:p>
@@ -869,7 +869,7 @@
           <a:p>
             <a:fld id="{346C9E4B-661A-4012-86D4-6E0B650EA033}" type="datetimeFigureOut">
               <a:rPr lang="de-DE" smtClean="0"/>
-              <a:t>19.01.19</a:t>
+              <a:t>20.01.19</a:t>
             </a:fld>
             <a:endParaRPr lang="de-DE"/>
           </a:p>
@@ -1114,7 +1114,7 @@
           <a:p>
             <a:fld id="{346C9E4B-661A-4012-86D4-6E0B650EA033}" type="datetimeFigureOut">
               <a:rPr lang="de-DE" smtClean="0"/>
-              <a:t>19.01.19</a:t>
+              <a:t>20.01.19</a:t>
             </a:fld>
             <a:endParaRPr lang="de-DE"/>
           </a:p>
@@ -1399,7 +1399,7 @@
           <a:p>
             <a:fld id="{346C9E4B-661A-4012-86D4-6E0B650EA033}" type="datetimeFigureOut">
               <a:rPr lang="de-DE" smtClean="0"/>
-              <a:t>19.01.19</a:t>
+              <a:t>20.01.19</a:t>
             </a:fld>
             <a:endParaRPr lang="de-DE"/>
           </a:p>
@@ -1818,7 +1818,7 @@
           <a:p>
             <a:fld id="{346C9E4B-661A-4012-86D4-6E0B650EA033}" type="datetimeFigureOut">
               <a:rPr lang="de-DE" smtClean="0"/>
-              <a:t>19.01.19</a:t>
+              <a:t>20.01.19</a:t>
             </a:fld>
             <a:endParaRPr lang="de-DE"/>
           </a:p>
@@ -1935,7 +1935,7 @@
           <a:p>
             <a:fld id="{346C9E4B-661A-4012-86D4-6E0B650EA033}" type="datetimeFigureOut">
               <a:rPr lang="de-DE" smtClean="0"/>
-              <a:t>19.01.19</a:t>
+              <a:t>20.01.19</a:t>
             </a:fld>
             <a:endParaRPr lang="de-DE"/>
           </a:p>
@@ -2030,7 +2030,7 @@
           <a:p>
             <a:fld id="{346C9E4B-661A-4012-86D4-6E0B650EA033}" type="datetimeFigureOut">
               <a:rPr lang="de-DE" smtClean="0"/>
-              <a:t>19.01.19</a:t>
+              <a:t>20.01.19</a:t>
             </a:fld>
             <a:endParaRPr lang="de-DE"/>
           </a:p>
@@ -2305,7 +2305,7 @@
           <a:p>
             <a:fld id="{346C9E4B-661A-4012-86D4-6E0B650EA033}" type="datetimeFigureOut">
               <a:rPr lang="de-DE" smtClean="0"/>
-              <a:t>19.01.19</a:t>
+              <a:t>20.01.19</a:t>
             </a:fld>
             <a:endParaRPr lang="de-DE"/>
           </a:p>
@@ -2557,7 +2557,7 @@
           <a:p>
             <a:fld id="{346C9E4B-661A-4012-86D4-6E0B650EA033}" type="datetimeFigureOut">
               <a:rPr lang="de-DE" smtClean="0"/>
-              <a:t>19.01.19</a:t>
+              <a:t>20.01.19</a:t>
             </a:fld>
             <a:endParaRPr lang="de-DE"/>
           </a:p>
@@ -2768,7 +2768,7 @@
           <a:p>
             <a:fld id="{346C9E4B-661A-4012-86D4-6E0B650EA033}" type="datetimeFigureOut">
               <a:rPr lang="de-DE" smtClean="0"/>
-              <a:t>19.01.19</a:t>
+              <a:t>20.01.19</a:t>
             </a:fld>
             <a:endParaRPr lang="de-DE"/>
           </a:p>
@@ -13409,15 +13409,7 @@
             </a:pPr>
             <a:r>
               <a:rPr lang="en" dirty="0"/>
-              <a:t>Now that they </a:t>
-            </a:r>
-            <a:r>
-              <a:rPr lang="en"/>
-              <a:t>use GIT </a:t>
-            </a:r>
-            <a:r>
-              <a:rPr lang="en" dirty="0"/>
-              <a:t>they spend so much more time in source control than ever before.</a:t>
+              <a:t>Now that they use GIT they spend so much more time in source control than ever before.</a:t>
             </a:r>
           </a:p>
           <a:p>

--- a/GIT.pptx
+++ b/GIT.pptx
@@ -355,7 +355,7 @@
           <a:p>
             <a:fld id="{346C9E4B-661A-4012-86D4-6E0B650EA033}" type="datetimeFigureOut">
               <a:rPr lang="de-DE" smtClean="0"/>
-              <a:t>20.01.19</a:t>
+              <a:t>19.01.19</a:t>
             </a:fld>
             <a:endParaRPr lang="de-DE"/>
           </a:p>
@@ -523,7 +523,7 @@
           <a:p>
             <a:fld id="{346C9E4B-661A-4012-86D4-6E0B650EA033}" type="datetimeFigureOut">
               <a:rPr lang="de-DE" smtClean="0"/>
-              <a:t>20.01.19</a:t>
+              <a:t>19.01.19</a:t>
             </a:fld>
             <a:endParaRPr lang="de-DE"/>
           </a:p>
@@ -701,7 +701,7 @@
           <a:p>
             <a:fld id="{346C9E4B-661A-4012-86D4-6E0B650EA033}" type="datetimeFigureOut">
               <a:rPr lang="de-DE" smtClean="0"/>
-              <a:t>20.01.19</a:t>
+              <a:t>19.01.19</a:t>
             </a:fld>
             <a:endParaRPr lang="de-DE"/>
           </a:p>
@@ -869,7 +869,7 @@
           <a:p>
             <a:fld id="{346C9E4B-661A-4012-86D4-6E0B650EA033}" type="datetimeFigureOut">
               <a:rPr lang="de-DE" smtClean="0"/>
-              <a:t>20.01.19</a:t>
+              <a:t>19.01.19</a:t>
             </a:fld>
             <a:endParaRPr lang="de-DE"/>
           </a:p>
@@ -1114,7 +1114,7 @@
           <a:p>
             <a:fld id="{346C9E4B-661A-4012-86D4-6E0B650EA033}" type="datetimeFigureOut">
               <a:rPr lang="de-DE" smtClean="0"/>
-              <a:t>20.01.19</a:t>
+              <a:t>19.01.19</a:t>
             </a:fld>
             <a:endParaRPr lang="de-DE"/>
           </a:p>
@@ -1399,7 +1399,7 @@
           <a:p>
             <a:fld id="{346C9E4B-661A-4012-86D4-6E0B650EA033}" type="datetimeFigureOut">
               <a:rPr lang="de-DE" smtClean="0"/>
-              <a:t>20.01.19</a:t>
+              <a:t>19.01.19</a:t>
             </a:fld>
             <a:endParaRPr lang="de-DE"/>
           </a:p>
@@ -1818,7 +1818,7 @@
           <a:p>
             <a:fld id="{346C9E4B-661A-4012-86D4-6E0B650EA033}" type="datetimeFigureOut">
               <a:rPr lang="de-DE" smtClean="0"/>
-              <a:t>20.01.19</a:t>
+              <a:t>19.01.19</a:t>
             </a:fld>
             <a:endParaRPr lang="de-DE"/>
           </a:p>
@@ -1935,7 +1935,7 @@
           <a:p>
             <a:fld id="{346C9E4B-661A-4012-86D4-6E0B650EA033}" type="datetimeFigureOut">
               <a:rPr lang="de-DE" smtClean="0"/>
-              <a:t>20.01.19</a:t>
+              <a:t>19.01.19</a:t>
             </a:fld>
             <a:endParaRPr lang="de-DE"/>
           </a:p>
@@ -2030,7 +2030,7 @@
           <a:p>
             <a:fld id="{346C9E4B-661A-4012-86D4-6E0B650EA033}" type="datetimeFigureOut">
               <a:rPr lang="de-DE" smtClean="0"/>
-              <a:t>20.01.19</a:t>
+              <a:t>19.01.19</a:t>
             </a:fld>
             <a:endParaRPr lang="de-DE"/>
           </a:p>
@@ -2305,7 +2305,7 @@
           <a:p>
             <a:fld id="{346C9E4B-661A-4012-86D4-6E0B650EA033}" type="datetimeFigureOut">
               <a:rPr lang="de-DE" smtClean="0"/>
-              <a:t>20.01.19</a:t>
+              <a:t>19.01.19</a:t>
             </a:fld>
             <a:endParaRPr lang="de-DE"/>
           </a:p>
@@ -2557,7 +2557,7 @@
           <a:p>
             <a:fld id="{346C9E4B-661A-4012-86D4-6E0B650EA033}" type="datetimeFigureOut">
               <a:rPr lang="de-DE" smtClean="0"/>
-              <a:t>20.01.19</a:t>
+              <a:t>19.01.19</a:t>
             </a:fld>
             <a:endParaRPr lang="de-DE"/>
           </a:p>
@@ -2768,7 +2768,7 @@
           <a:p>
             <a:fld id="{346C9E4B-661A-4012-86D4-6E0B650EA033}" type="datetimeFigureOut">
               <a:rPr lang="de-DE" smtClean="0"/>
-              <a:t>20.01.19</a:t>
+              <a:t>19.01.19</a:t>
             </a:fld>
             <a:endParaRPr lang="de-DE"/>
           </a:p>
@@ -13409,7 +13409,15 @@
             </a:pPr>
             <a:r>
               <a:rPr lang="en" dirty="0"/>
-              <a:t>Now that they use GIT they spend so much more time in source control than ever before.</a:t>
+              <a:t>Now that they </a:t>
+            </a:r>
+            <a:r>
+              <a:rPr lang="en"/>
+              <a:t>use GIT </a:t>
+            </a:r>
+            <a:r>
+              <a:rPr lang="en" dirty="0"/>
+              <a:t>they spend so much more time in source control than ever before.</a:t>
             </a:r>
           </a:p>
           <a:p>
